--- a/Full-Text_Search/PPT/全文检索入门与实践.pptx
+++ b/Full-Text_Search/PPT/全文检索入门与实践.pptx
@@ -401,7 +401,7 @@
           <a:p>
             <a:fld id="{F06CDC8D-25DE-4581-BD3E-1D12832A0D0D}" type="datetimeFigureOut">
               <a:rPr lang="zh-CN" altLang="en-US" smtClean="0"/>
-              <a:t>2013/9/21</a:t>
+              <a:t>2013/9/22</a:t>
             </a:fld>
             <a:endParaRPr lang="zh-CN" altLang="en-US"/>
           </a:p>
@@ -571,7 +571,7 @@
           <a:p>
             <a:fld id="{F06CDC8D-25DE-4581-BD3E-1D12832A0D0D}" type="datetimeFigureOut">
               <a:rPr lang="zh-CN" altLang="en-US" smtClean="0"/>
-              <a:t>2013/9/21</a:t>
+              <a:t>2013/9/22</a:t>
             </a:fld>
             <a:endParaRPr lang="zh-CN" altLang="en-US"/>
           </a:p>
@@ -751,7 +751,7 @@
           <a:p>
             <a:fld id="{F06CDC8D-25DE-4581-BD3E-1D12832A0D0D}" type="datetimeFigureOut">
               <a:rPr lang="zh-CN" altLang="en-US" smtClean="0"/>
-              <a:t>2013/9/21</a:t>
+              <a:t>2013/9/22</a:t>
             </a:fld>
             <a:endParaRPr lang="zh-CN" altLang="en-US"/>
           </a:p>
@@ -921,7 +921,7 @@
           <a:p>
             <a:fld id="{F06CDC8D-25DE-4581-BD3E-1D12832A0D0D}" type="datetimeFigureOut">
               <a:rPr lang="zh-CN" altLang="en-US" smtClean="0"/>
-              <a:t>2013/9/21</a:t>
+              <a:t>2013/9/22</a:t>
             </a:fld>
             <a:endParaRPr lang="zh-CN" altLang="en-US"/>
           </a:p>
@@ -1167,7 +1167,7 @@
           <a:p>
             <a:fld id="{F06CDC8D-25DE-4581-BD3E-1D12832A0D0D}" type="datetimeFigureOut">
               <a:rPr lang="zh-CN" altLang="en-US" smtClean="0"/>
-              <a:t>2013/9/21</a:t>
+              <a:t>2013/9/22</a:t>
             </a:fld>
             <a:endParaRPr lang="zh-CN" altLang="en-US"/>
           </a:p>
@@ -1455,7 +1455,7 @@
           <a:p>
             <a:fld id="{F06CDC8D-25DE-4581-BD3E-1D12832A0D0D}" type="datetimeFigureOut">
               <a:rPr lang="zh-CN" altLang="en-US" smtClean="0"/>
-              <a:t>2013/9/21</a:t>
+              <a:t>2013/9/22</a:t>
             </a:fld>
             <a:endParaRPr lang="zh-CN" altLang="en-US"/>
           </a:p>
@@ -1877,7 +1877,7 @@
           <a:p>
             <a:fld id="{F06CDC8D-25DE-4581-BD3E-1D12832A0D0D}" type="datetimeFigureOut">
               <a:rPr lang="zh-CN" altLang="en-US" smtClean="0"/>
-              <a:t>2013/9/21</a:t>
+              <a:t>2013/9/22</a:t>
             </a:fld>
             <a:endParaRPr lang="zh-CN" altLang="en-US"/>
           </a:p>
@@ -1995,7 +1995,7 @@
           <a:p>
             <a:fld id="{F06CDC8D-25DE-4581-BD3E-1D12832A0D0D}" type="datetimeFigureOut">
               <a:rPr lang="zh-CN" altLang="en-US" smtClean="0"/>
-              <a:t>2013/9/21</a:t>
+              <a:t>2013/9/22</a:t>
             </a:fld>
             <a:endParaRPr lang="zh-CN" altLang="en-US"/>
           </a:p>
@@ -2090,7 +2090,7 @@
           <a:p>
             <a:fld id="{F06CDC8D-25DE-4581-BD3E-1D12832A0D0D}" type="datetimeFigureOut">
               <a:rPr lang="zh-CN" altLang="en-US" smtClean="0"/>
-              <a:t>2013/9/21</a:t>
+              <a:t>2013/9/22</a:t>
             </a:fld>
             <a:endParaRPr lang="zh-CN" altLang="en-US"/>
           </a:p>
@@ -2367,7 +2367,7 @@
           <a:p>
             <a:fld id="{F06CDC8D-25DE-4581-BD3E-1D12832A0D0D}" type="datetimeFigureOut">
               <a:rPr lang="zh-CN" altLang="en-US" smtClean="0"/>
-              <a:t>2013/9/21</a:t>
+              <a:t>2013/9/22</a:t>
             </a:fld>
             <a:endParaRPr lang="zh-CN" altLang="en-US"/>
           </a:p>
@@ -2620,7 +2620,7 @@
           <a:p>
             <a:fld id="{F06CDC8D-25DE-4581-BD3E-1D12832A0D0D}" type="datetimeFigureOut">
               <a:rPr lang="zh-CN" altLang="en-US" smtClean="0"/>
-              <a:t>2013/9/21</a:t>
+              <a:t>2013/9/22</a:t>
             </a:fld>
             <a:endParaRPr lang="zh-CN" altLang="en-US"/>
           </a:p>
@@ -2833,7 +2833,7 @@
           <a:p>
             <a:fld id="{F06CDC8D-25DE-4581-BD3E-1D12832A0D0D}" type="datetimeFigureOut">
               <a:rPr lang="zh-CN" altLang="en-US" smtClean="0"/>
-              <a:t>2013/9/21</a:t>
+              <a:t>2013/9/22</a:t>
             </a:fld>
             <a:endParaRPr lang="zh-CN" altLang="en-US"/>
           </a:p>
@@ -9242,6 +9242,13 @@
   <p:clrMapOvr>
     <a:masterClrMapping/>
   </p:clrMapOvr>
+  <p:timing>
+    <p:tnLst>
+      <p:par>
+        <p:cTn id="1" dur="indefinite" restart="never" nodeType="tmRoot"/>
+      </p:par>
+    </p:tnLst>
+  </p:timing>
 </p:sld>
 </file>
 
@@ -9629,20 +9636,12 @@
               </a:lnSpc>
             </a:pPr>
             <a:r>
+              <a:rPr lang="zh-CN" altLang="en-US" dirty="0" smtClean="0"/>
+              <a:t>多</a:t>
+            </a:r>
+            <a:r>
               <a:rPr lang="zh-CN" altLang="en-US" dirty="0"/>
-              <a:t>增量实现</a:t>
-            </a:r>
-            <a:endParaRPr lang="en-US" altLang="zh-CN" dirty="0"/>
-          </a:p>
-          <a:p>
-            <a:pPr>
-              <a:lnSpc>
-                <a:spcPct val="150000"/>
-              </a:lnSpc>
-            </a:pPr>
-            <a:r>
-              <a:rPr lang="zh-CN" altLang="en-US" dirty="0"/>
-              <a:t>多实体配置</a:t>
+              <a:t>实体配置</a:t>
             </a:r>
             <a:endParaRPr lang="en-US" altLang="zh-CN" dirty="0"/>
           </a:p>
@@ -10045,7 +10044,7 @@
         </p:nvSpPr>
         <p:spPr>
           <a:xfrm>
-            <a:off x="251520" y="2052918"/>
+            <a:off x="251520" y="1408386"/>
             <a:ext cx="8490219" cy="4184394"/>
           </a:xfrm>
         </p:spPr>
@@ -10084,56 +10083,6 @@
             <a:r>
               <a:rPr lang="en-US" altLang="zh-CN" dirty="0"/>
               <a:t>Faceting</a:t>
-            </a:r>
-          </a:p>
-        </p:txBody>
-      </p:sp>
-      <p:sp>
-        <p:nvSpPr>
-          <p:cNvPr id="6" name="Rectangle 3"/>
-          <p:cNvSpPr/>
-          <p:nvPr/>
-        </p:nvSpPr>
-        <p:spPr>
-          <a:xfrm>
-            <a:off x="448941" y="1369754"/>
-            <a:ext cx="8292799" cy="584661"/>
-          </a:xfrm>
-          <a:prstGeom prst="rect">
-            <a:avLst/>
-          </a:prstGeom>
-        </p:spPr>
-        <p:style>
-          <a:lnRef idx="2">
-            <a:schemeClr val="accent3">
-              <a:shade val="50000"/>
-            </a:schemeClr>
-          </a:lnRef>
-          <a:fillRef idx="1">
-            <a:schemeClr val="accent3"/>
-          </a:fillRef>
-          <a:effectRef idx="0">
-            <a:schemeClr val="accent3"/>
-          </a:effectRef>
-          <a:fontRef idx="minor">
-            <a:schemeClr val="lt1"/>
-          </a:fontRef>
-        </p:style>
-        <p:txBody>
-          <a:bodyPr rtlCol="0" anchor="ctr"/>
-          <a:lstStyle/>
-          <a:p>
-            <a:r>
-              <a:rPr lang="zh-CN" altLang="en-US" sz="2400" dirty="0"/>
-              <a:t>了解</a:t>
-            </a:r>
-            <a:r>
-              <a:rPr lang="en-US" altLang="zh-CN" sz="2400" dirty="0"/>
-              <a:t>multicore</a:t>
-            </a:r>
-            <a:r>
-              <a:rPr lang="zh-CN" altLang="en-US" sz="2400" dirty="0"/>
-              <a:t>的配置使用。</a:t>
             </a:r>
           </a:p>
         </p:txBody>
@@ -10148,6 +10097,13 @@
   <p:clrMapOvr>
     <a:masterClrMapping/>
   </p:clrMapOvr>
+  <p:timing>
+    <p:tnLst>
+      <p:par>
+        <p:cTn id="1" dur="indefinite" restart="never" nodeType="tmRoot"/>
+      </p:par>
+    </p:tnLst>
+  </p:timing>
 </p:sld>
 </file>
 
@@ -11378,166 +11334,6 @@
           </a:xfrm>
         </p:spPr>
       </p:pic>
-      <p:grpSp>
-        <p:nvGrpSpPr>
-          <p:cNvPr id="5" name="Group 4"/>
-          <p:cNvGrpSpPr/>
-          <p:nvPr/>
-        </p:nvGrpSpPr>
-        <p:grpSpPr>
-          <a:xfrm>
-            <a:off x="1582269" y="6135760"/>
-            <a:ext cx="7104531" cy="400110"/>
-            <a:chOff x="4103266" y="6164095"/>
-            <a:chExt cx="7104531" cy="400110"/>
-          </a:xfrm>
-        </p:grpSpPr>
-        <p:sp>
-          <p:nvSpPr>
-            <p:cNvPr id="6" name="Rectangle 5"/>
-            <p:cNvSpPr/>
-            <p:nvPr/>
-          </p:nvSpPr>
-          <p:spPr>
-            <a:xfrm>
-              <a:off x="4758019" y="6164095"/>
-              <a:ext cx="6449778" cy="400110"/>
-            </a:xfrm>
-            <a:prstGeom prst="rect">
-              <a:avLst/>
-            </a:prstGeom>
-            <a:solidFill>
-              <a:srgbClr val="FFC000"/>
-            </a:solidFill>
-            <a:ln>
-              <a:noFill/>
-            </a:ln>
-          </p:spPr>
-          <p:style>
-            <a:lnRef idx="2">
-              <a:schemeClr val="accent2">
-                <a:shade val="50000"/>
-              </a:schemeClr>
-            </a:lnRef>
-            <a:fillRef idx="1">
-              <a:schemeClr val="accent2"/>
-            </a:fillRef>
-            <a:effectRef idx="0">
-              <a:schemeClr val="accent2"/>
-            </a:effectRef>
-            <a:fontRef idx="minor">
-              <a:schemeClr val="lt1"/>
-            </a:fontRef>
-          </p:style>
-          <p:txBody>
-            <a:bodyPr wrap="square">
-              <a:spAutoFit/>
-            </a:bodyPr>
-            <a:lstStyle/>
-            <a:p>
-              <a:r>
-                <a:rPr lang="en-US" altLang="zh-CN" sz="2000" dirty="0" smtClean="0"/>
-                <a:t>http</a:t>
-              </a:r>
-              <a:r>
-                <a:rPr lang="en-US" altLang="zh-CN" sz="2000" dirty="0"/>
-                <a:t>://wiki.apache.org/solr/SolrCloud</a:t>
-              </a:r>
-              <a:endParaRPr lang="en-US" altLang="zh-CN" sz="2000" dirty="0" smtClean="0">
-                <a:solidFill>
-                  <a:schemeClr val="tx1"/>
-                </a:solidFill>
-              </a:endParaRPr>
-            </a:p>
-          </p:txBody>
-        </p:sp>
-        <p:sp>
-          <p:nvSpPr>
-            <p:cNvPr id="7" name="Rectangle 6"/>
-            <p:cNvSpPr/>
-            <p:nvPr/>
-          </p:nvSpPr>
-          <p:spPr>
-            <a:xfrm>
-              <a:off x="4103266" y="6164095"/>
-              <a:ext cx="654753" cy="400110"/>
-            </a:xfrm>
-            <a:prstGeom prst="rect">
-              <a:avLst/>
-            </a:prstGeom>
-            <a:solidFill>
-              <a:schemeClr val="accent2">
-                <a:lumMod val="50000"/>
-              </a:schemeClr>
-            </a:solidFill>
-            <a:ln>
-              <a:noFill/>
-            </a:ln>
-          </p:spPr>
-          <p:style>
-            <a:lnRef idx="2">
-              <a:schemeClr val="accent1">
-                <a:shade val="50000"/>
-              </a:schemeClr>
-            </a:lnRef>
-            <a:fillRef idx="1">
-              <a:schemeClr val="accent1"/>
-            </a:fillRef>
-            <a:effectRef idx="0">
-              <a:schemeClr val="accent1"/>
-            </a:effectRef>
-            <a:fontRef idx="minor">
-              <a:schemeClr val="lt1"/>
-            </a:fontRef>
-          </p:style>
-          <p:txBody>
-            <a:bodyPr rtlCol="0" anchor="ctr"/>
-            <a:lstStyle/>
-            <a:p>
-              <a:pPr algn="ctr"/>
-              <a:endParaRPr lang="zh-CN" altLang="en-US"/>
-            </a:p>
-          </p:txBody>
-        </p:sp>
-        <p:sp>
-          <p:nvSpPr>
-            <p:cNvPr id="8" name="Right Arrow 7"/>
-            <p:cNvSpPr/>
-            <p:nvPr/>
-          </p:nvSpPr>
-          <p:spPr>
-            <a:xfrm>
-              <a:off x="4214191" y="6208643"/>
-              <a:ext cx="410818" cy="315806"/>
-            </a:xfrm>
-            <a:prstGeom prst="rightArrow">
-              <a:avLst/>
-            </a:prstGeom>
-          </p:spPr>
-          <p:style>
-            <a:lnRef idx="1">
-              <a:schemeClr val="accent2"/>
-            </a:lnRef>
-            <a:fillRef idx="3">
-              <a:schemeClr val="accent2"/>
-            </a:fillRef>
-            <a:effectRef idx="2">
-              <a:schemeClr val="accent2"/>
-            </a:effectRef>
-            <a:fontRef idx="minor">
-              <a:schemeClr val="lt1"/>
-            </a:fontRef>
-          </p:style>
-          <p:txBody>
-            <a:bodyPr rtlCol="0" anchor="ctr"/>
-            <a:lstStyle/>
-            <a:p>
-              <a:pPr algn="ctr"/>
-              <a:endParaRPr lang="zh-CN" altLang="en-US"/>
-            </a:p>
-          </p:txBody>
-        </p:sp>
-      </p:grpSp>
     </p:spTree>
     <p:extLst>
       <p:ext uri="{BB962C8B-B14F-4D97-AF65-F5344CB8AC3E}">
@@ -11551,129 +11347,7 @@
   <p:timing>
     <p:tnLst>
       <p:par>
-        <p:cTn id="1" dur="indefinite" restart="never" nodeType="tmRoot">
-          <p:childTnLst>
-            <p:seq concurrent="1" nextAc="seek">
-              <p:cTn id="2" dur="indefinite" nodeType="mainSeq">
-                <p:childTnLst>
-                  <p:par>
-                    <p:cTn id="3" fill="hold">
-                      <p:stCondLst>
-                        <p:cond delay="indefinite"/>
-                      </p:stCondLst>
-                      <p:childTnLst>
-                        <p:par>
-                          <p:cTn id="4" fill="hold">
-                            <p:stCondLst>
-                              <p:cond delay="0"/>
-                            </p:stCondLst>
-                            <p:childTnLst>
-                              <p:par>
-                                <p:cTn id="5" presetID="53" presetClass="entr" presetSubtype="16" fill="hold" nodeType="clickEffect">
-                                  <p:stCondLst>
-                                    <p:cond delay="0"/>
-                                  </p:stCondLst>
-                                  <p:childTnLst>
-                                    <p:set>
-                                      <p:cBhvr>
-                                        <p:cTn id="6" dur="1" fill="hold">
-                                          <p:stCondLst>
-                                            <p:cond delay="0"/>
-                                          </p:stCondLst>
-                                        </p:cTn>
-                                        <p:tgtEl>
-                                          <p:spTgt spid="5"/>
-                                        </p:tgtEl>
-                                        <p:attrNameLst>
-                                          <p:attrName>style.visibility</p:attrName>
-                                        </p:attrNameLst>
-                                      </p:cBhvr>
-                                      <p:to>
-                                        <p:strVal val="visible"/>
-                                      </p:to>
-                                    </p:set>
-                                    <p:anim calcmode="lin" valueType="num">
-                                      <p:cBhvr>
-                                        <p:cTn id="7" dur="500" fill="hold"/>
-                                        <p:tgtEl>
-                                          <p:spTgt spid="5"/>
-                                        </p:tgtEl>
-                                        <p:attrNameLst>
-                                          <p:attrName>ppt_w</p:attrName>
-                                        </p:attrNameLst>
-                                      </p:cBhvr>
-                                      <p:tavLst>
-                                        <p:tav tm="0">
-                                          <p:val>
-                                            <p:fltVal val="0"/>
-                                          </p:val>
-                                        </p:tav>
-                                        <p:tav tm="100000">
-                                          <p:val>
-                                            <p:strVal val="#ppt_w"/>
-                                          </p:val>
-                                        </p:tav>
-                                      </p:tavLst>
-                                    </p:anim>
-                                    <p:anim calcmode="lin" valueType="num">
-                                      <p:cBhvr>
-                                        <p:cTn id="8" dur="500" fill="hold"/>
-                                        <p:tgtEl>
-                                          <p:spTgt spid="5"/>
-                                        </p:tgtEl>
-                                        <p:attrNameLst>
-                                          <p:attrName>ppt_h</p:attrName>
-                                        </p:attrNameLst>
-                                      </p:cBhvr>
-                                      <p:tavLst>
-                                        <p:tav tm="0">
-                                          <p:val>
-                                            <p:fltVal val="0"/>
-                                          </p:val>
-                                        </p:tav>
-                                        <p:tav tm="100000">
-                                          <p:val>
-                                            <p:strVal val="#ppt_h"/>
-                                          </p:val>
-                                        </p:tav>
-                                      </p:tavLst>
-                                    </p:anim>
-                                    <p:animEffect transition="in" filter="fade">
-                                      <p:cBhvr>
-                                        <p:cTn id="9" dur="500"/>
-                                        <p:tgtEl>
-                                          <p:spTgt spid="5"/>
-                                        </p:tgtEl>
-                                      </p:cBhvr>
-                                    </p:animEffect>
-                                  </p:childTnLst>
-                                </p:cTn>
-                              </p:par>
-                            </p:childTnLst>
-                          </p:cTn>
-                        </p:par>
-                      </p:childTnLst>
-                    </p:cTn>
-                  </p:par>
-                </p:childTnLst>
-              </p:cTn>
-              <p:prevCondLst>
-                <p:cond evt="onPrev" delay="0">
-                  <p:tgtEl>
-                    <p:sldTgt/>
-                  </p:tgtEl>
-                </p:cond>
-              </p:prevCondLst>
-              <p:nextCondLst>
-                <p:cond evt="onNext" delay="0">
-                  <p:tgtEl>
-                    <p:sldTgt/>
-                  </p:tgtEl>
-                </p:cond>
-              </p:nextCondLst>
-            </p:seq>
-          </p:childTnLst>
-        </p:cTn>
+        <p:cTn id="1" dur="indefinite" restart="never" nodeType="tmRoot"/>
       </p:par>
     </p:tnLst>
   </p:timing>
@@ -11796,13 +11470,18 @@
           <a:lstStyle/>
           <a:p>
             <a:r>
-              <a:rPr lang="en-US" altLang="zh-CN" dirty="0"/>
-              <a:t>Solr</a:t>
-            </a:r>
-            <a:r>
-              <a:rPr lang="zh-CN" altLang="en-US" dirty="0"/>
-              <a:t>扩展开发</a:t>
-            </a:r>
+              <a:rPr lang="en-US" altLang="zh-CN" dirty="0" err="1" smtClean="0"/>
+              <a:t>SolrCloud</a:t>
+            </a:r>
+            <a:r>
+              <a:rPr lang="en-US" altLang="zh-CN" dirty="0" smtClean="0"/>
+              <a:t> </a:t>
+            </a:r>
+            <a:r>
+              <a:rPr lang="zh-CN" altLang="en-US" dirty="0" smtClean="0"/>
+              <a:t>部署</a:t>
+            </a:r>
+            <a:endParaRPr lang="zh-CN" altLang="en-US" dirty="0"/>
           </a:p>
         </p:txBody>
       </p:sp>
@@ -11818,10 +11497,47 @@
         </p:nvSpPr>
         <p:spPr/>
         <p:txBody>
-          <a:bodyPr/>
+          <a:bodyPr>
+            <a:normAutofit/>
+          </a:bodyPr>
           <a:lstStyle/>
           <a:p>
-            <a:endParaRPr lang="zh-CN" altLang="en-US" dirty="0"/>
+            <a:r>
+              <a:rPr lang="zh-CN" altLang="en-US" sz="2800" dirty="0" smtClean="0"/>
+              <a:t>示例：</a:t>
+            </a:r>
+            <a:r>
+              <a:rPr lang="en-US" altLang="zh-CN" sz="2800" dirty="0"/>
+              <a:t>http://</a:t>
+            </a:r>
+            <a:r>
+              <a:rPr lang="en-US" altLang="zh-CN" sz="2800" dirty="0" smtClean="0"/>
+              <a:t>wiki.apache.org/solr/SolrCloud</a:t>
+            </a:r>
+          </a:p>
+          <a:p>
+            <a:endParaRPr lang="en-US" altLang="zh-CN" sz="2800" dirty="0" smtClean="0"/>
+          </a:p>
+          <a:p>
+            <a:r>
+              <a:rPr lang="zh-CN" altLang="en-US" sz="2800" dirty="0" smtClean="0"/>
+              <a:t>与</a:t>
+            </a:r>
+            <a:r>
+              <a:rPr lang="en-US" altLang="zh-CN" sz="2800" dirty="0" smtClean="0"/>
+              <a:t>tomcat</a:t>
+            </a:r>
+            <a:r>
+              <a:rPr lang="zh-CN" altLang="en-US" sz="2800" dirty="0" smtClean="0"/>
+              <a:t>集成：</a:t>
+            </a:r>
+            <a:r>
+              <a:rPr lang="en-US" altLang="zh-CN" sz="2800" dirty="0"/>
+              <a:t>http://blog.csdn.net/shirdrn/article/details/9718387</a:t>
+            </a:r>
+          </a:p>
+          <a:p>
+            <a:endParaRPr lang="zh-CN" altLang="en-US" sz="2800" dirty="0"/>
           </a:p>
         </p:txBody>
       </p:sp>
@@ -12042,7 +11758,19 @@
             </a:r>
             <a:r>
               <a:rPr lang="en-US" altLang="zh-CN" sz="2000" dirty="0"/>
-              <a:t> in action</a:t>
+              <a:t> in </a:t>
+            </a:r>
+            <a:r>
+              <a:rPr lang="en-US" altLang="zh-CN" sz="2000" dirty="0" smtClean="0"/>
+              <a:t>action </a:t>
+            </a:r>
+            <a:r>
+              <a:rPr lang="zh-CN" altLang="en-US" sz="2000" dirty="0" smtClean="0"/>
+              <a:t>推荐书籍</a:t>
+            </a:r>
+            <a:r>
+              <a:rPr lang="en-US" altLang="zh-CN" sz="2000" dirty="0"/>
+              <a:t/>
             </a:r>
             <a:br>
               <a:rPr lang="en-US" altLang="zh-CN" sz="2000" dirty="0"/>

--- a/Full-Text_Search/PPT/全文检索入门与实践.pptx
+++ b/Full-Text_Search/PPT/全文检索入门与实践.pptx
@@ -4,6 +4,9 @@
   <p:sldMasterIdLst>
     <p:sldMasterId id="2147483648" r:id="rId1"/>
   </p:sldMasterIdLst>
+  <p:notesMasterIdLst>
+    <p:notesMasterId r:id="rId36"/>
+  </p:notesMasterIdLst>
   <p:sldIdLst>
     <p:sldId id="256" r:id="rId2"/>
     <p:sldId id="288" r:id="rId3"/>
@@ -38,6 +41,7 @@
     <p:sldId id="286" r:id="rId32"/>
     <p:sldId id="312" r:id="rId33"/>
     <p:sldId id="287" r:id="rId34"/>
+    <p:sldId id="314" r:id="rId35"/>
   </p:sldIdLst>
   <p:sldSz cx="9144000" cy="6858000" type="screen4x3"/>
   <p:notesSz cx="6858000" cy="9144000"/>
@@ -198,6 +202,7 @@
             <p14:sldId id="286"/>
             <p14:sldId id="312"/>
             <p14:sldId id="287"/>
+            <p14:sldId id="314"/>
           </p14:sldIdLst>
         </p14:section>
       </p14:sectionLst>
@@ -218,6 +223,4085 @@
     </p:ext>
   </p:extLst>
 </p:presentation>
+</file>
+
+<file path=ppt/diagrams/colors1.xml><?xml version="1.0" encoding="utf-8"?>
+<dgm:colorsDef xmlns:dgm="http://schemas.openxmlformats.org/drawingml/2006/diagram" xmlns:a="http://schemas.openxmlformats.org/drawingml/2006/main" uniqueId="urn:microsoft.com/office/officeart/2005/8/colors/accent1_2">
+  <dgm:title val=""/>
+  <dgm:desc val=""/>
+  <dgm:catLst>
+    <dgm:cat type="accent1" pri="11200"/>
+  </dgm:catLst>
+  <dgm:styleLbl name="node0">
+    <dgm:fillClrLst meth="repeat">
+      <a:schemeClr val="accent1"/>
+    </dgm:fillClrLst>
+    <dgm:linClrLst meth="repeat">
+      <a:schemeClr val="lt1"/>
+    </dgm:linClrLst>
+    <dgm:effectClrLst/>
+    <dgm:txLinClrLst/>
+    <dgm:txFillClrLst/>
+    <dgm:txEffectClrLst/>
+  </dgm:styleLbl>
+  <dgm:styleLbl name="alignNode1">
+    <dgm:fillClrLst meth="repeat">
+      <a:schemeClr val="accent1"/>
+    </dgm:fillClrLst>
+    <dgm:linClrLst meth="repeat">
+      <a:schemeClr val="accent1"/>
+    </dgm:linClrLst>
+    <dgm:effectClrLst/>
+    <dgm:txLinClrLst/>
+    <dgm:txFillClrLst/>
+    <dgm:txEffectClrLst/>
+  </dgm:styleLbl>
+  <dgm:styleLbl name="node1">
+    <dgm:fillClrLst meth="repeat">
+      <a:schemeClr val="accent1"/>
+    </dgm:fillClrLst>
+    <dgm:linClrLst meth="repeat">
+      <a:schemeClr val="lt1"/>
+    </dgm:linClrLst>
+    <dgm:effectClrLst/>
+    <dgm:txLinClrLst/>
+    <dgm:txFillClrLst/>
+    <dgm:txEffectClrLst/>
+  </dgm:styleLbl>
+  <dgm:styleLbl name="lnNode1">
+    <dgm:fillClrLst meth="repeat">
+      <a:schemeClr val="accent1"/>
+    </dgm:fillClrLst>
+    <dgm:linClrLst meth="repeat">
+      <a:schemeClr val="lt1"/>
+    </dgm:linClrLst>
+    <dgm:effectClrLst/>
+    <dgm:txLinClrLst/>
+    <dgm:txFillClrLst/>
+    <dgm:txEffectClrLst/>
+  </dgm:styleLbl>
+  <dgm:styleLbl name="vennNode1">
+    <dgm:fillClrLst meth="repeat">
+      <a:schemeClr val="accent1">
+        <a:alpha val="50000"/>
+      </a:schemeClr>
+    </dgm:fillClrLst>
+    <dgm:linClrLst meth="repeat">
+      <a:schemeClr val="lt1"/>
+    </dgm:linClrLst>
+    <dgm:effectClrLst/>
+    <dgm:txLinClrLst/>
+    <dgm:txFillClrLst/>
+    <dgm:txEffectClrLst/>
+  </dgm:styleLbl>
+  <dgm:styleLbl name="node2">
+    <dgm:fillClrLst meth="repeat">
+      <a:schemeClr val="accent1"/>
+    </dgm:fillClrLst>
+    <dgm:linClrLst meth="repeat">
+      <a:schemeClr val="lt1"/>
+    </dgm:linClrLst>
+    <dgm:effectClrLst/>
+    <dgm:txLinClrLst/>
+    <dgm:txFillClrLst/>
+    <dgm:txEffectClrLst/>
+  </dgm:styleLbl>
+  <dgm:styleLbl name="node3">
+    <dgm:fillClrLst meth="repeat">
+      <a:schemeClr val="accent1"/>
+    </dgm:fillClrLst>
+    <dgm:linClrLst meth="repeat">
+      <a:schemeClr val="lt1"/>
+    </dgm:linClrLst>
+    <dgm:effectClrLst/>
+    <dgm:txLinClrLst/>
+    <dgm:txFillClrLst/>
+    <dgm:txEffectClrLst/>
+  </dgm:styleLbl>
+  <dgm:styleLbl name="node4">
+    <dgm:fillClrLst meth="repeat">
+      <a:schemeClr val="accent1"/>
+    </dgm:fillClrLst>
+    <dgm:linClrLst meth="repeat">
+      <a:schemeClr val="lt1"/>
+    </dgm:linClrLst>
+    <dgm:effectClrLst/>
+    <dgm:txLinClrLst/>
+    <dgm:txFillClrLst/>
+    <dgm:txEffectClrLst/>
+  </dgm:styleLbl>
+  <dgm:styleLbl name="fgImgPlace1">
+    <dgm:fillClrLst meth="repeat">
+      <a:schemeClr val="accent1">
+        <a:tint val="50000"/>
+      </a:schemeClr>
+    </dgm:fillClrLst>
+    <dgm:linClrLst meth="repeat">
+      <a:schemeClr val="lt1"/>
+    </dgm:linClrLst>
+    <dgm:effectClrLst/>
+    <dgm:txLinClrLst/>
+    <dgm:txFillClrLst meth="repeat">
+      <a:schemeClr val="lt1"/>
+    </dgm:txFillClrLst>
+    <dgm:txEffectClrLst/>
+  </dgm:styleLbl>
+  <dgm:styleLbl name="alignImgPlace1">
+    <dgm:fillClrLst meth="repeat">
+      <a:schemeClr val="accent1">
+        <a:tint val="50000"/>
+      </a:schemeClr>
+    </dgm:fillClrLst>
+    <dgm:linClrLst meth="repeat">
+      <a:schemeClr val="lt1"/>
+    </dgm:linClrLst>
+    <dgm:effectClrLst/>
+    <dgm:txLinClrLst/>
+    <dgm:txFillClrLst meth="repeat">
+      <a:schemeClr val="lt1"/>
+    </dgm:txFillClrLst>
+    <dgm:txEffectClrLst/>
+  </dgm:styleLbl>
+  <dgm:styleLbl name="bgImgPlace1">
+    <dgm:fillClrLst meth="repeat">
+      <a:schemeClr val="accent1">
+        <a:tint val="50000"/>
+      </a:schemeClr>
+    </dgm:fillClrLst>
+    <dgm:linClrLst meth="repeat">
+      <a:schemeClr val="lt1"/>
+    </dgm:linClrLst>
+    <dgm:effectClrLst/>
+    <dgm:txLinClrLst/>
+    <dgm:txFillClrLst meth="repeat">
+      <a:schemeClr val="lt1"/>
+    </dgm:txFillClrLst>
+    <dgm:txEffectClrLst/>
+  </dgm:styleLbl>
+  <dgm:styleLbl name="sibTrans2D1">
+    <dgm:fillClrLst meth="repeat">
+      <a:schemeClr val="accent1">
+        <a:tint val="60000"/>
+      </a:schemeClr>
+    </dgm:fillClrLst>
+    <dgm:linClrLst meth="repeat">
+      <a:schemeClr val="accent1">
+        <a:tint val="60000"/>
+      </a:schemeClr>
+    </dgm:linClrLst>
+    <dgm:effectClrLst/>
+    <dgm:txLinClrLst/>
+    <dgm:txFillClrLst/>
+    <dgm:txEffectClrLst/>
+  </dgm:styleLbl>
+  <dgm:styleLbl name="fgSibTrans2D1">
+    <dgm:fillClrLst meth="repeat">
+      <a:schemeClr val="accent1">
+        <a:tint val="60000"/>
+      </a:schemeClr>
+    </dgm:fillClrLst>
+    <dgm:linClrLst meth="repeat">
+      <a:schemeClr val="accent1">
+        <a:tint val="60000"/>
+      </a:schemeClr>
+    </dgm:linClrLst>
+    <dgm:effectClrLst/>
+    <dgm:txLinClrLst/>
+    <dgm:txFillClrLst/>
+    <dgm:txEffectClrLst/>
+  </dgm:styleLbl>
+  <dgm:styleLbl name="bgSibTrans2D1">
+    <dgm:fillClrLst meth="repeat">
+      <a:schemeClr val="accent1">
+        <a:tint val="60000"/>
+      </a:schemeClr>
+    </dgm:fillClrLst>
+    <dgm:linClrLst meth="repeat">
+      <a:schemeClr val="accent1">
+        <a:tint val="60000"/>
+      </a:schemeClr>
+    </dgm:linClrLst>
+    <dgm:effectClrLst/>
+    <dgm:txLinClrLst/>
+    <dgm:txFillClrLst/>
+    <dgm:txEffectClrLst/>
+  </dgm:styleLbl>
+  <dgm:styleLbl name="sibTrans1D1">
+    <dgm:fillClrLst meth="repeat">
+      <a:schemeClr val="accent1"/>
+    </dgm:fillClrLst>
+    <dgm:linClrLst meth="repeat">
+      <a:schemeClr val="accent1"/>
+    </dgm:linClrLst>
+    <dgm:effectClrLst/>
+    <dgm:txLinClrLst/>
+    <dgm:txFillClrLst meth="repeat">
+      <a:schemeClr val="tx1"/>
+    </dgm:txFillClrLst>
+    <dgm:txEffectClrLst/>
+  </dgm:styleLbl>
+  <dgm:styleLbl name="callout">
+    <dgm:fillClrLst meth="repeat">
+      <a:schemeClr val="accent1"/>
+    </dgm:fillClrLst>
+    <dgm:linClrLst meth="repeat">
+      <a:schemeClr val="accent1">
+        <a:tint val="50000"/>
+      </a:schemeClr>
+    </dgm:linClrLst>
+    <dgm:effectClrLst/>
+    <dgm:txLinClrLst/>
+    <dgm:txFillClrLst meth="repeat">
+      <a:schemeClr val="tx1"/>
+    </dgm:txFillClrLst>
+    <dgm:txEffectClrLst/>
+  </dgm:styleLbl>
+  <dgm:styleLbl name="asst0">
+    <dgm:fillClrLst meth="repeat">
+      <a:schemeClr val="accent1"/>
+    </dgm:fillClrLst>
+    <dgm:linClrLst meth="repeat">
+      <a:schemeClr val="lt1"/>
+    </dgm:linClrLst>
+    <dgm:effectClrLst/>
+    <dgm:txLinClrLst/>
+    <dgm:txFillClrLst/>
+    <dgm:txEffectClrLst/>
+  </dgm:styleLbl>
+  <dgm:styleLbl name="asst1">
+    <dgm:fillClrLst meth="repeat">
+      <a:schemeClr val="accent1"/>
+    </dgm:fillClrLst>
+    <dgm:linClrLst meth="repeat">
+      <a:schemeClr val="lt1"/>
+    </dgm:linClrLst>
+    <dgm:effectClrLst/>
+    <dgm:txLinClrLst/>
+    <dgm:txFillClrLst/>
+    <dgm:txEffectClrLst/>
+  </dgm:styleLbl>
+  <dgm:styleLbl name="asst2">
+    <dgm:fillClrLst meth="repeat">
+      <a:schemeClr val="accent1"/>
+    </dgm:fillClrLst>
+    <dgm:linClrLst meth="repeat">
+      <a:schemeClr val="lt1"/>
+    </dgm:linClrLst>
+    <dgm:effectClrLst/>
+    <dgm:txLinClrLst/>
+    <dgm:txFillClrLst/>
+    <dgm:txEffectClrLst/>
+  </dgm:styleLbl>
+  <dgm:styleLbl name="asst3">
+    <dgm:fillClrLst meth="repeat">
+      <a:schemeClr val="accent1"/>
+    </dgm:fillClrLst>
+    <dgm:linClrLst meth="repeat">
+      <a:schemeClr val="lt1"/>
+    </dgm:linClrLst>
+    <dgm:effectClrLst/>
+    <dgm:txLinClrLst/>
+    <dgm:txFillClrLst/>
+    <dgm:txEffectClrLst/>
+  </dgm:styleLbl>
+  <dgm:styleLbl name="asst4">
+    <dgm:fillClrLst meth="repeat">
+      <a:schemeClr val="accent1"/>
+    </dgm:fillClrLst>
+    <dgm:linClrLst meth="repeat">
+      <a:schemeClr val="lt1"/>
+    </dgm:linClrLst>
+    <dgm:effectClrLst/>
+    <dgm:txLinClrLst/>
+    <dgm:txFillClrLst/>
+    <dgm:txEffectClrLst/>
+  </dgm:styleLbl>
+  <dgm:styleLbl name="parChTrans2D1">
+    <dgm:fillClrLst meth="repeat">
+      <a:schemeClr val="accent1">
+        <a:tint val="60000"/>
+      </a:schemeClr>
+    </dgm:fillClrLst>
+    <dgm:linClrLst meth="repeat">
+      <a:schemeClr val="accent1">
+        <a:tint val="60000"/>
+      </a:schemeClr>
+    </dgm:linClrLst>
+    <dgm:effectClrLst/>
+    <dgm:txLinClrLst/>
+    <dgm:txFillClrLst meth="repeat">
+      <a:schemeClr val="lt1"/>
+    </dgm:txFillClrLst>
+    <dgm:txEffectClrLst/>
+  </dgm:styleLbl>
+  <dgm:styleLbl name="parChTrans2D2">
+    <dgm:fillClrLst meth="repeat">
+      <a:schemeClr val="accent1"/>
+    </dgm:fillClrLst>
+    <dgm:linClrLst meth="repeat">
+      <a:schemeClr val="accent1"/>
+    </dgm:linClrLst>
+    <dgm:effectClrLst/>
+    <dgm:txLinClrLst/>
+    <dgm:txFillClrLst meth="repeat">
+      <a:schemeClr val="lt1"/>
+    </dgm:txFillClrLst>
+    <dgm:txEffectClrLst/>
+  </dgm:styleLbl>
+  <dgm:styleLbl name="parChTrans2D3">
+    <dgm:fillClrLst meth="repeat">
+      <a:schemeClr val="accent1"/>
+    </dgm:fillClrLst>
+    <dgm:linClrLst meth="repeat">
+      <a:schemeClr val="accent1"/>
+    </dgm:linClrLst>
+    <dgm:effectClrLst/>
+    <dgm:txLinClrLst/>
+    <dgm:txFillClrLst meth="repeat">
+      <a:schemeClr val="lt1"/>
+    </dgm:txFillClrLst>
+    <dgm:txEffectClrLst/>
+  </dgm:styleLbl>
+  <dgm:styleLbl name="parChTrans2D4">
+    <dgm:fillClrLst meth="repeat">
+      <a:schemeClr val="accent1"/>
+    </dgm:fillClrLst>
+    <dgm:linClrLst meth="repeat">
+      <a:schemeClr val="accent1"/>
+    </dgm:linClrLst>
+    <dgm:effectClrLst/>
+    <dgm:txLinClrLst/>
+    <dgm:txFillClrLst meth="repeat">
+      <a:schemeClr val="lt1"/>
+    </dgm:txFillClrLst>
+    <dgm:txEffectClrLst/>
+  </dgm:styleLbl>
+  <dgm:styleLbl name="parChTrans1D1">
+    <dgm:fillClrLst meth="repeat">
+      <a:schemeClr val="accent1"/>
+    </dgm:fillClrLst>
+    <dgm:linClrLst meth="repeat">
+      <a:schemeClr val="accent1">
+        <a:shade val="60000"/>
+      </a:schemeClr>
+    </dgm:linClrLst>
+    <dgm:effectClrLst/>
+    <dgm:txLinClrLst/>
+    <dgm:txFillClrLst meth="repeat">
+      <a:schemeClr val="tx1"/>
+    </dgm:txFillClrLst>
+    <dgm:txEffectClrLst/>
+  </dgm:styleLbl>
+  <dgm:styleLbl name="parChTrans1D2">
+    <dgm:fillClrLst meth="repeat">
+      <a:schemeClr val="accent1"/>
+    </dgm:fillClrLst>
+    <dgm:linClrLst meth="repeat">
+      <a:schemeClr val="accent1">
+        <a:shade val="60000"/>
+      </a:schemeClr>
+    </dgm:linClrLst>
+    <dgm:effectClrLst/>
+    <dgm:txLinClrLst/>
+    <dgm:txFillClrLst meth="repeat">
+      <a:schemeClr val="tx1"/>
+    </dgm:txFillClrLst>
+    <dgm:txEffectClrLst/>
+  </dgm:styleLbl>
+  <dgm:styleLbl name="parChTrans1D3">
+    <dgm:fillClrLst meth="repeat">
+      <a:schemeClr val="accent1"/>
+    </dgm:fillClrLst>
+    <dgm:linClrLst meth="repeat">
+      <a:schemeClr val="accent1">
+        <a:shade val="80000"/>
+      </a:schemeClr>
+    </dgm:linClrLst>
+    <dgm:effectClrLst/>
+    <dgm:txLinClrLst/>
+    <dgm:txFillClrLst meth="repeat">
+      <a:schemeClr val="tx1"/>
+    </dgm:txFillClrLst>
+    <dgm:txEffectClrLst/>
+  </dgm:styleLbl>
+  <dgm:styleLbl name="parChTrans1D4">
+    <dgm:fillClrLst meth="repeat">
+      <a:schemeClr val="accent1"/>
+    </dgm:fillClrLst>
+    <dgm:linClrLst meth="repeat">
+      <a:schemeClr val="accent1">
+        <a:shade val="80000"/>
+      </a:schemeClr>
+    </dgm:linClrLst>
+    <dgm:effectClrLst/>
+    <dgm:txLinClrLst/>
+    <dgm:txFillClrLst meth="repeat">
+      <a:schemeClr val="tx1"/>
+    </dgm:txFillClrLst>
+    <dgm:txEffectClrLst/>
+  </dgm:styleLbl>
+  <dgm:styleLbl name="fgAcc1">
+    <dgm:fillClrLst meth="repeat">
+      <a:schemeClr val="lt1">
+        <a:alpha val="90000"/>
+      </a:schemeClr>
+    </dgm:fillClrLst>
+    <dgm:linClrLst meth="repeat">
+      <a:schemeClr val="accent1"/>
+    </dgm:linClrLst>
+    <dgm:effectClrLst/>
+    <dgm:txLinClrLst/>
+    <dgm:txFillClrLst meth="repeat">
+      <a:schemeClr val="dk1"/>
+    </dgm:txFillClrLst>
+    <dgm:txEffectClrLst/>
+  </dgm:styleLbl>
+  <dgm:styleLbl name="conFgAcc1">
+    <dgm:fillClrLst meth="repeat">
+      <a:schemeClr val="lt1">
+        <a:alpha val="90000"/>
+      </a:schemeClr>
+    </dgm:fillClrLst>
+    <dgm:linClrLst meth="repeat">
+      <a:schemeClr val="accent1"/>
+    </dgm:linClrLst>
+    <dgm:effectClrLst/>
+    <dgm:txLinClrLst/>
+    <dgm:txFillClrLst meth="repeat">
+      <a:schemeClr val="dk1"/>
+    </dgm:txFillClrLst>
+    <dgm:txEffectClrLst/>
+  </dgm:styleLbl>
+  <dgm:styleLbl name="alignAcc1">
+    <dgm:fillClrLst meth="repeat">
+      <a:schemeClr val="lt1">
+        <a:alpha val="90000"/>
+      </a:schemeClr>
+    </dgm:fillClrLst>
+    <dgm:linClrLst meth="repeat">
+      <a:schemeClr val="accent1"/>
+    </dgm:linClrLst>
+    <dgm:effectClrLst/>
+    <dgm:txLinClrLst/>
+    <dgm:txFillClrLst meth="repeat">
+      <a:schemeClr val="dk1"/>
+    </dgm:txFillClrLst>
+    <dgm:txEffectClrLst/>
+  </dgm:styleLbl>
+  <dgm:styleLbl name="trAlignAcc1">
+    <dgm:fillClrLst meth="repeat">
+      <a:schemeClr val="lt1">
+        <a:alpha val="40000"/>
+      </a:schemeClr>
+    </dgm:fillClrLst>
+    <dgm:linClrLst meth="repeat">
+      <a:schemeClr val="accent1"/>
+    </dgm:linClrLst>
+    <dgm:effectClrLst/>
+    <dgm:txLinClrLst/>
+    <dgm:txFillClrLst meth="repeat">
+      <a:schemeClr val="dk1"/>
+    </dgm:txFillClrLst>
+    <dgm:txEffectClrLst/>
+  </dgm:styleLbl>
+  <dgm:styleLbl name="bgAcc1">
+    <dgm:fillClrLst meth="repeat">
+      <a:schemeClr val="lt1">
+        <a:alpha val="90000"/>
+      </a:schemeClr>
+    </dgm:fillClrLst>
+    <dgm:linClrLst meth="repeat">
+      <a:schemeClr val="accent1"/>
+    </dgm:linClrLst>
+    <dgm:effectClrLst/>
+    <dgm:txLinClrLst/>
+    <dgm:txFillClrLst meth="repeat">
+      <a:schemeClr val="dk1"/>
+    </dgm:txFillClrLst>
+    <dgm:txEffectClrLst/>
+  </dgm:styleLbl>
+  <dgm:styleLbl name="solidFgAcc1">
+    <dgm:fillClrLst meth="repeat">
+      <a:schemeClr val="lt1"/>
+    </dgm:fillClrLst>
+    <dgm:linClrLst meth="repeat">
+      <a:schemeClr val="accent1"/>
+    </dgm:linClrLst>
+    <dgm:effectClrLst/>
+    <dgm:txLinClrLst/>
+    <dgm:txFillClrLst meth="repeat">
+      <a:schemeClr val="dk1"/>
+    </dgm:txFillClrLst>
+    <dgm:txEffectClrLst/>
+  </dgm:styleLbl>
+  <dgm:styleLbl name="solidAlignAcc1">
+    <dgm:fillClrLst meth="repeat">
+      <a:schemeClr val="lt1"/>
+    </dgm:fillClrLst>
+    <dgm:linClrLst meth="repeat">
+      <a:schemeClr val="accent1"/>
+    </dgm:linClrLst>
+    <dgm:effectClrLst/>
+    <dgm:txLinClrLst/>
+    <dgm:txFillClrLst meth="repeat">
+      <a:schemeClr val="dk1"/>
+    </dgm:txFillClrLst>
+    <dgm:txEffectClrLst/>
+  </dgm:styleLbl>
+  <dgm:styleLbl name="solidBgAcc1">
+    <dgm:fillClrLst meth="repeat">
+      <a:schemeClr val="lt1"/>
+    </dgm:fillClrLst>
+    <dgm:linClrLst meth="repeat">
+      <a:schemeClr val="accent1"/>
+    </dgm:linClrLst>
+    <dgm:effectClrLst/>
+    <dgm:txLinClrLst/>
+    <dgm:txFillClrLst meth="repeat">
+      <a:schemeClr val="dk1"/>
+    </dgm:txFillClrLst>
+    <dgm:txEffectClrLst/>
+  </dgm:styleLbl>
+  <dgm:styleLbl name="fgAccFollowNode1">
+    <dgm:fillClrLst meth="repeat">
+      <a:schemeClr val="accent1">
+        <a:alpha val="90000"/>
+        <a:tint val="40000"/>
+      </a:schemeClr>
+    </dgm:fillClrLst>
+    <dgm:linClrLst meth="repeat">
+      <a:schemeClr val="accent1">
+        <a:alpha val="90000"/>
+        <a:tint val="40000"/>
+      </a:schemeClr>
+    </dgm:linClrLst>
+    <dgm:effectClrLst/>
+    <dgm:txLinClrLst/>
+    <dgm:txFillClrLst meth="repeat">
+      <a:schemeClr val="dk1"/>
+    </dgm:txFillClrLst>
+    <dgm:txEffectClrLst/>
+  </dgm:styleLbl>
+  <dgm:styleLbl name="alignAccFollowNode1">
+    <dgm:fillClrLst meth="repeat">
+      <a:schemeClr val="accent1">
+        <a:alpha val="90000"/>
+        <a:tint val="40000"/>
+      </a:schemeClr>
+    </dgm:fillClrLst>
+    <dgm:linClrLst meth="repeat">
+      <a:schemeClr val="accent1">
+        <a:alpha val="90000"/>
+        <a:tint val="40000"/>
+      </a:schemeClr>
+    </dgm:linClrLst>
+    <dgm:effectClrLst/>
+    <dgm:txLinClrLst/>
+    <dgm:txFillClrLst meth="repeat">
+      <a:schemeClr val="dk1"/>
+    </dgm:txFillClrLst>
+    <dgm:txEffectClrLst/>
+  </dgm:styleLbl>
+  <dgm:styleLbl name="bgAccFollowNode1">
+    <dgm:fillClrLst meth="repeat">
+      <a:schemeClr val="accent1">
+        <a:alpha val="90000"/>
+        <a:tint val="40000"/>
+      </a:schemeClr>
+    </dgm:fillClrLst>
+    <dgm:linClrLst meth="repeat">
+      <a:schemeClr val="accent1">
+        <a:alpha val="90000"/>
+        <a:tint val="40000"/>
+      </a:schemeClr>
+    </dgm:linClrLst>
+    <dgm:effectClrLst/>
+    <dgm:txLinClrLst/>
+    <dgm:txFillClrLst meth="repeat">
+      <a:schemeClr val="dk1"/>
+    </dgm:txFillClrLst>
+    <dgm:txEffectClrLst/>
+  </dgm:styleLbl>
+  <dgm:styleLbl name="fgAcc0">
+    <dgm:fillClrLst meth="repeat">
+      <a:schemeClr val="lt1">
+        <a:alpha val="90000"/>
+      </a:schemeClr>
+    </dgm:fillClrLst>
+    <dgm:linClrLst meth="repeat">
+      <a:schemeClr val="accent1"/>
+    </dgm:linClrLst>
+    <dgm:effectClrLst/>
+    <dgm:txLinClrLst/>
+    <dgm:txFillClrLst meth="repeat">
+      <a:schemeClr val="dk1"/>
+    </dgm:txFillClrLst>
+    <dgm:txEffectClrLst/>
+  </dgm:styleLbl>
+  <dgm:styleLbl name="fgAcc2">
+    <dgm:fillClrLst meth="repeat">
+      <a:schemeClr val="lt1">
+        <a:alpha val="90000"/>
+      </a:schemeClr>
+    </dgm:fillClrLst>
+    <dgm:linClrLst meth="repeat">
+      <a:schemeClr val="accent1"/>
+    </dgm:linClrLst>
+    <dgm:effectClrLst/>
+    <dgm:txLinClrLst/>
+    <dgm:txFillClrLst meth="repeat">
+      <a:schemeClr val="dk1"/>
+    </dgm:txFillClrLst>
+    <dgm:txEffectClrLst/>
+  </dgm:styleLbl>
+  <dgm:styleLbl name="fgAcc3">
+    <dgm:fillClrLst meth="repeat">
+      <a:schemeClr val="lt1">
+        <a:alpha val="90000"/>
+      </a:schemeClr>
+    </dgm:fillClrLst>
+    <dgm:linClrLst meth="repeat">
+      <a:schemeClr val="accent1"/>
+    </dgm:linClrLst>
+    <dgm:effectClrLst/>
+    <dgm:txLinClrLst/>
+    <dgm:txFillClrLst meth="repeat">
+      <a:schemeClr val="dk1"/>
+    </dgm:txFillClrLst>
+    <dgm:txEffectClrLst/>
+  </dgm:styleLbl>
+  <dgm:styleLbl name="fgAcc4">
+    <dgm:fillClrLst meth="repeat">
+      <a:schemeClr val="lt1">
+        <a:alpha val="90000"/>
+      </a:schemeClr>
+    </dgm:fillClrLst>
+    <dgm:linClrLst meth="repeat">
+      <a:schemeClr val="accent1"/>
+    </dgm:linClrLst>
+    <dgm:effectClrLst/>
+    <dgm:txLinClrLst/>
+    <dgm:txFillClrLst meth="repeat">
+      <a:schemeClr val="dk1"/>
+    </dgm:txFillClrLst>
+    <dgm:txEffectClrLst/>
+  </dgm:styleLbl>
+  <dgm:styleLbl name="bgShp">
+    <dgm:fillClrLst meth="repeat">
+      <a:schemeClr val="accent1">
+        <a:tint val="40000"/>
+      </a:schemeClr>
+    </dgm:fillClrLst>
+    <dgm:linClrLst meth="repeat">
+      <a:schemeClr val="accent1"/>
+    </dgm:linClrLst>
+    <dgm:effectClrLst/>
+    <dgm:txLinClrLst/>
+    <dgm:txFillClrLst meth="repeat">
+      <a:schemeClr val="dk1"/>
+    </dgm:txFillClrLst>
+    <dgm:txEffectClrLst/>
+  </dgm:styleLbl>
+  <dgm:styleLbl name="dkBgShp">
+    <dgm:fillClrLst meth="repeat">
+      <a:schemeClr val="accent1">
+        <a:shade val="80000"/>
+      </a:schemeClr>
+    </dgm:fillClrLst>
+    <dgm:linClrLst meth="repeat">
+      <a:schemeClr val="accent1"/>
+    </dgm:linClrLst>
+    <dgm:effectClrLst/>
+    <dgm:txLinClrLst/>
+    <dgm:txFillClrLst meth="repeat">
+      <a:schemeClr val="lt1"/>
+    </dgm:txFillClrLst>
+    <dgm:txEffectClrLst/>
+  </dgm:styleLbl>
+  <dgm:styleLbl name="trBgShp">
+    <dgm:fillClrLst meth="repeat">
+      <a:schemeClr val="accent1">
+        <a:tint val="50000"/>
+        <a:alpha val="40000"/>
+      </a:schemeClr>
+    </dgm:fillClrLst>
+    <dgm:linClrLst meth="repeat">
+      <a:schemeClr val="accent1"/>
+    </dgm:linClrLst>
+    <dgm:effectClrLst/>
+    <dgm:txLinClrLst/>
+    <dgm:txFillClrLst meth="repeat">
+      <a:schemeClr val="lt1"/>
+    </dgm:txFillClrLst>
+    <dgm:txEffectClrLst/>
+  </dgm:styleLbl>
+  <dgm:styleLbl name="fgShp">
+    <dgm:fillClrLst meth="repeat">
+      <a:schemeClr val="accent1">
+        <a:tint val="60000"/>
+      </a:schemeClr>
+    </dgm:fillClrLst>
+    <dgm:linClrLst meth="repeat">
+      <a:schemeClr val="lt1"/>
+    </dgm:linClrLst>
+    <dgm:effectClrLst/>
+    <dgm:txLinClrLst/>
+    <dgm:txFillClrLst meth="repeat">
+      <a:schemeClr val="dk1"/>
+    </dgm:txFillClrLst>
+    <dgm:txEffectClrLst/>
+  </dgm:styleLbl>
+  <dgm:styleLbl name="revTx">
+    <dgm:fillClrLst meth="repeat">
+      <a:schemeClr val="lt1">
+        <a:alpha val="0"/>
+      </a:schemeClr>
+    </dgm:fillClrLst>
+    <dgm:linClrLst meth="repeat">
+      <a:schemeClr val="dk1">
+        <a:alpha val="0"/>
+      </a:schemeClr>
+    </dgm:linClrLst>
+    <dgm:effectClrLst/>
+    <dgm:txLinClrLst/>
+    <dgm:txFillClrLst meth="repeat">
+      <a:schemeClr val="tx1"/>
+    </dgm:txFillClrLst>
+    <dgm:txEffectClrLst/>
+  </dgm:styleLbl>
+</dgm:colorsDef>
+</file>
+
+<file path=ppt/diagrams/data1.xml><?xml version="1.0" encoding="utf-8"?>
+<dgm:dataModel xmlns:dgm="http://schemas.openxmlformats.org/drawingml/2006/diagram" xmlns:a="http://schemas.openxmlformats.org/drawingml/2006/main">
+  <dgm:ptLst>
+    <dgm:pt modelId="{7ED83C5F-20B4-45CB-9739-7440B3DC0A86}" type="doc">
+      <dgm:prSet loTypeId="urn:microsoft.com/office/officeart/2005/8/layout/hList6" loCatId="list" qsTypeId="urn:microsoft.com/office/officeart/2005/8/quickstyle/simple1" qsCatId="simple" csTypeId="urn:microsoft.com/office/officeart/2005/8/colors/accent1_2" csCatId="accent1" phldr="1"/>
+      <dgm:spPr/>
+      <dgm:t>
+        <a:bodyPr/>
+        <a:lstStyle/>
+        <a:p>
+          <a:endParaRPr lang="zh-CN" altLang="en-US"/>
+        </a:p>
+      </dgm:t>
+    </dgm:pt>
+    <dgm:pt modelId="{1E68D6D6-8D7B-46AD-90C4-65A938BB5C8A}">
+      <dgm:prSet phldrT="[文本]"/>
+      <dgm:spPr/>
+      <dgm:t>
+        <a:bodyPr/>
+        <a:lstStyle/>
+        <a:p>
+          <a:r>
+            <a:rPr lang="zh-CN" altLang="en-US" dirty="0" smtClean="0"/>
+            <a:t>语言类</a:t>
+          </a:r>
+          <a:endParaRPr lang="zh-CN" altLang="en-US" dirty="0"/>
+        </a:p>
+      </dgm:t>
+    </dgm:pt>
+    <dgm:pt modelId="{683277BE-FA34-480C-80EE-5362E1AF25DC}" type="parTrans" cxnId="{05D4FEF0-4C72-435A-8ED8-528EFEC03780}">
+      <dgm:prSet/>
+      <dgm:spPr/>
+      <dgm:t>
+        <a:bodyPr/>
+        <a:lstStyle/>
+        <a:p>
+          <a:endParaRPr lang="zh-CN" altLang="en-US"/>
+        </a:p>
+      </dgm:t>
+    </dgm:pt>
+    <dgm:pt modelId="{16E173C1-0A6D-4EC8-86C4-B4FFA2FCB811}" type="sibTrans" cxnId="{05D4FEF0-4C72-435A-8ED8-528EFEC03780}">
+      <dgm:prSet/>
+      <dgm:spPr/>
+      <dgm:t>
+        <a:bodyPr/>
+        <a:lstStyle/>
+        <a:p>
+          <a:endParaRPr lang="zh-CN" altLang="en-US"/>
+        </a:p>
+      </dgm:t>
+    </dgm:pt>
+    <dgm:pt modelId="{75A91B37-FAC7-4295-8E9D-65784DC854CB}">
+      <dgm:prSet phldrT="[文本]"/>
+      <dgm:spPr/>
+      <dgm:t>
+        <a:bodyPr/>
+        <a:lstStyle/>
+        <a:p>
+          <a:r>
+            <a:rPr lang="en-US" altLang="zh-CN" dirty="0" smtClean="0"/>
+            <a:t>Java</a:t>
+          </a:r>
+          <a:r>
+            <a:rPr lang="zh-CN" altLang="en-US" dirty="0" smtClean="0"/>
+            <a:t>深入</a:t>
+          </a:r>
+          <a:endParaRPr lang="zh-CN" altLang="en-US" dirty="0"/>
+        </a:p>
+      </dgm:t>
+    </dgm:pt>
+    <dgm:pt modelId="{8D4DA750-B67B-418D-95CD-0209E3C4CE30}" type="parTrans" cxnId="{74D6647F-49FD-4D47-A30E-CE7B3F456D97}">
+      <dgm:prSet/>
+      <dgm:spPr/>
+      <dgm:t>
+        <a:bodyPr/>
+        <a:lstStyle/>
+        <a:p>
+          <a:endParaRPr lang="zh-CN" altLang="en-US"/>
+        </a:p>
+      </dgm:t>
+    </dgm:pt>
+    <dgm:pt modelId="{16AF249A-B97A-45B4-B754-9BB7847B6ED5}" type="sibTrans" cxnId="{74D6647F-49FD-4D47-A30E-CE7B3F456D97}">
+      <dgm:prSet/>
+      <dgm:spPr/>
+      <dgm:t>
+        <a:bodyPr/>
+        <a:lstStyle/>
+        <a:p>
+          <a:endParaRPr lang="zh-CN" altLang="en-US"/>
+        </a:p>
+      </dgm:t>
+    </dgm:pt>
+    <dgm:pt modelId="{42B7CB72-D4F2-4059-BE65-F22AE24E1C41}">
+      <dgm:prSet phldrT="[文本]"/>
+      <dgm:spPr/>
+      <dgm:t>
+        <a:bodyPr/>
+        <a:lstStyle/>
+        <a:p>
+          <a:r>
+            <a:rPr lang="zh-CN" altLang="en-US" dirty="0" smtClean="0"/>
+            <a:t>框架</a:t>
+          </a:r>
+          <a:r>
+            <a:rPr lang="en-US" altLang="zh-CN" dirty="0" smtClean="0"/>
+            <a:t>&amp;</a:t>
+          </a:r>
+          <a:r>
+            <a:rPr lang="zh-CN" altLang="en-US" dirty="0" smtClean="0"/>
+            <a:t>环境类</a:t>
+          </a:r>
+          <a:endParaRPr lang="zh-CN" altLang="en-US" dirty="0"/>
+        </a:p>
+      </dgm:t>
+    </dgm:pt>
+    <dgm:pt modelId="{E2D66B80-12E6-44DD-9796-288B4458BABF}" type="parTrans" cxnId="{77FB7E20-8FDD-44AD-95DE-F2013A6E2977}">
+      <dgm:prSet/>
+      <dgm:spPr/>
+      <dgm:t>
+        <a:bodyPr/>
+        <a:lstStyle/>
+        <a:p>
+          <a:endParaRPr lang="zh-CN" altLang="en-US"/>
+        </a:p>
+      </dgm:t>
+    </dgm:pt>
+    <dgm:pt modelId="{F1F61C7C-3030-4AFA-83B1-8A242AD47A8A}" type="sibTrans" cxnId="{77FB7E20-8FDD-44AD-95DE-F2013A6E2977}">
+      <dgm:prSet/>
+      <dgm:spPr/>
+      <dgm:t>
+        <a:bodyPr/>
+        <a:lstStyle/>
+        <a:p>
+          <a:endParaRPr lang="zh-CN" altLang="en-US"/>
+        </a:p>
+      </dgm:t>
+    </dgm:pt>
+    <dgm:pt modelId="{51E82ECE-F621-411A-81EB-C98BAA570799}">
+      <dgm:prSet phldrT="[文本]"/>
+      <dgm:spPr/>
+      <dgm:t>
+        <a:bodyPr/>
+        <a:lstStyle/>
+        <a:p>
+          <a:r>
+            <a:rPr lang="en-US" altLang="zh-CN" dirty="0" err="1" smtClean="0"/>
+            <a:t>Hadoop</a:t>
+          </a:r>
+          <a:endParaRPr lang="zh-CN" altLang="en-US" dirty="0"/>
+        </a:p>
+      </dgm:t>
+    </dgm:pt>
+    <dgm:pt modelId="{E4764083-F814-4D3E-8A68-C2EC0709EF3E}" type="parTrans" cxnId="{1EF248AA-DC77-499E-9EAF-EB8D2D2856C7}">
+      <dgm:prSet/>
+      <dgm:spPr/>
+      <dgm:t>
+        <a:bodyPr/>
+        <a:lstStyle/>
+        <a:p>
+          <a:endParaRPr lang="zh-CN" altLang="en-US"/>
+        </a:p>
+      </dgm:t>
+    </dgm:pt>
+    <dgm:pt modelId="{99392818-C4DA-473D-8A33-6052651E0EDB}" type="sibTrans" cxnId="{1EF248AA-DC77-499E-9EAF-EB8D2D2856C7}">
+      <dgm:prSet/>
+      <dgm:spPr/>
+      <dgm:t>
+        <a:bodyPr/>
+        <a:lstStyle/>
+        <a:p>
+          <a:endParaRPr lang="zh-CN" altLang="en-US"/>
+        </a:p>
+      </dgm:t>
+    </dgm:pt>
+    <dgm:pt modelId="{85E5C8DC-2232-4CD0-A348-4E92EEA68D98}">
+      <dgm:prSet phldrT="[文本]"/>
+      <dgm:spPr/>
+      <dgm:t>
+        <a:bodyPr/>
+        <a:lstStyle/>
+        <a:p>
+          <a:r>
+            <a:rPr lang="en-US" altLang="zh-CN" dirty="0" err="1" smtClean="0"/>
+            <a:t>PhoneGap</a:t>
+          </a:r>
+          <a:endParaRPr lang="zh-CN" altLang="en-US" dirty="0"/>
+        </a:p>
+      </dgm:t>
+    </dgm:pt>
+    <dgm:pt modelId="{D2B23653-F2C9-4EB0-A04B-17D4C28C7B06}" type="parTrans" cxnId="{39AB66EC-220E-4F5B-B2C9-32CFFC4CD04F}">
+      <dgm:prSet/>
+      <dgm:spPr/>
+      <dgm:t>
+        <a:bodyPr/>
+        <a:lstStyle/>
+        <a:p>
+          <a:endParaRPr lang="zh-CN" altLang="en-US"/>
+        </a:p>
+      </dgm:t>
+    </dgm:pt>
+    <dgm:pt modelId="{4A32B367-0832-42F4-A46A-29897D89D481}" type="sibTrans" cxnId="{39AB66EC-220E-4F5B-B2C9-32CFFC4CD04F}">
+      <dgm:prSet/>
+      <dgm:spPr/>
+      <dgm:t>
+        <a:bodyPr/>
+        <a:lstStyle/>
+        <a:p>
+          <a:endParaRPr lang="zh-CN" altLang="en-US"/>
+        </a:p>
+      </dgm:t>
+    </dgm:pt>
+    <dgm:pt modelId="{A417BD96-AAB1-435B-9E8C-E86E27030477}">
+      <dgm:prSet phldrT="[文本]"/>
+      <dgm:spPr/>
+      <dgm:t>
+        <a:bodyPr/>
+        <a:lstStyle/>
+        <a:p>
+          <a:r>
+            <a:rPr lang="zh-CN" altLang="en-US" dirty="0" smtClean="0"/>
+            <a:t>设计架构类</a:t>
+          </a:r>
+          <a:endParaRPr lang="zh-CN" altLang="en-US" dirty="0"/>
+        </a:p>
+      </dgm:t>
+    </dgm:pt>
+    <dgm:pt modelId="{8D5380D5-6C8A-42B2-9F8F-A0D20EE22D7C}" type="parTrans" cxnId="{3F716999-D407-4B6C-9DFE-35F11896B45B}">
+      <dgm:prSet/>
+      <dgm:spPr/>
+      <dgm:t>
+        <a:bodyPr/>
+        <a:lstStyle/>
+        <a:p>
+          <a:endParaRPr lang="zh-CN" altLang="en-US"/>
+        </a:p>
+      </dgm:t>
+    </dgm:pt>
+    <dgm:pt modelId="{18CA8202-3404-4E09-BA90-8FB9C121C8B1}" type="sibTrans" cxnId="{3F716999-D407-4B6C-9DFE-35F11896B45B}">
+      <dgm:prSet/>
+      <dgm:spPr/>
+      <dgm:t>
+        <a:bodyPr/>
+        <a:lstStyle/>
+        <a:p>
+          <a:endParaRPr lang="zh-CN" altLang="en-US"/>
+        </a:p>
+      </dgm:t>
+    </dgm:pt>
+    <dgm:pt modelId="{5449584D-91EF-47DA-9175-8794495DF361}">
+      <dgm:prSet phldrT="[文本]"/>
+      <dgm:spPr/>
+      <dgm:t>
+        <a:bodyPr/>
+        <a:lstStyle/>
+        <a:p>
+          <a:r>
+            <a:rPr lang="en-US" altLang="zh-CN" dirty="0" smtClean="0"/>
+            <a:t>DDD</a:t>
+          </a:r>
+          <a:endParaRPr lang="zh-CN" altLang="en-US" dirty="0"/>
+        </a:p>
+      </dgm:t>
+    </dgm:pt>
+    <dgm:pt modelId="{1A77076D-D984-42A5-96B6-6186C9EA1DBB}" type="parTrans" cxnId="{DC6FF33C-6C59-42DD-94D2-BD0875BE5CF5}">
+      <dgm:prSet/>
+      <dgm:spPr/>
+      <dgm:t>
+        <a:bodyPr/>
+        <a:lstStyle/>
+        <a:p>
+          <a:endParaRPr lang="zh-CN" altLang="en-US"/>
+        </a:p>
+      </dgm:t>
+    </dgm:pt>
+    <dgm:pt modelId="{AD328561-6D01-4F2B-915A-0296052D2738}" type="sibTrans" cxnId="{DC6FF33C-6C59-42DD-94D2-BD0875BE5CF5}">
+      <dgm:prSet/>
+      <dgm:spPr/>
+      <dgm:t>
+        <a:bodyPr/>
+        <a:lstStyle/>
+        <a:p>
+          <a:endParaRPr lang="zh-CN" altLang="en-US"/>
+        </a:p>
+      </dgm:t>
+    </dgm:pt>
+    <dgm:pt modelId="{A971C5B9-0EA0-43A5-9F8F-CF713F586D01}">
+      <dgm:prSet phldrT="[文本]"/>
+      <dgm:spPr/>
+      <dgm:t>
+        <a:bodyPr/>
+        <a:lstStyle/>
+        <a:p>
+          <a:r>
+            <a:rPr lang="en-US" altLang="zh-CN" dirty="0" smtClean="0"/>
+            <a:t>Event D</a:t>
+          </a:r>
+          <a:r>
+            <a:rPr lang="zh-CN" b="0" dirty="0" smtClean="0"/>
+            <a:t>riven</a:t>
+          </a:r>
+          <a:endParaRPr lang="zh-CN" altLang="en-US" dirty="0"/>
+        </a:p>
+      </dgm:t>
+    </dgm:pt>
+    <dgm:pt modelId="{FE8D45B2-B41F-47BF-9C94-C82A27D89F97}" type="parTrans" cxnId="{8717CD77-A072-423F-A3A0-2E6C6F009F4E}">
+      <dgm:prSet/>
+      <dgm:spPr/>
+      <dgm:t>
+        <a:bodyPr/>
+        <a:lstStyle/>
+        <a:p>
+          <a:endParaRPr lang="zh-CN" altLang="en-US"/>
+        </a:p>
+      </dgm:t>
+    </dgm:pt>
+    <dgm:pt modelId="{4AA94A0D-AF81-4257-A904-CA006C26DA39}" type="sibTrans" cxnId="{8717CD77-A072-423F-A3A0-2E6C6F009F4E}">
+      <dgm:prSet/>
+      <dgm:spPr/>
+      <dgm:t>
+        <a:bodyPr/>
+        <a:lstStyle/>
+        <a:p>
+          <a:endParaRPr lang="zh-CN" altLang="en-US"/>
+        </a:p>
+      </dgm:t>
+    </dgm:pt>
+    <dgm:pt modelId="{0D84E0D9-7310-4F29-92E4-3B806AC71FEC}">
+      <dgm:prSet phldrT="[文本]"/>
+      <dgm:spPr/>
+      <dgm:t>
+        <a:bodyPr/>
+        <a:lstStyle/>
+        <a:p>
+          <a:r>
+            <a:rPr lang="en-US" altLang="zh-CN" dirty="0" smtClean="0"/>
+            <a:t>Python</a:t>
+          </a:r>
+          <a:endParaRPr lang="zh-CN" altLang="en-US" dirty="0"/>
+        </a:p>
+      </dgm:t>
+    </dgm:pt>
+    <dgm:pt modelId="{46AE85BB-72F8-4448-A684-84A15F821C5A}" type="parTrans" cxnId="{10F6BF29-AF8D-4B77-BE08-0E3D98E2A668}">
+      <dgm:prSet/>
+      <dgm:spPr/>
+      <dgm:t>
+        <a:bodyPr/>
+        <a:lstStyle/>
+        <a:p>
+          <a:endParaRPr lang="zh-CN" altLang="en-US"/>
+        </a:p>
+      </dgm:t>
+    </dgm:pt>
+    <dgm:pt modelId="{FB681033-0C72-493B-A622-8E20536F1F8F}" type="sibTrans" cxnId="{10F6BF29-AF8D-4B77-BE08-0E3D98E2A668}">
+      <dgm:prSet/>
+      <dgm:spPr/>
+      <dgm:t>
+        <a:bodyPr/>
+        <a:lstStyle/>
+        <a:p>
+          <a:endParaRPr lang="zh-CN" altLang="en-US"/>
+        </a:p>
+      </dgm:t>
+    </dgm:pt>
+    <dgm:pt modelId="{279E0C1F-CFA7-403D-94C8-0CF0930A2A77}">
+      <dgm:prSet phldrT="[文本]"/>
+      <dgm:spPr/>
+      <dgm:t>
+        <a:bodyPr/>
+        <a:lstStyle/>
+        <a:p>
+          <a:r>
+            <a:rPr lang="en-US" altLang="en-US" dirty="0" smtClean="0"/>
+            <a:t>Angular.js</a:t>
+          </a:r>
+          <a:endParaRPr lang="zh-CN" altLang="en-US" dirty="0"/>
+        </a:p>
+      </dgm:t>
+    </dgm:pt>
+    <dgm:pt modelId="{B64B0D23-CC46-4147-B617-F785F58EC3B6}" type="parTrans" cxnId="{B620D70C-BCB0-4DA3-8DDC-0738DCC56BE4}">
+      <dgm:prSet/>
+      <dgm:spPr/>
+      <dgm:t>
+        <a:bodyPr/>
+        <a:lstStyle/>
+        <a:p>
+          <a:endParaRPr lang="zh-CN" altLang="en-US"/>
+        </a:p>
+      </dgm:t>
+    </dgm:pt>
+    <dgm:pt modelId="{5E4E1F76-5B6F-43EF-B3E8-C3171F785280}" type="sibTrans" cxnId="{B620D70C-BCB0-4DA3-8DDC-0738DCC56BE4}">
+      <dgm:prSet/>
+      <dgm:spPr/>
+      <dgm:t>
+        <a:bodyPr/>
+        <a:lstStyle/>
+        <a:p>
+          <a:endParaRPr lang="zh-CN" altLang="en-US"/>
+        </a:p>
+      </dgm:t>
+    </dgm:pt>
+    <dgm:pt modelId="{82C92D4A-BC39-4CAD-ADD6-23208CF33303}">
+      <dgm:prSet phldrT="[文本]"/>
+      <dgm:spPr/>
+      <dgm:t>
+        <a:bodyPr/>
+        <a:lstStyle/>
+        <a:p>
+          <a:r>
+            <a:rPr lang="en-US" altLang="zh-CN" dirty="0" smtClean="0"/>
+            <a:t>Spring</a:t>
+          </a:r>
+          <a:r>
+            <a:rPr lang="zh-CN" altLang="en-US" dirty="0" smtClean="0"/>
+            <a:t>家族</a:t>
+          </a:r>
+          <a:endParaRPr lang="zh-CN" altLang="en-US" dirty="0"/>
+        </a:p>
+      </dgm:t>
+    </dgm:pt>
+    <dgm:pt modelId="{EC14CCEC-80A8-487E-9753-515E05263F74}" type="parTrans" cxnId="{F43A83D6-CA93-4988-AE7B-917B6D3DD2BC}">
+      <dgm:prSet/>
+      <dgm:spPr/>
+      <dgm:t>
+        <a:bodyPr/>
+        <a:lstStyle/>
+        <a:p>
+          <a:endParaRPr lang="zh-CN" altLang="en-US"/>
+        </a:p>
+      </dgm:t>
+    </dgm:pt>
+    <dgm:pt modelId="{A1EE2F41-0E1C-45F8-A54E-82A189CF63A5}" type="sibTrans" cxnId="{F43A83D6-CA93-4988-AE7B-917B6D3DD2BC}">
+      <dgm:prSet/>
+      <dgm:spPr/>
+      <dgm:t>
+        <a:bodyPr/>
+        <a:lstStyle/>
+        <a:p>
+          <a:endParaRPr lang="zh-CN" altLang="en-US"/>
+        </a:p>
+      </dgm:t>
+    </dgm:pt>
+    <dgm:pt modelId="{528753BF-2EE3-42CB-A681-2D8933FDD593}">
+      <dgm:prSet phldrT="[文本]"/>
+      <dgm:spPr/>
+      <dgm:t>
+        <a:bodyPr/>
+        <a:lstStyle/>
+        <a:p>
+          <a:r>
+            <a:rPr lang="en-US" altLang="zh-CN" dirty="0" err="1" smtClean="0"/>
+            <a:t>Django</a:t>
+          </a:r>
+          <a:endParaRPr lang="zh-CN" altLang="en-US" dirty="0"/>
+        </a:p>
+      </dgm:t>
+    </dgm:pt>
+    <dgm:pt modelId="{C16C170E-6B88-475B-8AF5-EE85DA3DCCDE}" type="parTrans" cxnId="{6DC344F6-1876-41D9-8E66-93734F10D750}">
+      <dgm:prSet/>
+      <dgm:spPr/>
+      <dgm:t>
+        <a:bodyPr/>
+        <a:lstStyle/>
+        <a:p>
+          <a:endParaRPr lang="zh-CN" altLang="en-US"/>
+        </a:p>
+      </dgm:t>
+    </dgm:pt>
+    <dgm:pt modelId="{F396871F-AED1-4AB3-8AAC-6BAB3FFB57C9}" type="sibTrans" cxnId="{6DC344F6-1876-41D9-8E66-93734F10D750}">
+      <dgm:prSet/>
+      <dgm:spPr/>
+      <dgm:t>
+        <a:bodyPr/>
+        <a:lstStyle/>
+        <a:p>
+          <a:endParaRPr lang="zh-CN" altLang="en-US"/>
+        </a:p>
+      </dgm:t>
+    </dgm:pt>
+    <dgm:pt modelId="{2482526B-B676-42F3-94C1-07B3B09077B3}">
+      <dgm:prSet phldrT="[文本]"/>
+      <dgm:spPr/>
+      <dgm:t>
+        <a:bodyPr/>
+        <a:lstStyle/>
+        <a:p>
+          <a:r>
+            <a:rPr lang="en-US" altLang="en-US" dirty="0" err="1" smtClean="0"/>
+            <a:t>vert.x</a:t>
+          </a:r>
+          <a:endParaRPr lang="zh-CN" altLang="en-US" dirty="0"/>
+        </a:p>
+      </dgm:t>
+    </dgm:pt>
+    <dgm:pt modelId="{AD9BB8D5-2C50-4B9F-8CA5-3A5D31307D8A}" type="parTrans" cxnId="{7DA6B1B0-FDF7-46AA-889F-AD48F1091692}">
+      <dgm:prSet/>
+      <dgm:spPr/>
+      <dgm:t>
+        <a:bodyPr/>
+        <a:lstStyle/>
+        <a:p>
+          <a:endParaRPr lang="zh-CN" altLang="en-US"/>
+        </a:p>
+      </dgm:t>
+    </dgm:pt>
+    <dgm:pt modelId="{1A637CB1-9D4D-439C-BF5C-DA087B3A3C3D}" type="sibTrans" cxnId="{7DA6B1B0-FDF7-46AA-889F-AD48F1091692}">
+      <dgm:prSet/>
+      <dgm:spPr/>
+      <dgm:t>
+        <a:bodyPr/>
+        <a:lstStyle/>
+        <a:p>
+          <a:endParaRPr lang="zh-CN" altLang="en-US"/>
+        </a:p>
+      </dgm:t>
+    </dgm:pt>
+    <dgm:pt modelId="{3CBE9BB1-785B-489B-BDF3-0B85D2BBD29E}">
+      <dgm:prSet phldrT="[文本]"/>
+      <dgm:spPr/>
+      <dgm:t>
+        <a:bodyPr/>
+        <a:lstStyle/>
+        <a:p>
+          <a:r>
+            <a:rPr lang="en-US" altLang="zh-CN" dirty="0" err="1" smtClean="0"/>
+            <a:t>Nodejs</a:t>
+          </a:r>
+          <a:endParaRPr lang="zh-CN" altLang="en-US" dirty="0"/>
+        </a:p>
+      </dgm:t>
+    </dgm:pt>
+    <dgm:pt modelId="{F586E160-A062-4B91-90A5-4ED833C4132F}" type="parTrans" cxnId="{DF9DF8E3-AC9F-4E35-8D19-15F0604BABBD}">
+      <dgm:prSet/>
+      <dgm:spPr/>
+      <dgm:t>
+        <a:bodyPr/>
+        <a:lstStyle/>
+        <a:p>
+          <a:endParaRPr lang="zh-CN" altLang="en-US"/>
+        </a:p>
+      </dgm:t>
+    </dgm:pt>
+    <dgm:pt modelId="{B79A4D3D-C019-4290-9D64-F59A253540AB}" type="sibTrans" cxnId="{DF9DF8E3-AC9F-4E35-8D19-15F0604BABBD}">
+      <dgm:prSet/>
+      <dgm:spPr/>
+      <dgm:t>
+        <a:bodyPr/>
+        <a:lstStyle/>
+        <a:p>
+          <a:endParaRPr lang="zh-CN" altLang="en-US"/>
+        </a:p>
+      </dgm:t>
+    </dgm:pt>
+    <dgm:pt modelId="{44BA54C5-1613-421E-8211-67FA2A4E5F4F}">
+      <dgm:prSet phldrT="[文本]"/>
+      <dgm:spPr/>
+      <dgm:t>
+        <a:bodyPr/>
+        <a:lstStyle/>
+        <a:p>
+          <a:r>
+            <a:rPr lang="en-US" altLang="zh-CN" dirty="0" smtClean="0"/>
+            <a:t>JS</a:t>
+          </a:r>
+          <a:r>
+            <a:rPr lang="zh-CN" altLang="en-US" dirty="0" smtClean="0"/>
+            <a:t>深入</a:t>
+          </a:r>
+          <a:endParaRPr lang="zh-CN" altLang="en-US" dirty="0"/>
+        </a:p>
+      </dgm:t>
+    </dgm:pt>
+    <dgm:pt modelId="{0F4BC458-C794-4572-9F8E-5BCC16F9D739}" type="parTrans" cxnId="{BFE69754-216A-43CB-93FB-3805F495DD50}">
+      <dgm:prSet/>
+      <dgm:spPr/>
+      <dgm:t>
+        <a:bodyPr/>
+        <a:lstStyle/>
+        <a:p>
+          <a:endParaRPr lang="zh-CN" altLang="en-US"/>
+        </a:p>
+      </dgm:t>
+    </dgm:pt>
+    <dgm:pt modelId="{EED60C31-43B3-46C9-A30E-B960E01F85EA}" type="sibTrans" cxnId="{BFE69754-216A-43CB-93FB-3805F495DD50}">
+      <dgm:prSet/>
+      <dgm:spPr/>
+      <dgm:t>
+        <a:bodyPr/>
+        <a:lstStyle/>
+        <a:p>
+          <a:endParaRPr lang="zh-CN" altLang="en-US"/>
+        </a:p>
+      </dgm:t>
+    </dgm:pt>
+    <dgm:pt modelId="{BC996979-D47B-4F3F-ADD4-6983D3C51CEF}">
+      <dgm:prSet phldrT="[文本]"/>
+      <dgm:spPr/>
+      <dgm:t>
+        <a:bodyPr/>
+        <a:lstStyle/>
+        <a:p>
+          <a:r>
+            <a:rPr lang="en-US" dirty="0" err="1" smtClean="0"/>
+            <a:t>Scala</a:t>
+          </a:r>
+          <a:endParaRPr lang="zh-CN" altLang="en-US" dirty="0"/>
+        </a:p>
+      </dgm:t>
+    </dgm:pt>
+    <dgm:pt modelId="{3D22AD75-3233-4BC4-A212-1CAC04849314}" type="parTrans" cxnId="{8024D740-B65F-4F30-B792-A7EAB02603C6}">
+      <dgm:prSet/>
+      <dgm:spPr/>
+      <dgm:t>
+        <a:bodyPr/>
+        <a:lstStyle/>
+        <a:p>
+          <a:endParaRPr lang="zh-CN" altLang="en-US"/>
+        </a:p>
+      </dgm:t>
+    </dgm:pt>
+    <dgm:pt modelId="{F385BF18-706E-4246-ACA2-863F1DEA88D7}" type="sibTrans" cxnId="{8024D740-B65F-4F30-B792-A7EAB02603C6}">
+      <dgm:prSet/>
+      <dgm:spPr/>
+      <dgm:t>
+        <a:bodyPr/>
+        <a:lstStyle/>
+        <a:p>
+          <a:endParaRPr lang="zh-CN" altLang="en-US"/>
+        </a:p>
+      </dgm:t>
+    </dgm:pt>
+    <dgm:pt modelId="{9DF16E84-4124-48A7-93D9-FCAF0F0335F8}">
+      <dgm:prSet phldrT="[文本]"/>
+      <dgm:spPr/>
+      <dgm:t>
+        <a:bodyPr/>
+        <a:lstStyle/>
+        <a:p>
+          <a:r>
+            <a:rPr lang="en-US" dirty="0" smtClean="0"/>
+            <a:t>Groovy</a:t>
+          </a:r>
+          <a:endParaRPr lang="zh-CN" altLang="en-US" dirty="0"/>
+        </a:p>
+      </dgm:t>
+    </dgm:pt>
+    <dgm:pt modelId="{AB0FE13C-5806-4A98-9AFB-E4A90BD2CA72}" type="parTrans" cxnId="{01DC669F-9754-4284-A77E-E31ABE9265DD}">
+      <dgm:prSet/>
+      <dgm:spPr/>
+      <dgm:t>
+        <a:bodyPr/>
+        <a:lstStyle/>
+        <a:p>
+          <a:endParaRPr lang="zh-CN" altLang="en-US"/>
+        </a:p>
+      </dgm:t>
+    </dgm:pt>
+    <dgm:pt modelId="{0603E359-51C3-4730-8424-3AD39D78054A}" type="sibTrans" cxnId="{01DC669F-9754-4284-A77E-E31ABE9265DD}">
+      <dgm:prSet/>
+      <dgm:spPr/>
+      <dgm:t>
+        <a:bodyPr/>
+        <a:lstStyle/>
+        <a:p>
+          <a:endParaRPr lang="zh-CN" altLang="en-US"/>
+        </a:p>
+      </dgm:t>
+    </dgm:pt>
+    <dgm:pt modelId="{F62EA030-EF4C-4264-9187-29425B72A67D}">
+      <dgm:prSet phldrT="[文本]"/>
+      <dgm:spPr/>
+      <dgm:t>
+        <a:bodyPr/>
+        <a:lstStyle/>
+        <a:p>
+          <a:r>
+            <a:rPr lang="en-US" altLang="zh-CN" dirty="0" smtClean="0"/>
+            <a:t>Go</a:t>
+          </a:r>
+          <a:endParaRPr lang="zh-CN" altLang="en-US" dirty="0"/>
+        </a:p>
+      </dgm:t>
+    </dgm:pt>
+    <dgm:pt modelId="{DBC45882-7848-4886-B33D-6C1C075D0A1E}" type="parTrans" cxnId="{3CE5F3B4-E08A-46D1-A0A0-712031519D9B}">
+      <dgm:prSet/>
+      <dgm:spPr/>
+      <dgm:t>
+        <a:bodyPr/>
+        <a:lstStyle/>
+        <a:p>
+          <a:endParaRPr lang="zh-CN" altLang="en-US"/>
+        </a:p>
+      </dgm:t>
+    </dgm:pt>
+    <dgm:pt modelId="{F2651D65-28EB-493C-84FF-F3198427E500}" type="sibTrans" cxnId="{3CE5F3B4-E08A-46D1-A0A0-712031519D9B}">
+      <dgm:prSet/>
+      <dgm:spPr/>
+      <dgm:t>
+        <a:bodyPr/>
+        <a:lstStyle/>
+        <a:p>
+          <a:endParaRPr lang="zh-CN" altLang="en-US"/>
+        </a:p>
+      </dgm:t>
+    </dgm:pt>
+    <dgm:pt modelId="{3CE69326-247D-433E-ADCB-7B2926E38D85}">
+      <dgm:prSet phldrT="[文本]"/>
+      <dgm:spPr/>
+      <dgm:t>
+        <a:bodyPr/>
+        <a:lstStyle/>
+        <a:p>
+          <a:r>
+            <a:rPr lang="zh-CN" altLang="en-US" dirty="0" smtClean="0"/>
+            <a:t>设计模式</a:t>
+          </a:r>
+          <a:endParaRPr lang="zh-CN" altLang="en-US" dirty="0"/>
+        </a:p>
+      </dgm:t>
+    </dgm:pt>
+    <dgm:pt modelId="{C87109F6-8182-47D9-B14A-F565A330ABC3}" type="parTrans" cxnId="{E3CE7052-491F-4B6B-83BA-83D68FD7E6B1}">
+      <dgm:prSet/>
+      <dgm:spPr/>
+      <dgm:t>
+        <a:bodyPr/>
+        <a:lstStyle/>
+        <a:p>
+          <a:endParaRPr lang="zh-CN" altLang="en-US"/>
+        </a:p>
+      </dgm:t>
+    </dgm:pt>
+    <dgm:pt modelId="{20A5CA2E-225A-48C7-9B47-A4040396D9CC}" type="sibTrans" cxnId="{E3CE7052-491F-4B6B-83BA-83D68FD7E6B1}">
+      <dgm:prSet/>
+      <dgm:spPr/>
+      <dgm:t>
+        <a:bodyPr/>
+        <a:lstStyle/>
+        <a:p>
+          <a:endParaRPr lang="zh-CN" altLang="en-US"/>
+        </a:p>
+      </dgm:t>
+    </dgm:pt>
+    <dgm:pt modelId="{AD852797-663B-40D8-BACB-2FD2F2A02723}">
+      <dgm:prSet phldrT="[文本]"/>
+      <dgm:spPr/>
+      <dgm:t>
+        <a:bodyPr/>
+        <a:lstStyle/>
+        <a:p>
+          <a:endParaRPr lang="zh-CN" altLang="en-US" dirty="0"/>
+        </a:p>
+      </dgm:t>
+    </dgm:pt>
+    <dgm:pt modelId="{046F79DA-5796-4605-82D1-9BBC8CB2FBB7}" type="parTrans" cxnId="{41CF89B3-DC3D-4DB0-BD96-5FD1ED79DA8A}">
+      <dgm:prSet/>
+      <dgm:spPr/>
+      <dgm:t>
+        <a:bodyPr/>
+        <a:lstStyle/>
+        <a:p>
+          <a:endParaRPr lang="zh-CN" altLang="en-US"/>
+        </a:p>
+      </dgm:t>
+    </dgm:pt>
+    <dgm:pt modelId="{5755668E-5D2B-4A4A-9173-C57815E18FD0}" type="sibTrans" cxnId="{41CF89B3-DC3D-4DB0-BD96-5FD1ED79DA8A}">
+      <dgm:prSet/>
+      <dgm:spPr/>
+      <dgm:t>
+        <a:bodyPr/>
+        <a:lstStyle/>
+        <a:p>
+          <a:endParaRPr lang="zh-CN" altLang="en-US"/>
+        </a:p>
+      </dgm:t>
+    </dgm:pt>
+    <dgm:pt modelId="{321D9FFA-0154-47B8-BCE8-03EEBE5CF706}">
+      <dgm:prSet phldrT="[文本]"/>
+      <dgm:spPr/>
+      <dgm:t>
+        <a:bodyPr/>
+        <a:lstStyle/>
+        <a:p>
+          <a:r>
+            <a:rPr lang="en-US" altLang="zh-CN" dirty="0" err="1" smtClean="0"/>
+            <a:t>CloudStack</a:t>
+          </a:r>
+          <a:endParaRPr lang="zh-CN" altLang="en-US" dirty="0"/>
+        </a:p>
+      </dgm:t>
+    </dgm:pt>
+    <dgm:pt modelId="{DC761916-D7C6-45A2-8B41-57F39D6AD941}" type="parTrans" cxnId="{EE8090DE-CAAA-4929-84A2-9DF56BD841F3}">
+      <dgm:prSet/>
+      <dgm:spPr/>
+      <dgm:t>
+        <a:bodyPr/>
+        <a:lstStyle/>
+        <a:p>
+          <a:endParaRPr lang="zh-CN" altLang="en-US"/>
+        </a:p>
+      </dgm:t>
+    </dgm:pt>
+    <dgm:pt modelId="{7C5C8C2F-C177-45A0-B67D-308C826FE33E}" type="sibTrans" cxnId="{EE8090DE-CAAA-4929-84A2-9DF56BD841F3}">
+      <dgm:prSet/>
+      <dgm:spPr/>
+      <dgm:t>
+        <a:bodyPr/>
+        <a:lstStyle/>
+        <a:p>
+          <a:endParaRPr lang="zh-CN" altLang="en-US"/>
+        </a:p>
+      </dgm:t>
+    </dgm:pt>
+    <dgm:pt modelId="{4F772856-7ED5-4ED6-80BA-A14947D71C52}">
+      <dgm:prSet phldrT="[文本]"/>
+      <dgm:spPr/>
+      <dgm:t>
+        <a:bodyPr/>
+        <a:lstStyle/>
+        <a:p>
+          <a:r>
+            <a:rPr lang="zh-CN" altLang="en-US" dirty="0" smtClean="0"/>
+            <a:t>消息队列</a:t>
+          </a:r>
+          <a:endParaRPr lang="zh-CN" altLang="en-US" dirty="0"/>
+        </a:p>
+      </dgm:t>
+    </dgm:pt>
+    <dgm:pt modelId="{7C989469-504B-462A-B48A-0F628C075F01}" type="parTrans" cxnId="{8A5070DB-635E-4649-9C72-A4890A6D391B}">
+      <dgm:prSet/>
+      <dgm:spPr/>
+      <dgm:t>
+        <a:bodyPr/>
+        <a:lstStyle/>
+        <a:p>
+          <a:endParaRPr lang="zh-CN" altLang="en-US"/>
+        </a:p>
+      </dgm:t>
+    </dgm:pt>
+    <dgm:pt modelId="{65F4C01E-C1D4-42AD-AB9A-8EE6025F5C27}" type="sibTrans" cxnId="{8A5070DB-635E-4649-9C72-A4890A6D391B}">
+      <dgm:prSet/>
+      <dgm:spPr/>
+      <dgm:t>
+        <a:bodyPr/>
+        <a:lstStyle/>
+        <a:p>
+          <a:endParaRPr lang="zh-CN" altLang="en-US"/>
+        </a:p>
+      </dgm:t>
+    </dgm:pt>
+    <dgm:pt modelId="{32158258-C56C-4A2A-BFCF-E78B37AEF4DD}">
+      <dgm:prSet phldrT="[文本]"/>
+      <dgm:spPr/>
+      <dgm:t>
+        <a:bodyPr/>
+        <a:lstStyle/>
+        <a:p>
+          <a:r>
+            <a:rPr lang="en-US" altLang="zh-CN" dirty="0" err="1" smtClean="0"/>
+            <a:t>Git</a:t>
+          </a:r>
+          <a:endParaRPr lang="zh-CN" altLang="en-US" dirty="0"/>
+        </a:p>
+      </dgm:t>
+    </dgm:pt>
+    <dgm:pt modelId="{CFA2D5BB-5C85-49D2-9F20-650329DF30E4}" type="parTrans" cxnId="{A371FE2B-5684-4CC3-BCC2-938042AEF0A0}">
+      <dgm:prSet/>
+      <dgm:spPr/>
+    </dgm:pt>
+    <dgm:pt modelId="{8F4BA558-0549-41D0-8C32-FF1949FEE7EC}" type="sibTrans" cxnId="{A371FE2B-5684-4CC3-BCC2-938042AEF0A0}">
+      <dgm:prSet/>
+      <dgm:spPr/>
+    </dgm:pt>
+    <dgm:pt modelId="{E93F7914-11FE-4465-9592-60E0999A9B8F}">
+      <dgm:prSet phldrT="[文本]"/>
+      <dgm:spPr/>
+      <dgm:t>
+        <a:bodyPr/>
+        <a:lstStyle/>
+        <a:p>
+          <a:r>
+            <a:rPr lang="en-US" altLang="zh-CN" dirty="0" smtClean="0"/>
+            <a:t>CI</a:t>
+          </a:r>
+          <a:endParaRPr lang="zh-CN" altLang="en-US" dirty="0"/>
+        </a:p>
+      </dgm:t>
+    </dgm:pt>
+    <dgm:pt modelId="{7C020B38-F1F9-4621-B34F-DF5A1B482941}" type="parTrans" cxnId="{0FC61371-B199-4A09-821C-C9C32537F592}">
+      <dgm:prSet/>
+      <dgm:spPr/>
+    </dgm:pt>
+    <dgm:pt modelId="{F8CCF9D2-4835-426F-B1A9-B6EBADF6481D}" type="sibTrans" cxnId="{0FC61371-B199-4A09-821C-C9C32537F592}">
+      <dgm:prSet/>
+      <dgm:spPr/>
+    </dgm:pt>
+    <dgm:pt modelId="{AC2181AB-8547-43ED-BD14-63E88DCAB410}" type="pres">
+      <dgm:prSet presAssocID="{7ED83C5F-20B4-45CB-9739-7440B3DC0A86}" presName="Name0" presStyleCnt="0">
+        <dgm:presLayoutVars>
+          <dgm:dir/>
+          <dgm:resizeHandles val="exact"/>
+        </dgm:presLayoutVars>
+      </dgm:prSet>
+      <dgm:spPr/>
+      <dgm:t>
+        <a:bodyPr/>
+        <a:lstStyle/>
+        <a:p>
+          <a:endParaRPr lang="zh-CN" altLang="en-US"/>
+        </a:p>
+      </dgm:t>
+    </dgm:pt>
+    <dgm:pt modelId="{DB81FC91-547D-4887-B40A-6CFA1C435ABC}" type="pres">
+      <dgm:prSet presAssocID="{1E68D6D6-8D7B-46AD-90C4-65A938BB5C8A}" presName="node" presStyleLbl="node1" presStyleIdx="0" presStyleCnt="3">
+        <dgm:presLayoutVars>
+          <dgm:bulletEnabled val="1"/>
+        </dgm:presLayoutVars>
+      </dgm:prSet>
+      <dgm:spPr/>
+      <dgm:t>
+        <a:bodyPr/>
+        <a:lstStyle/>
+        <a:p>
+          <a:endParaRPr lang="zh-CN" altLang="en-US"/>
+        </a:p>
+      </dgm:t>
+    </dgm:pt>
+    <dgm:pt modelId="{ABFEFE6B-76FA-46AA-BB18-B35D6C2CAF9C}" type="pres">
+      <dgm:prSet presAssocID="{16E173C1-0A6D-4EC8-86C4-B4FFA2FCB811}" presName="sibTrans" presStyleCnt="0"/>
+      <dgm:spPr/>
+    </dgm:pt>
+    <dgm:pt modelId="{D33D3E6E-2DAB-49D5-A22D-8A7AE2AF2386}" type="pres">
+      <dgm:prSet presAssocID="{42B7CB72-D4F2-4059-BE65-F22AE24E1C41}" presName="node" presStyleLbl="node1" presStyleIdx="1" presStyleCnt="3">
+        <dgm:presLayoutVars>
+          <dgm:bulletEnabled val="1"/>
+        </dgm:presLayoutVars>
+      </dgm:prSet>
+      <dgm:spPr/>
+      <dgm:t>
+        <a:bodyPr/>
+        <a:lstStyle/>
+        <a:p>
+          <a:endParaRPr lang="zh-CN" altLang="en-US"/>
+        </a:p>
+      </dgm:t>
+    </dgm:pt>
+    <dgm:pt modelId="{53E8166E-7000-48B5-BAFC-246EE82024B4}" type="pres">
+      <dgm:prSet presAssocID="{F1F61C7C-3030-4AFA-83B1-8A242AD47A8A}" presName="sibTrans" presStyleCnt="0"/>
+      <dgm:spPr/>
+    </dgm:pt>
+    <dgm:pt modelId="{378A92BF-730C-4B89-A22F-11233B28DBA0}" type="pres">
+      <dgm:prSet presAssocID="{A417BD96-AAB1-435B-9E8C-E86E27030477}" presName="node" presStyleLbl="node1" presStyleIdx="2" presStyleCnt="3">
+        <dgm:presLayoutVars>
+          <dgm:bulletEnabled val="1"/>
+        </dgm:presLayoutVars>
+      </dgm:prSet>
+      <dgm:spPr/>
+      <dgm:t>
+        <a:bodyPr/>
+        <a:lstStyle/>
+        <a:p>
+          <a:endParaRPr lang="zh-CN" altLang="en-US"/>
+        </a:p>
+      </dgm:t>
+    </dgm:pt>
+  </dgm:ptLst>
+  <dgm:cxnLst>
+    <dgm:cxn modelId="{F296287D-92F1-4795-85A4-09EC5D99BCFD}" type="presOf" srcId="{AD852797-663B-40D8-BACB-2FD2F2A02723}" destId="{378A92BF-730C-4B89-A22F-11233B28DBA0}" srcOrd="0" destOrd="8" presId="urn:microsoft.com/office/officeart/2005/8/layout/hList6"/>
+    <dgm:cxn modelId="{E1CA47BF-CB7C-47DE-9455-DB8F1DF22ECE}" type="presOf" srcId="{42B7CB72-D4F2-4059-BE65-F22AE24E1C41}" destId="{D33D3E6E-2DAB-49D5-A22D-8A7AE2AF2386}" srcOrd="0" destOrd="0" presId="urn:microsoft.com/office/officeart/2005/8/layout/hList6"/>
+    <dgm:cxn modelId="{CC080D9A-5CC6-4DC5-8EC6-6ECC8DD3A9F0}" type="presOf" srcId="{BC996979-D47B-4F3F-ADD4-6983D3C51CEF}" destId="{DB81FC91-547D-4887-B40A-6CFA1C435ABC}" srcOrd="0" destOrd="4" presId="urn:microsoft.com/office/officeart/2005/8/layout/hList6"/>
+    <dgm:cxn modelId="{8A5070DB-635E-4649-9C72-A4890A6D391B}" srcId="{A417BD96-AAB1-435B-9E8C-E86E27030477}" destId="{4F772856-7ED5-4ED6-80BA-A14947D71C52}" srcOrd="2" destOrd="0" parTransId="{7C989469-504B-462A-B48A-0F628C075F01}" sibTransId="{65F4C01E-C1D4-42AD-AB9A-8EE6025F5C27}"/>
+    <dgm:cxn modelId="{8717CD77-A072-423F-A3A0-2E6C6F009F4E}" srcId="{A417BD96-AAB1-435B-9E8C-E86E27030477}" destId="{A971C5B9-0EA0-43A5-9F8F-CF713F586D01}" srcOrd="1" destOrd="0" parTransId="{FE8D45B2-B41F-47BF-9C94-C82A27D89F97}" sibTransId="{4AA94A0D-AF81-4257-A904-CA006C26DA39}"/>
+    <dgm:cxn modelId="{FB014557-F1E8-4144-BC6A-B5298627AD04}" type="presOf" srcId="{2482526B-B676-42F3-94C1-07B3B09077B3}" destId="{D33D3E6E-2DAB-49D5-A22D-8A7AE2AF2386}" srcOrd="0" destOrd="4" presId="urn:microsoft.com/office/officeart/2005/8/layout/hList6"/>
+    <dgm:cxn modelId="{01DC669F-9754-4284-A77E-E31ABE9265DD}" srcId="{1E68D6D6-8D7B-46AD-90C4-65A938BB5C8A}" destId="{9DF16E84-4124-48A7-93D9-FCAF0F0335F8}" srcOrd="4" destOrd="0" parTransId="{AB0FE13C-5806-4A98-9AFB-E4A90BD2CA72}" sibTransId="{0603E359-51C3-4730-8424-3AD39D78054A}"/>
+    <dgm:cxn modelId="{F43A83D6-CA93-4988-AE7B-917B6D3DD2BC}" srcId="{42B7CB72-D4F2-4059-BE65-F22AE24E1C41}" destId="{82C92D4A-BC39-4CAD-ADD6-23208CF33303}" srcOrd="1" destOrd="0" parTransId="{EC14CCEC-80A8-487E-9753-515E05263F74}" sibTransId="{A1EE2F41-0E1C-45F8-A54E-82A189CF63A5}"/>
+    <dgm:cxn modelId="{E3CE7052-491F-4B6B-83BA-83D68FD7E6B1}" srcId="{A417BD96-AAB1-435B-9E8C-E86E27030477}" destId="{3CE69326-247D-433E-ADCB-7B2926E38D85}" srcOrd="3" destOrd="0" parTransId="{C87109F6-8182-47D9-B14A-F565A330ABC3}" sibTransId="{20A5CA2E-225A-48C7-9B47-A4040396D9CC}"/>
+    <dgm:cxn modelId="{74D6647F-49FD-4D47-A30E-CE7B3F456D97}" srcId="{1E68D6D6-8D7B-46AD-90C4-65A938BB5C8A}" destId="{75A91B37-FAC7-4295-8E9D-65784DC854CB}" srcOrd="0" destOrd="0" parTransId="{8D4DA750-B67B-418D-95CD-0209E3C4CE30}" sibTransId="{16AF249A-B97A-45B4-B754-9BB7847B6ED5}"/>
+    <dgm:cxn modelId="{B51E76B6-59EA-4182-95EC-8EBAF018CFF5}" type="presOf" srcId="{7ED83C5F-20B4-45CB-9739-7440B3DC0A86}" destId="{AC2181AB-8547-43ED-BD14-63E88DCAB410}" srcOrd="0" destOrd="0" presId="urn:microsoft.com/office/officeart/2005/8/layout/hList6"/>
+    <dgm:cxn modelId="{EE8090DE-CAAA-4929-84A2-9DF56BD841F3}" srcId="{A417BD96-AAB1-435B-9E8C-E86E27030477}" destId="{321D9FFA-0154-47B8-BCE8-03EEBE5CF706}" srcOrd="4" destOrd="0" parTransId="{DC761916-D7C6-45A2-8B41-57F39D6AD941}" sibTransId="{7C5C8C2F-C177-45A0-B67D-308C826FE33E}"/>
+    <dgm:cxn modelId="{405CB256-0FEC-464B-95B7-054A7FCBA1F8}" type="presOf" srcId="{A971C5B9-0EA0-43A5-9F8F-CF713F586D01}" destId="{378A92BF-730C-4B89-A22F-11233B28DBA0}" srcOrd="0" destOrd="2" presId="urn:microsoft.com/office/officeart/2005/8/layout/hList6"/>
+    <dgm:cxn modelId="{8024D740-B65F-4F30-B792-A7EAB02603C6}" srcId="{1E68D6D6-8D7B-46AD-90C4-65A938BB5C8A}" destId="{BC996979-D47B-4F3F-ADD4-6983D3C51CEF}" srcOrd="3" destOrd="0" parTransId="{3D22AD75-3233-4BC4-A212-1CAC04849314}" sibTransId="{F385BF18-706E-4246-ACA2-863F1DEA88D7}"/>
+    <dgm:cxn modelId="{DF9DF8E3-AC9F-4E35-8D19-15F0604BABBD}" srcId="{42B7CB72-D4F2-4059-BE65-F22AE24E1C41}" destId="{3CBE9BB1-785B-489B-BDF3-0B85D2BBD29E}" srcOrd="4" destOrd="0" parTransId="{F586E160-A062-4B91-90A5-4ED833C4132F}" sibTransId="{B79A4D3D-C019-4290-9D64-F59A253540AB}"/>
+    <dgm:cxn modelId="{6CE33CD9-58BE-48D9-948B-250A03D47D15}" type="presOf" srcId="{85E5C8DC-2232-4CD0-A348-4E92EEA68D98}" destId="{D33D3E6E-2DAB-49D5-A22D-8A7AE2AF2386}" srcOrd="0" destOrd="3" presId="urn:microsoft.com/office/officeart/2005/8/layout/hList6"/>
+    <dgm:cxn modelId="{05D4FEF0-4C72-435A-8ED8-528EFEC03780}" srcId="{7ED83C5F-20B4-45CB-9739-7440B3DC0A86}" destId="{1E68D6D6-8D7B-46AD-90C4-65A938BB5C8A}" srcOrd="0" destOrd="0" parTransId="{683277BE-FA34-480C-80EE-5362E1AF25DC}" sibTransId="{16E173C1-0A6D-4EC8-86C4-B4FFA2FCB811}"/>
+    <dgm:cxn modelId="{597A73C3-B91E-4F56-9064-9057384691F3}" type="presOf" srcId="{75A91B37-FAC7-4295-8E9D-65784DC854CB}" destId="{DB81FC91-547D-4887-B40A-6CFA1C435ABC}" srcOrd="0" destOrd="1" presId="urn:microsoft.com/office/officeart/2005/8/layout/hList6"/>
+    <dgm:cxn modelId="{4DA4242E-60D4-465E-ABF2-4F32CB937986}" type="presOf" srcId="{528753BF-2EE3-42CB-A681-2D8933FDD593}" destId="{D33D3E6E-2DAB-49D5-A22D-8A7AE2AF2386}" srcOrd="0" destOrd="7" presId="urn:microsoft.com/office/officeart/2005/8/layout/hList6"/>
+    <dgm:cxn modelId="{5E5A2A5A-D499-4471-A016-5A076E449770}" type="presOf" srcId="{321D9FFA-0154-47B8-BCE8-03EEBE5CF706}" destId="{378A92BF-730C-4B89-A22F-11233B28DBA0}" srcOrd="0" destOrd="5" presId="urn:microsoft.com/office/officeart/2005/8/layout/hList6"/>
+    <dgm:cxn modelId="{B6BF4652-22EF-438E-87B4-11DC456B5C6B}" type="presOf" srcId="{32158258-C56C-4A2A-BFCF-E78B37AEF4DD}" destId="{378A92BF-730C-4B89-A22F-11233B28DBA0}" srcOrd="0" destOrd="6" presId="urn:microsoft.com/office/officeart/2005/8/layout/hList6"/>
+    <dgm:cxn modelId="{6E34588B-5785-47CE-96B9-77D3F6C1C3EC}" type="presOf" srcId="{3CE69326-247D-433E-ADCB-7B2926E38D85}" destId="{378A92BF-730C-4B89-A22F-11233B28DBA0}" srcOrd="0" destOrd="4" presId="urn:microsoft.com/office/officeart/2005/8/layout/hList6"/>
+    <dgm:cxn modelId="{F141DC20-D2E4-441B-B61A-AD70574A231E}" type="presOf" srcId="{4F772856-7ED5-4ED6-80BA-A14947D71C52}" destId="{378A92BF-730C-4B89-A22F-11233B28DBA0}" srcOrd="0" destOrd="3" presId="urn:microsoft.com/office/officeart/2005/8/layout/hList6"/>
+    <dgm:cxn modelId="{41CF89B3-DC3D-4DB0-BD96-5FD1ED79DA8A}" srcId="{A417BD96-AAB1-435B-9E8C-E86E27030477}" destId="{AD852797-663B-40D8-BACB-2FD2F2A02723}" srcOrd="7" destOrd="0" parTransId="{046F79DA-5796-4605-82D1-9BBC8CB2FBB7}" sibTransId="{5755668E-5D2B-4A4A-9173-C57815E18FD0}"/>
+    <dgm:cxn modelId="{A371FE2B-5684-4CC3-BCC2-938042AEF0A0}" srcId="{A417BD96-AAB1-435B-9E8C-E86E27030477}" destId="{32158258-C56C-4A2A-BFCF-E78B37AEF4DD}" srcOrd="5" destOrd="0" parTransId="{CFA2D5BB-5C85-49D2-9F20-650329DF30E4}" sibTransId="{8F4BA558-0549-41D0-8C32-FF1949FEE7EC}"/>
+    <dgm:cxn modelId="{BFE69754-216A-43CB-93FB-3805F495DD50}" srcId="{1E68D6D6-8D7B-46AD-90C4-65A938BB5C8A}" destId="{44BA54C5-1613-421E-8211-67FA2A4E5F4F}" srcOrd="1" destOrd="0" parTransId="{0F4BC458-C794-4572-9F8E-5BCC16F9D739}" sibTransId="{EED60C31-43B3-46C9-A30E-B960E01F85EA}"/>
+    <dgm:cxn modelId="{3CE5F3B4-E08A-46D1-A0A0-712031519D9B}" srcId="{1E68D6D6-8D7B-46AD-90C4-65A938BB5C8A}" destId="{F62EA030-EF4C-4264-9187-29425B72A67D}" srcOrd="5" destOrd="0" parTransId="{DBC45882-7848-4886-B33D-6C1C075D0A1E}" sibTransId="{F2651D65-28EB-493C-84FF-F3198427E500}"/>
+    <dgm:cxn modelId="{B620D70C-BCB0-4DA3-8DDC-0738DCC56BE4}" srcId="{42B7CB72-D4F2-4059-BE65-F22AE24E1C41}" destId="{279E0C1F-CFA7-403D-94C8-0CF0930A2A77}" srcOrd="5" destOrd="0" parTransId="{B64B0D23-CC46-4147-B617-F785F58EC3B6}" sibTransId="{5E4E1F76-5B6F-43EF-B3E8-C3171F785280}"/>
+    <dgm:cxn modelId="{DC6FF33C-6C59-42DD-94D2-BD0875BE5CF5}" srcId="{A417BD96-AAB1-435B-9E8C-E86E27030477}" destId="{5449584D-91EF-47DA-9175-8794495DF361}" srcOrd="0" destOrd="0" parTransId="{1A77076D-D984-42A5-96B6-6186C9EA1DBB}" sibTransId="{AD328561-6D01-4F2B-915A-0296052D2738}"/>
+    <dgm:cxn modelId="{4409EEA9-177A-412F-BDA8-90DACB17DEA7}" type="presOf" srcId="{A417BD96-AAB1-435B-9E8C-E86E27030477}" destId="{378A92BF-730C-4B89-A22F-11233B28DBA0}" srcOrd="0" destOrd="0" presId="urn:microsoft.com/office/officeart/2005/8/layout/hList6"/>
+    <dgm:cxn modelId="{08A3493B-10C5-4BDE-8E4B-90F7ADE6A705}" type="presOf" srcId="{5449584D-91EF-47DA-9175-8794495DF361}" destId="{378A92BF-730C-4B89-A22F-11233B28DBA0}" srcOrd="0" destOrd="1" presId="urn:microsoft.com/office/officeart/2005/8/layout/hList6"/>
+    <dgm:cxn modelId="{7633124D-A744-4D96-A024-9550905C73BD}" type="presOf" srcId="{F62EA030-EF4C-4264-9187-29425B72A67D}" destId="{DB81FC91-547D-4887-B40A-6CFA1C435ABC}" srcOrd="0" destOrd="6" presId="urn:microsoft.com/office/officeart/2005/8/layout/hList6"/>
+    <dgm:cxn modelId="{77FB7E20-8FDD-44AD-95DE-F2013A6E2977}" srcId="{7ED83C5F-20B4-45CB-9739-7440B3DC0A86}" destId="{42B7CB72-D4F2-4059-BE65-F22AE24E1C41}" srcOrd="1" destOrd="0" parTransId="{E2D66B80-12E6-44DD-9796-288B4458BABF}" sibTransId="{F1F61C7C-3030-4AFA-83B1-8A242AD47A8A}"/>
+    <dgm:cxn modelId="{C19DD70A-50E5-41CD-B0CD-1D1CC7432AF9}" type="presOf" srcId="{82C92D4A-BC39-4CAD-ADD6-23208CF33303}" destId="{D33D3E6E-2DAB-49D5-A22D-8A7AE2AF2386}" srcOrd="0" destOrd="2" presId="urn:microsoft.com/office/officeart/2005/8/layout/hList6"/>
+    <dgm:cxn modelId="{6F23BF3C-89E6-4FDC-A321-AC1357A7F17E}" type="presOf" srcId="{44BA54C5-1613-421E-8211-67FA2A4E5F4F}" destId="{DB81FC91-547D-4887-B40A-6CFA1C435ABC}" srcOrd="0" destOrd="2" presId="urn:microsoft.com/office/officeart/2005/8/layout/hList6"/>
+    <dgm:cxn modelId="{BDFF3871-145D-410A-8BF9-3C49242A79E3}" type="presOf" srcId="{0D84E0D9-7310-4F29-92E4-3B806AC71FEC}" destId="{DB81FC91-547D-4887-B40A-6CFA1C435ABC}" srcOrd="0" destOrd="3" presId="urn:microsoft.com/office/officeart/2005/8/layout/hList6"/>
+    <dgm:cxn modelId="{56BFE388-4632-4725-BCC1-82794AF680B3}" type="presOf" srcId="{3CBE9BB1-785B-489B-BDF3-0B85D2BBD29E}" destId="{D33D3E6E-2DAB-49D5-A22D-8A7AE2AF2386}" srcOrd="0" destOrd="5" presId="urn:microsoft.com/office/officeart/2005/8/layout/hList6"/>
+    <dgm:cxn modelId="{0FC61371-B199-4A09-821C-C9C32537F592}" srcId="{A417BD96-AAB1-435B-9E8C-E86E27030477}" destId="{E93F7914-11FE-4465-9592-60E0999A9B8F}" srcOrd="6" destOrd="0" parTransId="{7C020B38-F1F9-4621-B34F-DF5A1B482941}" sibTransId="{F8CCF9D2-4835-426F-B1A9-B6EBADF6481D}"/>
+    <dgm:cxn modelId="{10F6BF29-AF8D-4B77-BE08-0E3D98E2A668}" srcId="{1E68D6D6-8D7B-46AD-90C4-65A938BB5C8A}" destId="{0D84E0D9-7310-4F29-92E4-3B806AC71FEC}" srcOrd="2" destOrd="0" parTransId="{46AE85BB-72F8-4448-A684-84A15F821C5A}" sibTransId="{FB681033-0C72-493B-A622-8E20536F1F8F}"/>
+    <dgm:cxn modelId="{1EF248AA-DC77-499E-9EAF-EB8D2D2856C7}" srcId="{42B7CB72-D4F2-4059-BE65-F22AE24E1C41}" destId="{51E82ECE-F621-411A-81EB-C98BAA570799}" srcOrd="0" destOrd="0" parTransId="{E4764083-F814-4D3E-8A68-C2EC0709EF3E}" sibTransId="{99392818-C4DA-473D-8A33-6052651E0EDB}"/>
+    <dgm:cxn modelId="{82C9C916-C632-48CA-BC34-61A3F6316258}" type="presOf" srcId="{9DF16E84-4124-48A7-93D9-FCAF0F0335F8}" destId="{DB81FC91-547D-4887-B40A-6CFA1C435ABC}" srcOrd="0" destOrd="5" presId="urn:microsoft.com/office/officeart/2005/8/layout/hList6"/>
+    <dgm:cxn modelId="{A9E4B212-54EE-45AE-9ECF-12DFE9D8C900}" type="presOf" srcId="{1E68D6D6-8D7B-46AD-90C4-65A938BB5C8A}" destId="{DB81FC91-547D-4887-B40A-6CFA1C435ABC}" srcOrd="0" destOrd="0" presId="urn:microsoft.com/office/officeart/2005/8/layout/hList6"/>
+    <dgm:cxn modelId="{7DA6B1B0-FDF7-46AA-889F-AD48F1091692}" srcId="{42B7CB72-D4F2-4059-BE65-F22AE24E1C41}" destId="{2482526B-B676-42F3-94C1-07B3B09077B3}" srcOrd="3" destOrd="0" parTransId="{AD9BB8D5-2C50-4B9F-8CA5-3A5D31307D8A}" sibTransId="{1A637CB1-9D4D-439C-BF5C-DA087B3A3C3D}"/>
+    <dgm:cxn modelId="{6BD94F66-0C67-4170-A36B-49BF0A715490}" type="presOf" srcId="{51E82ECE-F621-411A-81EB-C98BAA570799}" destId="{D33D3E6E-2DAB-49D5-A22D-8A7AE2AF2386}" srcOrd="0" destOrd="1" presId="urn:microsoft.com/office/officeart/2005/8/layout/hList6"/>
+    <dgm:cxn modelId="{037399CE-3737-4166-81E5-2382E0876798}" type="presOf" srcId="{279E0C1F-CFA7-403D-94C8-0CF0930A2A77}" destId="{D33D3E6E-2DAB-49D5-A22D-8A7AE2AF2386}" srcOrd="0" destOrd="6" presId="urn:microsoft.com/office/officeart/2005/8/layout/hList6"/>
+    <dgm:cxn modelId="{39AB66EC-220E-4F5B-B2C9-32CFFC4CD04F}" srcId="{42B7CB72-D4F2-4059-BE65-F22AE24E1C41}" destId="{85E5C8DC-2232-4CD0-A348-4E92EEA68D98}" srcOrd="2" destOrd="0" parTransId="{D2B23653-F2C9-4EB0-A04B-17D4C28C7B06}" sibTransId="{4A32B367-0832-42F4-A46A-29897D89D481}"/>
+    <dgm:cxn modelId="{6DC344F6-1876-41D9-8E66-93734F10D750}" srcId="{42B7CB72-D4F2-4059-BE65-F22AE24E1C41}" destId="{528753BF-2EE3-42CB-A681-2D8933FDD593}" srcOrd="6" destOrd="0" parTransId="{C16C170E-6B88-475B-8AF5-EE85DA3DCCDE}" sibTransId="{F396871F-AED1-4AB3-8AAC-6BAB3FFB57C9}"/>
+    <dgm:cxn modelId="{3F716999-D407-4B6C-9DFE-35F11896B45B}" srcId="{7ED83C5F-20B4-45CB-9739-7440B3DC0A86}" destId="{A417BD96-AAB1-435B-9E8C-E86E27030477}" srcOrd="2" destOrd="0" parTransId="{8D5380D5-6C8A-42B2-9F8F-A0D20EE22D7C}" sibTransId="{18CA8202-3404-4E09-BA90-8FB9C121C8B1}"/>
+    <dgm:cxn modelId="{EE9272EE-552E-4BAD-8EF7-8B1882AC9515}" type="presOf" srcId="{E93F7914-11FE-4465-9592-60E0999A9B8F}" destId="{378A92BF-730C-4B89-A22F-11233B28DBA0}" srcOrd="0" destOrd="7" presId="urn:microsoft.com/office/officeart/2005/8/layout/hList6"/>
+    <dgm:cxn modelId="{9BC964C5-62A0-4C70-BB5A-79453D32C380}" type="presParOf" srcId="{AC2181AB-8547-43ED-BD14-63E88DCAB410}" destId="{DB81FC91-547D-4887-B40A-6CFA1C435ABC}" srcOrd="0" destOrd="0" presId="urn:microsoft.com/office/officeart/2005/8/layout/hList6"/>
+    <dgm:cxn modelId="{E7C74461-63F4-4BFF-A400-15CDBF064778}" type="presParOf" srcId="{AC2181AB-8547-43ED-BD14-63E88DCAB410}" destId="{ABFEFE6B-76FA-46AA-BB18-B35D6C2CAF9C}" srcOrd="1" destOrd="0" presId="urn:microsoft.com/office/officeart/2005/8/layout/hList6"/>
+    <dgm:cxn modelId="{E131C541-D024-4E5E-8D28-B741B37896A8}" type="presParOf" srcId="{AC2181AB-8547-43ED-BD14-63E88DCAB410}" destId="{D33D3E6E-2DAB-49D5-A22D-8A7AE2AF2386}" srcOrd="2" destOrd="0" presId="urn:microsoft.com/office/officeart/2005/8/layout/hList6"/>
+    <dgm:cxn modelId="{76725591-3FD0-4A7D-B5E8-2422F7425ACA}" type="presParOf" srcId="{AC2181AB-8547-43ED-BD14-63E88DCAB410}" destId="{53E8166E-7000-48B5-BAFC-246EE82024B4}" srcOrd="3" destOrd="0" presId="urn:microsoft.com/office/officeart/2005/8/layout/hList6"/>
+    <dgm:cxn modelId="{3B2CAB47-5EC4-47FE-BFE8-802C9131348F}" type="presParOf" srcId="{AC2181AB-8547-43ED-BD14-63E88DCAB410}" destId="{378A92BF-730C-4B89-A22F-11233B28DBA0}" srcOrd="4" destOrd="0" presId="urn:microsoft.com/office/officeart/2005/8/layout/hList6"/>
+  </dgm:cxnLst>
+  <dgm:bg/>
+  <dgm:whole/>
+  <dgm:extLst>
+    <a:ext uri="http://schemas.microsoft.com/office/drawing/2008/diagram">
+      <dsp:dataModelExt xmlns:dsp="http://schemas.microsoft.com/office/drawing/2008/diagram" relId="rId6" minVer="http://schemas.openxmlformats.org/drawingml/2006/diagram"/>
+    </a:ext>
+  </dgm:extLst>
+</dgm:dataModel>
+</file>
+
+<file path=ppt/diagrams/drawing1.xml><?xml version="1.0" encoding="utf-8"?>
+<dsp:drawing xmlns:dgm="http://schemas.openxmlformats.org/drawingml/2006/diagram" xmlns:dsp="http://schemas.microsoft.com/office/drawing/2008/diagram" xmlns:a="http://schemas.openxmlformats.org/drawingml/2006/main">
+  <dsp:spTree>
+    <dsp:nvGrpSpPr>
+      <dsp:cNvPr id="0" name=""/>
+      <dsp:cNvGrpSpPr/>
+    </dsp:nvGrpSpPr>
+    <dsp:grpSpPr/>
+    <dsp:sp modelId="{DB81FC91-547D-4887-B40A-6CFA1C435ABC}">
+      <dsp:nvSpPr>
+        <dsp:cNvPr id="0" name=""/>
+        <dsp:cNvSpPr/>
+      </dsp:nvSpPr>
+      <dsp:spPr>
+        <a:xfrm rot="16200000">
+          <a:off x="-956010" y="957014"/>
+          <a:ext cx="4525963" cy="2611933"/>
+        </a:xfrm>
+        <a:prstGeom prst="flowChartManualOperation">
+          <a:avLst/>
+        </a:prstGeom>
+        <a:solidFill>
+          <a:schemeClr val="accent1">
+            <a:hueOff val="0"/>
+            <a:satOff val="0"/>
+            <a:lumOff val="0"/>
+            <a:alphaOff val="0"/>
+          </a:schemeClr>
+        </a:solidFill>
+        <a:ln w="25400" cap="flat" cmpd="sng" algn="ctr">
+          <a:solidFill>
+            <a:schemeClr val="lt1">
+              <a:hueOff val="0"/>
+              <a:satOff val="0"/>
+              <a:lumOff val="0"/>
+              <a:alphaOff val="0"/>
+            </a:schemeClr>
+          </a:solidFill>
+          <a:prstDash val="solid"/>
+        </a:ln>
+        <a:effectLst/>
+      </dsp:spPr>
+      <dsp:style>
+        <a:lnRef idx="2">
+          <a:scrgbClr r="0" g="0" b="0"/>
+        </a:lnRef>
+        <a:fillRef idx="1">
+          <a:scrgbClr r="0" g="0" b="0"/>
+        </a:fillRef>
+        <a:effectRef idx="0">
+          <a:scrgbClr r="0" g="0" b="0"/>
+        </a:effectRef>
+        <a:fontRef idx="minor">
+          <a:schemeClr val="lt1"/>
+        </a:fontRef>
+      </dsp:style>
+      <dsp:txBody>
+        <a:bodyPr spcFirstLastPara="0" vert="horz" wrap="square" lIns="139700" tIns="0" rIns="140325" bIns="0" numCol="1" spcCol="1270" anchor="t" anchorCtr="0">
+          <a:noAutofit/>
+        </a:bodyPr>
+        <a:lstStyle/>
+        <a:p>
+          <a:pPr lvl="0" algn="l" defTabSz="977900">
+            <a:lnSpc>
+              <a:spcPct val="90000"/>
+            </a:lnSpc>
+            <a:spcBef>
+              <a:spcPct val="0"/>
+            </a:spcBef>
+            <a:spcAft>
+              <a:spcPct val="35000"/>
+            </a:spcAft>
+          </a:pPr>
+          <a:r>
+            <a:rPr lang="zh-CN" altLang="en-US" sz="2200" kern="1200" dirty="0" smtClean="0"/>
+            <a:t>语言类</a:t>
+          </a:r>
+          <a:endParaRPr lang="zh-CN" altLang="en-US" sz="2200" kern="1200" dirty="0"/>
+        </a:p>
+        <a:p>
+          <a:pPr marL="171450" lvl="1" indent="-171450" algn="l" defTabSz="755650">
+            <a:lnSpc>
+              <a:spcPct val="90000"/>
+            </a:lnSpc>
+            <a:spcBef>
+              <a:spcPct val="0"/>
+            </a:spcBef>
+            <a:spcAft>
+              <a:spcPct val="15000"/>
+            </a:spcAft>
+            <a:buChar char="••"/>
+          </a:pPr>
+          <a:r>
+            <a:rPr lang="en-US" altLang="zh-CN" sz="1700" kern="1200" dirty="0" smtClean="0"/>
+            <a:t>Java</a:t>
+          </a:r>
+          <a:r>
+            <a:rPr lang="zh-CN" altLang="en-US" sz="1700" kern="1200" dirty="0" smtClean="0"/>
+            <a:t>深入</a:t>
+          </a:r>
+          <a:endParaRPr lang="zh-CN" altLang="en-US" sz="1700" kern="1200" dirty="0"/>
+        </a:p>
+        <a:p>
+          <a:pPr marL="171450" lvl="1" indent="-171450" algn="l" defTabSz="755650">
+            <a:lnSpc>
+              <a:spcPct val="90000"/>
+            </a:lnSpc>
+            <a:spcBef>
+              <a:spcPct val="0"/>
+            </a:spcBef>
+            <a:spcAft>
+              <a:spcPct val="15000"/>
+            </a:spcAft>
+            <a:buChar char="••"/>
+          </a:pPr>
+          <a:r>
+            <a:rPr lang="en-US" altLang="zh-CN" sz="1700" kern="1200" dirty="0" smtClean="0"/>
+            <a:t>JS</a:t>
+          </a:r>
+          <a:r>
+            <a:rPr lang="zh-CN" altLang="en-US" sz="1700" kern="1200" dirty="0" smtClean="0"/>
+            <a:t>深入</a:t>
+          </a:r>
+          <a:endParaRPr lang="zh-CN" altLang="en-US" sz="1700" kern="1200" dirty="0"/>
+        </a:p>
+        <a:p>
+          <a:pPr marL="171450" lvl="1" indent="-171450" algn="l" defTabSz="755650">
+            <a:lnSpc>
+              <a:spcPct val="90000"/>
+            </a:lnSpc>
+            <a:spcBef>
+              <a:spcPct val="0"/>
+            </a:spcBef>
+            <a:spcAft>
+              <a:spcPct val="15000"/>
+            </a:spcAft>
+            <a:buChar char="••"/>
+          </a:pPr>
+          <a:r>
+            <a:rPr lang="en-US" altLang="zh-CN" sz="1700" kern="1200" dirty="0" smtClean="0"/>
+            <a:t>Python</a:t>
+          </a:r>
+          <a:endParaRPr lang="zh-CN" altLang="en-US" sz="1700" kern="1200" dirty="0"/>
+        </a:p>
+        <a:p>
+          <a:pPr marL="171450" lvl="1" indent="-171450" algn="l" defTabSz="755650">
+            <a:lnSpc>
+              <a:spcPct val="90000"/>
+            </a:lnSpc>
+            <a:spcBef>
+              <a:spcPct val="0"/>
+            </a:spcBef>
+            <a:spcAft>
+              <a:spcPct val="15000"/>
+            </a:spcAft>
+            <a:buChar char="••"/>
+          </a:pPr>
+          <a:r>
+            <a:rPr lang="en-US" sz="1700" kern="1200" dirty="0" err="1" smtClean="0"/>
+            <a:t>Scala</a:t>
+          </a:r>
+          <a:endParaRPr lang="zh-CN" altLang="en-US" sz="1700" kern="1200" dirty="0"/>
+        </a:p>
+        <a:p>
+          <a:pPr marL="171450" lvl="1" indent="-171450" algn="l" defTabSz="755650">
+            <a:lnSpc>
+              <a:spcPct val="90000"/>
+            </a:lnSpc>
+            <a:spcBef>
+              <a:spcPct val="0"/>
+            </a:spcBef>
+            <a:spcAft>
+              <a:spcPct val="15000"/>
+            </a:spcAft>
+            <a:buChar char="••"/>
+          </a:pPr>
+          <a:r>
+            <a:rPr lang="en-US" sz="1700" kern="1200" dirty="0" smtClean="0"/>
+            <a:t>Groovy</a:t>
+          </a:r>
+          <a:endParaRPr lang="zh-CN" altLang="en-US" sz="1700" kern="1200" dirty="0"/>
+        </a:p>
+        <a:p>
+          <a:pPr marL="171450" lvl="1" indent="-171450" algn="l" defTabSz="755650">
+            <a:lnSpc>
+              <a:spcPct val="90000"/>
+            </a:lnSpc>
+            <a:spcBef>
+              <a:spcPct val="0"/>
+            </a:spcBef>
+            <a:spcAft>
+              <a:spcPct val="15000"/>
+            </a:spcAft>
+            <a:buChar char="••"/>
+          </a:pPr>
+          <a:r>
+            <a:rPr lang="en-US" altLang="zh-CN" sz="1700" kern="1200" dirty="0" smtClean="0"/>
+            <a:t>Go</a:t>
+          </a:r>
+          <a:endParaRPr lang="zh-CN" altLang="en-US" sz="1700" kern="1200" dirty="0"/>
+        </a:p>
+      </dsp:txBody>
+      <dsp:txXfrm rot="5400000">
+        <a:off x="1005" y="905192"/>
+        <a:ext cx="2611933" cy="2715577"/>
+      </dsp:txXfrm>
+    </dsp:sp>
+    <dsp:sp modelId="{D33D3E6E-2DAB-49D5-A22D-8A7AE2AF2386}">
+      <dsp:nvSpPr>
+        <dsp:cNvPr id="0" name=""/>
+        <dsp:cNvSpPr/>
+      </dsp:nvSpPr>
+      <dsp:spPr>
+        <a:xfrm rot="16200000">
+          <a:off x="1851818" y="957014"/>
+          <a:ext cx="4525963" cy="2611933"/>
+        </a:xfrm>
+        <a:prstGeom prst="flowChartManualOperation">
+          <a:avLst/>
+        </a:prstGeom>
+        <a:solidFill>
+          <a:schemeClr val="accent1">
+            <a:hueOff val="0"/>
+            <a:satOff val="0"/>
+            <a:lumOff val="0"/>
+            <a:alphaOff val="0"/>
+          </a:schemeClr>
+        </a:solidFill>
+        <a:ln w="25400" cap="flat" cmpd="sng" algn="ctr">
+          <a:solidFill>
+            <a:schemeClr val="lt1">
+              <a:hueOff val="0"/>
+              <a:satOff val="0"/>
+              <a:lumOff val="0"/>
+              <a:alphaOff val="0"/>
+            </a:schemeClr>
+          </a:solidFill>
+          <a:prstDash val="solid"/>
+        </a:ln>
+        <a:effectLst/>
+      </dsp:spPr>
+      <dsp:style>
+        <a:lnRef idx="2">
+          <a:scrgbClr r="0" g="0" b="0"/>
+        </a:lnRef>
+        <a:fillRef idx="1">
+          <a:scrgbClr r="0" g="0" b="0"/>
+        </a:fillRef>
+        <a:effectRef idx="0">
+          <a:scrgbClr r="0" g="0" b="0"/>
+        </a:effectRef>
+        <a:fontRef idx="minor">
+          <a:schemeClr val="lt1"/>
+        </a:fontRef>
+      </dsp:style>
+      <dsp:txBody>
+        <a:bodyPr spcFirstLastPara="0" vert="horz" wrap="square" lIns="139700" tIns="0" rIns="140325" bIns="0" numCol="1" spcCol="1270" anchor="t" anchorCtr="0">
+          <a:noAutofit/>
+        </a:bodyPr>
+        <a:lstStyle/>
+        <a:p>
+          <a:pPr lvl="0" algn="l" defTabSz="977900">
+            <a:lnSpc>
+              <a:spcPct val="90000"/>
+            </a:lnSpc>
+            <a:spcBef>
+              <a:spcPct val="0"/>
+            </a:spcBef>
+            <a:spcAft>
+              <a:spcPct val="35000"/>
+            </a:spcAft>
+          </a:pPr>
+          <a:r>
+            <a:rPr lang="zh-CN" altLang="en-US" sz="2200" kern="1200" dirty="0" smtClean="0"/>
+            <a:t>框架</a:t>
+          </a:r>
+          <a:r>
+            <a:rPr lang="en-US" altLang="zh-CN" sz="2200" kern="1200" dirty="0" smtClean="0"/>
+            <a:t>&amp;</a:t>
+          </a:r>
+          <a:r>
+            <a:rPr lang="zh-CN" altLang="en-US" sz="2200" kern="1200" dirty="0" smtClean="0"/>
+            <a:t>环境类</a:t>
+          </a:r>
+          <a:endParaRPr lang="zh-CN" altLang="en-US" sz="2200" kern="1200" dirty="0"/>
+        </a:p>
+        <a:p>
+          <a:pPr marL="171450" lvl="1" indent="-171450" algn="l" defTabSz="755650">
+            <a:lnSpc>
+              <a:spcPct val="90000"/>
+            </a:lnSpc>
+            <a:spcBef>
+              <a:spcPct val="0"/>
+            </a:spcBef>
+            <a:spcAft>
+              <a:spcPct val="15000"/>
+            </a:spcAft>
+            <a:buChar char="••"/>
+          </a:pPr>
+          <a:r>
+            <a:rPr lang="en-US" altLang="zh-CN" sz="1700" kern="1200" dirty="0" err="1" smtClean="0"/>
+            <a:t>Hadoop</a:t>
+          </a:r>
+          <a:endParaRPr lang="zh-CN" altLang="en-US" sz="1700" kern="1200" dirty="0"/>
+        </a:p>
+        <a:p>
+          <a:pPr marL="171450" lvl="1" indent="-171450" algn="l" defTabSz="755650">
+            <a:lnSpc>
+              <a:spcPct val="90000"/>
+            </a:lnSpc>
+            <a:spcBef>
+              <a:spcPct val="0"/>
+            </a:spcBef>
+            <a:spcAft>
+              <a:spcPct val="15000"/>
+            </a:spcAft>
+            <a:buChar char="••"/>
+          </a:pPr>
+          <a:r>
+            <a:rPr lang="en-US" altLang="zh-CN" sz="1700" kern="1200" dirty="0" smtClean="0"/>
+            <a:t>Spring</a:t>
+          </a:r>
+          <a:r>
+            <a:rPr lang="zh-CN" altLang="en-US" sz="1700" kern="1200" dirty="0" smtClean="0"/>
+            <a:t>家族</a:t>
+          </a:r>
+          <a:endParaRPr lang="zh-CN" altLang="en-US" sz="1700" kern="1200" dirty="0"/>
+        </a:p>
+        <a:p>
+          <a:pPr marL="171450" lvl="1" indent="-171450" algn="l" defTabSz="755650">
+            <a:lnSpc>
+              <a:spcPct val="90000"/>
+            </a:lnSpc>
+            <a:spcBef>
+              <a:spcPct val="0"/>
+            </a:spcBef>
+            <a:spcAft>
+              <a:spcPct val="15000"/>
+            </a:spcAft>
+            <a:buChar char="••"/>
+          </a:pPr>
+          <a:r>
+            <a:rPr lang="en-US" altLang="zh-CN" sz="1700" kern="1200" dirty="0" err="1" smtClean="0"/>
+            <a:t>PhoneGap</a:t>
+          </a:r>
+          <a:endParaRPr lang="zh-CN" altLang="en-US" sz="1700" kern="1200" dirty="0"/>
+        </a:p>
+        <a:p>
+          <a:pPr marL="171450" lvl="1" indent="-171450" algn="l" defTabSz="755650">
+            <a:lnSpc>
+              <a:spcPct val="90000"/>
+            </a:lnSpc>
+            <a:spcBef>
+              <a:spcPct val="0"/>
+            </a:spcBef>
+            <a:spcAft>
+              <a:spcPct val="15000"/>
+            </a:spcAft>
+            <a:buChar char="••"/>
+          </a:pPr>
+          <a:r>
+            <a:rPr lang="en-US" altLang="en-US" sz="1700" kern="1200" dirty="0" err="1" smtClean="0"/>
+            <a:t>vert.x</a:t>
+          </a:r>
+          <a:endParaRPr lang="zh-CN" altLang="en-US" sz="1700" kern="1200" dirty="0"/>
+        </a:p>
+        <a:p>
+          <a:pPr marL="171450" lvl="1" indent="-171450" algn="l" defTabSz="755650">
+            <a:lnSpc>
+              <a:spcPct val="90000"/>
+            </a:lnSpc>
+            <a:spcBef>
+              <a:spcPct val="0"/>
+            </a:spcBef>
+            <a:spcAft>
+              <a:spcPct val="15000"/>
+            </a:spcAft>
+            <a:buChar char="••"/>
+          </a:pPr>
+          <a:r>
+            <a:rPr lang="en-US" altLang="zh-CN" sz="1700" kern="1200" dirty="0" err="1" smtClean="0"/>
+            <a:t>Nodejs</a:t>
+          </a:r>
+          <a:endParaRPr lang="zh-CN" altLang="en-US" sz="1700" kern="1200" dirty="0"/>
+        </a:p>
+        <a:p>
+          <a:pPr marL="171450" lvl="1" indent="-171450" algn="l" defTabSz="755650">
+            <a:lnSpc>
+              <a:spcPct val="90000"/>
+            </a:lnSpc>
+            <a:spcBef>
+              <a:spcPct val="0"/>
+            </a:spcBef>
+            <a:spcAft>
+              <a:spcPct val="15000"/>
+            </a:spcAft>
+            <a:buChar char="••"/>
+          </a:pPr>
+          <a:r>
+            <a:rPr lang="en-US" altLang="en-US" sz="1700" kern="1200" dirty="0" smtClean="0"/>
+            <a:t>Angular.js</a:t>
+          </a:r>
+          <a:endParaRPr lang="zh-CN" altLang="en-US" sz="1700" kern="1200" dirty="0"/>
+        </a:p>
+        <a:p>
+          <a:pPr marL="171450" lvl="1" indent="-171450" algn="l" defTabSz="755650">
+            <a:lnSpc>
+              <a:spcPct val="90000"/>
+            </a:lnSpc>
+            <a:spcBef>
+              <a:spcPct val="0"/>
+            </a:spcBef>
+            <a:spcAft>
+              <a:spcPct val="15000"/>
+            </a:spcAft>
+            <a:buChar char="••"/>
+          </a:pPr>
+          <a:r>
+            <a:rPr lang="en-US" altLang="zh-CN" sz="1700" kern="1200" dirty="0" err="1" smtClean="0"/>
+            <a:t>Django</a:t>
+          </a:r>
+          <a:endParaRPr lang="zh-CN" altLang="en-US" sz="1700" kern="1200" dirty="0"/>
+        </a:p>
+      </dsp:txBody>
+      <dsp:txXfrm rot="5400000">
+        <a:off x="2808833" y="905192"/>
+        <a:ext cx="2611933" cy="2715577"/>
+      </dsp:txXfrm>
+    </dsp:sp>
+    <dsp:sp modelId="{378A92BF-730C-4B89-A22F-11233B28DBA0}">
+      <dsp:nvSpPr>
+        <dsp:cNvPr id="0" name=""/>
+        <dsp:cNvSpPr/>
+      </dsp:nvSpPr>
+      <dsp:spPr>
+        <a:xfrm rot="16200000">
+          <a:off x="4659647" y="957014"/>
+          <a:ext cx="4525963" cy="2611933"/>
+        </a:xfrm>
+        <a:prstGeom prst="flowChartManualOperation">
+          <a:avLst/>
+        </a:prstGeom>
+        <a:solidFill>
+          <a:schemeClr val="accent1">
+            <a:hueOff val="0"/>
+            <a:satOff val="0"/>
+            <a:lumOff val="0"/>
+            <a:alphaOff val="0"/>
+          </a:schemeClr>
+        </a:solidFill>
+        <a:ln w="25400" cap="flat" cmpd="sng" algn="ctr">
+          <a:solidFill>
+            <a:schemeClr val="lt1">
+              <a:hueOff val="0"/>
+              <a:satOff val="0"/>
+              <a:lumOff val="0"/>
+              <a:alphaOff val="0"/>
+            </a:schemeClr>
+          </a:solidFill>
+          <a:prstDash val="solid"/>
+        </a:ln>
+        <a:effectLst/>
+      </dsp:spPr>
+      <dsp:style>
+        <a:lnRef idx="2">
+          <a:scrgbClr r="0" g="0" b="0"/>
+        </a:lnRef>
+        <a:fillRef idx="1">
+          <a:scrgbClr r="0" g="0" b="0"/>
+        </a:fillRef>
+        <a:effectRef idx="0">
+          <a:scrgbClr r="0" g="0" b="0"/>
+        </a:effectRef>
+        <a:fontRef idx="minor">
+          <a:schemeClr val="lt1"/>
+        </a:fontRef>
+      </dsp:style>
+      <dsp:txBody>
+        <a:bodyPr spcFirstLastPara="0" vert="horz" wrap="square" lIns="139700" tIns="0" rIns="140325" bIns="0" numCol="1" spcCol="1270" anchor="t" anchorCtr="0">
+          <a:noAutofit/>
+        </a:bodyPr>
+        <a:lstStyle/>
+        <a:p>
+          <a:pPr lvl="0" algn="l" defTabSz="977900">
+            <a:lnSpc>
+              <a:spcPct val="90000"/>
+            </a:lnSpc>
+            <a:spcBef>
+              <a:spcPct val="0"/>
+            </a:spcBef>
+            <a:spcAft>
+              <a:spcPct val="35000"/>
+            </a:spcAft>
+          </a:pPr>
+          <a:r>
+            <a:rPr lang="zh-CN" altLang="en-US" sz="2200" kern="1200" dirty="0" smtClean="0"/>
+            <a:t>设计架构类</a:t>
+          </a:r>
+          <a:endParaRPr lang="zh-CN" altLang="en-US" sz="2200" kern="1200" dirty="0"/>
+        </a:p>
+        <a:p>
+          <a:pPr marL="171450" lvl="1" indent="-171450" algn="l" defTabSz="755650">
+            <a:lnSpc>
+              <a:spcPct val="90000"/>
+            </a:lnSpc>
+            <a:spcBef>
+              <a:spcPct val="0"/>
+            </a:spcBef>
+            <a:spcAft>
+              <a:spcPct val="15000"/>
+            </a:spcAft>
+            <a:buChar char="••"/>
+          </a:pPr>
+          <a:r>
+            <a:rPr lang="en-US" altLang="zh-CN" sz="1700" kern="1200" dirty="0" smtClean="0"/>
+            <a:t>DDD</a:t>
+          </a:r>
+          <a:endParaRPr lang="zh-CN" altLang="en-US" sz="1700" kern="1200" dirty="0"/>
+        </a:p>
+        <a:p>
+          <a:pPr marL="171450" lvl="1" indent="-171450" algn="l" defTabSz="755650">
+            <a:lnSpc>
+              <a:spcPct val="90000"/>
+            </a:lnSpc>
+            <a:spcBef>
+              <a:spcPct val="0"/>
+            </a:spcBef>
+            <a:spcAft>
+              <a:spcPct val="15000"/>
+            </a:spcAft>
+            <a:buChar char="••"/>
+          </a:pPr>
+          <a:r>
+            <a:rPr lang="en-US" altLang="zh-CN" sz="1700" kern="1200" dirty="0" smtClean="0"/>
+            <a:t>Event D</a:t>
+          </a:r>
+          <a:r>
+            <a:rPr lang="zh-CN" sz="1700" b="0" kern="1200" dirty="0" smtClean="0"/>
+            <a:t>riven</a:t>
+          </a:r>
+          <a:endParaRPr lang="zh-CN" altLang="en-US" sz="1700" kern="1200" dirty="0"/>
+        </a:p>
+        <a:p>
+          <a:pPr marL="171450" lvl="1" indent="-171450" algn="l" defTabSz="755650">
+            <a:lnSpc>
+              <a:spcPct val="90000"/>
+            </a:lnSpc>
+            <a:spcBef>
+              <a:spcPct val="0"/>
+            </a:spcBef>
+            <a:spcAft>
+              <a:spcPct val="15000"/>
+            </a:spcAft>
+            <a:buChar char="••"/>
+          </a:pPr>
+          <a:r>
+            <a:rPr lang="zh-CN" altLang="en-US" sz="1700" kern="1200" dirty="0" smtClean="0"/>
+            <a:t>消息队列</a:t>
+          </a:r>
+          <a:endParaRPr lang="zh-CN" altLang="en-US" sz="1700" kern="1200" dirty="0"/>
+        </a:p>
+        <a:p>
+          <a:pPr marL="171450" lvl="1" indent="-171450" algn="l" defTabSz="755650">
+            <a:lnSpc>
+              <a:spcPct val="90000"/>
+            </a:lnSpc>
+            <a:spcBef>
+              <a:spcPct val="0"/>
+            </a:spcBef>
+            <a:spcAft>
+              <a:spcPct val="15000"/>
+            </a:spcAft>
+            <a:buChar char="••"/>
+          </a:pPr>
+          <a:r>
+            <a:rPr lang="zh-CN" altLang="en-US" sz="1700" kern="1200" dirty="0" smtClean="0"/>
+            <a:t>设计模式</a:t>
+          </a:r>
+          <a:endParaRPr lang="zh-CN" altLang="en-US" sz="1700" kern="1200" dirty="0"/>
+        </a:p>
+        <a:p>
+          <a:pPr marL="171450" lvl="1" indent="-171450" algn="l" defTabSz="755650">
+            <a:lnSpc>
+              <a:spcPct val="90000"/>
+            </a:lnSpc>
+            <a:spcBef>
+              <a:spcPct val="0"/>
+            </a:spcBef>
+            <a:spcAft>
+              <a:spcPct val="15000"/>
+            </a:spcAft>
+            <a:buChar char="••"/>
+          </a:pPr>
+          <a:r>
+            <a:rPr lang="en-US" altLang="zh-CN" sz="1700" kern="1200" dirty="0" err="1" smtClean="0"/>
+            <a:t>CloudStack</a:t>
+          </a:r>
+          <a:endParaRPr lang="zh-CN" altLang="en-US" sz="1700" kern="1200" dirty="0"/>
+        </a:p>
+        <a:p>
+          <a:pPr marL="171450" lvl="1" indent="-171450" algn="l" defTabSz="755650">
+            <a:lnSpc>
+              <a:spcPct val="90000"/>
+            </a:lnSpc>
+            <a:spcBef>
+              <a:spcPct val="0"/>
+            </a:spcBef>
+            <a:spcAft>
+              <a:spcPct val="15000"/>
+            </a:spcAft>
+            <a:buChar char="••"/>
+          </a:pPr>
+          <a:r>
+            <a:rPr lang="en-US" altLang="zh-CN" sz="1700" kern="1200" dirty="0" err="1" smtClean="0"/>
+            <a:t>Git</a:t>
+          </a:r>
+          <a:endParaRPr lang="zh-CN" altLang="en-US" sz="1700" kern="1200" dirty="0"/>
+        </a:p>
+        <a:p>
+          <a:pPr marL="171450" lvl="1" indent="-171450" algn="l" defTabSz="755650">
+            <a:lnSpc>
+              <a:spcPct val="90000"/>
+            </a:lnSpc>
+            <a:spcBef>
+              <a:spcPct val="0"/>
+            </a:spcBef>
+            <a:spcAft>
+              <a:spcPct val="15000"/>
+            </a:spcAft>
+            <a:buChar char="••"/>
+          </a:pPr>
+          <a:r>
+            <a:rPr lang="en-US" altLang="zh-CN" sz="1700" kern="1200" dirty="0" smtClean="0"/>
+            <a:t>CI</a:t>
+          </a:r>
+          <a:endParaRPr lang="zh-CN" altLang="en-US" sz="1700" kern="1200" dirty="0"/>
+        </a:p>
+        <a:p>
+          <a:pPr marL="171450" lvl="1" indent="-171450" algn="l" defTabSz="755650">
+            <a:lnSpc>
+              <a:spcPct val="90000"/>
+            </a:lnSpc>
+            <a:spcBef>
+              <a:spcPct val="0"/>
+            </a:spcBef>
+            <a:spcAft>
+              <a:spcPct val="15000"/>
+            </a:spcAft>
+            <a:buChar char="••"/>
+          </a:pPr>
+          <a:endParaRPr lang="zh-CN" altLang="en-US" sz="1700" kern="1200" dirty="0"/>
+        </a:p>
+      </dsp:txBody>
+      <dsp:txXfrm rot="5400000">
+        <a:off x="5616662" y="905192"/>
+        <a:ext cx="2611933" cy="2715577"/>
+      </dsp:txXfrm>
+    </dsp:sp>
+  </dsp:spTree>
+</dsp:drawing>
+</file>
+
+<file path=ppt/diagrams/layout1.xml><?xml version="1.0" encoding="utf-8"?>
+<dgm:layoutDef xmlns:dgm="http://schemas.openxmlformats.org/drawingml/2006/diagram" xmlns:a="http://schemas.openxmlformats.org/drawingml/2006/main" uniqueId="urn:microsoft.com/office/officeart/2005/8/layout/hList6">
+  <dgm:title val=""/>
+  <dgm:desc val=""/>
+  <dgm:catLst>
+    <dgm:cat type="list" pri="18000"/>
+  </dgm:catLst>
+  <dgm:sampData>
+    <dgm:dataModel>
+      <dgm:ptLst>
+        <dgm:pt modelId="0" type="doc"/>
+        <dgm:pt modelId="1">
+          <dgm:prSet phldr="1"/>
+        </dgm:pt>
+        <dgm:pt modelId="11">
+          <dgm:prSet phldr="1"/>
+        </dgm:pt>
+        <dgm:pt modelId="12">
+          <dgm:prSet phldr="1"/>
+        </dgm:pt>
+        <dgm:pt modelId="2">
+          <dgm:prSet phldr="1"/>
+        </dgm:pt>
+        <dgm:pt modelId="21">
+          <dgm:prSet phldr="1"/>
+        </dgm:pt>
+        <dgm:pt modelId="22">
+          <dgm:prSet phldr="1"/>
+        </dgm:pt>
+        <dgm:pt modelId="3">
+          <dgm:prSet phldr="1"/>
+        </dgm:pt>
+        <dgm:pt modelId="31">
+          <dgm:prSet phldr="1"/>
+        </dgm:pt>
+        <dgm:pt modelId="32">
+          <dgm:prSet phldr="1"/>
+        </dgm:pt>
+      </dgm:ptLst>
+      <dgm:cxnLst>
+        <dgm:cxn modelId="4" srcId="0" destId="1" srcOrd="0" destOrd="0"/>
+        <dgm:cxn modelId="5" srcId="0" destId="2" srcOrd="1" destOrd="0"/>
+        <dgm:cxn modelId="6" srcId="0" destId="3" srcOrd="2" destOrd="0"/>
+        <dgm:cxn modelId="13" srcId="1" destId="11" srcOrd="0" destOrd="0"/>
+        <dgm:cxn modelId="14" srcId="1" destId="12" srcOrd="1" destOrd="0"/>
+        <dgm:cxn modelId="23" srcId="2" destId="21" srcOrd="0" destOrd="0"/>
+        <dgm:cxn modelId="24" srcId="2" destId="22" srcOrd="1" destOrd="0"/>
+        <dgm:cxn modelId="33" srcId="3" destId="31" srcOrd="0" destOrd="0"/>
+        <dgm:cxn modelId="34" srcId="3" destId="32" srcOrd="1" destOrd="0"/>
+      </dgm:cxnLst>
+      <dgm:bg/>
+      <dgm:whole/>
+    </dgm:dataModel>
+  </dgm:sampData>
+  <dgm:styleData>
+    <dgm:dataModel>
+      <dgm:ptLst>
+        <dgm:pt modelId="0" type="doc"/>
+        <dgm:pt modelId="1"/>
+        <dgm:pt modelId="11"/>
+        <dgm:pt modelId="2"/>
+        <dgm:pt modelId="21"/>
+      </dgm:ptLst>
+      <dgm:cxnLst>
+        <dgm:cxn modelId="4" srcId="0" destId="1" srcOrd="0" destOrd="0"/>
+        <dgm:cxn modelId="5" srcId="0" destId="2" srcOrd="1" destOrd="0"/>
+        <dgm:cxn modelId="13" srcId="1" destId="11" srcOrd="0" destOrd="0"/>
+        <dgm:cxn modelId="23" srcId="2" destId="21" srcOrd="0" destOrd="0"/>
+      </dgm:cxnLst>
+      <dgm:bg/>
+      <dgm:whole/>
+    </dgm:dataModel>
+  </dgm:styleData>
+  <dgm:clrData>
+    <dgm:dataModel>
+      <dgm:ptLst>
+        <dgm:pt modelId="0" type="doc"/>
+        <dgm:pt modelId="1"/>
+        <dgm:pt modelId="11"/>
+        <dgm:pt modelId="2"/>
+        <dgm:pt modelId="21"/>
+        <dgm:pt modelId="3"/>
+        <dgm:pt modelId="31"/>
+        <dgm:pt modelId="4"/>
+        <dgm:pt modelId="41"/>
+      </dgm:ptLst>
+      <dgm:cxnLst>
+        <dgm:cxn modelId="5" srcId="0" destId="1" srcOrd="0" destOrd="0"/>
+        <dgm:cxn modelId="6" srcId="0" destId="2" srcOrd="1" destOrd="0"/>
+        <dgm:cxn modelId="7" srcId="0" destId="3" srcOrd="2" destOrd="0"/>
+        <dgm:cxn modelId="8" srcId="0" destId="4" srcOrd="3" destOrd="0"/>
+        <dgm:cxn modelId="13" srcId="1" destId="11" srcOrd="0" destOrd="0"/>
+        <dgm:cxn modelId="23" srcId="2" destId="21" srcOrd="0" destOrd="0"/>
+        <dgm:cxn modelId="33" srcId="3" destId="31" srcOrd="0" destOrd="0"/>
+        <dgm:cxn modelId="43" srcId="4" destId="41" srcOrd="0" destOrd="0"/>
+      </dgm:cxnLst>
+      <dgm:bg/>
+      <dgm:whole/>
+    </dgm:dataModel>
+  </dgm:clrData>
+  <dgm:layoutNode name="Name0">
+    <dgm:varLst>
+      <dgm:dir/>
+      <dgm:resizeHandles val="exact"/>
+    </dgm:varLst>
+    <dgm:choose name="Name1">
+      <dgm:if name="Name2" func="var" arg="dir" op="equ" val="norm">
+        <dgm:alg type="lin"/>
+      </dgm:if>
+      <dgm:else name="Name3">
+        <dgm:alg type="lin">
+          <dgm:param type="linDir" val="fromR"/>
+        </dgm:alg>
+      </dgm:else>
+    </dgm:choose>
+    <dgm:shape xmlns:r="http://schemas.openxmlformats.org/officeDocument/2006/relationships" r:blip="">
+      <dgm:adjLst/>
+    </dgm:shape>
+    <dgm:presOf/>
+    <dgm:constrLst>
+      <dgm:constr type="h" for="ch" ptType="node" refType="h"/>
+      <dgm:constr type="w" for="ch" ptType="node" refType="w"/>
+      <dgm:constr type="primFontSz" for="ch" ptType="node" op="equ"/>
+      <dgm:constr type="w" for="ch" forName="sibTrans" refType="w" fact="0.075"/>
+    </dgm:constrLst>
+    <dgm:ruleLst/>
+    <dgm:forEach name="nodesForEach" axis="ch" ptType="node">
+      <dgm:layoutNode name="node">
+        <dgm:varLst>
+          <dgm:bulletEnabled val="1"/>
+        </dgm:varLst>
+        <dgm:alg type="tx"/>
+        <dgm:choose name="Name4">
+          <dgm:if name="Name5" func="var" arg="dir" op="equ" val="norm">
+            <dgm:shape xmlns:r="http://schemas.openxmlformats.org/officeDocument/2006/relationships" rot="-90" type="flowChartManualOperation" r:blip="">
+              <dgm:adjLst/>
+            </dgm:shape>
+          </dgm:if>
+          <dgm:else name="Name6">
+            <dgm:shape xmlns:r="http://schemas.openxmlformats.org/officeDocument/2006/relationships" rot="90" type="flowChartManualOperation" r:blip="">
+              <dgm:adjLst/>
+            </dgm:shape>
+          </dgm:else>
+        </dgm:choose>
+        <dgm:presOf axis="desOrSelf" ptType="node"/>
+        <dgm:constrLst>
+          <dgm:constr type="primFontSz" val="65"/>
+          <dgm:constr type="tMarg"/>
+          <dgm:constr type="bMarg"/>
+          <dgm:constr type="lMarg" refType="primFontSz" fact="0.5"/>
+          <dgm:constr type="rMarg" refType="lMarg"/>
+        </dgm:constrLst>
+        <dgm:ruleLst>
+          <dgm:rule type="primFontSz" val="5" fact="NaN" max="NaN"/>
+        </dgm:ruleLst>
+      </dgm:layoutNode>
+      <dgm:forEach name="sibTransForEach" axis="followSib" ptType="sibTrans" cnt="1">
+        <dgm:layoutNode name="sibTrans">
+          <dgm:alg type="sp"/>
+          <dgm:shape xmlns:r="http://schemas.openxmlformats.org/officeDocument/2006/relationships" r:blip="">
+            <dgm:adjLst/>
+          </dgm:shape>
+          <dgm:presOf/>
+          <dgm:constrLst/>
+          <dgm:ruleLst/>
+        </dgm:layoutNode>
+      </dgm:forEach>
+    </dgm:forEach>
+  </dgm:layoutNode>
+</dgm:layoutDef>
+</file>
+
+<file path=ppt/diagrams/quickStyle1.xml><?xml version="1.0" encoding="utf-8"?>
+<dgm:styleDef xmlns:dgm="http://schemas.openxmlformats.org/drawingml/2006/diagram" xmlns:a="http://schemas.openxmlformats.org/drawingml/2006/main" uniqueId="urn:microsoft.com/office/officeart/2005/8/quickstyle/simple1">
+  <dgm:title val=""/>
+  <dgm:desc val=""/>
+  <dgm:catLst>
+    <dgm:cat type="simple" pri="10100"/>
+  </dgm:catLst>
+  <dgm:scene3d>
+    <a:camera prst="orthographicFront"/>
+    <a:lightRig rig="threePt" dir="t"/>
+  </dgm:scene3d>
+  <dgm:styleLbl name="node0">
+    <dgm:scene3d>
+      <a:camera prst="orthographicFront"/>
+      <a:lightRig rig="threePt" dir="t"/>
+    </dgm:scene3d>
+    <dgm:sp3d/>
+    <dgm:txPr/>
+    <dgm:style>
+      <a:lnRef idx="2">
+        <a:scrgbClr r="0" g="0" b="0"/>
+      </a:lnRef>
+      <a:fillRef idx="1">
+        <a:scrgbClr r="0" g="0" b="0"/>
+      </a:fillRef>
+      <a:effectRef idx="0">
+        <a:scrgbClr r="0" g="0" b="0"/>
+      </a:effectRef>
+      <a:fontRef idx="minor">
+        <a:schemeClr val="lt1"/>
+      </a:fontRef>
+    </dgm:style>
+  </dgm:styleLbl>
+  <dgm:styleLbl name="lnNode1">
+    <dgm:scene3d>
+      <a:camera prst="orthographicFront"/>
+      <a:lightRig rig="threePt" dir="t"/>
+    </dgm:scene3d>
+    <dgm:sp3d/>
+    <dgm:txPr/>
+    <dgm:style>
+      <a:lnRef idx="2">
+        <a:scrgbClr r="0" g="0" b="0"/>
+      </a:lnRef>
+      <a:fillRef idx="1">
+        <a:scrgbClr r="0" g="0" b="0"/>
+      </a:fillRef>
+      <a:effectRef idx="0">
+        <a:scrgbClr r="0" g="0" b="0"/>
+      </a:effectRef>
+      <a:fontRef idx="minor">
+        <a:schemeClr val="lt1"/>
+      </a:fontRef>
+    </dgm:style>
+  </dgm:styleLbl>
+  <dgm:styleLbl name="vennNode1">
+    <dgm:scene3d>
+      <a:camera prst="orthographicFront"/>
+      <a:lightRig rig="threePt" dir="t"/>
+    </dgm:scene3d>
+    <dgm:sp3d/>
+    <dgm:txPr/>
+    <dgm:style>
+      <a:lnRef idx="2">
+        <a:scrgbClr r="0" g="0" b="0"/>
+      </a:lnRef>
+      <a:fillRef idx="1">
+        <a:scrgbClr r="0" g="0" b="0"/>
+      </a:fillRef>
+      <a:effectRef idx="0">
+        <a:scrgbClr r="0" g="0" b="0"/>
+      </a:effectRef>
+      <a:fontRef idx="minor">
+        <a:schemeClr val="tx1"/>
+      </a:fontRef>
+    </dgm:style>
+  </dgm:styleLbl>
+  <dgm:styleLbl name="alignNode1">
+    <dgm:scene3d>
+      <a:camera prst="orthographicFront"/>
+      <a:lightRig rig="threePt" dir="t"/>
+    </dgm:scene3d>
+    <dgm:sp3d/>
+    <dgm:txPr/>
+    <dgm:style>
+      <a:lnRef idx="2">
+        <a:scrgbClr r="0" g="0" b="0"/>
+      </a:lnRef>
+      <a:fillRef idx="1">
+        <a:scrgbClr r="0" g="0" b="0"/>
+      </a:fillRef>
+      <a:effectRef idx="0">
+        <a:scrgbClr r="0" g="0" b="0"/>
+      </a:effectRef>
+      <a:fontRef idx="minor">
+        <a:schemeClr val="lt1"/>
+      </a:fontRef>
+    </dgm:style>
+  </dgm:styleLbl>
+  <dgm:styleLbl name="node1">
+    <dgm:scene3d>
+      <a:camera prst="orthographicFront"/>
+      <a:lightRig rig="threePt" dir="t"/>
+    </dgm:scene3d>
+    <dgm:sp3d/>
+    <dgm:txPr/>
+    <dgm:style>
+      <a:lnRef idx="2">
+        <a:scrgbClr r="0" g="0" b="0"/>
+      </a:lnRef>
+      <a:fillRef idx="1">
+        <a:scrgbClr r="0" g="0" b="0"/>
+      </a:fillRef>
+      <a:effectRef idx="0">
+        <a:scrgbClr r="0" g="0" b="0"/>
+      </a:effectRef>
+      <a:fontRef idx="minor">
+        <a:schemeClr val="lt1"/>
+      </a:fontRef>
+    </dgm:style>
+  </dgm:styleLbl>
+  <dgm:styleLbl name="node2">
+    <dgm:scene3d>
+      <a:camera prst="orthographicFront"/>
+      <a:lightRig rig="threePt" dir="t"/>
+    </dgm:scene3d>
+    <dgm:sp3d/>
+    <dgm:txPr/>
+    <dgm:style>
+      <a:lnRef idx="2">
+        <a:scrgbClr r="0" g="0" b="0"/>
+      </a:lnRef>
+      <a:fillRef idx="1">
+        <a:scrgbClr r="0" g="0" b="0"/>
+      </a:fillRef>
+      <a:effectRef idx="0">
+        <a:scrgbClr r="0" g="0" b="0"/>
+      </a:effectRef>
+      <a:fontRef idx="minor">
+        <a:schemeClr val="lt1"/>
+      </a:fontRef>
+    </dgm:style>
+  </dgm:styleLbl>
+  <dgm:styleLbl name="node3">
+    <dgm:scene3d>
+      <a:camera prst="orthographicFront"/>
+      <a:lightRig rig="threePt" dir="t"/>
+    </dgm:scene3d>
+    <dgm:sp3d/>
+    <dgm:txPr/>
+    <dgm:style>
+      <a:lnRef idx="2">
+        <a:scrgbClr r="0" g="0" b="0"/>
+      </a:lnRef>
+      <a:fillRef idx="1">
+        <a:scrgbClr r="0" g="0" b="0"/>
+      </a:fillRef>
+      <a:effectRef idx="0">
+        <a:scrgbClr r="0" g="0" b="0"/>
+      </a:effectRef>
+      <a:fontRef idx="minor">
+        <a:schemeClr val="lt1"/>
+      </a:fontRef>
+    </dgm:style>
+  </dgm:styleLbl>
+  <dgm:styleLbl name="node4">
+    <dgm:scene3d>
+      <a:camera prst="orthographicFront"/>
+      <a:lightRig rig="threePt" dir="t"/>
+    </dgm:scene3d>
+    <dgm:sp3d/>
+    <dgm:txPr/>
+    <dgm:style>
+      <a:lnRef idx="2">
+        <a:scrgbClr r="0" g="0" b="0"/>
+      </a:lnRef>
+      <a:fillRef idx="1">
+        <a:scrgbClr r="0" g="0" b="0"/>
+      </a:fillRef>
+      <a:effectRef idx="0">
+        <a:scrgbClr r="0" g="0" b="0"/>
+      </a:effectRef>
+      <a:fontRef idx="minor">
+        <a:schemeClr val="lt1"/>
+      </a:fontRef>
+    </dgm:style>
+  </dgm:styleLbl>
+  <dgm:styleLbl name="fgImgPlace1">
+    <dgm:scene3d>
+      <a:camera prst="orthographicFront"/>
+      <a:lightRig rig="threePt" dir="t"/>
+    </dgm:scene3d>
+    <dgm:sp3d/>
+    <dgm:txPr/>
+    <dgm:style>
+      <a:lnRef idx="2">
+        <a:scrgbClr r="0" g="0" b="0"/>
+      </a:lnRef>
+      <a:fillRef idx="1">
+        <a:scrgbClr r="0" g="0" b="0"/>
+      </a:fillRef>
+      <a:effectRef idx="0">
+        <a:scrgbClr r="0" g="0" b="0"/>
+      </a:effectRef>
+      <a:fontRef idx="minor"/>
+    </dgm:style>
+  </dgm:styleLbl>
+  <dgm:styleLbl name="alignImgPlace1">
+    <dgm:scene3d>
+      <a:camera prst="orthographicFront"/>
+      <a:lightRig rig="threePt" dir="t"/>
+    </dgm:scene3d>
+    <dgm:sp3d/>
+    <dgm:txPr/>
+    <dgm:style>
+      <a:lnRef idx="2">
+        <a:scrgbClr r="0" g="0" b="0"/>
+      </a:lnRef>
+      <a:fillRef idx="1">
+        <a:scrgbClr r="0" g="0" b="0"/>
+      </a:fillRef>
+      <a:effectRef idx="0">
+        <a:scrgbClr r="0" g="0" b="0"/>
+      </a:effectRef>
+      <a:fontRef idx="minor"/>
+    </dgm:style>
+  </dgm:styleLbl>
+  <dgm:styleLbl name="bgImgPlace1">
+    <dgm:scene3d>
+      <a:camera prst="orthographicFront"/>
+      <a:lightRig rig="threePt" dir="t"/>
+    </dgm:scene3d>
+    <dgm:sp3d/>
+    <dgm:txPr/>
+    <dgm:style>
+      <a:lnRef idx="2">
+        <a:scrgbClr r="0" g="0" b="0"/>
+      </a:lnRef>
+      <a:fillRef idx="1">
+        <a:scrgbClr r="0" g="0" b="0"/>
+      </a:fillRef>
+      <a:effectRef idx="0">
+        <a:scrgbClr r="0" g="0" b="0"/>
+      </a:effectRef>
+      <a:fontRef idx="minor"/>
+    </dgm:style>
+  </dgm:styleLbl>
+  <dgm:styleLbl name="sibTrans2D1">
+    <dgm:scene3d>
+      <a:camera prst="orthographicFront"/>
+      <a:lightRig rig="threePt" dir="t"/>
+    </dgm:scene3d>
+    <dgm:sp3d/>
+    <dgm:txPr/>
+    <dgm:style>
+      <a:lnRef idx="0">
+        <a:scrgbClr r="0" g="0" b="0"/>
+      </a:lnRef>
+      <a:fillRef idx="1">
+        <a:scrgbClr r="0" g="0" b="0"/>
+      </a:fillRef>
+      <a:effectRef idx="0">
+        <a:scrgbClr r="0" g="0" b="0"/>
+      </a:effectRef>
+      <a:fontRef idx="minor">
+        <a:schemeClr val="lt1"/>
+      </a:fontRef>
+    </dgm:style>
+  </dgm:styleLbl>
+  <dgm:styleLbl name="fgSibTrans2D1">
+    <dgm:scene3d>
+      <a:camera prst="orthographicFront"/>
+      <a:lightRig rig="threePt" dir="t"/>
+    </dgm:scene3d>
+    <dgm:sp3d/>
+    <dgm:txPr/>
+    <dgm:style>
+      <a:lnRef idx="0">
+        <a:scrgbClr r="0" g="0" b="0"/>
+      </a:lnRef>
+      <a:fillRef idx="1">
+        <a:scrgbClr r="0" g="0" b="0"/>
+      </a:fillRef>
+      <a:effectRef idx="0">
+        <a:scrgbClr r="0" g="0" b="0"/>
+      </a:effectRef>
+      <a:fontRef idx="minor">
+        <a:schemeClr val="lt1"/>
+      </a:fontRef>
+    </dgm:style>
+  </dgm:styleLbl>
+  <dgm:styleLbl name="bgSibTrans2D1">
+    <dgm:scene3d>
+      <a:camera prst="orthographicFront"/>
+      <a:lightRig rig="threePt" dir="t"/>
+    </dgm:scene3d>
+    <dgm:sp3d/>
+    <dgm:txPr/>
+    <dgm:style>
+      <a:lnRef idx="0">
+        <a:scrgbClr r="0" g="0" b="0"/>
+      </a:lnRef>
+      <a:fillRef idx="1">
+        <a:scrgbClr r="0" g="0" b="0"/>
+      </a:fillRef>
+      <a:effectRef idx="0">
+        <a:scrgbClr r="0" g="0" b="0"/>
+      </a:effectRef>
+      <a:fontRef idx="minor">
+        <a:schemeClr val="lt1"/>
+      </a:fontRef>
+    </dgm:style>
+  </dgm:styleLbl>
+  <dgm:styleLbl name="sibTrans1D1">
+    <dgm:scene3d>
+      <a:camera prst="orthographicFront"/>
+      <a:lightRig rig="threePt" dir="t"/>
+    </dgm:scene3d>
+    <dgm:sp3d/>
+    <dgm:txPr/>
+    <dgm:style>
+      <a:lnRef idx="1">
+        <a:scrgbClr r="0" g="0" b="0"/>
+      </a:lnRef>
+      <a:fillRef idx="0">
+        <a:scrgbClr r="0" g="0" b="0"/>
+      </a:fillRef>
+      <a:effectRef idx="0">
+        <a:scrgbClr r="0" g="0" b="0"/>
+      </a:effectRef>
+      <a:fontRef idx="minor"/>
+    </dgm:style>
+  </dgm:styleLbl>
+  <dgm:styleLbl name="callout">
+    <dgm:scene3d>
+      <a:camera prst="orthographicFront"/>
+      <a:lightRig rig="threePt" dir="t"/>
+    </dgm:scene3d>
+    <dgm:sp3d/>
+    <dgm:txPr/>
+    <dgm:style>
+      <a:lnRef idx="2">
+        <a:scrgbClr r="0" g="0" b="0"/>
+      </a:lnRef>
+      <a:fillRef idx="1">
+        <a:scrgbClr r="0" g="0" b="0"/>
+      </a:fillRef>
+      <a:effectRef idx="0">
+        <a:scrgbClr r="0" g="0" b="0"/>
+      </a:effectRef>
+      <a:fontRef idx="minor"/>
+    </dgm:style>
+  </dgm:styleLbl>
+  <dgm:styleLbl name="asst0">
+    <dgm:scene3d>
+      <a:camera prst="orthographicFront"/>
+      <a:lightRig rig="threePt" dir="t"/>
+    </dgm:scene3d>
+    <dgm:sp3d/>
+    <dgm:txPr/>
+    <dgm:style>
+      <a:lnRef idx="2">
+        <a:scrgbClr r="0" g="0" b="0"/>
+      </a:lnRef>
+      <a:fillRef idx="1">
+        <a:scrgbClr r="0" g="0" b="0"/>
+      </a:fillRef>
+      <a:effectRef idx="0">
+        <a:scrgbClr r="0" g="0" b="0"/>
+      </a:effectRef>
+      <a:fontRef idx="minor">
+        <a:schemeClr val="lt1"/>
+      </a:fontRef>
+    </dgm:style>
+  </dgm:styleLbl>
+  <dgm:styleLbl name="asst1">
+    <dgm:scene3d>
+      <a:camera prst="orthographicFront"/>
+      <a:lightRig rig="threePt" dir="t"/>
+    </dgm:scene3d>
+    <dgm:sp3d/>
+    <dgm:txPr/>
+    <dgm:style>
+      <a:lnRef idx="2">
+        <a:scrgbClr r="0" g="0" b="0"/>
+      </a:lnRef>
+      <a:fillRef idx="1">
+        <a:scrgbClr r="0" g="0" b="0"/>
+      </a:fillRef>
+      <a:effectRef idx="0">
+        <a:scrgbClr r="0" g="0" b="0"/>
+      </a:effectRef>
+      <a:fontRef idx="minor">
+        <a:schemeClr val="lt1"/>
+      </a:fontRef>
+    </dgm:style>
+  </dgm:styleLbl>
+  <dgm:styleLbl name="asst2">
+    <dgm:scene3d>
+      <a:camera prst="orthographicFront"/>
+      <a:lightRig rig="threePt" dir="t"/>
+    </dgm:scene3d>
+    <dgm:sp3d/>
+    <dgm:txPr/>
+    <dgm:style>
+      <a:lnRef idx="2">
+        <a:scrgbClr r="0" g="0" b="0"/>
+      </a:lnRef>
+      <a:fillRef idx="1">
+        <a:scrgbClr r="0" g="0" b="0"/>
+      </a:fillRef>
+      <a:effectRef idx="0">
+        <a:scrgbClr r="0" g="0" b="0"/>
+      </a:effectRef>
+      <a:fontRef idx="minor">
+        <a:schemeClr val="lt1"/>
+      </a:fontRef>
+    </dgm:style>
+  </dgm:styleLbl>
+  <dgm:styleLbl name="asst3">
+    <dgm:scene3d>
+      <a:camera prst="orthographicFront"/>
+      <a:lightRig rig="threePt" dir="t"/>
+    </dgm:scene3d>
+    <dgm:sp3d/>
+    <dgm:txPr/>
+    <dgm:style>
+      <a:lnRef idx="2">
+        <a:scrgbClr r="0" g="0" b="0"/>
+      </a:lnRef>
+      <a:fillRef idx="1">
+        <a:scrgbClr r="0" g="0" b="0"/>
+      </a:fillRef>
+      <a:effectRef idx="0">
+        <a:scrgbClr r="0" g="0" b="0"/>
+      </a:effectRef>
+      <a:fontRef idx="minor">
+        <a:schemeClr val="lt1"/>
+      </a:fontRef>
+    </dgm:style>
+  </dgm:styleLbl>
+  <dgm:styleLbl name="asst4">
+    <dgm:scene3d>
+      <a:camera prst="orthographicFront"/>
+      <a:lightRig rig="threePt" dir="t"/>
+    </dgm:scene3d>
+    <dgm:sp3d/>
+    <dgm:txPr/>
+    <dgm:style>
+      <a:lnRef idx="2">
+        <a:scrgbClr r="0" g="0" b="0"/>
+      </a:lnRef>
+      <a:fillRef idx="1">
+        <a:scrgbClr r="0" g="0" b="0"/>
+      </a:fillRef>
+      <a:effectRef idx="0">
+        <a:scrgbClr r="0" g="0" b="0"/>
+      </a:effectRef>
+      <a:fontRef idx="minor">
+        <a:schemeClr val="lt1"/>
+      </a:fontRef>
+    </dgm:style>
+  </dgm:styleLbl>
+  <dgm:styleLbl name="parChTrans2D1">
+    <dgm:scene3d>
+      <a:camera prst="orthographicFront"/>
+      <a:lightRig rig="threePt" dir="t"/>
+    </dgm:scene3d>
+    <dgm:sp3d/>
+    <dgm:txPr/>
+    <dgm:style>
+      <a:lnRef idx="2">
+        <a:scrgbClr r="0" g="0" b="0"/>
+      </a:lnRef>
+      <a:fillRef idx="1">
+        <a:scrgbClr r="0" g="0" b="0"/>
+      </a:fillRef>
+      <a:effectRef idx="0">
+        <a:scrgbClr r="0" g="0" b="0"/>
+      </a:effectRef>
+      <a:fontRef idx="minor">
+        <a:schemeClr val="lt1"/>
+      </a:fontRef>
+    </dgm:style>
+  </dgm:styleLbl>
+  <dgm:styleLbl name="parChTrans2D2">
+    <dgm:scene3d>
+      <a:camera prst="orthographicFront"/>
+      <a:lightRig rig="threePt" dir="t"/>
+    </dgm:scene3d>
+    <dgm:sp3d/>
+    <dgm:txPr/>
+    <dgm:style>
+      <a:lnRef idx="2">
+        <a:scrgbClr r="0" g="0" b="0"/>
+      </a:lnRef>
+      <a:fillRef idx="1">
+        <a:scrgbClr r="0" g="0" b="0"/>
+      </a:fillRef>
+      <a:effectRef idx="0">
+        <a:scrgbClr r="0" g="0" b="0"/>
+      </a:effectRef>
+      <a:fontRef idx="minor">
+        <a:schemeClr val="lt1"/>
+      </a:fontRef>
+    </dgm:style>
+  </dgm:styleLbl>
+  <dgm:styleLbl name="parChTrans2D3">
+    <dgm:scene3d>
+      <a:camera prst="orthographicFront"/>
+      <a:lightRig rig="threePt" dir="t"/>
+    </dgm:scene3d>
+    <dgm:sp3d/>
+    <dgm:txPr/>
+    <dgm:style>
+      <a:lnRef idx="2">
+        <a:scrgbClr r="0" g="0" b="0"/>
+      </a:lnRef>
+      <a:fillRef idx="1">
+        <a:scrgbClr r="0" g="0" b="0"/>
+      </a:fillRef>
+      <a:effectRef idx="0">
+        <a:scrgbClr r="0" g="0" b="0"/>
+      </a:effectRef>
+      <a:fontRef idx="minor">
+        <a:schemeClr val="lt1"/>
+      </a:fontRef>
+    </dgm:style>
+  </dgm:styleLbl>
+  <dgm:styleLbl name="parChTrans2D4">
+    <dgm:scene3d>
+      <a:camera prst="orthographicFront"/>
+      <a:lightRig rig="threePt" dir="t"/>
+    </dgm:scene3d>
+    <dgm:sp3d/>
+    <dgm:txPr/>
+    <dgm:style>
+      <a:lnRef idx="2">
+        <a:scrgbClr r="0" g="0" b="0"/>
+      </a:lnRef>
+      <a:fillRef idx="1">
+        <a:scrgbClr r="0" g="0" b="0"/>
+      </a:fillRef>
+      <a:effectRef idx="0">
+        <a:scrgbClr r="0" g="0" b="0"/>
+      </a:effectRef>
+      <a:fontRef idx="minor">
+        <a:schemeClr val="lt1"/>
+      </a:fontRef>
+    </dgm:style>
+  </dgm:styleLbl>
+  <dgm:styleLbl name="parChTrans1D1">
+    <dgm:scene3d>
+      <a:camera prst="orthographicFront"/>
+      <a:lightRig rig="threePt" dir="t"/>
+    </dgm:scene3d>
+    <dgm:sp3d/>
+    <dgm:txPr/>
+    <dgm:style>
+      <a:lnRef idx="2">
+        <a:scrgbClr r="0" g="0" b="0"/>
+      </a:lnRef>
+      <a:fillRef idx="0">
+        <a:scrgbClr r="0" g="0" b="0"/>
+      </a:fillRef>
+      <a:effectRef idx="0">
+        <a:scrgbClr r="0" g="0" b="0"/>
+      </a:effectRef>
+      <a:fontRef idx="minor"/>
+    </dgm:style>
+  </dgm:styleLbl>
+  <dgm:styleLbl name="parChTrans1D2">
+    <dgm:scene3d>
+      <a:camera prst="orthographicFront"/>
+      <a:lightRig rig="threePt" dir="t"/>
+    </dgm:scene3d>
+    <dgm:sp3d/>
+    <dgm:txPr/>
+    <dgm:style>
+      <a:lnRef idx="2">
+        <a:scrgbClr r="0" g="0" b="0"/>
+      </a:lnRef>
+      <a:fillRef idx="0">
+        <a:scrgbClr r="0" g="0" b="0"/>
+      </a:fillRef>
+      <a:effectRef idx="0">
+        <a:scrgbClr r="0" g="0" b="0"/>
+      </a:effectRef>
+      <a:fontRef idx="minor"/>
+    </dgm:style>
+  </dgm:styleLbl>
+  <dgm:styleLbl name="parChTrans1D3">
+    <dgm:scene3d>
+      <a:camera prst="orthographicFront"/>
+      <a:lightRig rig="threePt" dir="t"/>
+    </dgm:scene3d>
+    <dgm:sp3d/>
+    <dgm:txPr/>
+    <dgm:style>
+      <a:lnRef idx="2">
+        <a:scrgbClr r="0" g="0" b="0"/>
+      </a:lnRef>
+      <a:fillRef idx="0">
+        <a:scrgbClr r="0" g="0" b="0"/>
+      </a:fillRef>
+      <a:effectRef idx="0">
+        <a:scrgbClr r="0" g="0" b="0"/>
+      </a:effectRef>
+      <a:fontRef idx="minor"/>
+    </dgm:style>
+  </dgm:styleLbl>
+  <dgm:styleLbl name="parChTrans1D4">
+    <dgm:scene3d>
+      <a:camera prst="orthographicFront"/>
+      <a:lightRig rig="threePt" dir="t"/>
+    </dgm:scene3d>
+    <dgm:sp3d/>
+    <dgm:txPr/>
+    <dgm:style>
+      <a:lnRef idx="2">
+        <a:scrgbClr r="0" g="0" b="0"/>
+      </a:lnRef>
+      <a:fillRef idx="0">
+        <a:scrgbClr r="0" g="0" b="0"/>
+      </a:fillRef>
+      <a:effectRef idx="0">
+        <a:scrgbClr r="0" g="0" b="0"/>
+      </a:effectRef>
+      <a:fontRef idx="minor"/>
+    </dgm:style>
+  </dgm:styleLbl>
+  <dgm:styleLbl name="fgAcc1">
+    <dgm:scene3d>
+      <a:camera prst="orthographicFront"/>
+      <a:lightRig rig="threePt" dir="t"/>
+    </dgm:scene3d>
+    <dgm:sp3d/>
+    <dgm:txPr/>
+    <dgm:style>
+      <a:lnRef idx="2">
+        <a:scrgbClr r="0" g="0" b="0"/>
+      </a:lnRef>
+      <a:fillRef idx="1">
+        <a:scrgbClr r="0" g="0" b="0"/>
+      </a:fillRef>
+      <a:effectRef idx="0">
+        <a:scrgbClr r="0" g="0" b="0"/>
+      </a:effectRef>
+      <a:fontRef idx="minor"/>
+    </dgm:style>
+  </dgm:styleLbl>
+  <dgm:styleLbl name="conFgAcc1">
+    <dgm:scene3d>
+      <a:camera prst="orthographicFront"/>
+      <a:lightRig rig="threePt" dir="t"/>
+    </dgm:scene3d>
+    <dgm:sp3d/>
+    <dgm:txPr/>
+    <dgm:style>
+      <a:lnRef idx="2">
+        <a:scrgbClr r="0" g="0" b="0"/>
+      </a:lnRef>
+      <a:fillRef idx="1">
+        <a:scrgbClr r="0" g="0" b="0"/>
+      </a:fillRef>
+      <a:effectRef idx="0">
+        <a:scrgbClr r="0" g="0" b="0"/>
+      </a:effectRef>
+      <a:fontRef idx="minor"/>
+    </dgm:style>
+  </dgm:styleLbl>
+  <dgm:styleLbl name="alignAcc1">
+    <dgm:scene3d>
+      <a:camera prst="orthographicFront"/>
+      <a:lightRig rig="threePt" dir="t"/>
+    </dgm:scene3d>
+    <dgm:sp3d/>
+    <dgm:txPr/>
+    <dgm:style>
+      <a:lnRef idx="2">
+        <a:scrgbClr r="0" g="0" b="0"/>
+      </a:lnRef>
+      <a:fillRef idx="1">
+        <a:scrgbClr r="0" g="0" b="0"/>
+      </a:fillRef>
+      <a:effectRef idx="0">
+        <a:scrgbClr r="0" g="0" b="0"/>
+      </a:effectRef>
+      <a:fontRef idx="minor"/>
+    </dgm:style>
+  </dgm:styleLbl>
+  <dgm:styleLbl name="trAlignAcc1">
+    <dgm:scene3d>
+      <a:camera prst="orthographicFront"/>
+      <a:lightRig rig="threePt" dir="t"/>
+    </dgm:scene3d>
+    <dgm:sp3d/>
+    <dgm:txPr/>
+    <dgm:style>
+      <a:lnRef idx="1">
+        <a:scrgbClr r="0" g="0" b="0"/>
+      </a:lnRef>
+      <a:fillRef idx="1">
+        <a:scrgbClr r="0" g="0" b="0"/>
+      </a:fillRef>
+      <a:effectRef idx="0">
+        <a:scrgbClr r="0" g="0" b="0"/>
+      </a:effectRef>
+      <a:fontRef idx="minor"/>
+    </dgm:style>
+  </dgm:styleLbl>
+  <dgm:styleLbl name="bgAcc1">
+    <dgm:scene3d>
+      <a:camera prst="orthographicFront"/>
+      <a:lightRig rig="threePt" dir="t"/>
+    </dgm:scene3d>
+    <dgm:sp3d/>
+    <dgm:txPr/>
+    <dgm:style>
+      <a:lnRef idx="2">
+        <a:scrgbClr r="0" g="0" b="0"/>
+      </a:lnRef>
+      <a:fillRef idx="1">
+        <a:scrgbClr r="0" g="0" b="0"/>
+      </a:fillRef>
+      <a:effectRef idx="0">
+        <a:scrgbClr r="0" g="0" b="0"/>
+      </a:effectRef>
+      <a:fontRef idx="minor"/>
+    </dgm:style>
+  </dgm:styleLbl>
+  <dgm:styleLbl name="solidFgAcc1">
+    <dgm:scene3d>
+      <a:camera prst="orthographicFront"/>
+      <a:lightRig rig="threePt" dir="t"/>
+    </dgm:scene3d>
+    <dgm:sp3d/>
+    <dgm:txPr/>
+    <dgm:style>
+      <a:lnRef idx="2">
+        <a:scrgbClr r="0" g="0" b="0"/>
+      </a:lnRef>
+      <a:fillRef idx="1">
+        <a:scrgbClr r="0" g="0" b="0"/>
+      </a:fillRef>
+      <a:effectRef idx="0">
+        <a:scrgbClr r="0" g="0" b="0"/>
+      </a:effectRef>
+      <a:fontRef idx="minor"/>
+    </dgm:style>
+  </dgm:styleLbl>
+  <dgm:styleLbl name="solidAlignAcc1">
+    <dgm:scene3d>
+      <a:camera prst="orthographicFront"/>
+      <a:lightRig rig="threePt" dir="t"/>
+    </dgm:scene3d>
+    <dgm:sp3d/>
+    <dgm:txPr/>
+    <dgm:style>
+      <a:lnRef idx="2">
+        <a:scrgbClr r="0" g="0" b="0"/>
+      </a:lnRef>
+      <a:fillRef idx="1">
+        <a:scrgbClr r="0" g="0" b="0"/>
+      </a:fillRef>
+      <a:effectRef idx="0">
+        <a:scrgbClr r="0" g="0" b="0"/>
+      </a:effectRef>
+      <a:fontRef idx="minor"/>
+    </dgm:style>
+  </dgm:styleLbl>
+  <dgm:styleLbl name="solidBgAcc1">
+    <dgm:scene3d>
+      <a:camera prst="orthographicFront"/>
+      <a:lightRig rig="threePt" dir="t"/>
+    </dgm:scene3d>
+    <dgm:sp3d/>
+    <dgm:txPr/>
+    <dgm:style>
+      <a:lnRef idx="2">
+        <a:scrgbClr r="0" g="0" b="0"/>
+      </a:lnRef>
+      <a:fillRef idx="1">
+        <a:scrgbClr r="0" g="0" b="0"/>
+      </a:fillRef>
+      <a:effectRef idx="0">
+        <a:scrgbClr r="0" g="0" b="0"/>
+      </a:effectRef>
+      <a:fontRef idx="minor"/>
+    </dgm:style>
+  </dgm:styleLbl>
+  <dgm:styleLbl name="fgAccFollowNode1">
+    <dgm:scene3d>
+      <a:camera prst="orthographicFront"/>
+      <a:lightRig rig="threePt" dir="t"/>
+    </dgm:scene3d>
+    <dgm:sp3d/>
+    <dgm:txPr/>
+    <dgm:style>
+      <a:lnRef idx="2">
+        <a:scrgbClr r="0" g="0" b="0"/>
+      </a:lnRef>
+      <a:fillRef idx="1">
+        <a:scrgbClr r="0" g="0" b="0"/>
+      </a:fillRef>
+      <a:effectRef idx="0">
+        <a:scrgbClr r="0" g="0" b="0"/>
+      </a:effectRef>
+      <a:fontRef idx="minor"/>
+    </dgm:style>
+  </dgm:styleLbl>
+  <dgm:styleLbl name="alignAccFollowNode1">
+    <dgm:scene3d>
+      <a:camera prst="orthographicFront"/>
+      <a:lightRig rig="threePt" dir="t"/>
+    </dgm:scene3d>
+    <dgm:sp3d/>
+    <dgm:txPr/>
+    <dgm:style>
+      <a:lnRef idx="2">
+        <a:scrgbClr r="0" g="0" b="0"/>
+      </a:lnRef>
+      <a:fillRef idx="1">
+        <a:scrgbClr r="0" g="0" b="0"/>
+      </a:fillRef>
+      <a:effectRef idx="0">
+        <a:scrgbClr r="0" g="0" b="0"/>
+      </a:effectRef>
+      <a:fontRef idx="minor"/>
+    </dgm:style>
+  </dgm:styleLbl>
+  <dgm:styleLbl name="bgAccFollowNode1">
+    <dgm:scene3d>
+      <a:camera prst="orthographicFront"/>
+      <a:lightRig rig="threePt" dir="t"/>
+    </dgm:scene3d>
+    <dgm:sp3d/>
+    <dgm:txPr/>
+    <dgm:style>
+      <a:lnRef idx="2">
+        <a:scrgbClr r="0" g="0" b="0"/>
+      </a:lnRef>
+      <a:fillRef idx="1">
+        <a:scrgbClr r="0" g="0" b="0"/>
+      </a:fillRef>
+      <a:effectRef idx="0">
+        <a:scrgbClr r="0" g="0" b="0"/>
+      </a:effectRef>
+      <a:fontRef idx="minor"/>
+    </dgm:style>
+  </dgm:styleLbl>
+  <dgm:styleLbl name="fgAcc0">
+    <dgm:scene3d>
+      <a:camera prst="orthographicFront"/>
+      <a:lightRig rig="threePt" dir="t"/>
+    </dgm:scene3d>
+    <dgm:sp3d/>
+    <dgm:txPr/>
+    <dgm:style>
+      <a:lnRef idx="2">
+        <a:scrgbClr r="0" g="0" b="0"/>
+      </a:lnRef>
+      <a:fillRef idx="1">
+        <a:scrgbClr r="0" g="0" b="0"/>
+      </a:fillRef>
+      <a:effectRef idx="0">
+        <a:scrgbClr r="0" g="0" b="0"/>
+      </a:effectRef>
+      <a:fontRef idx="minor"/>
+    </dgm:style>
+  </dgm:styleLbl>
+  <dgm:styleLbl name="fgAcc2">
+    <dgm:scene3d>
+      <a:camera prst="orthographicFront"/>
+      <a:lightRig rig="threePt" dir="t"/>
+    </dgm:scene3d>
+    <dgm:sp3d/>
+    <dgm:txPr/>
+    <dgm:style>
+      <a:lnRef idx="2">
+        <a:scrgbClr r="0" g="0" b="0"/>
+      </a:lnRef>
+      <a:fillRef idx="1">
+        <a:scrgbClr r="0" g="0" b="0"/>
+      </a:fillRef>
+      <a:effectRef idx="0">
+        <a:scrgbClr r="0" g="0" b="0"/>
+      </a:effectRef>
+      <a:fontRef idx="minor"/>
+    </dgm:style>
+  </dgm:styleLbl>
+  <dgm:styleLbl name="fgAcc3">
+    <dgm:scene3d>
+      <a:camera prst="orthographicFront"/>
+      <a:lightRig rig="threePt" dir="t"/>
+    </dgm:scene3d>
+    <dgm:sp3d/>
+    <dgm:txPr/>
+    <dgm:style>
+      <a:lnRef idx="2">
+        <a:scrgbClr r="0" g="0" b="0"/>
+      </a:lnRef>
+      <a:fillRef idx="1">
+        <a:scrgbClr r="0" g="0" b="0"/>
+      </a:fillRef>
+      <a:effectRef idx="0">
+        <a:scrgbClr r="0" g="0" b="0"/>
+      </a:effectRef>
+      <a:fontRef idx="minor"/>
+    </dgm:style>
+  </dgm:styleLbl>
+  <dgm:styleLbl name="fgAcc4">
+    <dgm:scene3d>
+      <a:camera prst="orthographicFront"/>
+      <a:lightRig rig="threePt" dir="t"/>
+    </dgm:scene3d>
+    <dgm:sp3d/>
+    <dgm:txPr/>
+    <dgm:style>
+      <a:lnRef idx="2">
+        <a:scrgbClr r="0" g="0" b="0"/>
+      </a:lnRef>
+      <a:fillRef idx="1">
+        <a:scrgbClr r="0" g="0" b="0"/>
+      </a:fillRef>
+      <a:effectRef idx="0">
+        <a:scrgbClr r="0" g="0" b="0"/>
+      </a:effectRef>
+      <a:fontRef idx="minor"/>
+    </dgm:style>
+  </dgm:styleLbl>
+  <dgm:styleLbl name="bgShp">
+    <dgm:scene3d>
+      <a:camera prst="orthographicFront"/>
+      <a:lightRig rig="threePt" dir="t"/>
+    </dgm:scene3d>
+    <dgm:sp3d/>
+    <dgm:txPr/>
+    <dgm:style>
+      <a:lnRef idx="0">
+        <a:scrgbClr r="0" g="0" b="0"/>
+      </a:lnRef>
+      <a:fillRef idx="1">
+        <a:scrgbClr r="0" g="0" b="0"/>
+      </a:fillRef>
+      <a:effectRef idx="0">
+        <a:scrgbClr r="0" g="0" b="0"/>
+      </a:effectRef>
+      <a:fontRef idx="minor"/>
+    </dgm:style>
+  </dgm:styleLbl>
+  <dgm:styleLbl name="dkBgShp">
+    <dgm:scene3d>
+      <a:camera prst="orthographicFront"/>
+      <a:lightRig rig="threePt" dir="t"/>
+    </dgm:scene3d>
+    <dgm:sp3d/>
+    <dgm:txPr/>
+    <dgm:style>
+      <a:lnRef idx="0">
+        <a:scrgbClr r="0" g="0" b="0"/>
+      </a:lnRef>
+      <a:fillRef idx="1">
+        <a:scrgbClr r="0" g="0" b="0"/>
+      </a:fillRef>
+      <a:effectRef idx="0">
+        <a:scrgbClr r="0" g="0" b="0"/>
+      </a:effectRef>
+      <a:fontRef idx="minor"/>
+    </dgm:style>
+  </dgm:styleLbl>
+  <dgm:styleLbl name="trBgShp">
+    <dgm:scene3d>
+      <a:camera prst="orthographicFront"/>
+      <a:lightRig rig="threePt" dir="t"/>
+    </dgm:scene3d>
+    <dgm:sp3d/>
+    <dgm:txPr/>
+    <dgm:style>
+      <a:lnRef idx="0">
+        <a:scrgbClr r="0" g="0" b="0"/>
+      </a:lnRef>
+      <a:fillRef idx="1">
+        <a:scrgbClr r="0" g="0" b="0"/>
+      </a:fillRef>
+      <a:effectRef idx="0">
+        <a:scrgbClr r="0" g="0" b="0"/>
+      </a:effectRef>
+      <a:fontRef idx="minor"/>
+    </dgm:style>
+  </dgm:styleLbl>
+  <dgm:styleLbl name="fgShp">
+    <dgm:scene3d>
+      <a:camera prst="orthographicFront"/>
+      <a:lightRig rig="threePt" dir="t"/>
+    </dgm:scene3d>
+    <dgm:sp3d/>
+    <dgm:txPr/>
+    <dgm:style>
+      <a:lnRef idx="2">
+        <a:scrgbClr r="0" g="0" b="0"/>
+      </a:lnRef>
+      <a:fillRef idx="1">
+        <a:scrgbClr r="0" g="0" b="0"/>
+      </a:fillRef>
+      <a:effectRef idx="0">
+        <a:scrgbClr r="0" g="0" b="0"/>
+      </a:effectRef>
+      <a:fontRef idx="minor"/>
+    </dgm:style>
+  </dgm:styleLbl>
+  <dgm:styleLbl name="revTx">
+    <dgm:scene3d>
+      <a:camera prst="orthographicFront"/>
+      <a:lightRig rig="threePt" dir="t"/>
+    </dgm:scene3d>
+    <dgm:sp3d/>
+    <dgm:txPr/>
+    <dgm:style>
+      <a:lnRef idx="0">
+        <a:scrgbClr r="0" g="0" b="0"/>
+      </a:lnRef>
+      <a:fillRef idx="0">
+        <a:scrgbClr r="0" g="0" b="0"/>
+      </a:fillRef>
+      <a:effectRef idx="0">
+        <a:scrgbClr r="0" g="0" b="0"/>
+      </a:effectRef>
+      <a:fontRef idx="minor"/>
+    </dgm:style>
+  </dgm:styleLbl>
+</dgm:styleDef>
+</file>
+
+<file path=ppt/notesMasters/notesMaster1.xml><?xml version="1.0" encoding="utf-8"?>
+<p:notesMaster xmlns:a="http://schemas.openxmlformats.org/drawingml/2006/main" xmlns:r="http://schemas.openxmlformats.org/officeDocument/2006/relationships" xmlns:p="http://schemas.openxmlformats.org/presentationml/2006/main">
+  <p:cSld>
+    <p:bg>
+      <p:bgRef idx="1001">
+        <a:schemeClr val="bg1"/>
+      </p:bgRef>
+    </p:bg>
+    <p:spTree>
+      <p:nvGrpSpPr>
+        <p:cNvPr id="1" name=""/>
+        <p:cNvGrpSpPr/>
+        <p:nvPr/>
+      </p:nvGrpSpPr>
+      <p:grpSpPr>
+        <a:xfrm>
+          <a:off x="0" y="0"/>
+          <a:ext cx="0" cy="0"/>
+          <a:chOff x="0" y="0"/>
+          <a:chExt cx="0" cy="0"/>
+        </a:xfrm>
+      </p:grpSpPr>
+      <p:sp>
+        <p:nvSpPr>
+          <p:cNvPr id="2" name="页眉占位符 1"/>
+          <p:cNvSpPr>
+            <a:spLocks noGrp="1"/>
+          </p:cNvSpPr>
+          <p:nvPr>
+            <p:ph type="hdr" sz="quarter"/>
+          </p:nvPr>
+        </p:nvSpPr>
+        <p:spPr>
+          <a:xfrm>
+            <a:off x="0" y="0"/>
+            <a:ext cx="2971800" cy="458788"/>
+          </a:xfrm>
+          <a:prstGeom prst="rect">
+            <a:avLst/>
+          </a:prstGeom>
+        </p:spPr>
+        <p:txBody>
+          <a:bodyPr vert="horz" lIns="91440" tIns="45720" rIns="91440" bIns="45720" rtlCol="0"/>
+          <a:lstStyle>
+            <a:lvl1pPr algn="l">
+              <a:defRPr sz="1200"/>
+            </a:lvl1pPr>
+          </a:lstStyle>
+          <a:p>
+            <a:endParaRPr lang="zh-CN" altLang="en-US"/>
+          </a:p>
+        </p:txBody>
+      </p:sp>
+      <p:sp>
+        <p:nvSpPr>
+          <p:cNvPr id="3" name="日期占位符 2"/>
+          <p:cNvSpPr>
+            <a:spLocks noGrp="1"/>
+          </p:cNvSpPr>
+          <p:nvPr>
+            <p:ph type="dt" idx="1"/>
+          </p:nvPr>
+        </p:nvSpPr>
+        <p:spPr>
+          <a:xfrm>
+            <a:off x="3884613" y="0"/>
+            <a:ext cx="2971800" cy="458788"/>
+          </a:xfrm>
+          <a:prstGeom prst="rect">
+            <a:avLst/>
+          </a:prstGeom>
+        </p:spPr>
+        <p:txBody>
+          <a:bodyPr vert="horz" lIns="91440" tIns="45720" rIns="91440" bIns="45720" rtlCol="0"/>
+          <a:lstStyle>
+            <a:lvl1pPr algn="r">
+              <a:defRPr sz="1200"/>
+            </a:lvl1pPr>
+          </a:lstStyle>
+          <a:p>
+            <a:fld id="{20691C44-5AA0-4D87-9EF9-F757AE918975}" type="datetimeFigureOut">
+              <a:rPr lang="zh-CN" altLang="en-US" smtClean="0"/>
+              <a:t>2013/11/19</a:t>
+            </a:fld>
+            <a:endParaRPr lang="zh-CN" altLang="en-US"/>
+          </a:p>
+        </p:txBody>
+      </p:sp>
+      <p:sp>
+        <p:nvSpPr>
+          <p:cNvPr id="4" name="幻灯片图像占位符 3"/>
+          <p:cNvSpPr>
+            <a:spLocks noGrp="1" noRot="1" noChangeAspect="1"/>
+          </p:cNvSpPr>
+          <p:nvPr>
+            <p:ph type="sldImg" idx="2"/>
+          </p:nvPr>
+        </p:nvSpPr>
+        <p:spPr>
+          <a:xfrm>
+            <a:off x="1371600" y="1143000"/>
+            <a:ext cx="4114800" cy="3086100"/>
+          </a:xfrm>
+          <a:prstGeom prst="rect">
+            <a:avLst/>
+          </a:prstGeom>
+          <a:noFill/>
+          <a:ln w="12700">
+            <a:solidFill>
+              <a:prstClr val="black"/>
+            </a:solidFill>
+          </a:ln>
+        </p:spPr>
+        <p:txBody>
+          <a:bodyPr vert="horz" lIns="91440" tIns="45720" rIns="91440" bIns="45720" rtlCol="0" anchor="ctr"/>
+          <a:lstStyle/>
+          <a:p>
+            <a:endParaRPr lang="zh-CN" altLang="en-US"/>
+          </a:p>
+        </p:txBody>
+      </p:sp>
+      <p:sp>
+        <p:nvSpPr>
+          <p:cNvPr id="5" name="备注占位符 4"/>
+          <p:cNvSpPr>
+            <a:spLocks noGrp="1"/>
+          </p:cNvSpPr>
+          <p:nvPr>
+            <p:ph type="body" sz="quarter" idx="3"/>
+          </p:nvPr>
+        </p:nvSpPr>
+        <p:spPr>
+          <a:xfrm>
+            <a:off x="685800" y="4400550"/>
+            <a:ext cx="5486400" cy="3600450"/>
+          </a:xfrm>
+          <a:prstGeom prst="rect">
+            <a:avLst/>
+          </a:prstGeom>
+        </p:spPr>
+        <p:txBody>
+          <a:bodyPr vert="horz" lIns="91440" tIns="45720" rIns="91440" bIns="45720" rtlCol="0"/>
+          <a:lstStyle/>
+          <a:p>
+            <a:pPr lvl="0"/>
+            <a:r>
+              <a:rPr lang="zh-CN" altLang="en-US" smtClean="0"/>
+              <a:t>单击此处编辑母版文本样式</a:t>
+            </a:r>
+          </a:p>
+          <a:p>
+            <a:pPr lvl="1"/>
+            <a:r>
+              <a:rPr lang="zh-CN" altLang="en-US" smtClean="0"/>
+              <a:t>第二级</a:t>
+            </a:r>
+          </a:p>
+          <a:p>
+            <a:pPr lvl="2"/>
+            <a:r>
+              <a:rPr lang="zh-CN" altLang="en-US" smtClean="0"/>
+              <a:t>第三级</a:t>
+            </a:r>
+          </a:p>
+          <a:p>
+            <a:pPr lvl="3"/>
+            <a:r>
+              <a:rPr lang="zh-CN" altLang="en-US" smtClean="0"/>
+              <a:t>第四级</a:t>
+            </a:r>
+          </a:p>
+          <a:p>
+            <a:pPr lvl="4"/>
+            <a:r>
+              <a:rPr lang="zh-CN" altLang="en-US" smtClean="0"/>
+              <a:t>第五级</a:t>
+            </a:r>
+            <a:endParaRPr lang="zh-CN" altLang="en-US"/>
+          </a:p>
+        </p:txBody>
+      </p:sp>
+      <p:sp>
+        <p:nvSpPr>
+          <p:cNvPr id="6" name="页脚占位符 5"/>
+          <p:cNvSpPr>
+            <a:spLocks noGrp="1"/>
+          </p:cNvSpPr>
+          <p:nvPr>
+            <p:ph type="ftr" sz="quarter" idx="4"/>
+          </p:nvPr>
+        </p:nvSpPr>
+        <p:spPr>
+          <a:xfrm>
+            <a:off x="0" y="8685213"/>
+            <a:ext cx="2971800" cy="458787"/>
+          </a:xfrm>
+          <a:prstGeom prst="rect">
+            <a:avLst/>
+          </a:prstGeom>
+        </p:spPr>
+        <p:txBody>
+          <a:bodyPr vert="horz" lIns="91440" tIns="45720" rIns="91440" bIns="45720" rtlCol="0" anchor="b"/>
+          <a:lstStyle>
+            <a:lvl1pPr algn="l">
+              <a:defRPr sz="1200"/>
+            </a:lvl1pPr>
+          </a:lstStyle>
+          <a:p>
+            <a:endParaRPr lang="zh-CN" altLang="en-US"/>
+          </a:p>
+        </p:txBody>
+      </p:sp>
+      <p:sp>
+        <p:nvSpPr>
+          <p:cNvPr id="7" name="灯片编号占位符 6"/>
+          <p:cNvSpPr>
+            <a:spLocks noGrp="1"/>
+          </p:cNvSpPr>
+          <p:nvPr>
+            <p:ph type="sldNum" sz="quarter" idx="5"/>
+          </p:nvPr>
+        </p:nvSpPr>
+        <p:spPr>
+          <a:xfrm>
+            <a:off x="3884613" y="8685213"/>
+            <a:ext cx="2971800" cy="458787"/>
+          </a:xfrm>
+          <a:prstGeom prst="rect">
+            <a:avLst/>
+          </a:prstGeom>
+        </p:spPr>
+        <p:txBody>
+          <a:bodyPr vert="horz" lIns="91440" tIns="45720" rIns="91440" bIns="45720" rtlCol="0" anchor="b"/>
+          <a:lstStyle>
+            <a:lvl1pPr algn="r">
+              <a:defRPr sz="1200"/>
+            </a:lvl1pPr>
+          </a:lstStyle>
+          <a:p>
+            <a:fld id="{26F4831F-6F0E-43EF-BED8-BEEBB84EC01E}" type="slidenum">
+              <a:rPr lang="zh-CN" altLang="en-US" smtClean="0"/>
+              <a:t>‹#›</a:t>
+            </a:fld>
+            <a:endParaRPr lang="zh-CN" altLang="en-US"/>
+          </a:p>
+        </p:txBody>
+      </p:sp>
+    </p:spTree>
+    <p:extLst>
+      <p:ext uri="{BB962C8B-B14F-4D97-AF65-F5344CB8AC3E}">
+        <p14:creationId xmlns:p14="http://schemas.microsoft.com/office/powerpoint/2010/main" val="1101881955"/>
+      </p:ext>
+    </p:extLst>
+  </p:cSld>
+  <p:clrMap bg1="lt1" tx1="dk1" bg2="lt2" tx2="dk2" accent1="accent1" accent2="accent2" accent3="accent3" accent4="accent4" accent5="accent5" accent6="accent6" hlink="hlink" folHlink="folHlink"/>
+  <p:notesStyle>
+    <a:lvl1pPr marL="0" algn="l" defTabSz="914400" rtl="0" eaLnBrk="1" latinLnBrk="0" hangingPunct="1">
+      <a:defRPr sz="1200" kern="1200">
+        <a:solidFill>
+          <a:schemeClr val="tx1"/>
+        </a:solidFill>
+        <a:latin typeface="+mn-lt"/>
+        <a:ea typeface="+mn-ea"/>
+        <a:cs typeface="+mn-cs"/>
+      </a:defRPr>
+    </a:lvl1pPr>
+    <a:lvl2pPr marL="457200" algn="l" defTabSz="914400" rtl="0" eaLnBrk="1" latinLnBrk="0" hangingPunct="1">
+      <a:defRPr sz="1200" kern="1200">
+        <a:solidFill>
+          <a:schemeClr val="tx1"/>
+        </a:solidFill>
+        <a:latin typeface="+mn-lt"/>
+        <a:ea typeface="+mn-ea"/>
+        <a:cs typeface="+mn-cs"/>
+      </a:defRPr>
+    </a:lvl2pPr>
+    <a:lvl3pPr marL="914400" algn="l" defTabSz="914400" rtl="0" eaLnBrk="1" latinLnBrk="0" hangingPunct="1">
+      <a:defRPr sz="1200" kern="1200">
+        <a:solidFill>
+          <a:schemeClr val="tx1"/>
+        </a:solidFill>
+        <a:latin typeface="+mn-lt"/>
+        <a:ea typeface="+mn-ea"/>
+        <a:cs typeface="+mn-cs"/>
+      </a:defRPr>
+    </a:lvl3pPr>
+    <a:lvl4pPr marL="1371600" algn="l" defTabSz="914400" rtl="0" eaLnBrk="1" latinLnBrk="0" hangingPunct="1">
+      <a:defRPr sz="1200" kern="1200">
+        <a:solidFill>
+          <a:schemeClr val="tx1"/>
+        </a:solidFill>
+        <a:latin typeface="+mn-lt"/>
+        <a:ea typeface="+mn-ea"/>
+        <a:cs typeface="+mn-cs"/>
+      </a:defRPr>
+    </a:lvl4pPr>
+    <a:lvl5pPr marL="1828800" algn="l" defTabSz="914400" rtl="0" eaLnBrk="1" latinLnBrk="0" hangingPunct="1">
+      <a:defRPr sz="1200" kern="1200">
+        <a:solidFill>
+          <a:schemeClr val="tx1"/>
+        </a:solidFill>
+        <a:latin typeface="+mn-lt"/>
+        <a:ea typeface="+mn-ea"/>
+        <a:cs typeface="+mn-cs"/>
+      </a:defRPr>
+    </a:lvl5pPr>
+    <a:lvl6pPr marL="2286000" algn="l" defTabSz="914400" rtl="0" eaLnBrk="1" latinLnBrk="0" hangingPunct="1">
+      <a:defRPr sz="1200" kern="1200">
+        <a:solidFill>
+          <a:schemeClr val="tx1"/>
+        </a:solidFill>
+        <a:latin typeface="+mn-lt"/>
+        <a:ea typeface="+mn-ea"/>
+        <a:cs typeface="+mn-cs"/>
+      </a:defRPr>
+    </a:lvl6pPr>
+    <a:lvl7pPr marL="2743200" algn="l" defTabSz="914400" rtl="0" eaLnBrk="1" latinLnBrk="0" hangingPunct="1">
+      <a:defRPr sz="1200" kern="1200">
+        <a:solidFill>
+          <a:schemeClr val="tx1"/>
+        </a:solidFill>
+        <a:latin typeface="+mn-lt"/>
+        <a:ea typeface="+mn-ea"/>
+        <a:cs typeface="+mn-cs"/>
+      </a:defRPr>
+    </a:lvl7pPr>
+    <a:lvl8pPr marL="3200400" algn="l" defTabSz="914400" rtl="0" eaLnBrk="1" latinLnBrk="0" hangingPunct="1">
+      <a:defRPr sz="1200" kern="1200">
+        <a:solidFill>
+          <a:schemeClr val="tx1"/>
+        </a:solidFill>
+        <a:latin typeface="+mn-lt"/>
+        <a:ea typeface="+mn-ea"/>
+        <a:cs typeface="+mn-cs"/>
+      </a:defRPr>
+    </a:lvl8pPr>
+    <a:lvl9pPr marL="3657600" algn="l" defTabSz="914400" rtl="0" eaLnBrk="1" latinLnBrk="0" hangingPunct="1">
+      <a:defRPr sz="1200" kern="1200">
+        <a:solidFill>
+          <a:schemeClr val="tx1"/>
+        </a:solidFill>
+        <a:latin typeface="+mn-lt"/>
+        <a:ea typeface="+mn-ea"/>
+        <a:cs typeface="+mn-cs"/>
+      </a:defRPr>
+    </a:lvl9pPr>
+  </p:notesStyle>
+</p:notesMaster>
+</file>
+
+<file path=ppt/notesSlides/notesSlide1.xml><?xml version="1.0" encoding="utf-8"?>
+<p:notes xmlns:a="http://schemas.openxmlformats.org/drawingml/2006/main" xmlns:r="http://schemas.openxmlformats.org/officeDocument/2006/relationships" xmlns:p="http://schemas.openxmlformats.org/presentationml/2006/main">
+  <p:cSld>
+    <p:spTree>
+      <p:nvGrpSpPr>
+        <p:cNvPr id="1" name=""/>
+        <p:cNvGrpSpPr/>
+        <p:nvPr/>
+      </p:nvGrpSpPr>
+      <p:grpSpPr>
+        <a:xfrm>
+          <a:off x="0" y="0"/>
+          <a:ext cx="0" cy="0"/>
+          <a:chOff x="0" y="0"/>
+          <a:chExt cx="0" cy="0"/>
+        </a:xfrm>
+      </p:grpSpPr>
+      <p:sp>
+        <p:nvSpPr>
+          <p:cNvPr id="2" name="幻灯片图像占位符 1"/>
+          <p:cNvSpPr>
+            <a:spLocks noGrp="1" noRot="1" noChangeAspect="1"/>
+          </p:cNvSpPr>
+          <p:nvPr>
+            <p:ph type="sldImg"/>
+          </p:nvPr>
+        </p:nvSpPr>
+        <p:spPr/>
+      </p:sp>
+      <p:sp>
+        <p:nvSpPr>
+          <p:cNvPr id="3" name="备注占位符 2"/>
+          <p:cNvSpPr>
+            <a:spLocks noGrp="1"/>
+          </p:cNvSpPr>
+          <p:nvPr>
+            <p:ph type="body" idx="1"/>
+          </p:nvPr>
+        </p:nvSpPr>
+        <p:spPr/>
+        <p:txBody>
+          <a:bodyPr/>
+          <a:lstStyle/>
+          <a:p>
+            <a:endParaRPr lang="zh-CN" altLang="en-US" dirty="0"/>
+          </a:p>
+        </p:txBody>
+      </p:sp>
+      <p:sp>
+        <p:nvSpPr>
+          <p:cNvPr id="4" name="灯片编号占位符 3"/>
+          <p:cNvSpPr>
+            <a:spLocks noGrp="1"/>
+          </p:cNvSpPr>
+          <p:nvPr>
+            <p:ph type="sldNum" sz="quarter" idx="10"/>
+          </p:nvPr>
+        </p:nvSpPr>
+        <p:spPr/>
+        <p:txBody>
+          <a:bodyPr/>
+          <a:lstStyle/>
+          <a:p>
+            <a:fld id="{26F4831F-6F0E-43EF-BED8-BEEBB84EC01E}" type="slidenum">
+              <a:rPr lang="zh-CN" altLang="en-US" smtClean="0"/>
+              <a:t>7</a:t>
+            </a:fld>
+            <a:endParaRPr lang="zh-CN" altLang="en-US"/>
+          </a:p>
+        </p:txBody>
+      </p:sp>
+    </p:spTree>
+    <p:extLst>
+      <p:ext uri="{BB962C8B-B14F-4D97-AF65-F5344CB8AC3E}">
+        <p14:creationId xmlns:p14="http://schemas.microsoft.com/office/powerpoint/2010/main" val="132839555"/>
+      </p:ext>
+    </p:extLst>
+  </p:cSld>
+  <p:clrMapOvr>
+    <a:masterClrMapping/>
+  </p:clrMapOvr>
+</p:notes>
 </file>
 
 <file path=ppt/slideLayouts/slideLayout1.xml><?xml version="1.0" encoding="utf-8"?>
@@ -401,7 +4485,7 @@
           <a:p>
             <a:fld id="{F06CDC8D-25DE-4581-BD3E-1D12832A0D0D}" type="datetimeFigureOut">
               <a:rPr lang="zh-CN" altLang="en-US" smtClean="0"/>
-              <a:t>2013/9/22</a:t>
+              <a:t>2013/11/19</a:t>
             </a:fld>
             <a:endParaRPr lang="zh-CN" altLang="en-US"/>
           </a:p>
@@ -571,7 +4655,7 @@
           <a:p>
             <a:fld id="{F06CDC8D-25DE-4581-BD3E-1D12832A0D0D}" type="datetimeFigureOut">
               <a:rPr lang="zh-CN" altLang="en-US" smtClean="0"/>
-              <a:t>2013/9/22</a:t>
+              <a:t>2013/11/19</a:t>
             </a:fld>
             <a:endParaRPr lang="zh-CN" altLang="en-US"/>
           </a:p>
@@ -751,7 +4835,7 @@
           <a:p>
             <a:fld id="{F06CDC8D-25DE-4581-BD3E-1D12832A0D0D}" type="datetimeFigureOut">
               <a:rPr lang="zh-CN" altLang="en-US" smtClean="0"/>
-              <a:t>2013/9/22</a:t>
+              <a:t>2013/11/19</a:t>
             </a:fld>
             <a:endParaRPr lang="zh-CN" altLang="en-US"/>
           </a:p>
@@ -921,7 +5005,7 @@
           <a:p>
             <a:fld id="{F06CDC8D-25DE-4581-BD3E-1D12832A0D0D}" type="datetimeFigureOut">
               <a:rPr lang="zh-CN" altLang="en-US" smtClean="0"/>
-              <a:t>2013/9/22</a:t>
+              <a:t>2013/11/19</a:t>
             </a:fld>
             <a:endParaRPr lang="zh-CN" altLang="en-US"/>
           </a:p>
@@ -1167,7 +5251,7 @@
           <a:p>
             <a:fld id="{F06CDC8D-25DE-4581-BD3E-1D12832A0D0D}" type="datetimeFigureOut">
               <a:rPr lang="zh-CN" altLang="en-US" smtClean="0"/>
-              <a:t>2013/9/22</a:t>
+              <a:t>2013/11/19</a:t>
             </a:fld>
             <a:endParaRPr lang="zh-CN" altLang="en-US"/>
           </a:p>
@@ -1455,7 +5539,7 @@
           <a:p>
             <a:fld id="{F06CDC8D-25DE-4581-BD3E-1D12832A0D0D}" type="datetimeFigureOut">
               <a:rPr lang="zh-CN" altLang="en-US" smtClean="0"/>
-              <a:t>2013/9/22</a:t>
+              <a:t>2013/11/19</a:t>
             </a:fld>
             <a:endParaRPr lang="zh-CN" altLang="en-US"/>
           </a:p>
@@ -1877,7 +5961,7 @@
           <a:p>
             <a:fld id="{F06CDC8D-25DE-4581-BD3E-1D12832A0D0D}" type="datetimeFigureOut">
               <a:rPr lang="zh-CN" altLang="en-US" smtClean="0"/>
-              <a:t>2013/9/22</a:t>
+              <a:t>2013/11/19</a:t>
             </a:fld>
             <a:endParaRPr lang="zh-CN" altLang="en-US"/>
           </a:p>
@@ -1995,7 +6079,7 @@
           <a:p>
             <a:fld id="{F06CDC8D-25DE-4581-BD3E-1D12832A0D0D}" type="datetimeFigureOut">
               <a:rPr lang="zh-CN" altLang="en-US" smtClean="0"/>
-              <a:t>2013/9/22</a:t>
+              <a:t>2013/11/19</a:t>
             </a:fld>
             <a:endParaRPr lang="zh-CN" altLang="en-US"/>
           </a:p>
@@ -2090,7 +6174,7 @@
           <a:p>
             <a:fld id="{F06CDC8D-25DE-4581-BD3E-1D12832A0D0D}" type="datetimeFigureOut">
               <a:rPr lang="zh-CN" altLang="en-US" smtClean="0"/>
-              <a:t>2013/9/22</a:t>
+              <a:t>2013/11/19</a:t>
             </a:fld>
             <a:endParaRPr lang="zh-CN" altLang="en-US"/>
           </a:p>
@@ -2367,7 +6451,7 @@
           <a:p>
             <a:fld id="{F06CDC8D-25DE-4581-BD3E-1D12832A0D0D}" type="datetimeFigureOut">
               <a:rPr lang="zh-CN" altLang="en-US" smtClean="0"/>
-              <a:t>2013/9/22</a:t>
+              <a:t>2013/11/19</a:t>
             </a:fld>
             <a:endParaRPr lang="zh-CN" altLang="en-US"/>
           </a:p>
@@ -2620,7 +6704,7 @@
           <a:p>
             <a:fld id="{F06CDC8D-25DE-4581-BD3E-1D12832A0D0D}" type="datetimeFigureOut">
               <a:rPr lang="zh-CN" altLang="en-US" smtClean="0"/>
-              <a:t>2013/9/22</a:t>
+              <a:t>2013/11/19</a:t>
             </a:fld>
             <a:endParaRPr lang="zh-CN" altLang="en-US"/>
           </a:p>
@@ -2833,7 +6917,7 @@
           <a:p>
             <a:fld id="{F06CDC8D-25DE-4581-BD3E-1D12832A0D0D}" type="datetimeFigureOut">
               <a:rPr lang="zh-CN" altLang="en-US" smtClean="0"/>
-              <a:t>2013/9/22</a:t>
+              <a:t>2013/11/19</a:t>
             </a:fld>
             <a:endParaRPr lang="zh-CN" altLang="en-US"/>
           </a:p>
@@ -3226,7 +7310,10 @@
           <a:lstStyle/>
           <a:p>
             <a:r>
-              <a:rPr lang="zh-CN" altLang="en-US" sz="7200" dirty="0"/>
+              <a:rPr lang="zh-CN" altLang="en-US" sz="7200" dirty="0">
+                <a:latin typeface="微软雅黑" panose="020B0503020204020204" pitchFamily="34" charset="-122"/>
+                <a:ea typeface="微软雅黑" panose="020B0503020204020204" pitchFamily="34" charset="-122"/>
+              </a:rPr>
               <a:t>全文检索入门与实践</a:t>
             </a:r>
           </a:p>
@@ -3256,7 +7343,10 @@
           <a:p>
             <a:pPr algn="r"/>
             <a:r>
-              <a:rPr lang="zh-CN" altLang="en-US" sz="2400" dirty="0"/>
+              <a:rPr lang="zh-CN" altLang="en-US" sz="2400" dirty="0">
+                <a:latin typeface="微软雅黑" panose="020B0503020204020204" pitchFamily="34" charset="-122"/>
+                <a:ea typeface="微软雅黑" panose="020B0503020204020204" pitchFamily="34" charset="-122"/>
+              </a:rPr>
               <a:t>探讨分词、检索引擎及应用架构</a:t>
             </a:r>
           </a:p>
@@ -7453,14 +11543,23 @@
           <a:lstStyle/>
           <a:p>
             <a:r>
-              <a:rPr lang="zh-CN" altLang="en-US" dirty="0"/>
+              <a:rPr lang="zh-CN" altLang="en-US" dirty="0">
+                <a:latin typeface="微软雅黑" panose="020B0503020204020204" pitchFamily="34" charset="-122"/>
+                <a:ea typeface="微软雅黑" panose="020B0503020204020204" pitchFamily="34" charset="-122"/>
+              </a:rPr>
               <a:t>什么</a:t>
             </a:r>
             <a:r>
-              <a:rPr lang="zh-CN" altLang="en-US" dirty="0" smtClean="0"/>
+              <a:rPr lang="zh-CN" altLang="en-US" dirty="0" smtClean="0">
+                <a:latin typeface="微软雅黑" panose="020B0503020204020204" pitchFamily="34" charset="-122"/>
+                <a:ea typeface="微软雅黑" panose="020B0503020204020204" pitchFamily="34" charset="-122"/>
+              </a:rPr>
               <a:t>是“全文搜索引擎”</a:t>
             </a:r>
-            <a:endParaRPr lang="zh-CN" altLang="en-US" dirty="0"/>
+            <a:endParaRPr lang="zh-CN" altLang="en-US" dirty="0">
+              <a:latin typeface="微软雅黑" panose="020B0503020204020204" pitchFamily="34" charset="-122"/>
+              <a:ea typeface="微软雅黑" panose="020B0503020204020204" pitchFamily="34" charset="-122"/>
+            </a:endParaRPr>
           </a:p>
         </p:txBody>
       </p:sp>
@@ -7488,16 +11587,25 @@
               <a:buNone/>
             </a:pPr>
             <a:r>
-              <a:rPr lang="zh-CN" altLang="en-US" sz="2400" dirty="0"/>
+              <a:rPr lang="zh-CN" altLang="en-US" sz="2400" dirty="0">
+                <a:latin typeface="微软雅黑" panose="020B0503020204020204" pitchFamily="34" charset="-122"/>
+                <a:ea typeface="微软雅黑" panose="020B0503020204020204" pitchFamily="34" charset="-122"/>
+              </a:rPr>
               <a:t>全文搜索引擎是目前广泛应用的主流搜索引擎。它的工作原理是计算机索引程序通过扫描文章中的每一个词，对每一个词建立一个索引，指明该词在文章中出现的次数和位置，当用户查询时，检索程序就根据事先建立的索引进行查找，并将查找的结果反馈给用户的检索方式。这个过程类似于通过字典中的检索字表查字的过程。</a:t>
             </a:r>
-            <a:endParaRPr lang="en-US" altLang="zh-CN" sz="2400" dirty="0"/>
+            <a:endParaRPr lang="en-US" altLang="zh-CN" sz="2400" dirty="0">
+              <a:latin typeface="微软雅黑" panose="020B0503020204020204" pitchFamily="34" charset="-122"/>
+              <a:ea typeface="微软雅黑" panose="020B0503020204020204" pitchFamily="34" charset="-122"/>
+            </a:endParaRPr>
           </a:p>
           <a:p>
             <a:pPr marL="0" indent="0">
               <a:buNone/>
             </a:pPr>
-            <a:endParaRPr lang="zh-CN" altLang="en-US" sz="2400" dirty="0"/>
+            <a:endParaRPr lang="zh-CN" altLang="en-US" sz="2400" dirty="0">
+              <a:latin typeface="微软雅黑" panose="020B0503020204020204" pitchFamily="34" charset="-122"/>
+              <a:ea typeface="微软雅黑" panose="020B0503020204020204" pitchFamily="34" charset="-122"/>
+            </a:endParaRPr>
           </a:p>
         </p:txBody>
       </p:sp>
@@ -11390,6 +15498,14 @@
               <a:rPr lang="zh-CN" altLang="en-US" dirty="0" smtClean="0"/>
               <a:t>分词</a:t>
             </a:r>
+            <a:r>
+              <a:rPr lang="en-US" altLang="zh-CN" dirty="0" smtClean="0"/>
+              <a:t>&amp;</a:t>
+            </a:r>
+            <a:r>
+              <a:rPr lang="zh-CN" altLang="en-US" dirty="0" smtClean="0"/>
+              <a:t>倒排索引</a:t>
+            </a:r>
             <a:endParaRPr lang="zh-CN" altLang="en-US" dirty="0"/>
           </a:p>
         </p:txBody>
@@ -12136,6 +16252,91 @@
 </p:sld>
 </file>
 
+<file path=ppt/slides/slide34.xml><?xml version="1.0" encoding="utf-8"?>
+<p:sld xmlns:a="http://schemas.openxmlformats.org/drawingml/2006/main" xmlns:r="http://schemas.openxmlformats.org/officeDocument/2006/relationships" xmlns:p="http://schemas.openxmlformats.org/presentationml/2006/main">
+  <p:cSld>
+    <p:spTree>
+      <p:nvGrpSpPr>
+        <p:cNvPr id="1" name=""/>
+        <p:cNvGrpSpPr/>
+        <p:nvPr/>
+      </p:nvGrpSpPr>
+      <p:grpSpPr>
+        <a:xfrm>
+          <a:off x="0" y="0"/>
+          <a:ext cx="0" cy="0"/>
+          <a:chOff x="0" y="0"/>
+          <a:chExt cx="0" cy="0"/>
+        </a:xfrm>
+      </p:grpSpPr>
+      <p:sp>
+        <p:nvSpPr>
+          <p:cNvPr id="2" name="标题 1"/>
+          <p:cNvSpPr>
+            <a:spLocks noGrp="1"/>
+          </p:cNvSpPr>
+          <p:nvPr>
+            <p:ph type="title"/>
+          </p:nvPr>
+        </p:nvSpPr>
+        <p:spPr/>
+        <p:txBody>
+          <a:bodyPr/>
+          <a:lstStyle/>
+          <a:p>
+            <a:r>
+              <a:rPr lang="en-US" altLang="zh-CN" dirty="0" smtClean="0"/>
+              <a:t>Next…</a:t>
+            </a:r>
+            <a:endParaRPr lang="zh-CN" altLang="en-US" dirty="0"/>
+          </a:p>
+        </p:txBody>
+      </p:sp>
+      <p:graphicFrame>
+        <p:nvGraphicFramePr>
+          <p:cNvPr id="4" name="内容占位符 3"/>
+          <p:cNvGraphicFramePr>
+            <a:graphicFrameLocks noGrp="1"/>
+          </p:cNvGraphicFramePr>
+          <p:nvPr>
+            <p:ph idx="1"/>
+            <p:extLst>
+              <p:ext uri="{D42A27DB-BD31-4B8C-83A1-F6EECF244321}">
+                <p14:modId xmlns:p14="http://schemas.microsoft.com/office/powerpoint/2010/main" val="1762759239"/>
+              </p:ext>
+            </p:extLst>
+          </p:nvPr>
+        </p:nvGraphicFramePr>
+        <p:xfrm>
+          <a:off x="457200" y="1600200"/>
+          <a:ext cx="8229600" cy="4525963"/>
+        </p:xfrm>
+        <a:graphic>
+          <a:graphicData uri="http://schemas.openxmlformats.org/drawingml/2006/diagram">
+            <dgm:relIds xmlns:dgm="http://schemas.openxmlformats.org/drawingml/2006/diagram" xmlns:r="http://schemas.openxmlformats.org/officeDocument/2006/relationships" r:dm="rId2" r:lo="rId3" r:qs="rId4" r:cs="rId5"/>
+          </a:graphicData>
+        </a:graphic>
+      </p:graphicFrame>
+    </p:spTree>
+    <p:extLst>
+      <p:ext uri="{BB962C8B-B14F-4D97-AF65-F5344CB8AC3E}">
+        <p14:creationId xmlns:p14="http://schemas.microsoft.com/office/powerpoint/2010/main" val="1692386988"/>
+      </p:ext>
+    </p:extLst>
+  </p:cSld>
+  <p:clrMapOvr>
+    <a:masterClrMapping/>
+  </p:clrMapOvr>
+  <p:timing>
+    <p:tnLst>
+      <p:par>
+        <p:cTn id="1" dur="indefinite" restart="never" nodeType="tmRoot"/>
+      </p:par>
+    </p:tnLst>
+  </p:timing>
+</p:sld>
+</file>
+
 <file path=ppt/slides/slide4.xml><?xml version="1.0" encoding="utf-8"?>
 <p:sld xmlns:a="http://schemas.openxmlformats.org/drawingml/2006/main" xmlns:r="http://schemas.openxmlformats.org/officeDocument/2006/relationships" xmlns:p="http://schemas.openxmlformats.org/presentationml/2006/main">
   <p:cSld>
@@ -12184,7 +16385,7 @@
         </p:nvGrpSpPr>
         <p:grpSpPr>
           <a:xfrm>
-            <a:off x="430878" y="1392062"/>
+            <a:off x="155456" y="1196752"/>
             <a:ext cx="3840480" cy="1808336"/>
             <a:chOff x="404947" y="1548818"/>
             <a:chExt cx="3840480" cy="1808336"/>
@@ -12272,11 +16473,11 @@
               </a:r>
               <a:r>
                 <a:rPr lang="zh-CN" altLang="en-US" sz="1200" dirty="0" smtClean="0"/>
-                <a:t>程拥有电信业务系统</a:t>
+                <a:t>程拥有电信业务系统和支撑系统全面</a:t>
               </a:r>
               <a:r>
                 <a:rPr lang="zh-CN" altLang="en-US" sz="1200" dirty="0"/>
-                <a:t>全面的解决</a:t>
+                <a:t>的解决</a:t>
               </a:r>
               <a:r>
                 <a:rPr lang="zh-CN" altLang="en-US" sz="1200" dirty="0" smtClean="0"/>
@@ -12325,11 +16526,11 @@
               </a:r>
               <a:r>
                 <a:rPr lang="zh-CN" altLang="en-US" sz="1200" dirty="0" smtClean="0"/>
-                <a:t>程丰富</a:t>
+                <a:t>程的</a:t>
               </a:r>
               <a:r>
                 <a:rPr lang="zh-CN" altLang="en-US" sz="1200" dirty="0"/>
-                <a:t>的解决方案在政府及其他各行业都得到了广泛应用。</a:t>
+                <a:t>解决方案在政府及其他各行业都得到了广泛应用。</a:t>
               </a:r>
             </a:p>
           </p:txBody>
@@ -12343,8 +16544,8 @@
         </p:nvGrpSpPr>
         <p:grpSpPr>
           <a:xfrm>
-            <a:off x="4781454" y="1392062"/>
-            <a:ext cx="3422468" cy="1803476"/>
+            <a:off x="4630134" y="1200280"/>
+            <a:ext cx="3614274" cy="1803476"/>
             <a:chOff x="4937763" y="1541419"/>
             <a:chExt cx="3422468" cy="1815736"/>
           </a:xfrm>
@@ -12399,8 +16600,8 @@
           </p:nvSpPr>
           <p:spPr>
             <a:xfrm>
-              <a:off x="5068391" y="1666385"/>
-              <a:ext cx="3135087" cy="608860"/>
+              <a:off x="5019088" y="1666385"/>
+              <a:ext cx="3248127" cy="356665"/>
             </a:xfrm>
             <a:prstGeom prst="rect">
               <a:avLst/>
@@ -12426,48 +16627,7 @@
             <a:p>
               <a:r>
                 <a:rPr lang="zh-CN" altLang="en-US" sz="1200" dirty="0" smtClean="0"/>
-                <a:t>去符号、停用字等过滤</a:t>
-              </a:r>
-              <a:endParaRPr lang="zh-CN" altLang="en-US" sz="1200" dirty="0"/>
-            </a:p>
-          </p:txBody>
-        </p:sp>
-        <p:sp>
-          <p:nvSpPr>
-            <p:cNvPr id="12" name="Rectangle 12"/>
-            <p:cNvSpPr/>
-            <p:nvPr/>
-          </p:nvSpPr>
-          <p:spPr>
-            <a:xfrm>
-              <a:off x="5068390" y="2393381"/>
-              <a:ext cx="3135087" cy="608860"/>
-            </a:xfrm>
-            <a:prstGeom prst="rect">
-              <a:avLst/>
-            </a:prstGeom>
-          </p:spPr>
-          <p:style>
-            <a:lnRef idx="2">
-              <a:schemeClr val="accent3"/>
-            </a:lnRef>
-            <a:fillRef idx="1">
-              <a:schemeClr val="lt1"/>
-            </a:fillRef>
-            <a:effectRef idx="0">
-              <a:schemeClr val="accent3"/>
-            </a:effectRef>
-            <a:fontRef idx="minor">
-              <a:schemeClr val="dk1"/>
-            </a:fontRef>
-          </p:style>
-          <p:txBody>
-            <a:bodyPr rtlCol="0" anchor="ctr"/>
-            <a:lstStyle/>
-            <a:p>
-              <a:r>
-                <a:rPr lang="zh-CN" altLang="en-US" sz="1200" dirty="0" smtClean="0"/>
-                <a:t>不同分词器分词</a:t>
+                <a:t>去符号、停用字，统一大小写、时态等</a:t>
               </a:r>
               <a:endParaRPr lang="zh-CN" altLang="en-US" sz="1200" dirty="0"/>
             </a:p>
@@ -12482,7 +16642,7 @@
         </p:nvSpPr>
         <p:spPr>
           <a:xfrm>
-            <a:off x="4297806" y="2035852"/>
+            <a:off x="4114800" y="1817229"/>
             <a:ext cx="457200" cy="546332"/>
           </a:xfrm>
           <a:prstGeom prst="rightArrow">
@@ -12491,13 +16651,13 @@
         </p:spPr>
         <p:style>
           <a:lnRef idx="1">
-            <a:schemeClr val="accent1"/>
+            <a:schemeClr val="accent5"/>
           </a:lnRef>
           <a:fillRef idx="3">
-            <a:schemeClr val="accent1"/>
+            <a:schemeClr val="accent5"/>
           </a:fillRef>
           <a:effectRef idx="2">
-            <a:schemeClr val="accent1"/>
+            <a:schemeClr val="accent5"/>
           </a:effectRef>
           <a:fontRef idx="minor">
             <a:schemeClr val="lt1"/>
@@ -12520,10 +16680,10 @@
         </p:nvGrpSpPr>
         <p:grpSpPr>
           <a:xfrm>
-            <a:off x="1907626" y="3284984"/>
-            <a:ext cx="6296296" cy="3347916"/>
-            <a:chOff x="796834" y="3535985"/>
-            <a:chExt cx="6296296" cy="3347916"/>
+            <a:off x="155454" y="3285519"/>
+            <a:ext cx="2826100" cy="3347916"/>
+            <a:chOff x="796832" y="3535985"/>
+            <a:chExt cx="6296298" cy="3347916"/>
           </a:xfrm>
         </p:grpSpPr>
         <p:sp>
@@ -12534,8 +16694,8 @@
           </p:nvSpPr>
           <p:spPr>
             <a:xfrm>
-              <a:off x="1293225" y="3542149"/>
-              <a:ext cx="5799905" cy="3341752"/>
+              <a:off x="1469093" y="3542149"/>
+              <a:ext cx="5624037" cy="3341752"/>
             </a:xfrm>
             <a:prstGeom prst="rect">
               <a:avLst/>
@@ -12566,836 +16726,14 @@
         </p:sp>
         <p:sp>
           <p:nvSpPr>
-            <p:cNvPr id="16" name="Rectangle 15"/>
-            <p:cNvSpPr/>
-            <p:nvPr/>
-          </p:nvSpPr>
-          <p:spPr>
-            <a:xfrm>
-              <a:off x="1554480" y="3762103"/>
-              <a:ext cx="1417319" cy="3004457"/>
-            </a:xfrm>
-            <a:prstGeom prst="rect">
-              <a:avLst/>
-            </a:prstGeom>
-            <a:ln/>
-          </p:spPr>
-          <p:style>
-            <a:lnRef idx="1">
-              <a:schemeClr val="accent2"/>
-            </a:lnRef>
-            <a:fillRef idx="2">
-              <a:schemeClr val="accent2"/>
-            </a:fillRef>
-            <a:effectRef idx="1">
-              <a:schemeClr val="accent2"/>
-            </a:effectRef>
-            <a:fontRef idx="minor">
-              <a:schemeClr val="dk1"/>
-            </a:fontRef>
-          </p:style>
-          <p:txBody>
-            <a:bodyPr rtlCol="0" anchor="t"/>
-            <a:lstStyle/>
-            <a:p>
-              <a:pPr algn="r"/>
-              <a:r>
-                <a:rPr lang="zh-CN" altLang="en-US" sz="1200" dirty="0" smtClean="0"/>
-                <a:t>索引集合</a:t>
-              </a:r>
-              <a:endParaRPr lang="zh-CN" altLang="en-US" sz="1200" dirty="0"/>
-            </a:p>
-          </p:txBody>
-        </p:sp>
-        <p:sp>
-          <p:nvSpPr>
-            <p:cNvPr id="17" name="Rectangle 16"/>
-            <p:cNvSpPr/>
-            <p:nvPr/>
-          </p:nvSpPr>
-          <p:spPr>
-            <a:xfrm>
-              <a:off x="1683404" y="4079880"/>
-              <a:ext cx="1175657" cy="270051"/>
-            </a:xfrm>
-            <a:prstGeom prst="rect">
-              <a:avLst/>
-            </a:prstGeom>
-          </p:spPr>
-          <p:style>
-            <a:lnRef idx="2">
-              <a:schemeClr val="accent2"/>
-            </a:lnRef>
-            <a:fillRef idx="1">
-              <a:schemeClr val="lt1"/>
-            </a:fillRef>
-            <a:effectRef idx="0">
-              <a:schemeClr val="accent2"/>
-            </a:effectRef>
-            <a:fontRef idx="minor">
-              <a:schemeClr val="dk1"/>
-            </a:fontRef>
-          </p:style>
-          <p:txBody>
-            <a:bodyPr rtlCol="0" anchor="ctr"/>
-            <a:lstStyle/>
-            <a:p>
-              <a:pPr algn="ctr"/>
-              <a:r>
-                <a:rPr lang="zh-CN" altLang="en-US" sz="1200" dirty="0"/>
-                <a:t>鸿程</a:t>
-              </a:r>
-            </a:p>
-          </p:txBody>
-        </p:sp>
-        <p:sp>
-          <p:nvSpPr>
-            <p:cNvPr id="18" name="Rectangle 18"/>
-            <p:cNvSpPr/>
-            <p:nvPr/>
-          </p:nvSpPr>
-          <p:spPr>
-            <a:xfrm>
-              <a:off x="1683404" y="4459400"/>
-              <a:ext cx="1175657" cy="270051"/>
-            </a:xfrm>
-            <a:prstGeom prst="rect">
-              <a:avLst/>
-            </a:prstGeom>
-          </p:spPr>
-          <p:style>
-            <a:lnRef idx="2">
-              <a:schemeClr val="accent2"/>
-            </a:lnRef>
-            <a:fillRef idx="1">
-              <a:schemeClr val="lt1"/>
-            </a:fillRef>
-            <a:effectRef idx="0">
-              <a:schemeClr val="accent2"/>
-            </a:effectRef>
-            <a:fontRef idx="minor">
-              <a:schemeClr val="dk1"/>
-            </a:fontRef>
-          </p:style>
-          <p:txBody>
-            <a:bodyPr rtlCol="0" anchor="ctr"/>
-            <a:lstStyle/>
-            <a:p>
-              <a:pPr algn="ctr"/>
-              <a:r>
-                <a:rPr lang="zh-CN" altLang="en-US" sz="1200" dirty="0"/>
-                <a:t>电信</a:t>
-              </a:r>
-            </a:p>
-          </p:txBody>
-        </p:sp>
-        <p:sp>
-          <p:nvSpPr>
-            <p:cNvPr id="19" name="Rectangle 19"/>
-            <p:cNvSpPr/>
-            <p:nvPr/>
-          </p:nvSpPr>
-          <p:spPr>
-            <a:xfrm>
-              <a:off x="1683404" y="4838920"/>
-              <a:ext cx="1175657" cy="270051"/>
-            </a:xfrm>
-            <a:prstGeom prst="rect">
-              <a:avLst/>
-            </a:prstGeom>
-          </p:spPr>
-          <p:style>
-            <a:lnRef idx="2">
-              <a:schemeClr val="accent2"/>
-            </a:lnRef>
-            <a:fillRef idx="1">
-              <a:schemeClr val="lt1"/>
-            </a:fillRef>
-            <a:effectRef idx="0">
-              <a:schemeClr val="accent2"/>
-            </a:effectRef>
-            <a:fontRef idx="minor">
-              <a:schemeClr val="dk1"/>
-            </a:fontRef>
-          </p:style>
-          <p:txBody>
-            <a:bodyPr rtlCol="0" anchor="ctr"/>
-            <a:lstStyle/>
-            <a:p>
-              <a:pPr algn="ctr"/>
-              <a:r>
-                <a:rPr lang="zh-CN" altLang="en-US" sz="1200" dirty="0" smtClean="0"/>
-                <a:t>业务</a:t>
-              </a:r>
-              <a:endParaRPr lang="zh-CN" altLang="en-US" sz="1200" dirty="0"/>
-            </a:p>
-          </p:txBody>
-        </p:sp>
-        <p:sp>
-          <p:nvSpPr>
-            <p:cNvPr id="20" name="Rectangle 20"/>
-            <p:cNvSpPr/>
-            <p:nvPr/>
-          </p:nvSpPr>
-          <p:spPr>
-            <a:xfrm>
-              <a:off x="1683404" y="5597960"/>
-              <a:ext cx="1175657" cy="270051"/>
-            </a:xfrm>
-            <a:prstGeom prst="rect">
-              <a:avLst/>
-            </a:prstGeom>
-          </p:spPr>
-          <p:style>
-            <a:lnRef idx="2">
-              <a:schemeClr val="accent2"/>
-            </a:lnRef>
-            <a:fillRef idx="1">
-              <a:schemeClr val="lt1"/>
-            </a:fillRef>
-            <a:effectRef idx="0">
-              <a:schemeClr val="accent2"/>
-            </a:effectRef>
-            <a:fontRef idx="minor">
-              <a:schemeClr val="dk1"/>
-            </a:fontRef>
-          </p:style>
-          <p:txBody>
-            <a:bodyPr rtlCol="0" anchor="ctr"/>
-            <a:lstStyle/>
-            <a:p>
-              <a:pPr algn="ctr"/>
-              <a:r>
-                <a:rPr lang="zh-CN" altLang="en-US" sz="1200" dirty="0"/>
-                <a:t>解决方案</a:t>
-              </a:r>
-            </a:p>
-          </p:txBody>
-        </p:sp>
-        <p:sp>
-          <p:nvSpPr>
-            <p:cNvPr id="21" name="Rectangle 21"/>
-            <p:cNvSpPr/>
-            <p:nvPr/>
-          </p:nvSpPr>
-          <p:spPr>
-            <a:xfrm>
-              <a:off x="1683404" y="5218440"/>
-              <a:ext cx="1175657" cy="270051"/>
-            </a:xfrm>
-            <a:prstGeom prst="rect">
-              <a:avLst/>
-            </a:prstGeom>
-          </p:spPr>
-          <p:style>
-            <a:lnRef idx="2">
-              <a:schemeClr val="accent2"/>
-            </a:lnRef>
-            <a:fillRef idx="1">
-              <a:schemeClr val="lt1"/>
-            </a:fillRef>
-            <a:effectRef idx="0">
-              <a:schemeClr val="accent2"/>
-            </a:effectRef>
-            <a:fontRef idx="minor">
-              <a:schemeClr val="dk1"/>
-            </a:fontRef>
-          </p:style>
-          <p:txBody>
-            <a:bodyPr rtlCol="0" anchor="ctr"/>
-            <a:lstStyle/>
-            <a:p>
-              <a:pPr algn="ctr"/>
-              <a:r>
-                <a:rPr lang="zh-CN" altLang="en-US" sz="1200" dirty="0"/>
-                <a:t>系统</a:t>
-              </a:r>
-            </a:p>
-          </p:txBody>
-        </p:sp>
-        <p:sp>
-          <p:nvSpPr>
-            <p:cNvPr id="22" name="Rectangle 23"/>
-            <p:cNvSpPr/>
-            <p:nvPr/>
-          </p:nvSpPr>
-          <p:spPr>
-            <a:xfrm>
-              <a:off x="1683404" y="5977480"/>
-              <a:ext cx="1175657" cy="270051"/>
-            </a:xfrm>
-            <a:prstGeom prst="rect">
-              <a:avLst/>
-            </a:prstGeom>
-          </p:spPr>
-          <p:style>
-            <a:lnRef idx="2">
-              <a:schemeClr val="accent2"/>
-            </a:lnRef>
-            <a:fillRef idx="1">
-              <a:schemeClr val="lt1"/>
-            </a:fillRef>
-            <a:effectRef idx="0">
-              <a:schemeClr val="accent2"/>
-            </a:effectRef>
-            <a:fontRef idx="minor">
-              <a:schemeClr val="dk1"/>
-            </a:fontRef>
-          </p:style>
-          <p:txBody>
-            <a:bodyPr rtlCol="0" anchor="ctr"/>
-            <a:lstStyle/>
-            <a:p>
-              <a:pPr algn="ctr"/>
-              <a:r>
-                <a:rPr lang="zh-CN" altLang="en-US" sz="1200" dirty="0" smtClean="0"/>
-                <a:t>政府</a:t>
-              </a:r>
-              <a:endParaRPr lang="zh-CN" altLang="en-US" sz="1200" dirty="0"/>
-            </a:p>
-          </p:txBody>
-        </p:sp>
-        <p:sp>
-          <p:nvSpPr>
-            <p:cNvPr id="23" name="Rectangle 25"/>
-            <p:cNvSpPr/>
-            <p:nvPr/>
-          </p:nvSpPr>
-          <p:spPr>
-            <a:xfrm>
-              <a:off x="1683404" y="6356998"/>
-              <a:ext cx="1175657" cy="270051"/>
-            </a:xfrm>
-            <a:prstGeom prst="rect">
-              <a:avLst/>
-            </a:prstGeom>
-          </p:spPr>
-          <p:style>
-            <a:lnRef idx="2">
-              <a:schemeClr val="accent2"/>
-            </a:lnRef>
-            <a:fillRef idx="1">
-              <a:schemeClr val="lt1"/>
-            </a:fillRef>
-            <a:effectRef idx="0">
-              <a:schemeClr val="accent2"/>
-            </a:effectRef>
-            <a:fontRef idx="minor">
-              <a:schemeClr val="dk1"/>
-            </a:fontRef>
-          </p:style>
-          <p:txBody>
-            <a:bodyPr rtlCol="0" anchor="ctr"/>
-            <a:lstStyle/>
-            <a:p>
-              <a:pPr algn="ctr"/>
-              <a:r>
-                <a:rPr lang="en-US" altLang="zh-CN" sz="1200" dirty="0" smtClean="0"/>
-                <a:t>……</a:t>
-              </a:r>
-              <a:endParaRPr lang="zh-CN" altLang="en-US" sz="1200" dirty="0"/>
-            </a:p>
-          </p:txBody>
-        </p:sp>
-        <p:sp>
-          <p:nvSpPr>
-            <p:cNvPr id="24" name="Rectangle 26"/>
-            <p:cNvSpPr/>
-            <p:nvPr/>
-          </p:nvSpPr>
-          <p:spPr>
-            <a:xfrm>
-              <a:off x="3876261" y="3762103"/>
-              <a:ext cx="2968676" cy="3004457"/>
-            </a:xfrm>
-            <a:prstGeom prst="rect">
-              <a:avLst/>
-            </a:prstGeom>
-            <a:ln/>
-          </p:spPr>
-          <p:style>
-            <a:lnRef idx="1">
-              <a:schemeClr val="accent4"/>
-            </a:lnRef>
-            <a:fillRef idx="2">
-              <a:schemeClr val="accent4"/>
-            </a:fillRef>
-            <a:effectRef idx="1">
-              <a:schemeClr val="accent4"/>
-            </a:effectRef>
-            <a:fontRef idx="minor">
-              <a:schemeClr val="dk1"/>
-            </a:fontRef>
-          </p:style>
-          <p:txBody>
-            <a:bodyPr rtlCol="0" anchor="t"/>
-            <a:lstStyle/>
-            <a:p>
-              <a:pPr algn="r"/>
-              <a:r>
-                <a:rPr lang="zh-CN" altLang="en-US" sz="1200" dirty="0" smtClean="0"/>
-                <a:t>文档集合</a:t>
-              </a:r>
-              <a:endParaRPr lang="zh-CN" altLang="en-US" sz="1200" dirty="0"/>
-            </a:p>
-          </p:txBody>
-        </p:sp>
-        <p:sp>
-          <p:nvSpPr>
-            <p:cNvPr id="25" name="Rectangle 27"/>
-            <p:cNvSpPr/>
-            <p:nvPr/>
-          </p:nvSpPr>
-          <p:spPr>
-            <a:xfrm>
-              <a:off x="4362995" y="4340365"/>
-              <a:ext cx="2325187" cy="608860"/>
-            </a:xfrm>
-            <a:prstGeom prst="rect">
-              <a:avLst/>
-            </a:prstGeom>
-          </p:spPr>
-          <p:style>
-            <a:lnRef idx="2">
-              <a:schemeClr val="accent4"/>
-            </a:lnRef>
-            <a:fillRef idx="1">
-              <a:schemeClr val="lt1"/>
-            </a:fillRef>
-            <a:effectRef idx="0">
-              <a:schemeClr val="accent4"/>
-            </a:effectRef>
-            <a:fontRef idx="minor">
-              <a:schemeClr val="dk1"/>
-            </a:fontRef>
-          </p:style>
-          <p:txBody>
-            <a:bodyPr rtlCol="0" anchor="ctr"/>
-            <a:lstStyle/>
-            <a:p>
-              <a:r>
-                <a:rPr lang="zh-CN" altLang="en-US" sz="1200" dirty="0" smtClean="0"/>
-                <a:t>文档</a:t>
-              </a:r>
-              <a:r>
-                <a:rPr lang="zh-CN" altLang="en-US" sz="1200" dirty="0"/>
-                <a:t>内容</a:t>
-              </a:r>
-            </a:p>
-          </p:txBody>
-        </p:sp>
-        <p:sp>
-          <p:nvSpPr>
-            <p:cNvPr id="26" name="Rectangle 28"/>
-            <p:cNvSpPr/>
-            <p:nvPr/>
-          </p:nvSpPr>
-          <p:spPr>
-            <a:xfrm>
-              <a:off x="4362995" y="5443478"/>
-              <a:ext cx="2325187" cy="608860"/>
-            </a:xfrm>
-            <a:prstGeom prst="rect">
-              <a:avLst/>
-            </a:prstGeom>
-          </p:spPr>
-          <p:style>
-            <a:lnRef idx="2">
-              <a:schemeClr val="accent5"/>
-            </a:lnRef>
-            <a:fillRef idx="1">
-              <a:schemeClr val="lt1"/>
-            </a:fillRef>
-            <a:effectRef idx="0">
-              <a:schemeClr val="accent5"/>
-            </a:effectRef>
-            <a:fontRef idx="minor">
-              <a:schemeClr val="dk1"/>
-            </a:fontRef>
-          </p:style>
-          <p:txBody>
-            <a:bodyPr rtlCol="0" anchor="ctr"/>
-            <a:lstStyle/>
-            <a:p>
-              <a:r>
-                <a:rPr lang="zh-CN" altLang="en-US" sz="1200" dirty="0"/>
-                <a:t>文档内容</a:t>
-              </a:r>
-            </a:p>
-          </p:txBody>
-        </p:sp>
-        <p:sp>
-          <p:nvSpPr>
-            <p:cNvPr id="27" name="Rectangle 29"/>
-            <p:cNvSpPr/>
-            <p:nvPr/>
-          </p:nvSpPr>
-          <p:spPr>
-            <a:xfrm>
-              <a:off x="3984171" y="4340365"/>
-              <a:ext cx="378824" cy="608860"/>
-            </a:xfrm>
-            <a:prstGeom prst="rect">
-              <a:avLst/>
-            </a:prstGeom>
-          </p:spPr>
-          <p:style>
-            <a:lnRef idx="1">
-              <a:schemeClr val="accent5"/>
-            </a:lnRef>
-            <a:fillRef idx="2">
-              <a:schemeClr val="accent5"/>
-            </a:fillRef>
-            <a:effectRef idx="1">
-              <a:schemeClr val="accent5"/>
-            </a:effectRef>
-            <a:fontRef idx="minor">
-              <a:schemeClr val="dk1"/>
-            </a:fontRef>
-          </p:style>
-          <p:txBody>
-            <a:bodyPr rtlCol="0" anchor="ctr"/>
-            <a:lstStyle/>
-            <a:p>
-              <a:pPr algn="ctr"/>
-              <a:r>
-                <a:rPr lang="zh-CN" altLang="en-US" sz="1200" dirty="0" smtClean="0"/>
-                <a:t>序号</a:t>
-              </a:r>
-              <a:endParaRPr lang="zh-CN" altLang="en-US" sz="1200" dirty="0"/>
-            </a:p>
-          </p:txBody>
-        </p:sp>
-        <p:sp>
-          <p:nvSpPr>
-            <p:cNvPr id="28" name="Rectangle 30"/>
-            <p:cNvSpPr/>
-            <p:nvPr/>
-          </p:nvSpPr>
-          <p:spPr>
-            <a:xfrm>
-              <a:off x="3991068" y="5443477"/>
-              <a:ext cx="378824" cy="608861"/>
-            </a:xfrm>
-            <a:prstGeom prst="rect">
-              <a:avLst/>
-            </a:prstGeom>
-          </p:spPr>
-          <p:style>
-            <a:lnRef idx="1">
-              <a:schemeClr val="accent5"/>
-            </a:lnRef>
-            <a:fillRef idx="2">
-              <a:schemeClr val="accent5"/>
-            </a:fillRef>
-            <a:effectRef idx="1">
-              <a:schemeClr val="accent5"/>
-            </a:effectRef>
-            <a:fontRef idx="minor">
-              <a:schemeClr val="dk1"/>
-            </a:fontRef>
-          </p:style>
-          <p:txBody>
-            <a:bodyPr rtlCol="0" anchor="ctr"/>
-            <a:lstStyle/>
-            <a:p>
-              <a:pPr algn="ctr"/>
-              <a:r>
-                <a:rPr lang="zh-CN" altLang="en-US" sz="1200" dirty="0" smtClean="0"/>
-                <a:t>序号</a:t>
-              </a:r>
-              <a:endParaRPr lang="zh-CN" altLang="en-US" sz="1200" dirty="0"/>
-            </a:p>
-          </p:txBody>
-        </p:sp>
-        <p:cxnSp>
-          <p:nvCxnSpPr>
-            <p:cNvPr id="29" name="Straight Connector 32"/>
-            <p:cNvCxnSpPr>
-              <a:stCxn id="17" idx="3"/>
-              <a:endCxn id="27" idx="1"/>
-            </p:cNvCxnSpPr>
-            <p:nvPr/>
-          </p:nvCxnSpPr>
-          <p:spPr>
-            <a:xfrm>
-              <a:off x="2859061" y="4214906"/>
-              <a:ext cx="1125110" cy="429889"/>
-            </a:xfrm>
-            <a:prstGeom prst="line">
-              <a:avLst/>
-            </a:prstGeom>
-            <a:ln>
-              <a:solidFill>
-                <a:srgbClr val="00B0F0"/>
-              </a:solidFill>
-              <a:headEnd type="none" w="med" len="med"/>
-              <a:tailEnd type="arrow" w="med" len="med"/>
-            </a:ln>
-          </p:spPr>
-          <p:style>
-            <a:lnRef idx="2">
-              <a:schemeClr val="accent1"/>
-            </a:lnRef>
-            <a:fillRef idx="0">
-              <a:schemeClr val="accent1"/>
-            </a:fillRef>
-            <a:effectRef idx="1">
-              <a:schemeClr val="accent1"/>
-            </a:effectRef>
-            <a:fontRef idx="minor">
-              <a:schemeClr val="tx1"/>
-            </a:fontRef>
-          </p:style>
-        </p:cxnSp>
-        <p:cxnSp>
-          <p:nvCxnSpPr>
-            <p:cNvPr id="30" name="Straight Connector 33"/>
-            <p:cNvCxnSpPr>
-              <a:endCxn id="27" idx="1"/>
-            </p:cNvCxnSpPr>
-            <p:nvPr/>
-          </p:nvCxnSpPr>
-          <p:spPr>
-            <a:xfrm>
-              <a:off x="2859061" y="4594426"/>
-              <a:ext cx="1125110" cy="50369"/>
-            </a:xfrm>
-            <a:prstGeom prst="line">
-              <a:avLst/>
-            </a:prstGeom>
-            <a:ln>
-              <a:solidFill>
-                <a:srgbClr val="00B0F0"/>
-              </a:solidFill>
-              <a:headEnd type="none" w="med" len="med"/>
-              <a:tailEnd type="arrow" w="med" len="med"/>
-            </a:ln>
-          </p:spPr>
-          <p:style>
-            <a:lnRef idx="2">
-              <a:schemeClr val="accent1"/>
-            </a:lnRef>
-            <a:fillRef idx="0">
-              <a:schemeClr val="accent1"/>
-            </a:fillRef>
-            <a:effectRef idx="1">
-              <a:schemeClr val="accent1"/>
-            </a:effectRef>
-            <a:fontRef idx="minor">
-              <a:schemeClr val="tx1"/>
-            </a:fontRef>
-          </p:style>
-        </p:cxnSp>
-        <p:cxnSp>
-          <p:nvCxnSpPr>
-            <p:cNvPr id="32" name="Straight Connector 35"/>
-            <p:cNvCxnSpPr>
-              <a:stCxn id="22" idx="3"/>
-              <a:endCxn id="28" idx="1"/>
-            </p:cNvCxnSpPr>
-            <p:nvPr/>
-          </p:nvCxnSpPr>
-          <p:spPr>
-            <a:xfrm flipV="1">
-              <a:off x="2859061" y="5747908"/>
-              <a:ext cx="1132007" cy="364598"/>
-            </a:xfrm>
-            <a:prstGeom prst="line">
-              <a:avLst/>
-            </a:prstGeom>
-            <a:ln>
-              <a:solidFill>
-                <a:srgbClr val="FF0000"/>
-              </a:solidFill>
-              <a:headEnd type="none" w="med" len="med"/>
-              <a:tailEnd type="arrow" w="med" len="med"/>
-            </a:ln>
-          </p:spPr>
-          <p:style>
-            <a:lnRef idx="2">
-              <a:schemeClr val="accent1"/>
-            </a:lnRef>
-            <a:fillRef idx="0">
-              <a:schemeClr val="accent1"/>
-            </a:fillRef>
-            <a:effectRef idx="1">
-              <a:schemeClr val="accent1"/>
-            </a:effectRef>
-            <a:fontRef idx="minor">
-              <a:schemeClr val="tx1"/>
-            </a:fontRef>
-          </p:style>
-        </p:cxnSp>
-        <p:cxnSp>
-          <p:nvCxnSpPr>
-            <p:cNvPr id="33" name="Straight Connector 42"/>
-            <p:cNvCxnSpPr>
-              <a:stCxn id="19" idx="3"/>
-              <a:endCxn id="27" idx="1"/>
-            </p:cNvCxnSpPr>
-            <p:nvPr/>
-          </p:nvCxnSpPr>
-          <p:spPr>
-            <a:xfrm flipV="1">
-              <a:off x="2859061" y="4644795"/>
-              <a:ext cx="1125110" cy="329151"/>
-            </a:xfrm>
-            <a:prstGeom prst="line">
-              <a:avLst/>
-            </a:prstGeom>
-            <a:ln>
-              <a:solidFill>
-                <a:srgbClr val="00B0F0"/>
-              </a:solidFill>
-              <a:headEnd type="none" w="med" len="med"/>
-              <a:tailEnd type="arrow" w="med" len="med"/>
-            </a:ln>
-          </p:spPr>
-          <p:style>
-            <a:lnRef idx="2">
-              <a:schemeClr val="accent1"/>
-            </a:lnRef>
-            <a:fillRef idx="0">
-              <a:schemeClr val="accent1"/>
-            </a:fillRef>
-            <a:effectRef idx="1">
-              <a:schemeClr val="accent1"/>
-            </a:effectRef>
-            <a:fontRef idx="minor">
-              <a:schemeClr val="tx1"/>
-            </a:fontRef>
-          </p:style>
-        </p:cxnSp>
-        <p:cxnSp>
-          <p:nvCxnSpPr>
-            <p:cNvPr id="34" name="Straight Connector 46"/>
-            <p:cNvCxnSpPr>
-              <a:stCxn id="21" idx="3"/>
-              <a:endCxn id="27" idx="1"/>
-            </p:cNvCxnSpPr>
-            <p:nvPr/>
-          </p:nvCxnSpPr>
-          <p:spPr>
-            <a:xfrm flipV="1">
-              <a:off x="2859061" y="4644795"/>
-              <a:ext cx="1125110" cy="708671"/>
-            </a:xfrm>
-            <a:prstGeom prst="line">
-              <a:avLst/>
-            </a:prstGeom>
-            <a:ln>
-              <a:solidFill>
-                <a:srgbClr val="00B0F0"/>
-              </a:solidFill>
-              <a:headEnd type="none" w="med" len="med"/>
-              <a:tailEnd type="arrow" w="med" len="med"/>
-            </a:ln>
-          </p:spPr>
-          <p:style>
-            <a:lnRef idx="2">
-              <a:schemeClr val="accent1"/>
-            </a:lnRef>
-            <a:fillRef idx="0">
-              <a:schemeClr val="accent1"/>
-            </a:fillRef>
-            <a:effectRef idx="1">
-              <a:schemeClr val="accent1"/>
-            </a:effectRef>
-            <a:fontRef idx="minor">
-              <a:schemeClr val="tx1"/>
-            </a:fontRef>
-          </p:style>
-        </p:cxnSp>
-        <p:cxnSp>
-          <p:nvCxnSpPr>
-            <p:cNvPr id="35" name="Straight Connector 47"/>
-            <p:cNvCxnSpPr>
-              <a:stCxn id="17" idx="3"/>
-            </p:cNvCxnSpPr>
-            <p:nvPr/>
-          </p:nvCxnSpPr>
-          <p:spPr>
-            <a:xfrm>
-              <a:off x="2859061" y="4214906"/>
-              <a:ext cx="1125110" cy="1527646"/>
-            </a:xfrm>
-            <a:prstGeom prst="line">
-              <a:avLst/>
-            </a:prstGeom>
-            <a:ln>
-              <a:solidFill>
-                <a:srgbClr val="FF0000"/>
-              </a:solidFill>
-              <a:headEnd type="none" w="med" len="med"/>
-              <a:tailEnd type="arrow" w="med" len="med"/>
-            </a:ln>
-          </p:spPr>
-          <p:style>
-            <a:lnRef idx="2">
-              <a:schemeClr val="accent1"/>
-            </a:lnRef>
-            <a:fillRef idx="0">
-              <a:schemeClr val="accent1"/>
-            </a:fillRef>
-            <a:effectRef idx="1">
-              <a:schemeClr val="accent1"/>
-            </a:effectRef>
-            <a:fontRef idx="minor">
-              <a:schemeClr val="tx1"/>
-            </a:fontRef>
-          </p:style>
-        </p:cxnSp>
-        <p:cxnSp>
-          <p:nvCxnSpPr>
-            <p:cNvPr id="36" name="Straight Connector 48"/>
-            <p:cNvCxnSpPr>
-              <a:stCxn id="20" idx="3"/>
-              <a:endCxn id="28" idx="1"/>
-            </p:cNvCxnSpPr>
-            <p:nvPr/>
-          </p:nvCxnSpPr>
-          <p:spPr>
-            <a:xfrm>
-              <a:off x="2859061" y="5732986"/>
-              <a:ext cx="1132007" cy="14922"/>
-            </a:xfrm>
-            <a:prstGeom prst="line">
-              <a:avLst/>
-            </a:prstGeom>
-            <a:ln>
-              <a:solidFill>
-                <a:srgbClr val="FF0000"/>
-              </a:solidFill>
-              <a:headEnd type="none" w="med" len="med"/>
-              <a:tailEnd type="arrow" w="med" len="med"/>
-            </a:ln>
-          </p:spPr>
-          <p:style>
-            <a:lnRef idx="2">
-              <a:schemeClr val="accent1"/>
-            </a:lnRef>
-            <a:fillRef idx="0">
-              <a:schemeClr val="accent1"/>
-            </a:fillRef>
-            <a:effectRef idx="1">
-              <a:schemeClr val="accent1"/>
-            </a:effectRef>
-            <a:fontRef idx="minor">
-              <a:schemeClr val="tx1"/>
-            </a:fontRef>
-          </p:style>
-        </p:cxnSp>
-        <p:sp>
-          <p:nvSpPr>
             <p:cNvPr id="37" name="Rectangle 56"/>
             <p:cNvSpPr/>
             <p:nvPr/>
           </p:nvSpPr>
           <p:spPr>
             <a:xfrm>
-              <a:off x="796834" y="3535985"/>
-              <a:ext cx="496391" cy="3341752"/>
+              <a:off x="796832" y="3535985"/>
+              <a:ext cx="672261" cy="3341752"/>
             </a:xfrm>
             <a:prstGeom prst="rect">
               <a:avLst/>
@@ -13437,7 +16775,7 @@
         </p:nvSpPr>
         <p:spPr>
           <a:xfrm>
-            <a:off x="8244408" y="2759074"/>
+            <a:off x="8316416" y="2759074"/>
             <a:ext cx="576064" cy="1487974"/>
           </a:xfrm>
           <a:prstGeom prst="curvedLeftArrow">
@@ -13450,13 +16788,13 @@
         </p:spPr>
         <p:style>
           <a:lnRef idx="1">
-            <a:schemeClr val="accent1"/>
+            <a:schemeClr val="accent5"/>
           </a:lnRef>
           <a:fillRef idx="3">
-            <a:schemeClr val="accent1"/>
+            <a:schemeClr val="accent5"/>
           </a:fillRef>
           <a:effectRef idx="2">
-            <a:schemeClr val="accent1"/>
+            <a:schemeClr val="accent5"/>
           </a:effectRef>
           <a:fontRef idx="minor">
             <a:schemeClr val="lt1"/>
@@ -13471,45 +16809,1155 @@
           </a:p>
         </p:txBody>
       </p:sp>
-      <p:cxnSp>
-        <p:nvCxnSpPr>
-          <p:cNvPr id="38" name="Straight Connector 46"/>
-          <p:cNvCxnSpPr>
-            <a:stCxn id="20" idx="3"/>
-          </p:cNvCxnSpPr>
+      <p:sp>
+        <p:nvSpPr>
+          <p:cNvPr id="40" name="Rectangle 7"/>
+          <p:cNvSpPr/>
           <p:nvPr/>
-        </p:nvCxnSpPr>
+        </p:nvSpPr>
         <p:spPr>
-          <a:xfrm flipV="1">
-            <a:off x="3969853" y="4393795"/>
-            <a:ext cx="1084624" cy="1088190"/>
+          <a:xfrm>
+            <a:off x="4716016" y="1772816"/>
+            <a:ext cx="3430162" cy="469866"/>
           </a:xfrm>
-          <a:prstGeom prst="line">
+          <a:prstGeom prst="rect">
             <a:avLst/>
           </a:prstGeom>
-          <a:ln>
+        </p:spPr>
+        <p:style>
+          <a:lnRef idx="2">
+            <a:schemeClr val="dk1"/>
+          </a:lnRef>
+          <a:fillRef idx="1">
+            <a:schemeClr val="lt1"/>
+          </a:fillRef>
+          <a:effectRef idx="0">
+            <a:schemeClr val="dk1"/>
+          </a:effectRef>
+          <a:fontRef idx="minor">
+            <a:schemeClr val="dk1"/>
+          </a:fontRef>
+        </p:style>
+        <p:txBody>
+          <a:bodyPr rtlCol="0" anchor="ctr"/>
+          <a:lstStyle/>
+          <a:p>
+            <a:r>
+              <a:rPr lang="zh-CN" altLang="en-US" sz="1200" dirty="0"/>
+              <a:t>鸿</a:t>
+            </a:r>
+            <a:r>
+              <a:rPr lang="zh-CN" altLang="en-US" sz="1200" dirty="0" smtClean="0"/>
+              <a:t>程 </a:t>
+            </a:r>
+            <a:r>
+              <a:rPr lang="en-US" altLang="zh-CN" sz="1200" dirty="0" smtClean="0"/>
+              <a:t>| </a:t>
+            </a:r>
+            <a:r>
+              <a:rPr lang="zh-CN" altLang="en-US" sz="1200" dirty="0" smtClean="0"/>
+              <a:t>拥有 </a:t>
+            </a:r>
+            <a:r>
+              <a:rPr lang="en-US" altLang="zh-CN" sz="1200" dirty="0" smtClean="0"/>
+              <a:t>| </a:t>
+            </a:r>
+            <a:r>
+              <a:rPr lang="zh-CN" altLang="en-US" sz="1200" dirty="0" smtClean="0"/>
+              <a:t>电信 </a:t>
+            </a:r>
+            <a:r>
+              <a:rPr lang="en-US" altLang="zh-CN" sz="1200" dirty="0" smtClean="0"/>
+              <a:t>| </a:t>
+            </a:r>
+            <a:r>
+              <a:rPr lang="zh-CN" altLang="en-US" sz="1200" dirty="0" smtClean="0"/>
+              <a:t>业务 </a:t>
+            </a:r>
+            <a:r>
+              <a:rPr lang="en-US" altLang="zh-CN" sz="1200" dirty="0" smtClean="0"/>
+              <a:t>| </a:t>
+            </a:r>
+            <a:r>
+              <a:rPr lang="zh-CN" altLang="en-US" sz="1200" dirty="0" smtClean="0"/>
+              <a:t>系统 </a:t>
+            </a:r>
+            <a:r>
+              <a:rPr lang="en-US" altLang="zh-CN" sz="1200" dirty="0" smtClean="0"/>
+              <a:t>| </a:t>
+            </a:r>
+            <a:r>
+              <a:rPr lang="zh-CN" altLang="en-US" sz="1200" dirty="0" smtClean="0"/>
+              <a:t>支撑 </a:t>
+            </a:r>
+            <a:r>
+              <a:rPr lang="en-US" altLang="zh-CN" sz="1200" dirty="0" smtClean="0"/>
+              <a:t>| </a:t>
+            </a:r>
+            <a:r>
+              <a:rPr lang="zh-CN" altLang="en-US" sz="1200" dirty="0" smtClean="0"/>
+              <a:t>系统 </a:t>
+            </a:r>
+            <a:r>
+              <a:rPr lang="en-US" altLang="zh-CN" sz="1200" dirty="0"/>
+              <a:t>|  </a:t>
+            </a:r>
+            <a:r>
+              <a:rPr lang="zh-CN" altLang="en-US" sz="1200" dirty="0" smtClean="0"/>
+              <a:t>全面 </a:t>
+            </a:r>
+            <a:r>
+              <a:rPr lang="en-US" altLang="zh-CN" sz="1200" dirty="0" smtClean="0"/>
+              <a:t>| </a:t>
+            </a:r>
+            <a:r>
+              <a:rPr lang="zh-CN" altLang="en-US" sz="1200" dirty="0" smtClean="0"/>
+              <a:t>解决方案</a:t>
+            </a:r>
+            <a:endParaRPr lang="zh-CN" altLang="en-US" sz="1200" dirty="0"/>
+          </a:p>
+        </p:txBody>
+      </p:sp>
+      <p:sp>
+        <p:nvSpPr>
+          <p:cNvPr id="41" name="Rectangle 8"/>
+          <p:cNvSpPr/>
+          <p:nvPr/>
+        </p:nvSpPr>
+        <p:spPr>
+          <a:xfrm>
+            <a:off x="4716016" y="2242682"/>
+            <a:ext cx="3430162" cy="484660"/>
+          </a:xfrm>
+          <a:prstGeom prst="rect">
+            <a:avLst/>
+          </a:prstGeom>
+        </p:spPr>
+        <p:style>
+          <a:lnRef idx="2">
+            <a:schemeClr val="dk1"/>
+          </a:lnRef>
+          <a:fillRef idx="1">
+            <a:schemeClr val="lt1"/>
+          </a:fillRef>
+          <a:effectRef idx="0">
+            <a:schemeClr val="dk1"/>
+          </a:effectRef>
+          <a:fontRef idx="minor">
+            <a:schemeClr val="dk1"/>
+          </a:fontRef>
+        </p:style>
+        <p:txBody>
+          <a:bodyPr rtlCol="0" anchor="ctr"/>
+          <a:lstStyle/>
+          <a:p>
+            <a:r>
+              <a:rPr lang="zh-CN" altLang="en-US" sz="1200" dirty="0"/>
+              <a:t>鸿</a:t>
+            </a:r>
+            <a:r>
+              <a:rPr lang="zh-CN" altLang="en-US" sz="1200" dirty="0" smtClean="0"/>
+              <a:t>程 </a:t>
+            </a:r>
+            <a:r>
+              <a:rPr lang="en-US" altLang="zh-CN" sz="1200" dirty="0" smtClean="0"/>
+              <a:t>| </a:t>
+            </a:r>
+            <a:r>
+              <a:rPr lang="zh-CN" altLang="en-US" sz="1200" dirty="0" smtClean="0"/>
+              <a:t>解决方案 </a:t>
+            </a:r>
+            <a:r>
+              <a:rPr lang="en-US" altLang="zh-CN" sz="1200" dirty="0" smtClean="0"/>
+              <a:t>| </a:t>
+            </a:r>
+            <a:r>
+              <a:rPr lang="zh-CN" altLang="en-US" sz="1200" dirty="0" smtClean="0"/>
+              <a:t>政府 </a:t>
+            </a:r>
+            <a:r>
+              <a:rPr lang="en-US" altLang="zh-CN" sz="1200" dirty="0" smtClean="0"/>
+              <a:t>| </a:t>
+            </a:r>
+            <a:r>
+              <a:rPr lang="zh-CN" altLang="en-US" sz="1200" dirty="0" smtClean="0"/>
+              <a:t>其他 </a:t>
+            </a:r>
+            <a:r>
+              <a:rPr lang="en-US" altLang="zh-CN" sz="1200" dirty="0" smtClean="0"/>
+              <a:t>| </a:t>
+            </a:r>
+            <a:r>
+              <a:rPr lang="zh-CN" altLang="en-US" sz="1200" dirty="0" smtClean="0"/>
+              <a:t>各行业 </a:t>
+            </a:r>
+            <a:r>
+              <a:rPr lang="en-US" altLang="zh-CN" sz="1200" dirty="0" smtClean="0"/>
+              <a:t>| </a:t>
+            </a:r>
+            <a:r>
+              <a:rPr lang="zh-CN" altLang="en-US" sz="1200" dirty="0" smtClean="0"/>
+              <a:t>得到 </a:t>
+            </a:r>
+            <a:r>
+              <a:rPr lang="en-US" altLang="zh-CN" sz="1200" dirty="0" smtClean="0"/>
+              <a:t>| </a:t>
+            </a:r>
+            <a:r>
+              <a:rPr lang="zh-CN" altLang="en-US" sz="1200" dirty="0" smtClean="0"/>
+              <a:t>广泛 </a:t>
+            </a:r>
+            <a:r>
+              <a:rPr lang="en-US" altLang="zh-CN" sz="1200" dirty="0" smtClean="0"/>
+              <a:t>| </a:t>
+            </a:r>
+            <a:r>
+              <a:rPr lang="zh-CN" altLang="en-US" sz="1200" dirty="0" smtClean="0"/>
+              <a:t>应用</a:t>
+            </a:r>
+            <a:endParaRPr lang="zh-CN" altLang="en-US" sz="1200" dirty="0"/>
+          </a:p>
+        </p:txBody>
+      </p:sp>
+      <p:sp>
+        <p:nvSpPr>
+          <p:cNvPr id="42" name="Rectangle 15"/>
+          <p:cNvSpPr/>
+          <p:nvPr/>
+        </p:nvSpPr>
+        <p:spPr>
+          <a:xfrm>
+            <a:off x="4630134" y="3281327"/>
+            <a:ext cx="3614274" cy="3345944"/>
+          </a:xfrm>
+          <a:prstGeom prst="rect">
+            <a:avLst/>
+          </a:prstGeom>
+          <a:ln/>
+        </p:spPr>
+        <p:style>
+          <a:lnRef idx="1">
+            <a:schemeClr val="accent2"/>
+          </a:lnRef>
+          <a:fillRef idx="2">
+            <a:schemeClr val="accent2"/>
+          </a:fillRef>
+          <a:effectRef idx="1">
+            <a:schemeClr val="accent2"/>
+          </a:effectRef>
+          <a:fontRef idx="minor">
+            <a:schemeClr val="dk1"/>
+          </a:fontRef>
+        </p:style>
+        <p:txBody>
+          <a:bodyPr rtlCol="0" anchor="t"/>
+          <a:lstStyle/>
+          <a:p>
+            <a:pPr algn="r"/>
+            <a:r>
+              <a:rPr lang="zh-CN" altLang="en-US" sz="1200" dirty="0" smtClean="0"/>
+              <a:t>索引集合</a:t>
+            </a:r>
+            <a:endParaRPr lang="zh-CN" altLang="en-US" sz="1200" dirty="0"/>
+          </a:p>
+        </p:txBody>
+      </p:sp>
+      <p:sp>
+        <p:nvSpPr>
+          <p:cNvPr id="43" name="Rectangle 16"/>
+          <p:cNvSpPr/>
+          <p:nvPr/>
+        </p:nvSpPr>
+        <p:spPr>
+          <a:xfrm>
+            <a:off x="4776260" y="3599104"/>
+            <a:ext cx="1175657" cy="270051"/>
+          </a:xfrm>
+          <a:prstGeom prst="rect">
+            <a:avLst/>
+          </a:prstGeom>
+        </p:spPr>
+        <p:style>
+          <a:lnRef idx="2">
+            <a:schemeClr val="accent2"/>
+          </a:lnRef>
+          <a:fillRef idx="1">
+            <a:schemeClr val="lt1"/>
+          </a:fillRef>
+          <a:effectRef idx="0">
+            <a:schemeClr val="accent2"/>
+          </a:effectRef>
+          <a:fontRef idx="minor">
+            <a:schemeClr val="dk1"/>
+          </a:fontRef>
+        </p:style>
+        <p:txBody>
+          <a:bodyPr rtlCol="0" anchor="ctr"/>
+          <a:lstStyle/>
+          <a:p>
+            <a:pPr algn="ctr"/>
+            <a:r>
+              <a:rPr lang="zh-CN" altLang="en-US" sz="1200" dirty="0"/>
+              <a:t>鸿程</a:t>
+            </a:r>
+          </a:p>
+        </p:txBody>
+      </p:sp>
+      <p:sp>
+        <p:nvSpPr>
+          <p:cNvPr id="44" name="Rectangle 18"/>
+          <p:cNvSpPr/>
+          <p:nvPr/>
+        </p:nvSpPr>
+        <p:spPr>
+          <a:xfrm>
+            <a:off x="4776260" y="4020046"/>
+            <a:ext cx="1175657" cy="270051"/>
+          </a:xfrm>
+          <a:prstGeom prst="rect">
+            <a:avLst/>
+          </a:prstGeom>
+        </p:spPr>
+        <p:style>
+          <a:lnRef idx="2">
+            <a:schemeClr val="accent2"/>
+          </a:lnRef>
+          <a:fillRef idx="1">
+            <a:schemeClr val="lt1"/>
+          </a:fillRef>
+          <a:effectRef idx="0">
+            <a:schemeClr val="accent2"/>
+          </a:effectRef>
+          <a:fontRef idx="minor">
+            <a:schemeClr val="dk1"/>
+          </a:fontRef>
+        </p:style>
+        <p:txBody>
+          <a:bodyPr rtlCol="0" anchor="ctr"/>
+          <a:lstStyle/>
+          <a:p>
+            <a:pPr algn="ctr"/>
+            <a:r>
+              <a:rPr lang="zh-CN" altLang="en-US" sz="1200" dirty="0"/>
+              <a:t>电信</a:t>
+            </a:r>
+          </a:p>
+        </p:txBody>
+      </p:sp>
+      <p:sp>
+        <p:nvSpPr>
+          <p:cNvPr id="46" name="Rectangle 20"/>
+          <p:cNvSpPr/>
+          <p:nvPr/>
+        </p:nvSpPr>
+        <p:spPr>
+          <a:xfrm>
+            <a:off x="4776260" y="4861930"/>
+            <a:ext cx="1175657" cy="270051"/>
+          </a:xfrm>
+          <a:prstGeom prst="rect">
+            <a:avLst/>
+          </a:prstGeom>
+        </p:spPr>
+        <p:style>
+          <a:lnRef idx="2">
+            <a:schemeClr val="accent2"/>
+          </a:lnRef>
+          <a:fillRef idx="1">
+            <a:schemeClr val="lt1"/>
+          </a:fillRef>
+          <a:effectRef idx="0">
+            <a:schemeClr val="accent2"/>
+          </a:effectRef>
+          <a:fontRef idx="minor">
+            <a:schemeClr val="dk1"/>
+          </a:fontRef>
+        </p:style>
+        <p:txBody>
+          <a:bodyPr rtlCol="0" anchor="ctr"/>
+          <a:lstStyle/>
+          <a:p>
+            <a:pPr algn="ctr"/>
+            <a:r>
+              <a:rPr lang="zh-CN" altLang="en-US" sz="1200" dirty="0"/>
+              <a:t>解决方案</a:t>
+            </a:r>
+          </a:p>
+        </p:txBody>
+      </p:sp>
+      <p:sp>
+        <p:nvSpPr>
+          <p:cNvPr id="47" name="Rectangle 21"/>
+          <p:cNvSpPr/>
+          <p:nvPr/>
+        </p:nvSpPr>
+        <p:spPr>
+          <a:xfrm>
+            <a:off x="4776260" y="4440988"/>
+            <a:ext cx="1175657" cy="270051"/>
+          </a:xfrm>
+          <a:prstGeom prst="rect">
+            <a:avLst/>
+          </a:prstGeom>
+        </p:spPr>
+        <p:style>
+          <a:lnRef idx="2">
+            <a:schemeClr val="accent2"/>
+          </a:lnRef>
+          <a:fillRef idx="1">
+            <a:schemeClr val="lt1"/>
+          </a:fillRef>
+          <a:effectRef idx="0">
+            <a:schemeClr val="accent2"/>
+          </a:effectRef>
+          <a:fontRef idx="minor">
+            <a:schemeClr val="dk1"/>
+          </a:fontRef>
+        </p:style>
+        <p:txBody>
+          <a:bodyPr rtlCol="0" anchor="ctr"/>
+          <a:lstStyle/>
+          <a:p>
+            <a:pPr algn="ctr"/>
+            <a:r>
+              <a:rPr lang="zh-CN" altLang="en-US" sz="1200" dirty="0"/>
+              <a:t>系统</a:t>
+            </a:r>
+          </a:p>
+        </p:txBody>
+      </p:sp>
+      <p:sp>
+        <p:nvSpPr>
+          <p:cNvPr id="48" name="Rectangle 23"/>
+          <p:cNvSpPr/>
+          <p:nvPr/>
+        </p:nvSpPr>
+        <p:spPr>
+          <a:xfrm>
+            <a:off x="4776260" y="5282871"/>
+            <a:ext cx="1175657" cy="270051"/>
+          </a:xfrm>
+          <a:prstGeom prst="rect">
+            <a:avLst/>
+          </a:prstGeom>
+        </p:spPr>
+        <p:style>
+          <a:lnRef idx="2">
+            <a:schemeClr val="accent2"/>
+          </a:lnRef>
+          <a:fillRef idx="1">
+            <a:schemeClr val="lt1"/>
+          </a:fillRef>
+          <a:effectRef idx="0">
+            <a:schemeClr val="accent2"/>
+          </a:effectRef>
+          <a:fontRef idx="minor">
+            <a:schemeClr val="dk1"/>
+          </a:fontRef>
+        </p:style>
+        <p:txBody>
+          <a:bodyPr rtlCol="0" anchor="ctr"/>
+          <a:lstStyle/>
+          <a:p>
+            <a:pPr algn="ctr"/>
+            <a:r>
+              <a:rPr lang="zh-CN" altLang="en-US" sz="1200" dirty="0" smtClean="0"/>
+              <a:t>政府</a:t>
+            </a:r>
+            <a:endParaRPr lang="zh-CN" altLang="en-US" sz="1200" dirty="0"/>
+          </a:p>
+        </p:txBody>
+      </p:sp>
+      <p:sp>
+        <p:nvSpPr>
+          <p:cNvPr id="49" name="Rectangle 25"/>
+          <p:cNvSpPr/>
+          <p:nvPr/>
+        </p:nvSpPr>
+        <p:spPr>
+          <a:xfrm>
+            <a:off x="4776260" y="5628805"/>
+            <a:ext cx="1175657" cy="270051"/>
+          </a:xfrm>
+          <a:prstGeom prst="rect">
+            <a:avLst/>
+          </a:prstGeom>
+        </p:spPr>
+        <p:style>
+          <a:lnRef idx="2">
+            <a:schemeClr val="accent2"/>
+          </a:lnRef>
+          <a:fillRef idx="1">
+            <a:schemeClr val="lt1"/>
+          </a:fillRef>
+          <a:effectRef idx="0">
+            <a:schemeClr val="accent2"/>
+          </a:effectRef>
+          <a:fontRef idx="minor">
+            <a:schemeClr val="dk1"/>
+          </a:fontRef>
+        </p:style>
+        <p:txBody>
+          <a:bodyPr rtlCol="0" anchor="ctr"/>
+          <a:lstStyle/>
+          <a:p>
+            <a:pPr algn="ctr"/>
+            <a:r>
+              <a:rPr lang="en-US" altLang="zh-CN" sz="1200" dirty="0" smtClean="0"/>
+              <a:t>……</a:t>
+            </a:r>
+            <a:endParaRPr lang="zh-CN" altLang="en-US" sz="1200" dirty="0"/>
+          </a:p>
+        </p:txBody>
+      </p:sp>
+      <p:sp>
+        <p:nvSpPr>
+          <p:cNvPr id="50" name="Rectangle 16"/>
+          <p:cNvSpPr/>
+          <p:nvPr/>
+        </p:nvSpPr>
+        <p:spPr>
+          <a:xfrm>
+            <a:off x="6047057" y="3599104"/>
+            <a:ext cx="2115703" cy="270051"/>
+          </a:xfrm>
+          <a:prstGeom prst="rect">
+            <a:avLst/>
+          </a:prstGeom>
+        </p:spPr>
+        <p:style>
+          <a:lnRef idx="2">
+            <a:schemeClr val="accent2"/>
+          </a:lnRef>
+          <a:fillRef idx="1">
+            <a:schemeClr val="lt1"/>
+          </a:fillRef>
+          <a:effectRef idx="0">
+            <a:schemeClr val="accent2"/>
+          </a:effectRef>
+          <a:fontRef idx="minor">
+            <a:schemeClr val="dk1"/>
+          </a:fontRef>
+        </p:style>
+        <p:txBody>
+          <a:bodyPr rtlCol="0" anchor="ctr"/>
+          <a:lstStyle/>
+          <a:p>
+            <a:r>
+              <a:rPr lang="en-US" altLang="zh-CN" sz="1200" dirty="0" smtClean="0"/>
+              <a:t>1[1]</a:t>
+            </a:r>
+            <a:r>
+              <a:rPr lang="zh-CN" altLang="en-US" sz="1200" dirty="0" smtClean="0"/>
+              <a:t>，</a:t>
+            </a:r>
+            <a:r>
+              <a:rPr lang="en-US" altLang="zh-CN" sz="1200" dirty="0" smtClean="0"/>
+              <a:t>2[1]</a:t>
+            </a:r>
+            <a:r>
+              <a:rPr lang="zh-CN" altLang="en-US" sz="1200" dirty="0" smtClean="0"/>
+              <a:t>，</a:t>
+            </a:r>
+            <a:r>
+              <a:rPr lang="en-US" altLang="zh-CN" sz="1200" dirty="0" smtClean="0"/>
+              <a:t>1</a:t>
+            </a:r>
+            <a:r>
+              <a:rPr lang="zh-CN" altLang="en-US" sz="1200" dirty="0" smtClean="0"/>
+              <a:t>，</a:t>
+            </a:r>
+            <a:r>
+              <a:rPr lang="en-US" altLang="zh-CN" sz="1200" dirty="0" smtClean="0"/>
+              <a:t>1</a:t>
+            </a:r>
+            <a:endParaRPr lang="zh-CN" altLang="en-US" sz="1200" dirty="0"/>
+          </a:p>
+        </p:txBody>
+      </p:sp>
+      <p:sp>
+        <p:nvSpPr>
+          <p:cNvPr id="51" name="Rectangle 16"/>
+          <p:cNvSpPr/>
+          <p:nvPr/>
+        </p:nvSpPr>
+        <p:spPr>
+          <a:xfrm>
+            <a:off x="6047057" y="4017470"/>
+            <a:ext cx="2115703" cy="270051"/>
+          </a:xfrm>
+          <a:prstGeom prst="rect">
+            <a:avLst/>
+          </a:prstGeom>
+        </p:spPr>
+        <p:style>
+          <a:lnRef idx="2">
+            <a:schemeClr val="accent2"/>
+          </a:lnRef>
+          <a:fillRef idx="1">
+            <a:schemeClr val="lt1"/>
+          </a:fillRef>
+          <a:effectRef idx="0">
+            <a:schemeClr val="accent2"/>
+          </a:effectRef>
+          <a:fontRef idx="minor">
+            <a:schemeClr val="dk1"/>
+          </a:fontRef>
+        </p:style>
+        <p:txBody>
+          <a:bodyPr rtlCol="0" anchor="ctr"/>
+          <a:lstStyle/>
+          <a:p>
+            <a:r>
+              <a:rPr lang="en-US" altLang="zh-CN" sz="1200" dirty="0" smtClean="0"/>
+              <a:t>1[1]</a:t>
+            </a:r>
+            <a:r>
+              <a:rPr lang="zh-CN" altLang="en-US" sz="1200" dirty="0" smtClean="0"/>
+              <a:t>，</a:t>
+            </a:r>
+            <a:r>
+              <a:rPr lang="en-US" altLang="zh-CN" sz="1200" dirty="0"/>
+              <a:t>3</a:t>
+            </a:r>
+            <a:endParaRPr lang="zh-CN" altLang="en-US" sz="1200" dirty="0"/>
+          </a:p>
+        </p:txBody>
+      </p:sp>
+      <p:sp>
+        <p:nvSpPr>
+          <p:cNvPr id="52" name="Rectangle 16"/>
+          <p:cNvSpPr/>
+          <p:nvPr/>
+        </p:nvSpPr>
+        <p:spPr>
+          <a:xfrm>
+            <a:off x="6047057" y="4435836"/>
+            <a:ext cx="2115703" cy="270051"/>
+          </a:xfrm>
+          <a:prstGeom prst="rect">
+            <a:avLst/>
+          </a:prstGeom>
+        </p:spPr>
+        <p:style>
+          <a:lnRef idx="2">
+            <a:schemeClr val="accent2"/>
+          </a:lnRef>
+          <a:fillRef idx="1">
+            <a:schemeClr val="lt1"/>
+          </a:fillRef>
+          <a:effectRef idx="0">
+            <a:schemeClr val="accent2"/>
+          </a:effectRef>
+          <a:fontRef idx="minor">
+            <a:schemeClr val="dk1"/>
+          </a:fontRef>
+        </p:style>
+        <p:txBody>
+          <a:bodyPr rtlCol="0" anchor="ctr"/>
+          <a:lstStyle/>
+          <a:p>
+            <a:r>
+              <a:rPr lang="en-US" altLang="zh-CN" sz="1200" dirty="0" smtClean="0"/>
+              <a:t>1[2]</a:t>
+            </a:r>
+            <a:r>
+              <a:rPr lang="zh-CN" altLang="en-US" sz="1200" dirty="0" smtClean="0"/>
+              <a:t>，</a:t>
+            </a:r>
+            <a:r>
+              <a:rPr lang="en-US" altLang="zh-CN" sz="1200" dirty="0" smtClean="0"/>
+              <a:t>5</a:t>
+            </a:r>
+            <a:r>
+              <a:rPr lang="zh-CN" altLang="en-US" sz="1200" dirty="0" smtClean="0"/>
+              <a:t>，</a:t>
+            </a:r>
+            <a:r>
+              <a:rPr lang="en-US" altLang="zh-CN" sz="1200" dirty="0" smtClean="0"/>
+              <a:t>7</a:t>
+            </a:r>
+            <a:endParaRPr lang="zh-CN" altLang="en-US" sz="1200" dirty="0"/>
+          </a:p>
+        </p:txBody>
+      </p:sp>
+      <p:sp>
+        <p:nvSpPr>
+          <p:cNvPr id="53" name="Rectangle 16"/>
+          <p:cNvSpPr/>
+          <p:nvPr/>
+        </p:nvSpPr>
+        <p:spPr>
+          <a:xfrm>
+            <a:off x="6047057" y="4854202"/>
+            <a:ext cx="2115703" cy="270051"/>
+          </a:xfrm>
+          <a:prstGeom prst="rect">
+            <a:avLst/>
+          </a:prstGeom>
+        </p:spPr>
+        <p:style>
+          <a:lnRef idx="2">
+            <a:schemeClr val="accent2"/>
+          </a:lnRef>
+          <a:fillRef idx="1">
+            <a:schemeClr val="lt1"/>
+          </a:fillRef>
+          <a:effectRef idx="0">
+            <a:schemeClr val="accent2"/>
+          </a:effectRef>
+          <a:fontRef idx="minor">
+            <a:schemeClr val="dk1"/>
+          </a:fontRef>
+        </p:style>
+        <p:txBody>
+          <a:bodyPr rtlCol="0" anchor="ctr"/>
+          <a:lstStyle/>
+          <a:p>
+            <a:r>
+              <a:rPr lang="en-US" altLang="zh-CN" sz="1200" dirty="0" smtClean="0"/>
+              <a:t>1[1]</a:t>
+            </a:r>
+            <a:r>
+              <a:rPr lang="zh-CN" altLang="en-US" sz="1200" dirty="0" smtClean="0"/>
+              <a:t>，</a:t>
+            </a:r>
+            <a:r>
+              <a:rPr lang="en-US" altLang="zh-CN" sz="1200" dirty="0" smtClean="0"/>
+              <a:t>2[1]</a:t>
+            </a:r>
+            <a:r>
+              <a:rPr lang="zh-CN" altLang="en-US" sz="1200" dirty="0" smtClean="0"/>
+              <a:t>，</a:t>
+            </a:r>
+            <a:r>
+              <a:rPr lang="en-US" altLang="zh-CN" sz="1200" dirty="0" smtClean="0"/>
+              <a:t>9</a:t>
+            </a:r>
+            <a:r>
+              <a:rPr lang="zh-CN" altLang="en-US" sz="1200" dirty="0" smtClean="0"/>
+              <a:t>，</a:t>
+            </a:r>
+            <a:r>
+              <a:rPr lang="en-US" altLang="zh-CN" sz="1200" dirty="0"/>
+              <a:t>2</a:t>
+            </a:r>
+            <a:endParaRPr lang="zh-CN" altLang="en-US" sz="1200" dirty="0"/>
+          </a:p>
+        </p:txBody>
+      </p:sp>
+      <p:sp>
+        <p:nvSpPr>
+          <p:cNvPr id="54" name="Rectangle 16"/>
+          <p:cNvSpPr/>
+          <p:nvPr/>
+        </p:nvSpPr>
+        <p:spPr>
+          <a:xfrm>
+            <a:off x="6047057" y="5272567"/>
+            <a:ext cx="2115703" cy="270051"/>
+          </a:xfrm>
+          <a:prstGeom prst="rect">
+            <a:avLst/>
+          </a:prstGeom>
+        </p:spPr>
+        <p:style>
+          <a:lnRef idx="2">
+            <a:schemeClr val="accent2"/>
+          </a:lnRef>
+          <a:fillRef idx="1">
+            <a:schemeClr val="lt1"/>
+          </a:fillRef>
+          <a:effectRef idx="0">
+            <a:schemeClr val="accent2"/>
+          </a:effectRef>
+          <a:fontRef idx="minor">
+            <a:schemeClr val="dk1"/>
+          </a:fontRef>
+        </p:style>
+        <p:txBody>
+          <a:bodyPr rtlCol="0" anchor="ctr"/>
+          <a:lstStyle/>
+          <a:p>
+            <a:r>
+              <a:rPr lang="en-US" altLang="zh-CN" sz="1200" dirty="0"/>
+              <a:t>2</a:t>
+            </a:r>
+            <a:r>
+              <a:rPr lang="en-US" altLang="zh-CN" sz="1200" dirty="0" smtClean="0"/>
+              <a:t>[1]</a:t>
+            </a:r>
+            <a:r>
+              <a:rPr lang="zh-CN" altLang="en-US" sz="1200" dirty="0" smtClean="0"/>
+              <a:t>，</a:t>
+            </a:r>
+            <a:r>
+              <a:rPr lang="en-US" altLang="zh-CN" sz="1200" dirty="0"/>
+              <a:t>3</a:t>
+            </a:r>
+            <a:endParaRPr lang="zh-CN" altLang="en-US" sz="1200" dirty="0"/>
+          </a:p>
+        </p:txBody>
+      </p:sp>
+      <p:sp>
+        <p:nvSpPr>
+          <p:cNvPr id="55" name="Rectangle 25"/>
+          <p:cNvSpPr/>
+          <p:nvPr/>
+        </p:nvSpPr>
+        <p:spPr>
+          <a:xfrm>
+            <a:off x="6047057" y="5644149"/>
+            <a:ext cx="2115703" cy="254707"/>
+          </a:xfrm>
+          <a:prstGeom prst="rect">
+            <a:avLst/>
+          </a:prstGeom>
+        </p:spPr>
+        <p:style>
+          <a:lnRef idx="2">
+            <a:schemeClr val="accent2"/>
+          </a:lnRef>
+          <a:fillRef idx="1">
+            <a:schemeClr val="lt1"/>
+          </a:fillRef>
+          <a:effectRef idx="0">
+            <a:schemeClr val="accent2"/>
+          </a:effectRef>
+          <a:fontRef idx="minor">
+            <a:schemeClr val="dk1"/>
+          </a:fontRef>
+        </p:style>
+        <p:txBody>
+          <a:bodyPr rtlCol="0" anchor="ctr"/>
+          <a:lstStyle/>
+          <a:p>
+            <a:pPr algn="ctr"/>
+            <a:r>
+              <a:rPr lang="en-US" altLang="zh-CN" sz="1200" dirty="0" smtClean="0"/>
+              <a:t>……</a:t>
+            </a:r>
+            <a:endParaRPr lang="zh-CN" altLang="en-US" sz="1200" dirty="0"/>
+          </a:p>
+        </p:txBody>
+      </p:sp>
+      <p:sp>
+        <p:nvSpPr>
+          <p:cNvPr id="3" name="左大括号 2"/>
+          <p:cNvSpPr/>
+          <p:nvPr/>
+        </p:nvSpPr>
+        <p:spPr>
+          <a:xfrm rot="16200000">
+            <a:off x="5263246" y="5487755"/>
+            <a:ext cx="201688" cy="1175655"/>
+          </a:xfrm>
+          <a:prstGeom prst="leftBrace">
+            <a:avLst/>
+          </a:prstGeom>
+          <a:ln w="28575">
             <a:solidFill>
-              <a:srgbClr val="00B0F0"/>
+              <a:schemeClr val="bg2">
+                <a:lumMod val="60000"/>
+                <a:lumOff val="40000"/>
+              </a:schemeClr>
             </a:solidFill>
-            <a:headEnd type="none" w="med" len="med"/>
-            <a:tailEnd type="arrow" w="med" len="med"/>
           </a:ln>
         </p:spPr>
         <p:style>
-          <a:lnRef idx="2">
-            <a:schemeClr val="accent1"/>
+          <a:lnRef idx="1">
+            <a:schemeClr val="accent6"/>
           </a:lnRef>
           <a:fillRef idx="0">
-            <a:schemeClr val="accent1"/>
+            <a:schemeClr val="accent6"/>
           </a:fillRef>
-          <a:effectRef idx="1">
-            <a:schemeClr val="accent1"/>
+          <a:effectRef idx="0">
+            <a:schemeClr val="accent6"/>
           </a:effectRef>
           <a:fontRef idx="minor">
             <a:schemeClr val="tx1"/>
           </a:fontRef>
         </p:style>
-      </p:cxnSp>
+        <p:txBody>
+          <a:bodyPr rtlCol="0" anchor="ctr"/>
+          <a:lstStyle/>
+          <a:p>
+            <a:pPr algn="ctr"/>
+            <a:endParaRPr lang="zh-CN" altLang="en-US"/>
+          </a:p>
+        </p:txBody>
+      </p:sp>
+      <p:sp>
+        <p:nvSpPr>
+          <p:cNvPr id="4" name="文本框 3"/>
+          <p:cNvSpPr txBox="1"/>
+          <p:nvPr/>
+        </p:nvSpPr>
+        <p:spPr>
+          <a:xfrm>
+            <a:off x="4925506" y="6200709"/>
+            <a:ext cx="877163" cy="369332"/>
+          </a:xfrm>
+          <a:prstGeom prst="rect">
+            <a:avLst/>
+          </a:prstGeom>
+          <a:noFill/>
+        </p:spPr>
+        <p:txBody>
+          <a:bodyPr wrap="none" rtlCol="0">
+            <a:spAutoFit/>
+          </a:bodyPr>
+          <a:lstStyle/>
+          <a:p>
+            <a:r>
+              <a:rPr lang="zh-CN" altLang="en-US" b="1" dirty="0" smtClean="0">
+                <a:solidFill>
+                  <a:schemeClr val="bg1"/>
+                </a:solidFill>
+              </a:rPr>
+              <a:t>关键词</a:t>
+            </a:r>
+            <a:endParaRPr lang="zh-CN" altLang="en-US" b="1" dirty="0">
+              <a:solidFill>
+                <a:schemeClr val="bg1"/>
+              </a:solidFill>
+            </a:endParaRPr>
+          </a:p>
+        </p:txBody>
+      </p:sp>
+      <p:sp>
+        <p:nvSpPr>
+          <p:cNvPr id="56" name="左大括号 55"/>
+          <p:cNvSpPr/>
+          <p:nvPr/>
+        </p:nvSpPr>
+        <p:spPr>
+          <a:xfrm rot="16200000">
+            <a:off x="6995774" y="5026023"/>
+            <a:ext cx="201690" cy="2099122"/>
+          </a:xfrm>
+          <a:prstGeom prst="leftBrace">
+            <a:avLst/>
+          </a:prstGeom>
+          <a:ln w="28575">
+            <a:solidFill>
+              <a:schemeClr val="bg2">
+                <a:lumMod val="60000"/>
+                <a:lumOff val="40000"/>
+              </a:schemeClr>
+            </a:solidFill>
+          </a:ln>
+        </p:spPr>
+        <p:style>
+          <a:lnRef idx="1">
+            <a:schemeClr val="accent6"/>
+          </a:lnRef>
+          <a:fillRef idx="0">
+            <a:schemeClr val="accent6"/>
+          </a:fillRef>
+          <a:effectRef idx="0">
+            <a:schemeClr val="accent6"/>
+          </a:effectRef>
+          <a:fontRef idx="minor">
+            <a:schemeClr val="tx1"/>
+          </a:fontRef>
+        </p:style>
+        <p:txBody>
+          <a:bodyPr rtlCol="0" anchor="ctr"/>
+          <a:lstStyle/>
+          <a:p>
+            <a:pPr algn="ctr"/>
+            <a:endParaRPr lang="zh-CN" altLang="en-US"/>
+          </a:p>
+        </p:txBody>
+      </p:sp>
+      <p:sp>
+        <p:nvSpPr>
+          <p:cNvPr id="57" name="文本框 56"/>
+          <p:cNvSpPr txBox="1"/>
+          <p:nvPr/>
+        </p:nvSpPr>
+        <p:spPr>
+          <a:xfrm>
+            <a:off x="5931414" y="6216098"/>
+            <a:ext cx="2387192" cy="338554"/>
+          </a:xfrm>
+          <a:prstGeom prst="rect">
+            <a:avLst/>
+          </a:prstGeom>
+          <a:noFill/>
+        </p:spPr>
+        <p:txBody>
+          <a:bodyPr wrap="none" rtlCol="0">
+            <a:spAutoFit/>
+          </a:bodyPr>
+          <a:lstStyle/>
+          <a:p>
+            <a:r>
+              <a:rPr lang="zh-CN" altLang="en-US" sz="1600" b="1" dirty="0" smtClean="0">
+                <a:solidFill>
+                  <a:schemeClr val="bg1"/>
+                </a:solidFill>
+              </a:rPr>
+              <a:t>出现文档编号</a:t>
+            </a:r>
+            <a:r>
+              <a:rPr lang="en-US" altLang="zh-CN" sz="1600" b="1" dirty="0" smtClean="0">
+                <a:solidFill>
+                  <a:schemeClr val="bg1"/>
+                </a:solidFill>
+              </a:rPr>
+              <a:t>[</a:t>
+            </a:r>
+            <a:r>
+              <a:rPr lang="zh-CN" altLang="en-US" sz="1600" b="1" dirty="0" smtClean="0">
+                <a:solidFill>
+                  <a:schemeClr val="bg1"/>
+                </a:solidFill>
+              </a:rPr>
+              <a:t>频次</a:t>
+            </a:r>
+            <a:r>
+              <a:rPr lang="en-US" altLang="zh-CN" sz="1600" b="1" dirty="0" smtClean="0">
+                <a:solidFill>
+                  <a:schemeClr val="bg1"/>
+                </a:solidFill>
+              </a:rPr>
+              <a:t>]</a:t>
+            </a:r>
+            <a:r>
+              <a:rPr lang="zh-CN" altLang="en-US" sz="1600" b="1" dirty="0" smtClean="0">
+                <a:solidFill>
+                  <a:schemeClr val="bg1"/>
+                </a:solidFill>
+              </a:rPr>
+              <a:t>位置</a:t>
+            </a:r>
+            <a:endParaRPr lang="zh-CN" altLang="en-US" sz="1600" b="1" dirty="0">
+              <a:solidFill>
+                <a:schemeClr val="bg1"/>
+              </a:solidFill>
+            </a:endParaRPr>
+          </a:p>
+        </p:txBody>
+      </p:sp>
+      <p:sp>
+        <p:nvSpPr>
+          <p:cNvPr id="58" name="Right Arrow 13"/>
+          <p:cNvSpPr/>
+          <p:nvPr/>
+        </p:nvSpPr>
+        <p:spPr>
+          <a:xfrm rot="10800000">
+            <a:off x="3055754" y="4059091"/>
+            <a:ext cx="1492732" cy="546332"/>
+          </a:xfrm>
+          <a:prstGeom prst="rightArrow">
+            <a:avLst/>
+          </a:prstGeom>
+        </p:spPr>
+        <p:style>
+          <a:lnRef idx="1">
+            <a:schemeClr val="accent5"/>
+          </a:lnRef>
+          <a:fillRef idx="3">
+            <a:schemeClr val="accent5"/>
+          </a:fillRef>
+          <a:effectRef idx="2">
+            <a:schemeClr val="accent5"/>
+          </a:effectRef>
+          <a:fontRef idx="minor">
+            <a:schemeClr val="lt1"/>
+          </a:fontRef>
+        </p:style>
+        <p:txBody>
+          <a:bodyPr rtlCol="0" anchor="ctr"/>
+          <a:lstStyle/>
+          <a:p>
+            <a:pPr algn="ctr"/>
+            <a:endParaRPr lang="zh-CN" altLang="en-US"/>
+          </a:p>
+        </p:txBody>
+      </p:sp>
+      <p:sp>
+        <p:nvSpPr>
+          <p:cNvPr id="12" name="文本框 11"/>
+          <p:cNvSpPr txBox="1"/>
+          <p:nvPr/>
+        </p:nvSpPr>
+        <p:spPr>
+          <a:xfrm>
+            <a:off x="3587575" y="3789040"/>
+            <a:ext cx="646331" cy="369332"/>
+          </a:xfrm>
+          <a:prstGeom prst="rect">
+            <a:avLst/>
+          </a:prstGeom>
+          <a:noFill/>
+        </p:spPr>
+        <p:txBody>
+          <a:bodyPr wrap="none" rtlCol="0">
+            <a:spAutoFit/>
+          </a:bodyPr>
+          <a:lstStyle/>
+          <a:p>
+            <a:r>
+              <a:rPr lang="zh-CN" altLang="en-US" b="1" dirty="0" smtClean="0"/>
+              <a:t>优化</a:t>
+            </a:r>
+            <a:endParaRPr lang="zh-CN" altLang="en-US" b="1" dirty="0"/>
+          </a:p>
+        </p:txBody>
+      </p:sp>
+      <p:sp>
+        <p:nvSpPr>
+          <p:cNvPr id="31" name="矩形 30"/>
+          <p:cNvSpPr/>
+          <p:nvPr/>
+        </p:nvSpPr>
+        <p:spPr>
+          <a:xfrm>
+            <a:off x="603325" y="3927202"/>
+            <a:ext cx="2056200" cy="2246769"/>
+          </a:xfrm>
+          <a:prstGeom prst="rect">
+            <a:avLst/>
+          </a:prstGeom>
+        </p:spPr>
+        <p:txBody>
+          <a:bodyPr wrap="square">
+            <a:spAutoFit/>
+          </a:bodyPr>
+          <a:lstStyle/>
+          <a:p>
+            <a:r>
+              <a:rPr lang="en-US" altLang="zh-CN" sz="2000" dirty="0" err="1" smtClean="0"/>
+              <a:t>Lucene</a:t>
+            </a:r>
+            <a:r>
+              <a:rPr lang="en-US" altLang="zh-CN" sz="2000" dirty="0" smtClean="0"/>
+              <a:t> </a:t>
+            </a:r>
+            <a:r>
+              <a:rPr lang="zh-CN" altLang="en-US" sz="2000" dirty="0" smtClean="0"/>
+              <a:t>索引结构：</a:t>
+            </a:r>
+            <a:endParaRPr lang="en-US" altLang="zh-CN" sz="2000" dirty="0" smtClean="0"/>
+          </a:p>
+          <a:p>
+            <a:r>
+              <a:rPr lang="zh-CN" altLang="en-US" sz="2000" dirty="0">
+                <a:hlinkClick r:id="rId2"/>
+              </a:rPr>
+              <a:t>http://www.cnblogs.com/forfuture1978/archive/2009/12/14/1623597.html</a:t>
+            </a:r>
+            <a:endParaRPr lang="zh-CN" altLang="en-US" sz="2000" dirty="0"/>
+          </a:p>
+          <a:p>
+            <a:endParaRPr lang="zh-CN" altLang="en-US" sz="2000" dirty="0"/>
+          </a:p>
+        </p:txBody>
+      </p:sp>
     </p:spTree>
     <p:extLst>
       <p:ext uri="{BB962C8B-B14F-4D97-AF65-F5344CB8AC3E}">
@@ -13579,7 +18027,7 @@
         <p:spPr>
           <a:xfrm>
             <a:off x="480864" y="1437730"/>
-            <a:ext cx="2232248" cy="4613892"/>
+            <a:ext cx="2232248" cy="4662815"/>
           </a:xfrm>
           <a:prstGeom prst="rect">
             <a:avLst/>
@@ -13761,17 +18209,6 @@
               </a:rPr>
               <a:t>N-gram</a:t>
             </a:r>
-            <a:r>
-              <a:rPr lang="zh-CN" altLang="en-US" dirty="0" smtClean="0">
-                <a:latin typeface="微软雅黑" panose="020B0503020204020204" pitchFamily="34" charset="-122"/>
-                <a:ea typeface="微软雅黑" panose="020B0503020204020204" pitchFamily="34" charset="-122"/>
-              </a:rPr>
-              <a:t>模型</a:t>
-            </a:r>
-            <a:endParaRPr lang="en-US" altLang="zh-CN" dirty="0" smtClean="0">
-              <a:latin typeface="微软雅黑" panose="020B0503020204020204" pitchFamily="34" charset="-122"/>
-              <a:ea typeface="微软雅黑" panose="020B0503020204020204" pitchFamily="34" charset="-122"/>
-            </a:endParaRPr>
           </a:p>
           <a:p>
             <a:pPr marL="285750" indent="-285750">
@@ -14295,7 +18732,7 @@
           <p:nvPr/>
         </p:nvPicPr>
         <p:blipFill>
-          <a:blip r:embed="rId2">
+          <a:blip r:embed="rId3">
             <a:extLst>
               <a:ext uri="{28A0092B-C50C-407E-A947-70E740481C1C}">
                 <a14:useLocalDpi xmlns:a14="http://schemas.microsoft.com/office/drawing/2010/main" val="0"/>
@@ -14316,6 +18753,36 @@
           </a:prstGeom>
         </p:spPr>
       </p:pic>
+      <p:pic>
+        <p:nvPicPr>
+          <p:cNvPr id="3" name="图片 2"/>
+          <p:cNvPicPr>
+            <a:picLocks noChangeAspect="1"/>
+          </p:cNvPicPr>
+          <p:nvPr/>
+        </p:nvPicPr>
+        <p:blipFill>
+          <a:blip r:embed="rId4">
+            <a:extLst>
+              <a:ext uri="{28A0092B-C50C-407E-A947-70E740481C1C}">
+                <a14:useLocalDpi xmlns:a14="http://schemas.microsoft.com/office/drawing/2010/main" val="0"/>
+              </a:ext>
+            </a:extLst>
+          </a:blip>
+          <a:stretch>
+            <a:fillRect/>
+          </a:stretch>
+        </p:blipFill>
+        <p:spPr>
+          <a:xfrm>
+            <a:off x="769540" y="1556792"/>
+            <a:ext cx="7604919" cy="4964322"/>
+          </a:xfrm>
+          <a:prstGeom prst="rect">
+            <a:avLst/>
+          </a:prstGeom>
+        </p:spPr>
+      </p:pic>
     </p:spTree>
     <p:extLst>
       <p:ext uri="{BB962C8B-B14F-4D97-AF65-F5344CB8AC3E}">
@@ -14329,7 +18796,129 @@
   <p:timing>
     <p:tnLst>
       <p:par>
-        <p:cTn id="1" dur="indefinite" restart="never" nodeType="tmRoot"/>
+        <p:cTn id="1" dur="indefinite" restart="never" nodeType="tmRoot">
+          <p:childTnLst>
+            <p:seq concurrent="1" nextAc="seek">
+              <p:cTn id="2" dur="indefinite" nodeType="mainSeq">
+                <p:childTnLst>
+                  <p:par>
+                    <p:cTn id="3" fill="hold">
+                      <p:stCondLst>
+                        <p:cond delay="indefinite"/>
+                      </p:stCondLst>
+                      <p:childTnLst>
+                        <p:par>
+                          <p:cTn id="4" fill="hold">
+                            <p:stCondLst>
+                              <p:cond delay="0"/>
+                            </p:stCondLst>
+                            <p:childTnLst>
+                              <p:par>
+                                <p:cTn id="5" presetID="42" presetClass="entr" presetSubtype="0" fill="hold" nodeType="clickEffect">
+                                  <p:stCondLst>
+                                    <p:cond delay="0"/>
+                                  </p:stCondLst>
+                                  <p:childTnLst>
+                                    <p:set>
+                                      <p:cBhvr>
+                                        <p:cTn id="6" dur="1" fill="hold">
+                                          <p:stCondLst>
+                                            <p:cond delay="0"/>
+                                          </p:stCondLst>
+                                        </p:cTn>
+                                        <p:tgtEl>
+                                          <p:spTgt spid="3"/>
+                                        </p:tgtEl>
+                                        <p:attrNameLst>
+                                          <p:attrName>style.visibility</p:attrName>
+                                        </p:attrNameLst>
+                                      </p:cBhvr>
+                                      <p:to>
+                                        <p:strVal val="visible"/>
+                                      </p:to>
+                                    </p:set>
+                                    <p:animEffect transition="in" filter="fade">
+                                      <p:cBhvr>
+                                        <p:cTn id="7" dur="1000"/>
+                                        <p:tgtEl>
+                                          <p:spTgt spid="3"/>
+                                        </p:tgtEl>
+                                      </p:cBhvr>
+                                    </p:animEffect>
+                                    <p:anim calcmode="lin" valueType="num">
+                                      <p:cBhvr>
+                                        <p:cTn id="8" dur="1000" fill="hold"/>
+                                        <p:tgtEl>
+                                          <p:spTgt spid="3"/>
+                                        </p:tgtEl>
+                                        <p:attrNameLst>
+                                          <p:attrName>ppt_x</p:attrName>
+                                        </p:attrNameLst>
+                                      </p:cBhvr>
+                                      <p:tavLst>
+                                        <p:tav tm="0">
+                                          <p:val>
+                                            <p:strVal val="#ppt_x"/>
+                                          </p:val>
+                                        </p:tav>
+                                        <p:tav tm="100000">
+                                          <p:val>
+                                            <p:strVal val="#ppt_x"/>
+                                          </p:val>
+                                        </p:tav>
+                                      </p:tavLst>
+                                    </p:anim>
+                                    <p:anim calcmode="lin" valueType="num">
+                                      <p:cBhvr>
+                                        <p:cTn id="9" dur="1000" fill="hold"/>
+                                        <p:tgtEl>
+                                          <p:spTgt spid="3"/>
+                                        </p:tgtEl>
+                                        <p:attrNameLst>
+                                          <p:attrName>ppt_y</p:attrName>
+                                        </p:attrNameLst>
+                                      </p:cBhvr>
+                                      <p:tavLst>
+                                        <p:tav tm="0">
+                                          <p:val>
+                                            <p:strVal val="#ppt_y+.1"/>
+                                          </p:val>
+                                        </p:tav>
+                                        <p:tav tm="100000">
+                                          <p:val>
+                                            <p:strVal val="#ppt_y"/>
+                                          </p:val>
+                                        </p:tav>
+                                      </p:tavLst>
+                                    </p:anim>
+                                  </p:childTnLst>
+                                </p:cTn>
+                              </p:par>
+                            </p:childTnLst>
+                          </p:cTn>
+                        </p:par>
+                      </p:childTnLst>
+                    </p:cTn>
+                  </p:par>
+                </p:childTnLst>
+              </p:cTn>
+              <p:prevCondLst>
+                <p:cond evt="onPrev" delay="0">
+                  <p:tgtEl>
+                    <p:sldTgt/>
+                  </p:tgtEl>
+                </p:cond>
+              </p:prevCondLst>
+              <p:nextCondLst>
+                <p:cond evt="onNext" delay="0">
+                  <p:tgtEl>
+                    <p:sldTgt/>
+                  </p:tgtEl>
+                </p:cond>
+              </p:nextCondLst>
+            </p:seq>
+          </p:childTnLst>
+        </p:cTn>
       </p:par>
     </p:tnLst>
   </p:timing>
@@ -14844,4 +19433,265 @@
   <a:objectDefaults/>
   <a:extraClrSchemeLst/>
 </a:theme>
+</file>
+
+<file path=ppt/theme/theme2.xml><?xml version="1.0" encoding="utf-8"?>
+<a:theme xmlns:a="http://schemas.openxmlformats.org/drawingml/2006/main" name="Office 主题">
+  <a:themeElements>
+    <a:clrScheme name="Office">
+      <a:dk1>
+        <a:sysClr val="windowText" lastClr="000000"/>
+      </a:dk1>
+      <a:lt1>
+        <a:sysClr val="window" lastClr="FFFFFF"/>
+      </a:lt1>
+      <a:dk2>
+        <a:srgbClr val="44546A"/>
+      </a:dk2>
+      <a:lt2>
+        <a:srgbClr val="E7E6E6"/>
+      </a:lt2>
+      <a:accent1>
+        <a:srgbClr val="5B9BD5"/>
+      </a:accent1>
+      <a:accent2>
+        <a:srgbClr val="ED7D31"/>
+      </a:accent2>
+      <a:accent3>
+        <a:srgbClr val="A5A5A5"/>
+      </a:accent3>
+      <a:accent4>
+        <a:srgbClr val="FFC000"/>
+      </a:accent4>
+      <a:accent5>
+        <a:srgbClr val="4472C4"/>
+      </a:accent5>
+      <a:accent6>
+        <a:srgbClr val="70AD47"/>
+      </a:accent6>
+      <a:hlink>
+        <a:srgbClr val="0563C1"/>
+      </a:hlink>
+      <a:folHlink>
+        <a:srgbClr val="954F72"/>
+      </a:folHlink>
+    </a:clrScheme>
+    <a:fontScheme name="Office">
+      <a:majorFont>
+        <a:latin typeface="Calibri Light" panose="020F0302020204030204"/>
+        <a:ea typeface=""/>
+        <a:cs typeface=""/>
+        <a:font script="Jpan" typeface="ＭＳ Ｐゴシック"/>
+        <a:font script="Hang" typeface="맑은 고딕"/>
+        <a:font script="Hans" typeface="宋体"/>
+        <a:font script="Hant" typeface="新細明體"/>
+        <a:font script="Arab" typeface="Times New Roman"/>
+        <a:font script="Hebr" typeface="Times New Roman"/>
+        <a:font script="Thai" typeface="Angsana New"/>
+        <a:font script="Ethi" typeface="Nyala"/>
+        <a:font script="Beng" typeface="Vrinda"/>
+        <a:font script="Gujr" typeface="Shruti"/>
+        <a:font script="Khmr" typeface="MoolBoran"/>
+        <a:font script="Knda" typeface="Tunga"/>
+        <a:font script="Guru" typeface="Raavi"/>
+        <a:font script="Cans" typeface="Euphemia"/>
+        <a:font script="Cher" typeface="Plantagenet Cherokee"/>
+        <a:font script="Yiii" typeface="Microsoft Yi Baiti"/>
+        <a:font script="Tibt" typeface="Microsoft Himalaya"/>
+        <a:font script="Thaa" typeface="MV Boli"/>
+        <a:font script="Deva" typeface="Mangal"/>
+        <a:font script="Telu" typeface="Gautami"/>
+        <a:font script="Taml" typeface="Latha"/>
+        <a:font script="Syrc" typeface="Estrangelo Edessa"/>
+        <a:font script="Orya" typeface="Kalinga"/>
+        <a:font script="Mlym" typeface="Kartika"/>
+        <a:font script="Laoo" typeface="DokChampa"/>
+        <a:font script="Sinh" typeface="Iskoola Pota"/>
+        <a:font script="Mong" typeface="Mongolian Baiti"/>
+        <a:font script="Viet" typeface="Times New Roman"/>
+        <a:font script="Uigh" typeface="Microsoft Uighur"/>
+        <a:font script="Geor" typeface="Sylfaen"/>
+      </a:majorFont>
+      <a:minorFont>
+        <a:latin typeface="Calibri" panose="020F0502020204030204"/>
+        <a:ea typeface=""/>
+        <a:cs typeface=""/>
+        <a:font script="Jpan" typeface="ＭＳ Ｐゴシック"/>
+        <a:font script="Hang" typeface="맑은 고딕"/>
+        <a:font script="Hans" typeface="宋体"/>
+        <a:font script="Hant" typeface="新細明體"/>
+        <a:font script="Arab" typeface="Arial"/>
+        <a:font script="Hebr" typeface="Arial"/>
+        <a:font script="Thai" typeface="Cordia New"/>
+        <a:font script="Ethi" typeface="Nyala"/>
+        <a:font script="Beng" typeface="Vrinda"/>
+        <a:font script="Gujr" typeface="Shruti"/>
+        <a:font script="Khmr" typeface="DaunPenh"/>
+        <a:font script="Knda" typeface="Tunga"/>
+        <a:font script="Guru" typeface="Raavi"/>
+        <a:font script="Cans" typeface="Euphemia"/>
+        <a:font script="Cher" typeface="Plantagenet Cherokee"/>
+        <a:font script="Yiii" typeface="Microsoft Yi Baiti"/>
+        <a:font script="Tibt" typeface="Microsoft Himalaya"/>
+        <a:font script="Thaa" typeface="MV Boli"/>
+        <a:font script="Deva" typeface="Mangal"/>
+        <a:font script="Telu" typeface="Gautami"/>
+        <a:font script="Taml" typeface="Latha"/>
+        <a:font script="Syrc" typeface="Estrangelo Edessa"/>
+        <a:font script="Orya" typeface="Kalinga"/>
+        <a:font script="Mlym" typeface="Kartika"/>
+        <a:font script="Laoo" typeface="DokChampa"/>
+        <a:font script="Sinh" typeface="Iskoola Pota"/>
+        <a:font script="Mong" typeface="Mongolian Baiti"/>
+        <a:font script="Viet" typeface="Arial"/>
+        <a:font script="Uigh" typeface="Microsoft Uighur"/>
+        <a:font script="Geor" typeface="Sylfaen"/>
+      </a:minorFont>
+    </a:fontScheme>
+    <a:fmtScheme name="Office">
+      <a:fillStyleLst>
+        <a:solidFill>
+          <a:schemeClr val="phClr"/>
+        </a:solidFill>
+        <a:gradFill rotWithShape="1">
+          <a:gsLst>
+            <a:gs pos="0">
+              <a:schemeClr val="phClr">
+                <a:lumMod val="110000"/>
+                <a:satMod val="105000"/>
+                <a:tint val="67000"/>
+              </a:schemeClr>
+            </a:gs>
+            <a:gs pos="50000">
+              <a:schemeClr val="phClr">
+                <a:lumMod val="105000"/>
+                <a:satMod val="103000"/>
+                <a:tint val="73000"/>
+              </a:schemeClr>
+            </a:gs>
+            <a:gs pos="100000">
+              <a:schemeClr val="phClr">
+                <a:lumMod val="105000"/>
+                <a:satMod val="109000"/>
+                <a:tint val="81000"/>
+              </a:schemeClr>
+            </a:gs>
+          </a:gsLst>
+          <a:lin ang="5400000" scaled="0"/>
+        </a:gradFill>
+        <a:gradFill rotWithShape="1">
+          <a:gsLst>
+            <a:gs pos="0">
+              <a:schemeClr val="phClr">
+                <a:satMod val="103000"/>
+                <a:lumMod val="102000"/>
+                <a:tint val="94000"/>
+              </a:schemeClr>
+            </a:gs>
+            <a:gs pos="50000">
+              <a:schemeClr val="phClr">
+                <a:satMod val="110000"/>
+                <a:lumMod val="100000"/>
+                <a:shade val="100000"/>
+              </a:schemeClr>
+            </a:gs>
+            <a:gs pos="100000">
+              <a:schemeClr val="phClr">
+                <a:lumMod val="99000"/>
+                <a:satMod val="120000"/>
+                <a:shade val="78000"/>
+              </a:schemeClr>
+            </a:gs>
+          </a:gsLst>
+          <a:lin ang="5400000" scaled="0"/>
+        </a:gradFill>
+      </a:fillStyleLst>
+      <a:lnStyleLst>
+        <a:ln w="6350" cap="flat" cmpd="sng" algn="ctr">
+          <a:solidFill>
+            <a:schemeClr val="phClr"/>
+          </a:solidFill>
+          <a:prstDash val="solid"/>
+          <a:miter lim="800000"/>
+        </a:ln>
+        <a:ln w="12700" cap="flat" cmpd="sng" algn="ctr">
+          <a:solidFill>
+            <a:schemeClr val="phClr"/>
+          </a:solidFill>
+          <a:prstDash val="solid"/>
+          <a:miter lim="800000"/>
+        </a:ln>
+        <a:ln w="19050" cap="flat" cmpd="sng" algn="ctr">
+          <a:solidFill>
+            <a:schemeClr val="phClr"/>
+          </a:solidFill>
+          <a:prstDash val="solid"/>
+          <a:miter lim="800000"/>
+        </a:ln>
+      </a:lnStyleLst>
+      <a:effectStyleLst>
+        <a:effectStyle>
+          <a:effectLst/>
+        </a:effectStyle>
+        <a:effectStyle>
+          <a:effectLst/>
+        </a:effectStyle>
+        <a:effectStyle>
+          <a:effectLst>
+            <a:outerShdw blurRad="57150" dist="19050" dir="5400000" algn="ctr" rotWithShape="0">
+              <a:srgbClr val="000000">
+                <a:alpha val="63000"/>
+              </a:srgbClr>
+            </a:outerShdw>
+          </a:effectLst>
+        </a:effectStyle>
+      </a:effectStyleLst>
+      <a:bgFillStyleLst>
+        <a:solidFill>
+          <a:schemeClr val="phClr"/>
+        </a:solidFill>
+        <a:solidFill>
+          <a:schemeClr val="phClr">
+            <a:tint val="95000"/>
+            <a:satMod val="170000"/>
+          </a:schemeClr>
+        </a:solidFill>
+        <a:gradFill rotWithShape="1">
+          <a:gsLst>
+            <a:gs pos="0">
+              <a:schemeClr val="phClr">
+                <a:tint val="93000"/>
+                <a:satMod val="150000"/>
+                <a:shade val="98000"/>
+                <a:lumMod val="102000"/>
+              </a:schemeClr>
+            </a:gs>
+            <a:gs pos="50000">
+              <a:schemeClr val="phClr">
+                <a:tint val="98000"/>
+                <a:satMod val="130000"/>
+                <a:shade val="90000"/>
+                <a:lumMod val="103000"/>
+              </a:schemeClr>
+            </a:gs>
+            <a:gs pos="100000">
+              <a:schemeClr val="phClr">
+                <a:shade val="63000"/>
+                <a:satMod val="120000"/>
+              </a:schemeClr>
+            </a:gs>
+          </a:gsLst>
+          <a:lin ang="5400000" scaled="0"/>
+        </a:gradFill>
+      </a:bgFillStyleLst>
+    </a:fmtScheme>
+  </a:themeElements>
+  <a:objectDefaults/>
+  <a:extraClrSchemeLst/>
+  <a:extLst>
+    <a:ext uri="{05A4C25C-085E-4340-85A3-A5531E510DB2}">
+      <thm15:themeFamily xmlns:thm15="http://schemas.microsoft.com/office/thememl/2012/main" name="Office Theme" id="{62F939B6-93AF-4DB8-9C6B-D6C7DFDC589F}" vid="{4A3C46E8-61CC-4603-A589-7422A47A8E4A}"/>
+    </a:ext>
+  </a:extLst>
+</a:theme>
 </file>
--- a/Full-Text_Search/PPT/全文检索入门与实践.pptx
+++ b/Full-Text_Search/PPT/全文检索入门与实践.pptx
@@ -1937,55 +1937,55 @@
     </dgm:pt>
   </dgm:ptLst>
   <dgm:cxnLst>
-    <dgm:cxn modelId="{F296287D-92F1-4795-85A4-09EC5D99BCFD}" type="presOf" srcId="{AD852797-663B-40D8-BACB-2FD2F2A02723}" destId="{378A92BF-730C-4B89-A22F-11233B28DBA0}" srcOrd="0" destOrd="8" presId="urn:microsoft.com/office/officeart/2005/8/layout/hList6"/>
-    <dgm:cxn modelId="{E1CA47BF-CB7C-47DE-9455-DB8F1DF22ECE}" type="presOf" srcId="{42B7CB72-D4F2-4059-BE65-F22AE24E1C41}" destId="{D33D3E6E-2DAB-49D5-A22D-8A7AE2AF2386}" srcOrd="0" destOrd="0" presId="urn:microsoft.com/office/officeart/2005/8/layout/hList6"/>
-    <dgm:cxn modelId="{CC080D9A-5CC6-4DC5-8EC6-6ECC8DD3A9F0}" type="presOf" srcId="{BC996979-D47B-4F3F-ADD4-6983D3C51CEF}" destId="{DB81FC91-547D-4887-B40A-6CFA1C435ABC}" srcOrd="0" destOrd="4" presId="urn:microsoft.com/office/officeart/2005/8/layout/hList6"/>
-    <dgm:cxn modelId="{8A5070DB-635E-4649-9C72-A4890A6D391B}" srcId="{A417BD96-AAB1-435B-9E8C-E86E27030477}" destId="{4F772856-7ED5-4ED6-80BA-A14947D71C52}" srcOrd="2" destOrd="0" parTransId="{7C989469-504B-462A-B48A-0F628C075F01}" sibTransId="{65F4C01E-C1D4-42AD-AB9A-8EE6025F5C27}"/>
-    <dgm:cxn modelId="{8717CD77-A072-423F-A3A0-2E6C6F009F4E}" srcId="{A417BD96-AAB1-435B-9E8C-E86E27030477}" destId="{A971C5B9-0EA0-43A5-9F8F-CF713F586D01}" srcOrd="1" destOrd="0" parTransId="{FE8D45B2-B41F-47BF-9C94-C82A27D89F97}" sibTransId="{4AA94A0D-AF81-4257-A904-CA006C26DA39}"/>
-    <dgm:cxn modelId="{FB014557-F1E8-4144-BC6A-B5298627AD04}" type="presOf" srcId="{2482526B-B676-42F3-94C1-07B3B09077B3}" destId="{D33D3E6E-2DAB-49D5-A22D-8A7AE2AF2386}" srcOrd="0" destOrd="4" presId="urn:microsoft.com/office/officeart/2005/8/layout/hList6"/>
-    <dgm:cxn modelId="{01DC669F-9754-4284-A77E-E31ABE9265DD}" srcId="{1E68D6D6-8D7B-46AD-90C4-65A938BB5C8A}" destId="{9DF16E84-4124-48A7-93D9-FCAF0F0335F8}" srcOrd="4" destOrd="0" parTransId="{AB0FE13C-5806-4A98-9AFB-E4A90BD2CA72}" sibTransId="{0603E359-51C3-4730-8424-3AD39D78054A}"/>
+    <dgm:cxn modelId="{05D4FEF0-4C72-435A-8ED8-528EFEC03780}" srcId="{7ED83C5F-20B4-45CB-9739-7440B3DC0A86}" destId="{1E68D6D6-8D7B-46AD-90C4-65A938BB5C8A}" srcOrd="0" destOrd="0" parTransId="{683277BE-FA34-480C-80EE-5362E1AF25DC}" sibTransId="{16E173C1-0A6D-4EC8-86C4-B4FFA2FCB811}"/>
+    <dgm:cxn modelId="{1EF248AA-DC77-499E-9EAF-EB8D2D2856C7}" srcId="{42B7CB72-D4F2-4059-BE65-F22AE24E1C41}" destId="{51E82ECE-F621-411A-81EB-C98BAA570799}" srcOrd="0" destOrd="0" parTransId="{E4764083-F814-4D3E-8A68-C2EC0709EF3E}" sibTransId="{99392818-C4DA-473D-8A33-6052651E0EDB}"/>
+    <dgm:cxn modelId="{74D6647F-49FD-4D47-A30E-CE7B3F456D97}" srcId="{1E68D6D6-8D7B-46AD-90C4-65A938BB5C8A}" destId="{75A91B37-FAC7-4295-8E9D-65784DC854CB}" srcOrd="0" destOrd="0" parTransId="{8D4DA750-B67B-418D-95CD-0209E3C4CE30}" sibTransId="{16AF249A-B97A-45B4-B754-9BB7847B6ED5}"/>
     <dgm:cxn modelId="{F43A83D6-CA93-4988-AE7B-917B6D3DD2BC}" srcId="{42B7CB72-D4F2-4059-BE65-F22AE24E1C41}" destId="{82C92D4A-BC39-4CAD-ADD6-23208CF33303}" srcOrd="1" destOrd="0" parTransId="{EC14CCEC-80A8-487E-9753-515E05263F74}" sibTransId="{A1EE2F41-0E1C-45F8-A54E-82A189CF63A5}"/>
+    <dgm:cxn modelId="{4DA4242E-60D4-465E-ABF2-4F32CB937986}" type="presOf" srcId="{528753BF-2EE3-42CB-A681-2D8933FDD593}" destId="{D33D3E6E-2DAB-49D5-A22D-8A7AE2AF2386}" srcOrd="0" destOrd="7" presId="urn:microsoft.com/office/officeart/2005/8/layout/hList6"/>
+    <dgm:cxn modelId="{6E34588B-5785-47CE-96B9-77D3F6C1C3EC}" type="presOf" srcId="{3CE69326-247D-433E-ADCB-7B2926E38D85}" destId="{378A92BF-730C-4B89-A22F-11233B28DBA0}" srcOrd="0" destOrd="4" presId="urn:microsoft.com/office/officeart/2005/8/layout/hList6"/>
+    <dgm:cxn modelId="{C19DD70A-50E5-41CD-B0CD-1D1CC7432AF9}" type="presOf" srcId="{82C92D4A-BC39-4CAD-ADD6-23208CF33303}" destId="{D33D3E6E-2DAB-49D5-A22D-8A7AE2AF2386}" srcOrd="0" destOrd="2" presId="urn:microsoft.com/office/officeart/2005/8/layout/hList6"/>
+    <dgm:cxn modelId="{82C9C916-C632-48CA-BC34-61A3F6316258}" type="presOf" srcId="{9DF16E84-4124-48A7-93D9-FCAF0F0335F8}" destId="{DB81FC91-547D-4887-B40A-6CFA1C435ABC}" srcOrd="0" destOrd="5" presId="urn:microsoft.com/office/officeart/2005/8/layout/hList6"/>
     <dgm:cxn modelId="{E3CE7052-491F-4B6B-83BA-83D68FD7E6B1}" srcId="{A417BD96-AAB1-435B-9E8C-E86E27030477}" destId="{3CE69326-247D-433E-ADCB-7B2926E38D85}" srcOrd="3" destOrd="0" parTransId="{C87109F6-8182-47D9-B14A-F565A330ABC3}" sibTransId="{20A5CA2E-225A-48C7-9B47-A4040396D9CC}"/>
-    <dgm:cxn modelId="{74D6647F-49FD-4D47-A30E-CE7B3F456D97}" srcId="{1E68D6D6-8D7B-46AD-90C4-65A938BB5C8A}" destId="{75A91B37-FAC7-4295-8E9D-65784DC854CB}" srcOrd="0" destOrd="0" parTransId="{8D4DA750-B67B-418D-95CD-0209E3C4CE30}" sibTransId="{16AF249A-B97A-45B4-B754-9BB7847B6ED5}"/>
-    <dgm:cxn modelId="{B51E76B6-59EA-4182-95EC-8EBAF018CFF5}" type="presOf" srcId="{7ED83C5F-20B4-45CB-9739-7440B3DC0A86}" destId="{AC2181AB-8547-43ED-BD14-63E88DCAB410}" srcOrd="0" destOrd="0" presId="urn:microsoft.com/office/officeart/2005/8/layout/hList6"/>
+    <dgm:cxn modelId="{A371FE2B-5684-4CC3-BCC2-938042AEF0A0}" srcId="{A417BD96-AAB1-435B-9E8C-E86E27030477}" destId="{32158258-C56C-4A2A-BFCF-E78B37AEF4DD}" srcOrd="5" destOrd="0" parTransId="{CFA2D5BB-5C85-49D2-9F20-650329DF30E4}" sibTransId="{8F4BA558-0549-41D0-8C32-FF1949FEE7EC}"/>
+    <dgm:cxn modelId="{0FC61371-B199-4A09-821C-C9C32537F592}" srcId="{A417BD96-AAB1-435B-9E8C-E86E27030477}" destId="{E93F7914-11FE-4465-9592-60E0999A9B8F}" srcOrd="6" destOrd="0" parTransId="{7C020B38-F1F9-4621-B34F-DF5A1B482941}" sibTransId="{F8CCF9D2-4835-426F-B1A9-B6EBADF6481D}"/>
     <dgm:cxn modelId="{EE8090DE-CAAA-4929-84A2-9DF56BD841F3}" srcId="{A417BD96-AAB1-435B-9E8C-E86E27030477}" destId="{321D9FFA-0154-47B8-BCE8-03EEBE5CF706}" srcOrd="4" destOrd="0" parTransId="{DC761916-D7C6-45A2-8B41-57F39D6AD941}" sibTransId="{7C5C8C2F-C177-45A0-B67D-308C826FE33E}"/>
-    <dgm:cxn modelId="{405CB256-0FEC-464B-95B7-054A7FCBA1F8}" type="presOf" srcId="{A971C5B9-0EA0-43A5-9F8F-CF713F586D01}" destId="{378A92BF-730C-4B89-A22F-11233B28DBA0}" srcOrd="0" destOrd="2" presId="urn:microsoft.com/office/officeart/2005/8/layout/hList6"/>
+    <dgm:cxn modelId="{7DA6B1B0-FDF7-46AA-889F-AD48F1091692}" srcId="{42B7CB72-D4F2-4059-BE65-F22AE24E1C41}" destId="{2482526B-B676-42F3-94C1-07B3B09077B3}" srcOrd="3" destOrd="0" parTransId="{AD9BB8D5-2C50-4B9F-8CA5-3A5D31307D8A}" sibTransId="{1A637CB1-9D4D-439C-BF5C-DA087B3A3C3D}"/>
+    <dgm:cxn modelId="{6DC344F6-1876-41D9-8E66-93734F10D750}" srcId="{42B7CB72-D4F2-4059-BE65-F22AE24E1C41}" destId="{528753BF-2EE3-42CB-A681-2D8933FDD593}" srcOrd="6" destOrd="0" parTransId="{C16C170E-6B88-475B-8AF5-EE85DA3DCCDE}" sibTransId="{F396871F-AED1-4AB3-8AAC-6BAB3FFB57C9}"/>
     <dgm:cxn modelId="{8024D740-B65F-4F30-B792-A7EAB02603C6}" srcId="{1E68D6D6-8D7B-46AD-90C4-65A938BB5C8A}" destId="{BC996979-D47B-4F3F-ADD4-6983D3C51CEF}" srcOrd="3" destOrd="0" parTransId="{3D22AD75-3233-4BC4-A212-1CAC04849314}" sibTransId="{F385BF18-706E-4246-ACA2-863F1DEA88D7}"/>
+    <dgm:cxn modelId="{6CE33CD9-58BE-48D9-948B-250A03D47D15}" type="presOf" srcId="{85E5C8DC-2232-4CD0-A348-4E92EEA68D98}" destId="{D33D3E6E-2DAB-49D5-A22D-8A7AE2AF2386}" srcOrd="0" destOrd="3" presId="urn:microsoft.com/office/officeart/2005/8/layout/hList6"/>
+    <dgm:cxn modelId="{037399CE-3737-4166-81E5-2382E0876798}" type="presOf" srcId="{279E0C1F-CFA7-403D-94C8-0CF0930A2A77}" destId="{D33D3E6E-2DAB-49D5-A22D-8A7AE2AF2386}" srcOrd="0" destOrd="6" presId="urn:microsoft.com/office/officeart/2005/8/layout/hList6"/>
+    <dgm:cxn modelId="{3F716999-D407-4B6C-9DFE-35F11896B45B}" srcId="{7ED83C5F-20B4-45CB-9739-7440B3DC0A86}" destId="{A417BD96-AAB1-435B-9E8C-E86E27030477}" srcOrd="2" destOrd="0" parTransId="{8D5380D5-6C8A-42B2-9F8F-A0D20EE22D7C}" sibTransId="{18CA8202-3404-4E09-BA90-8FB9C121C8B1}"/>
+    <dgm:cxn modelId="{B6BF4652-22EF-438E-87B4-11DC456B5C6B}" type="presOf" srcId="{32158258-C56C-4A2A-BFCF-E78B37AEF4DD}" destId="{378A92BF-730C-4B89-A22F-11233B28DBA0}" srcOrd="0" destOrd="6" presId="urn:microsoft.com/office/officeart/2005/8/layout/hList6"/>
+    <dgm:cxn modelId="{EE9272EE-552E-4BAD-8EF7-8B1882AC9515}" type="presOf" srcId="{E93F7914-11FE-4465-9592-60E0999A9B8F}" destId="{378A92BF-730C-4B89-A22F-11233B28DBA0}" srcOrd="0" destOrd="7" presId="urn:microsoft.com/office/officeart/2005/8/layout/hList6"/>
     <dgm:cxn modelId="{DF9DF8E3-AC9F-4E35-8D19-15F0604BABBD}" srcId="{42B7CB72-D4F2-4059-BE65-F22AE24E1C41}" destId="{3CBE9BB1-785B-489B-BDF3-0B85D2BBD29E}" srcOrd="4" destOrd="0" parTransId="{F586E160-A062-4B91-90A5-4ED833C4132F}" sibTransId="{B79A4D3D-C019-4290-9D64-F59A253540AB}"/>
-    <dgm:cxn modelId="{6CE33CD9-58BE-48D9-948B-250A03D47D15}" type="presOf" srcId="{85E5C8DC-2232-4CD0-A348-4E92EEA68D98}" destId="{D33D3E6E-2DAB-49D5-A22D-8A7AE2AF2386}" srcOrd="0" destOrd="3" presId="urn:microsoft.com/office/officeart/2005/8/layout/hList6"/>
-    <dgm:cxn modelId="{05D4FEF0-4C72-435A-8ED8-528EFEC03780}" srcId="{7ED83C5F-20B4-45CB-9739-7440B3DC0A86}" destId="{1E68D6D6-8D7B-46AD-90C4-65A938BB5C8A}" srcOrd="0" destOrd="0" parTransId="{683277BE-FA34-480C-80EE-5362E1AF25DC}" sibTransId="{16E173C1-0A6D-4EC8-86C4-B4FFA2FCB811}"/>
-    <dgm:cxn modelId="{597A73C3-B91E-4F56-9064-9057384691F3}" type="presOf" srcId="{75A91B37-FAC7-4295-8E9D-65784DC854CB}" destId="{DB81FC91-547D-4887-B40A-6CFA1C435ABC}" srcOrd="0" destOrd="1" presId="urn:microsoft.com/office/officeart/2005/8/layout/hList6"/>
-    <dgm:cxn modelId="{4DA4242E-60D4-465E-ABF2-4F32CB937986}" type="presOf" srcId="{528753BF-2EE3-42CB-A681-2D8933FDD593}" destId="{D33D3E6E-2DAB-49D5-A22D-8A7AE2AF2386}" srcOrd="0" destOrd="7" presId="urn:microsoft.com/office/officeart/2005/8/layout/hList6"/>
-    <dgm:cxn modelId="{5E5A2A5A-D499-4471-A016-5A076E449770}" type="presOf" srcId="{321D9FFA-0154-47B8-BCE8-03EEBE5CF706}" destId="{378A92BF-730C-4B89-A22F-11233B28DBA0}" srcOrd="0" destOrd="5" presId="urn:microsoft.com/office/officeart/2005/8/layout/hList6"/>
-    <dgm:cxn modelId="{B6BF4652-22EF-438E-87B4-11DC456B5C6B}" type="presOf" srcId="{32158258-C56C-4A2A-BFCF-E78B37AEF4DD}" destId="{378A92BF-730C-4B89-A22F-11233B28DBA0}" srcOrd="0" destOrd="6" presId="urn:microsoft.com/office/officeart/2005/8/layout/hList6"/>
-    <dgm:cxn modelId="{6E34588B-5785-47CE-96B9-77D3F6C1C3EC}" type="presOf" srcId="{3CE69326-247D-433E-ADCB-7B2926E38D85}" destId="{378A92BF-730C-4B89-A22F-11233B28DBA0}" srcOrd="0" destOrd="4" presId="urn:microsoft.com/office/officeart/2005/8/layout/hList6"/>
-    <dgm:cxn modelId="{F141DC20-D2E4-441B-B61A-AD70574A231E}" type="presOf" srcId="{4F772856-7ED5-4ED6-80BA-A14947D71C52}" destId="{378A92BF-730C-4B89-A22F-11233B28DBA0}" srcOrd="0" destOrd="3" presId="urn:microsoft.com/office/officeart/2005/8/layout/hList6"/>
-    <dgm:cxn modelId="{41CF89B3-DC3D-4DB0-BD96-5FD1ED79DA8A}" srcId="{A417BD96-AAB1-435B-9E8C-E86E27030477}" destId="{AD852797-663B-40D8-BACB-2FD2F2A02723}" srcOrd="7" destOrd="0" parTransId="{046F79DA-5796-4605-82D1-9BBC8CB2FBB7}" sibTransId="{5755668E-5D2B-4A4A-9173-C57815E18FD0}"/>
-    <dgm:cxn modelId="{A371FE2B-5684-4CC3-BCC2-938042AEF0A0}" srcId="{A417BD96-AAB1-435B-9E8C-E86E27030477}" destId="{32158258-C56C-4A2A-BFCF-E78B37AEF4DD}" srcOrd="5" destOrd="0" parTransId="{CFA2D5BB-5C85-49D2-9F20-650329DF30E4}" sibTransId="{8F4BA558-0549-41D0-8C32-FF1949FEE7EC}"/>
-    <dgm:cxn modelId="{BFE69754-216A-43CB-93FB-3805F495DD50}" srcId="{1E68D6D6-8D7B-46AD-90C4-65A938BB5C8A}" destId="{44BA54C5-1613-421E-8211-67FA2A4E5F4F}" srcOrd="1" destOrd="0" parTransId="{0F4BC458-C794-4572-9F8E-5BCC16F9D739}" sibTransId="{EED60C31-43B3-46C9-A30E-B960E01F85EA}"/>
-    <dgm:cxn modelId="{3CE5F3B4-E08A-46D1-A0A0-712031519D9B}" srcId="{1E68D6D6-8D7B-46AD-90C4-65A938BB5C8A}" destId="{F62EA030-EF4C-4264-9187-29425B72A67D}" srcOrd="5" destOrd="0" parTransId="{DBC45882-7848-4886-B33D-6C1C075D0A1E}" sibTransId="{F2651D65-28EB-493C-84FF-F3198427E500}"/>
-    <dgm:cxn modelId="{B620D70C-BCB0-4DA3-8DDC-0738DCC56BE4}" srcId="{42B7CB72-D4F2-4059-BE65-F22AE24E1C41}" destId="{279E0C1F-CFA7-403D-94C8-0CF0930A2A77}" srcOrd="5" destOrd="0" parTransId="{B64B0D23-CC46-4147-B617-F785F58EC3B6}" sibTransId="{5E4E1F76-5B6F-43EF-B3E8-C3171F785280}"/>
+    <dgm:cxn modelId="{7633124D-A744-4D96-A024-9550905C73BD}" type="presOf" srcId="{F62EA030-EF4C-4264-9187-29425B72A67D}" destId="{DB81FC91-547D-4887-B40A-6CFA1C435ABC}" srcOrd="0" destOrd="6" presId="urn:microsoft.com/office/officeart/2005/8/layout/hList6"/>
     <dgm:cxn modelId="{DC6FF33C-6C59-42DD-94D2-BD0875BE5CF5}" srcId="{A417BD96-AAB1-435B-9E8C-E86E27030477}" destId="{5449584D-91EF-47DA-9175-8794495DF361}" srcOrd="0" destOrd="0" parTransId="{1A77076D-D984-42A5-96B6-6186C9EA1DBB}" sibTransId="{AD328561-6D01-4F2B-915A-0296052D2738}"/>
     <dgm:cxn modelId="{4409EEA9-177A-412F-BDA8-90DACB17DEA7}" type="presOf" srcId="{A417BD96-AAB1-435B-9E8C-E86E27030477}" destId="{378A92BF-730C-4B89-A22F-11233B28DBA0}" srcOrd="0" destOrd="0" presId="urn:microsoft.com/office/officeart/2005/8/layout/hList6"/>
+    <dgm:cxn modelId="{CC080D9A-5CC6-4DC5-8EC6-6ECC8DD3A9F0}" type="presOf" srcId="{BC996979-D47B-4F3F-ADD4-6983D3C51CEF}" destId="{DB81FC91-547D-4887-B40A-6CFA1C435ABC}" srcOrd="0" destOrd="4" presId="urn:microsoft.com/office/officeart/2005/8/layout/hList6"/>
+    <dgm:cxn modelId="{3CE5F3B4-E08A-46D1-A0A0-712031519D9B}" srcId="{1E68D6D6-8D7B-46AD-90C4-65A938BB5C8A}" destId="{F62EA030-EF4C-4264-9187-29425B72A67D}" srcOrd="5" destOrd="0" parTransId="{DBC45882-7848-4886-B33D-6C1C075D0A1E}" sibTransId="{F2651D65-28EB-493C-84FF-F3198427E500}"/>
+    <dgm:cxn modelId="{BFE69754-216A-43CB-93FB-3805F495DD50}" srcId="{1E68D6D6-8D7B-46AD-90C4-65A938BB5C8A}" destId="{44BA54C5-1613-421E-8211-67FA2A4E5F4F}" srcOrd="1" destOrd="0" parTransId="{0F4BC458-C794-4572-9F8E-5BCC16F9D739}" sibTransId="{EED60C31-43B3-46C9-A30E-B960E01F85EA}"/>
+    <dgm:cxn modelId="{77FB7E20-8FDD-44AD-95DE-F2013A6E2977}" srcId="{7ED83C5F-20B4-45CB-9739-7440B3DC0A86}" destId="{42B7CB72-D4F2-4059-BE65-F22AE24E1C41}" srcOrd="1" destOrd="0" parTransId="{E2D66B80-12E6-44DD-9796-288B4458BABF}" sibTransId="{F1F61C7C-3030-4AFA-83B1-8A242AD47A8A}"/>
+    <dgm:cxn modelId="{41CF89B3-DC3D-4DB0-BD96-5FD1ED79DA8A}" srcId="{A417BD96-AAB1-435B-9E8C-E86E27030477}" destId="{AD852797-663B-40D8-BACB-2FD2F2A02723}" srcOrd="7" destOrd="0" parTransId="{046F79DA-5796-4605-82D1-9BBC8CB2FBB7}" sibTransId="{5755668E-5D2B-4A4A-9173-C57815E18FD0}"/>
+    <dgm:cxn modelId="{F141DC20-D2E4-441B-B61A-AD70574A231E}" type="presOf" srcId="{4F772856-7ED5-4ED6-80BA-A14947D71C52}" destId="{378A92BF-730C-4B89-A22F-11233B28DBA0}" srcOrd="0" destOrd="3" presId="urn:microsoft.com/office/officeart/2005/8/layout/hList6"/>
+    <dgm:cxn modelId="{BDFF3871-145D-410A-8BF9-3C49242A79E3}" type="presOf" srcId="{0D84E0D9-7310-4F29-92E4-3B806AC71FEC}" destId="{DB81FC91-547D-4887-B40A-6CFA1C435ABC}" srcOrd="0" destOrd="3" presId="urn:microsoft.com/office/officeart/2005/8/layout/hList6"/>
+    <dgm:cxn modelId="{01DC669F-9754-4284-A77E-E31ABE9265DD}" srcId="{1E68D6D6-8D7B-46AD-90C4-65A938BB5C8A}" destId="{9DF16E84-4124-48A7-93D9-FCAF0F0335F8}" srcOrd="4" destOrd="0" parTransId="{AB0FE13C-5806-4A98-9AFB-E4A90BD2CA72}" sibTransId="{0603E359-51C3-4730-8424-3AD39D78054A}"/>
+    <dgm:cxn modelId="{E1CA47BF-CB7C-47DE-9455-DB8F1DF22ECE}" type="presOf" srcId="{42B7CB72-D4F2-4059-BE65-F22AE24E1C41}" destId="{D33D3E6E-2DAB-49D5-A22D-8A7AE2AF2386}" srcOrd="0" destOrd="0" presId="urn:microsoft.com/office/officeart/2005/8/layout/hList6"/>
+    <dgm:cxn modelId="{B51E76B6-59EA-4182-95EC-8EBAF018CFF5}" type="presOf" srcId="{7ED83C5F-20B4-45CB-9739-7440B3DC0A86}" destId="{AC2181AB-8547-43ED-BD14-63E88DCAB410}" srcOrd="0" destOrd="0" presId="urn:microsoft.com/office/officeart/2005/8/layout/hList6"/>
     <dgm:cxn modelId="{08A3493B-10C5-4BDE-8E4B-90F7ADE6A705}" type="presOf" srcId="{5449584D-91EF-47DA-9175-8794495DF361}" destId="{378A92BF-730C-4B89-A22F-11233B28DBA0}" srcOrd="0" destOrd="1" presId="urn:microsoft.com/office/officeart/2005/8/layout/hList6"/>
-    <dgm:cxn modelId="{7633124D-A744-4D96-A024-9550905C73BD}" type="presOf" srcId="{F62EA030-EF4C-4264-9187-29425B72A67D}" destId="{DB81FC91-547D-4887-B40A-6CFA1C435ABC}" srcOrd="0" destOrd="6" presId="urn:microsoft.com/office/officeart/2005/8/layout/hList6"/>
-    <dgm:cxn modelId="{77FB7E20-8FDD-44AD-95DE-F2013A6E2977}" srcId="{7ED83C5F-20B4-45CB-9739-7440B3DC0A86}" destId="{42B7CB72-D4F2-4059-BE65-F22AE24E1C41}" srcOrd="1" destOrd="0" parTransId="{E2D66B80-12E6-44DD-9796-288B4458BABF}" sibTransId="{F1F61C7C-3030-4AFA-83B1-8A242AD47A8A}"/>
-    <dgm:cxn modelId="{C19DD70A-50E5-41CD-B0CD-1D1CC7432AF9}" type="presOf" srcId="{82C92D4A-BC39-4CAD-ADD6-23208CF33303}" destId="{D33D3E6E-2DAB-49D5-A22D-8A7AE2AF2386}" srcOrd="0" destOrd="2" presId="urn:microsoft.com/office/officeart/2005/8/layout/hList6"/>
+    <dgm:cxn modelId="{10F6BF29-AF8D-4B77-BE08-0E3D98E2A668}" srcId="{1E68D6D6-8D7B-46AD-90C4-65A938BB5C8A}" destId="{0D84E0D9-7310-4F29-92E4-3B806AC71FEC}" srcOrd="2" destOrd="0" parTransId="{46AE85BB-72F8-4448-A684-84A15F821C5A}" sibTransId="{FB681033-0C72-493B-A622-8E20536F1F8F}"/>
+    <dgm:cxn modelId="{F296287D-92F1-4795-85A4-09EC5D99BCFD}" type="presOf" srcId="{AD852797-663B-40D8-BACB-2FD2F2A02723}" destId="{378A92BF-730C-4B89-A22F-11233B28DBA0}" srcOrd="0" destOrd="8" presId="urn:microsoft.com/office/officeart/2005/8/layout/hList6"/>
+    <dgm:cxn modelId="{FB014557-F1E8-4144-BC6A-B5298627AD04}" type="presOf" srcId="{2482526B-B676-42F3-94C1-07B3B09077B3}" destId="{D33D3E6E-2DAB-49D5-A22D-8A7AE2AF2386}" srcOrd="0" destOrd="4" presId="urn:microsoft.com/office/officeart/2005/8/layout/hList6"/>
+    <dgm:cxn modelId="{8A5070DB-635E-4649-9C72-A4890A6D391B}" srcId="{A417BD96-AAB1-435B-9E8C-E86E27030477}" destId="{4F772856-7ED5-4ED6-80BA-A14947D71C52}" srcOrd="2" destOrd="0" parTransId="{7C989469-504B-462A-B48A-0F628C075F01}" sibTransId="{65F4C01E-C1D4-42AD-AB9A-8EE6025F5C27}"/>
+    <dgm:cxn modelId="{39AB66EC-220E-4F5B-B2C9-32CFFC4CD04F}" srcId="{42B7CB72-D4F2-4059-BE65-F22AE24E1C41}" destId="{85E5C8DC-2232-4CD0-A348-4E92EEA68D98}" srcOrd="2" destOrd="0" parTransId="{D2B23653-F2C9-4EB0-A04B-17D4C28C7B06}" sibTransId="{4A32B367-0832-42F4-A46A-29897D89D481}"/>
+    <dgm:cxn modelId="{B620D70C-BCB0-4DA3-8DDC-0738DCC56BE4}" srcId="{42B7CB72-D4F2-4059-BE65-F22AE24E1C41}" destId="{279E0C1F-CFA7-403D-94C8-0CF0930A2A77}" srcOrd="5" destOrd="0" parTransId="{B64B0D23-CC46-4147-B617-F785F58EC3B6}" sibTransId="{5E4E1F76-5B6F-43EF-B3E8-C3171F785280}"/>
+    <dgm:cxn modelId="{5E5A2A5A-D499-4471-A016-5A076E449770}" type="presOf" srcId="{321D9FFA-0154-47B8-BCE8-03EEBE5CF706}" destId="{378A92BF-730C-4B89-A22F-11233B28DBA0}" srcOrd="0" destOrd="5" presId="urn:microsoft.com/office/officeart/2005/8/layout/hList6"/>
+    <dgm:cxn modelId="{597A73C3-B91E-4F56-9064-9057384691F3}" type="presOf" srcId="{75A91B37-FAC7-4295-8E9D-65784DC854CB}" destId="{DB81FC91-547D-4887-B40A-6CFA1C435ABC}" srcOrd="0" destOrd="1" presId="urn:microsoft.com/office/officeart/2005/8/layout/hList6"/>
+    <dgm:cxn modelId="{56BFE388-4632-4725-BCC1-82794AF680B3}" type="presOf" srcId="{3CBE9BB1-785B-489B-BDF3-0B85D2BBD29E}" destId="{D33D3E6E-2DAB-49D5-A22D-8A7AE2AF2386}" srcOrd="0" destOrd="5" presId="urn:microsoft.com/office/officeart/2005/8/layout/hList6"/>
+    <dgm:cxn modelId="{6BD94F66-0C67-4170-A36B-49BF0A715490}" type="presOf" srcId="{51E82ECE-F621-411A-81EB-C98BAA570799}" destId="{D33D3E6E-2DAB-49D5-A22D-8A7AE2AF2386}" srcOrd="0" destOrd="1" presId="urn:microsoft.com/office/officeart/2005/8/layout/hList6"/>
     <dgm:cxn modelId="{6F23BF3C-89E6-4FDC-A321-AC1357A7F17E}" type="presOf" srcId="{44BA54C5-1613-421E-8211-67FA2A4E5F4F}" destId="{DB81FC91-547D-4887-B40A-6CFA1C435ABC}" srcOrd="0" destOrd="2" presId="urn:microsoft.com/office/officeart/2005/8/layout/hList6"/>
-    <dgm:cxn modelId="{BDFF3871-145D-410A-8BF9-3C49242A79E3}" type="presOf" srcId="{0D84E0D9-7310-4F29-92E4-3B806AC71FEC}" destId="{DB81FC91-547D-4887-B40A-6CFA1C435ABC}" srcOrd="0" destOrd="3" presId="urn:microsoft.com/office/officeart/2005/8/layout/hList6"/>
-    <dgm:cxn modelId="{56BFE388-4632-4725-BCC1-82794AF680B3}" type="presOf" srcId="{3CBE9BB1-785B-489B-BDF3-0B85D2BBD29E}" destId="{D33D3E6E-2DAB-49D5-A22D-8A7AE2AF2386}" srcOrd="0" destOrd="5" presId="urn:microsoft.com/office/officeart/2005/8/layout/hList6"/>
-    <dgm:cxn modelId="{0FC61371-B199-4A09-821C-C9C32537F592}" srcId="{A417BD96-AAB1-435B-9E8C-E86E27030477}" destId="{E93F7914-11FE-4465-9592-60E0999A9B8F}" srcOrd="6" destOrd="0" parTransId="{7C020B38-F1F9-4621-B34F-DF5A1B482941}" sibTransId="{F8CCF9D2-4835-426F-B1A9-B6EBADF6481D}"/>
-    <dgm:cxn modelId="{10F6BF29-AF8D-4B77-BE08-0E3D98E2A668}" srcId="{1E68D6D6-8D7B-46AD-90C4-65A938BB5C8A}" destId="{0D84E0D9-7310-4F29-92E4-3B806AC71FEC}" srcOrd="2" destOrd="0" parTransId="{46AE85BB-72F8-4448-A684-84A15F821C5A}" sibTransId="{FB681033-0C72-493B-A622-8E20536F1F8F}"/>
-    <dgm:cxn modelId="{1EF248AA-DC77-499E-9EAF-EB8D2D2856C7}" srcId="{42B7CB72-D4F2-4059-BE65-F22AE24E1C41}" destId="{51E82ECE-F621-411A-81EB-C98BAA570799}" srcOrd="0" destOrd="0" parTransId="{E4764083-F814-4D3E-8A68-C2EC0709EF3E}" sibTransId="{99392818-C4DA-473D-8A33-6052651E0EDB}"/>
-    <dgm:cxn modelId="{82C9C916-C632-48CA-BC34-61A3F6316258}" type="presOf" srcId="{9DF16E84-4124-48A7-93D9-FCAF0F0335F8}" destId="{DB81FC91-547D-4887-B40A-6CFA1C435ABC}" srcOrd="0" destOrd="5" presId="urn:microsoft.com/office/officeart/2005/8/layout/hList6"/>
     <dgm:cxn modelId="{A9E4B212-54EE-45AE-9ECF-12DFE9D8C900}" type="presOf" srcId="{1E68D6D6-8D7B-46AD-90C4-65A938BB5C8A}" destId="{DB81FC91-547D-4887-B40A-6CFA1C435ABC}" srcOrd="0" destOrd="0" presId="urn:microsoft.com/office/officeart/2005/8/layout/hList6"/>
-    <dgm:cxn modelId="{7DA6B1B0-FDF7-46AA-889F-AD48F1091692}" srcId="{42B7CB72-D4F2-4059-BE65-F22AE24E1C41}" destId="{2482526B-B676-42F3-94C1-07B3B09077B3}" srcOrd="3" destOrd="0" parTransId="{AD9BB8D5-2C50-4B9F-8CA5-3A5D31307D8A}" sibTransId="{1A637CB1-9D4D-439C-BF5C-DA087B3A3C3D}"/>
-    <dgm:cxn modelId="{6BD94F66-0C67-4170-A36B-49BF0A715490}" type="presOf" srcId="{51E82ECE-F621-411A-81EB-C98BAA570799}" destId="{D33D3E6E-2DAB-49D5-A22D-8A7AE2AF2386}" srcOrd="0" destOrd="1" presId="urn:microsoft.com/office/officeart/2005/8/layout/hList6"/>
-    <dgm:cxn modelId="{037399CE-3737-4166-81E5-2382E0876798}" type="presOf" srcId="{279E0C1F-CFA7-403D-94C8-0CF0930A2A77}" destId="{D33D3E6E-2DAB-49D5-A22D-8A7AE2AF2386}" srcOrd="0" destOrd="6" presId="urn:microsoft.com/office/officeart/2005/8/layout/hList6"/>
-    <dgm:cxn modelId="{39AB66EC-220E-4F5B-B2C9-32CFFC4CD04F}" srcId="{42B7CB72-D4F2-4059-BE65-F22AE24E1C41}" destId="{85E5C8DC-2232-4CD0-A348-4E92EEA68D98}" srcOrd="2" destOrd="0" parTransId="{D2B23653-F2C9-4EB0-A04B-17D4C28C7B06}" sibTransId="{4A32B367-0832-42F4-A46A-29897D89D481}"/>
-    <dgm:cxn modelId="{6DC344F6-1876-41D9-8E66-93734F10D750}" srcId="{42B7CB72-D4F2-4059-BE65-F22AE24E1C41}" destId="{528753BF-2EE3-42CB-A681-2D8933FDD593}" srcOrd="6" destOrd="0" parTransId="{C16C170E-6B88-475B-8AF5-EE85DA3DCCDE}" sibTransId="{F396871F-AED1-4AB3-8AAC-6BAB3FFB57C9}"/>
-    <dgm:cxn modelId="{3F716999-D407-4B6C-9DFE-35F11896B45B}" srcId="{7ED83C5F-20B4-45CB-9739-7440B3DC0A86}" destId="{A417BD96-AAB1-435B-9E8C-E86E27030477}" srcOrd="2" destOrd="0" parTransId="{8D5380D5-6C8A-42B2-9F8F-A0D20EE22D7C}" sibTransId="{18CA8202-3404-4E09-BA90-8FB9C121C8B1}"/>
-    <dgm:cxn modelId="{EE9272EE-552E-4BAD-8EF7-8B1882AC9515}" type="presOf" srcId="{E93F7914-11FE-4465-9592-60E0999A9B8F}" destId="{378A92BF-730C-4B89-A22F-11233B28DBA0}" srcOrd="0" destOrd="7" presId="urn:microsoft.com/office/officeart/2005/8/layout/hList6"/>
+    <dgm:cxn modelId="{405CB256-0FEC-464B-95B7-054A7FCBA1F8}" type="presOf" srcId="{A971C5B9-0EA0-43A5-9F8F-CF713F586D01}" destId="{378A92BF-730C-4B89-A22F-11233B28DBA0}" srcOrd="0" destOrd="2" presId="urn:microsoft.com/office/officeart/2005/8/layout/hList6"/>
+    <dgm:cxn modelId="{8717CD77-A072-423F-A3A0-2E6C6F009F4E}" srcId="{A417BD96-AAB1-435B-9E8C-E86E27030477}" destId="{A971C5B9-0EA0-43A5-9F8F-CF713F586D01}" srcOrd="1" destOrd="0" parTransId="{FE8D45B2-B41F-47BF-9C94-C82A27D89F97}" sibTransId="{4AA94A0D-AF81-4257-A904-CA006C26DA39}"/>
     <dgm:cxn modelId="{9BC964C5-62A0-4C70-BB5A-79453D32C380}" type="presParOf" srcId="{AC2181AB-8547-43ED-BD14-63E88DCAB410}" destId="{DB81FC91-547D-4887-B40A-6CFA1C435ABC}" srcOrd="0" destOrd="0" presId="urn:microsoft.com/office/officeart/2005/8/layout/hList6"/>
     <dgm:cxn modelId="{E7C74461-63F4-4BFF-A400-15CDBF064778}" type="presParOf" srcId="{AC2181AB-8547-43ED-BD14-63E88DCAB410}" destId="{ABFEFE6B-76FA-46AA-BB18-B35D6C2CAF9C}" srcOrd="1" destOrd="0" presId="urn:microsoft.com/office/officeart/2005/8/layout/hList6"/>
     <dgm:cxn modelId="{E131C541-D024-4E5E-8D28-B741B37896A8}" type="presParOf" srcId="{AC2181AB-8547-43ED-BD14-63E88DCAB410}" destId="{D33D3E6E-2DAB-49D5-A22D-8A7AE2AF2386}" srcOrd="2" destOrd="0" presId="urn:microsoft.com/office/officeart/2005/8/layout/hList6"/>
@@ -1996,7 +1996,7 @@
   <dgm:whole/>
   <dgm:extLst>
     <a:ext uri="http://schemas.microsoft.com/office/drawing/2008/diagram">
-      <dsp:dataModelExt xmlns:dsp="http://schemas.microsoft.com/office/drawing/2008/diagram" relId="rId6" minVer="http://schemas.openxmlformats.org/drawingml/2006/diagram"/>
+      <dsp:dataModelExt xmlns:dsp="http://schemas.microsoft.com/office/drawing/2008/diagram" relId="rId7" minVer="http://schemas.openxmlformats.org/drawingml/2006/diagram"/>
     </a:ext>
   </dgm:extLst>
 </dgm:dataModel>
@@ -2010,656 +2010,6 @@
       <dsp:cNvGrpSpPr/>
     </dsp:nvGrpSpPr>
     <dsp:grpSpPr/>
-    <dsp:sp modelId="{DB81FC91-547D-4887-B40A-6CFA1C435ABC}">
-      <dsp:nvSpPr>
-        <dsp:cNvPr id="0" name=""/>
-        <dsp:cNvSpPr/>
-      </dsp:nvSpPr>
-      <dsp:spPr>
-        <a:xfrm rot="16200000">
-          <a:off x="-956010" y="957014"/>
-          <a:ext cx="4525963" cy="2611933"/>
-        </a:xfrm>
-        <a:prstGeom prst="flowChartManualOperation">
-          <a:avLst/>
-        </a:prstGeom>
-        <a:solidFill>
-          <a:schemeClr val="accent1">
-            <a:hueOff val="0"/>
-            <a:satOff val="0"/>
-            <a:lumOff val="0"/>
-            <a:alphaOff val="0"/>
-          </a:schemeClr>
-        </a:solidFill>
-        <a:ln w="25400" cap="flat" cmpd="sng" algn="ctr">
-          <a:solidFill>
-            <a:schemeClr val="lt1">
-              <a:hueOff val="0"/>
-              <a:satOff val="0"/>
-              <a:lumOff val="0"/>
-              <a:alphaOff val="0"/>
-            </a:schemeClr>
-          </a:solidFill>
-          <a:prstDash val="solid"/>
-        </a:ln>
-        <a:effectLst/>
-      </dsp:spPr>
-      <dsp:style>
-        <a:lnRef idx="2">
-          <a:scrgbClr r="0" g="0" b="0"/>
-        </a:lnRef>
-        <a:fillRef idx="1">
-          <a:scrgbClr r="0" g="0" b="0"/>
-        </a:fillRef>
-        <a:effectRef idx="0">
-          <a:scrgbClr r="0" g="0" b="0"/>
-        </a:effectRef>
-        <a:fontRef idx="minor">
-          <a:schemeClr val="lt1"/>
-        </a:fontRef>
-      </dsp:style>
-      <dsp:txBody>
-        <a:bodyPr spcFirstLastPara="0" vert="horz" wrap="square" lIns="139700" tIns="0" rIns="140325" bIns="0" numCol="1" spcCol="1270" anchor="t" anchorCtr="0">
-          <a:noAutofit/>
-        </a:bodyPr>
-        <a:lstStyle/>
-        <a:p>
-          <a:pPr lvl="0" algn="l" defTabSz="977900">
-            <a:lnSpc>
-              <a:spcPct val="90000"/>
-            </a:lnSpc>
-            <a:spcBef>
-              <a:spcPct val="0"/>
-            </a:spcBef>
-            <a:spcAft>
-              <a:spcPct val="35000"/>
-            </a:spcAft>
-          </a:pPr>
-          <a:r>
-            <a:rPr lang="zh-CN" altLang="en-US" sz="2200" kern="1200" dirty="0" smtClean="0"/>
-            <a:t>语言类</a:t>
-          </a:r>
-          <a:endParaRPr lang="zh-CN" altLang="en-US" sz="2200" kern="1200" dirty="0"/>
-        </a:p>
-        <a:p>
-          <a:pPr marL="171450" lvl="1" indent="-171450" algn="l" defTabSz="755650">
-            <a:lnSpc>
-              <a:spcPct val="90000"/>
-            </a:lnSpc>
-            <a:spcBef>
-              <a:spcPct val="0"/>
-            </a:spcBef>
-            <a:spcAft>
-              <a:spcPct val="15000"/>
-            </a:spcAft>
-            <a:buChar char="••"/>
-          </a:pPr>
-          <a:r>
-            <a:rPr lang="en-US" altLang="zh-CN" sz="1700" kern="1200" dirty="0" smtClean="0"/>
-            <a:t>Java</a:t>
-          </a:r>
-          <a:r>
-            <a:rPr lang="zh-CN" altLang="en-US" sz="1700" kern="1200" dirty="0" smtClean="0"/>
-            <a:t>深入</a:t>
-          </a:r>
-          <a:endParaRPr lang="zh-CN" altLang="en-US" sz="1700" kern="1200" dirty="0"/>
-        </a:p>
-        <a:p>
-          <a:pPr marL="171450" lvl="1" indent="-171450" algn="l" defTabSz="755650">
-            <a:lnSpc>
-              <a:spcPct val="90000"/>
-            </a:lnSpc>
-            <a:spcBef>
-              <a:spcPct val="0"/>
-            </a:spcBef>
-            <a:spcAft>
-              <a:spcPct val="15000"/>
-            </a:spcAft>
-            <a:buChar char="••"/>
-          </a:pPr>
-          <a:r>
-            <a:rPr lang="en-US" altLang="zh-CN" sz="1700" kern="1200" dirty="0" smtClean="0"/>
-            <a:t>JS</a:t>
-          </a:r>
-          <a:r>
-            <a:rPr lang="zh-CN" altLang="en-US" sz="1700" kern="1200" dirty="0" smtClean="0"/>
-            <a:t>深入</a:t>
-          </a:r>
-          <a:endParaRPr lang="zh-CN" altLang="en-US" sz="1700" kern="1200" dirty="0"/>
-        </a:p>
-        <a:p>
-          <a:pPr marL="171450" lvl="1" indent="-171450" algn="l" defTabSz="755650">
-            <a:lnSpc>
-              <a:spcPct val="90000"/>
-            </a:lnSpc>
-            <a:spcBef>
-              <a:spcPct val="0"/>
-            </a:spcBef>
-            <a:spcAft>
-              <a:spcPct val="15000"/>
-            </a:spcAft>
-            <a:buChar char="••"/>
-          </a:pPr>
-          <a:r>
-            <a:rPr lang="en-US" altLang="zh-CN" sz="1700" kern="1200" dirty="0" smtClean="0"/>
-            <a:t>Python</a:t>
-          </a:r>
-          <a:endParaRPr lang="zh-CN" altLang="en-US" sz="1700" kern="1200" dirty="0"/>
-        </a:p>
-        <a:p>
-          <a:pPr marL="171450" lvl="1" indent="-171450" algn="l" defTabSz="755650">
-            <a:lnSpc>
-              <a:spcPct val="90000"/>
-            </a:lnSpc>
-            <a:spcBef>
-              <a:spcPct val="0"/>
-            </a:spcBef>
-            <a:spcAft>
-              <a:spcPct val="15000"/>
-            </a:spcAft>
-            <a:buChar char="••"/>
-          </a:pPr>
-          <a:r>
-            <a:rPr lang="en-US" sz="1700" kern="1200" dirty="0" err="1" smtClean="0"/>
-            <a:t>Scala</a:t>
-          </a:r>
-          <a:endParaRPr lang="zh-CN" altLang="en-US" sz="1700" kern="1200" dirty="0"/>
-        </a:p>
-        <a:p>
-          <a:pPr marL="171450" lvl="1" indent="-171450" algn="l" defTabSz="755650">
-            <a:lnSpc>
-              <a:spcPct val="90000"/>
-            </a:lnSpc>
-            <a:spcBef>
-              <a:spcPct val="0"/>
-            </a:spcBef>
-            <a:spcAft>
-              <a:spcPct val="15000"/>
-            </a:spcAft>
-            <a:buChar char="••"/>
-          </a:pPr>
-          <a:r>
-            <a:rPr lang="en-US" sz="1700" kern="1200" dirty="0" smtClean="0"/>
-            <a:t>Groovy</a:t>
-          </a:r>
-          <a:endParaRPr lang="zh-CN" altLang="en-US" sz="1700" kern="1200" dirty="0"/>
-        </a:p>
-        <a:p>
-          <a:pPr marL="171450" lvl="1" indent="-171450" algn="l" defTabSz="755650">
-            <a:lnSpc>
-              <a:spcPct val="90000"/>
-            </a:lnSpc>
-            <a:spcBef>
-              <a:spcPct val="0"/>
-            </a:spcBef>
-            <a:spcAft>
-              <a:spcPct val="15000"/>
-            </a:spcAft>
-            <a:buChar char="••"/>
-          </a:pPr>
-          <a:r>
-            <a:rPr lang="en-US" altLang="zh-CN" sz="1700" kern="1200" dirty="0" smtClean="0"/>
-            <a:t>Go</a:t>
-          </a:r>
-          <a:endParaRPr lang="zh-CN" altLang="en-US" sz="1700" kern="1200" dirty="0"/>
-        </a:p>
-      </dsp:txBody>
-      <dsp:txXfrm rot="5400000">
-        <a:off x="1005" y="905192"/>
-        <a:ext cx="2611933" cy="2715577"/>
-      </dsp:txXfrm>
-    </dsp:sp>
-    <dsp:sp modelId="{D33D3E6E-2DAB-49D5-A22D-8A7AE2AF2386}">
-      <dsp:nvSpPr>
-        <dsp:cNvPr id="0" name=""/>
-        <dsp:cNvSpPr/>
-      </dsp:nvSpPr>
-      <dsp:spPr>
-        <a:xfrm rot="16200000">
-          <a:off x="1851818" y="957014"/>
-          <a:ext cx="4525963" cy="2611933"/>
-        </a:xfrm>
-        <a:prstGeom prst="flowChartManualOperation">
-          <a:avLst/>
-        </a:prstGeom>
-        <a:solidFill>
-          <a:schemeClr val="accent1">
-            <a:hueOff val="0"/>
-            <a:satOff val="0"/>
-            <a:lumOff val="0"/>
-            <a:alphaOff val="0"/>
-          </a:schemeClr>
-        </a:solidFill>
-        <a:ln w="25400" cap="flat" cmpd="sng" algn="ctr">
-          <a:solidFill>
-            <a:schemeClr val="lt1">
-              <a:hueOff val="0"/>
-              <a:satOff val="0"/>
-              <a:lumOff val="0"/>
-              <a:alphaOff val="0"/>
-            </a:schemeClr>
-          </a:solidFill>
-          <a:prstDash val="solid"/>
-        </a:ln>
-        <a:effectLst/>
-      </dsp:spPr>
-      <dsp:style>
-        <a:lnRef idx="2">
-          <a:scrgbClr r="0" g="0" b="0"/>
-        </a:lnRef>
-        <a:fillRef idx="1">
-          <a:scrgbClr r="0" g="0" b="0"/>
-        </a:fillRef>
-        <a:effectRef idx="0">
-          <a:scrgbClr r="0" g="0" b="0"/>
-        </a:effectRef>
-        <a:fontRef idx="minor">
-          <a:schemeClr val="lt1"/>
-        </a:fontRef>
-      </dsp:style>
-      <dsp:txBody>
-        <a:bodyPr spcFirstLastPara="0" vert="horz" wrap="square" lIns="139700" tIns="0" rIns="140325" bIns="0" numCol="1" spcCol="1270" anchor="t" anchorCtr="0">
-          <a:noAutofit/>
-        </a:bodyPr>
-        <a:lstStyle/>
-        <a:p>
-          <a:pPr lvl="0" algn="l" defTabSz="977900">
-            <a:lnSpc>
-              <a:spcPct val="90000"/>
-            </a:lnSpc>
-            <a:spcBef>
-              <a:spcPct val="0"/>
-            </a:spcBef>
-            <a:spcAft>
-              <a:spcPct val="35000"/>
-            </a:spcAft>
-          </a:pPr>
-          <a:r>
-            <a:rPr lang="zh-CN" altLang="en-US" sz="2200" kern="1200" dirty="0" smtClean="0"/>
-            <a:t>框架</a:t>
-          </a:r>
-          <a:r>
-            <a:rPr lang="en-US" altLang="zh-CN" sz="2200" kern="1200" dirty="0" smtClean="0"/>
-            <a:t>&amp;</a:t>
-          </a:r>
-          <a:r>
-            <a:rPr lang="zh-CN" altLang="en-US" sz="2200" kern="1200" dirty="0" smtClean="0"/>
-            <a:t>环境类</a:t>
-          </a:r>
-          <a:endParaRPr lang="zh-CN" altLang="en-US" sz="2200" kern="1200" dirty="0"/>
-        </a:p>
-        <a:p>
-          <a:pPr marL="171450" lvl="1" indent="-171450" algn="l" defTabSz="755650">
-            <a:lnSpc>
-              <a:spcPct val="90000"/>
-            </a:lnSpc>
-            <a:spcBef>
-              <a:spcPct val="0"/>
-            </a:spcBef>
-            <a:spcAft>
-              <a:spcPct val="15000"/>
-            </a:spcAft>
-            <a:buChar char="••"/>
-          </a:pPr>
-          <a:r>
-            <a:rPr lang="en-US" altLang="zh-CN" sz="1700" kern="1200" dirty="0" err="1" smtClean="0"/>
-            <a:t>Hadoop</a:t>
-          </a:r>
-          <a:endParaRPr lang="zh-CN" altLang="en-US" sz="1700" kern="1200" dirty="0"/>
-        </a:p>
-        <a:p>
-          <a:pPr marL="171450" lvl="1" indent="-171450" algn="l" defTabSz="755650">
-            <a:lnSpc>
-              <a:spcPct val="90000"/>
-            </a:lnSpc>
-            <a:spcBef>
-              <a:spcPct val="0"/>
-            </a:spcBef>
-            <a:spcAft>
-              <a:spcPct val="15000"/>
-            </a:spcAft>
-            <a:buChar char="••"/>
-          </a:pPr>
-          <a:r>
-            <a:rPr lang="en-US" altLang="zh-CN" sz="1700" kern="1200" dirty="0" smtClean="0"/>
-            <a:t>Spring</a:t>
-          </a:r>
-          <a:r>
-            <a:rPr lang="zh-CN" altLang="en-US" sz="1700" kern="1200" dirty="0" smtClean="0"/>
-            <a:t>家族</a:t>
-          </a:r>
-          <a:endParaRPr lang="zh-CN" altLang="en-US" sz="1700" kern="1200" dirty="0"/>
-        </a:p>
-        <a:p>
-          <a:pPr marL="171450" lvl="1" indent="-171450" algn="l" defTabSz="755650">
-            <a:lnSpc>
-              <a:spcPct val="90000"/>
-            </a:lnSpc>
-            <a:spcBef>
-              <a:spcPct val="0"/>
-            </a:spcBef>
-            <a:spcAft>
-              <a:spcPct val="15000"/>
-            </a:spcAft>
-            <a:buChar char="••"/>
-          </a:pPr>
-          <a:r>
-            <a:rPr lang="en-US" altLang="zh-CN" sz="1700" kern="1200" dirty="0" err="1" smtClean="0"/>
-            <a:t>PhoneGap</a:t>
-          </a:r>
-          <a:endParaRPr lang="zh-CN" altLang="en-US" sz="1700" kern="1200" dirty="0"/>
-        </a:p>
-        <a:p>
-          <a:pPr marL="171450" lvl="1" indent="-171450" algn="l" defTabSz="755650">
-            <a:lnSpc>
-              <a:spcPct val="90000"/>
-            </a:lnSpc>
-            <a:spcBef>
-              <a:spcPct val="0"/>
-            </a:spcBef>
-            <a:spcAft>
-              <a:spcPct val="15000"/>
-            </a:spcAft>
-            <a:buChar char="••"/>
-          </a:pPr>
-          <a:r>
-            <a:rPr lang="en-US" altLang="en-US" sz="1700" kern="1200" dirty="0" err="1" smtClean="0"/>
-            <a:t>vert.x</a:t>
-          </a:r>
-          <a:endParaRPr lang="zh-CN" altLang="en-US" sz="1700" kern="1200" dirty="0"/>
-        </a:p>
-        <a:p>
-          <a:pPr marL="171450" lvl="1" indent="-171450" algn="l" defTabSz="755650">
-            <a:lnSpc>
-              <a:spcPct val="90000"/>
-            </a:lnSpc>
-            <a:spcBef>
-              <a:spcPct val="0"/>
-            </a:spcBef>
-            <a:spcAft>
-              <a:spcPct val="15000"/>
-            </a:spcAft>
-            <a:buChar char="••"/>
-          </a:pPr>
-          <a:r>
-            <a:rPr lang="en-US" altLang="zh-CN" sz="1700" kern="1200" dirty="0" err="1" smtClean="0"/>
-            <a:t>Nodejs</a:t>
-          </a:r>
-          <a:endParaRPr lang="zh-CN" altLang="en-US" sz="1700" kern="1200" dirty="0"/>
-        </a:p>
-        <a:p>
-          <a:pPr marL="171450" lvl="1" indent="-171450" algn="l" defTabSz="755650">
-            <a:lnSpc>
-              <a:spcPct val="90000"/>
-            </a:lnSpc>
-            <a:spcBef>
-              <a:spcPct val="0"/>
-            </a:spcBef>
-            <a:spcAft>
-              <a:spcPct val="15000"/>
-            </a:spcAft>
-            <a:buChar char="••"/>
-          </a:pPr>
-          <a:r>
-            <a:rPr lang="en-US" altLang="en-US" sz="1700" kern="1200" dirty="0" smtClean="0"/>
-            <a:t>Angular.js</a:t>
-          </a:r>
-          <a:endParaRPr lang="zh-CN" altLang="en-US" sz="1700" kern="1200" dirty="0"/>
-        </a:p>
-        <a:p>
-          <a:pPr marL="171450" lvl="1" indent="-171450" algn="l" defTabSz="755650">
-            <a:lnSpc>
-              <a:spcPct val="90000"/>
-            </a:lnSpc>
-            <a:spcBef>
-              <a:spcPct val="0"/>
-            </a:spcBef>
-            <a:spcAft>
-              <a:spcPct val="15000"/>
-            </a:spcAft>
-            <a:buChar char="••"/>
-          </a:pPr>
-          <a:r>
-            <a:rPr lang="en-US" altLang="zh-CN" sz="1700" kern="1200" dirty="0" err="1" smtClean="0"/>
-            <a:t>Django</a:t>
-          </a:r>
-          <a:endParaRPr lang="zh-CN" altLang="en-US" sz="1700" kern="1200" dirty="0"/>
-        </a:p>
-      </dsp:txBody>
-      <dsp:txXfrm rot="5400000">
-        <a:off x="2808833" y="905192"/>
-        <a:ext cx="2611933" cy="2715577"/>
-      </dsp:txXfrm>
-    </dsp:sp>
-    <dsp:sp modelId="{378A92BF-730C-4B89-A22F-11233B28DBA0}">
-      <dsp:nvSpPr>
-        <dsp:cNvPr id="0" name=""/>
-        <dsp:cNvSpPr/>
-      </dsp:nvSpPr>
-      <dsp:spPr>
-        <a:xfrm rot="16200000">
-          <a:off x="4659647" y="957014"/>
-          <a:ext cx="4525963" cy="2611933"/>
-        </a:xfrm>
-        <a:prstGeom prst="flowChartManualOperation">
-          <a:avLst/>
-        </a:prstGeom>
-        <a:solidFill>
-          <a:schemeClr val="accent1">
-            <a:hueOff val="0"/>
-            <a:satOff val="0"/>
-            <a:lumOff val="0"/>
-            <a:alphaOff val="0"/>
-          </a:schemeClr>
-        </a:solidFill>
-        <a:ln w="25400" cap="flat" cmpd="sng" algn="ctr">
-          <a:solidFill>
-            <a:schemeClr val="lt1">
-              <a:hueOff val="0"/>
-              <a:satOff val="0"/>
-              <a:lumOff val="0"/>
-              <a:alphaOff val="0"/>
-            </a:schemeClr>
-          </a:solidFill>
-          <a:prstDash val="solid"/>
-        </a:ln>
-        <a:effectLst/>
-      </dsp:spPr>
-      <dsp:style>
-        <a:lnRef idx="2">
-          <a:scrgbClr r="0" g="0" b="0"/>
-        </a:lnRef>
-        <a:fillRef idx="1">
-          <a:scrgbClr r="0" g="0" b="0"/>
-        </a:fillRef>
-        <a:effectRef idx="0">
-          <a:scrgbClr r="0" g="0" b="0"/>
-        </a:effectRef>
-        <a:fontRef idx="minor">
-          <a:schemeClr val="lt1"/>
-        </a:fontRef>
-      </dsp:style>
-      <dsp:txBody>
-        <a:bodyPr spcFirstLastPara="0" vert="horz" wrap="square" lIns="139700" tIns="0" rIns="140325" bIns="0" numCol="1" spcCol="1270" anchor="t" anchorCtr="0">
-          <a:noAutofit/>
-        </a:bodyPr>
-        <a:lstStyle/>
-        <a:p>
-          <a:pPr lvl="0" algn="l" defTabSz="977900">
-            <a:lnSpc>
-              <a:spcPct val="90000"/>
-            </a:lnSpc>
-            <a:spcBef>
-              <a:spcPct val="0"/>
-            </a:spcBef>
-            <a:spcAft>
-              <a:spcPct val="35000"/>
-            </a:spcAft>
-          </a:pPr>
-          <a:r>
-            <a:rPr lang="zh-CN" altLang="en-US" sz="2200" kern="1200" dirty="0" smtClean="0"/>
-            <a:t>设计架构类</a:t>
-          </a:r>
-          <a:endParaRPr lang="zh-CN" altLang="en-US" sz="2200" kern="1200" dirty="0"/>
-        </a:p>
-        <a:p>
-          <a:pPr marL="171450" lvl="1" indent="-171450" algn="l" defTabSz="755650">
-            <a:lnSpc>
-              <a:spcPct val="90000"/>
-            </a:lnSpc>
-            <a:spcBef>
-              <a:spcPct val="0"/>
-            </a:spcBef>
-            <a:spcAft>
-              <a:spcPct val="15000"/>
-            </a:spcAft>
-            <a:buChar char="••"/>
-          </a:pPr>
-          <a:r>
-            <a:rPr lang="en-US" altLang="zh-CN" sz="1700" kern="1200" dirty="0" smtClean="0"/>
-            <a:t>DDD</a:t>
-          </a:r>
-          <a:endParaRPr lang="zh-CN" altLang="en-US" sz="1700" kern="1200" dirty="0"/>
-        </a:p>
-        <a:p>
-          <a:pPr marL="171450" lvl="1" indent="-171450" algn="l" defTabSz="755650">
-            <a:lnSpc>
-              <a:spcPct val="90000"/>
-            </a:lnSpc>
-            <a:spcBef>
-              <a:spcPct val="0"/>
-            </a:spcBef>
-            <a:spcAft>
-              <a:spcPct val="15000"/>
-            </a:spcAft>
-            <a:buChar char="••"/>
-          </a:pPr>
-          <a:r>
-            <a:rPr lang="en-US" altLang="zh-CN" sz="1700" kern="1200" dirty="0" smtClean="0"/>
-            <a:t>Event D</a:t>
-          </a:r>
-          <a:r>
-            <a:rPr lang="zh-CN" sz="1700" b="0" kern="1200" dirty="0" smtClean="0"/>
-            <a:t>riven</a:t>
-          </a:r>
-          <a:endParaRPr lang="zh-CN" altLang="en-US" sz="1700" kern="1200" dirty="0"/>
-        </a:p>
-        <a:p>
-          <a:pPr marL="171450" lvl="1" indent="-171450" algn="l" defTabSz="755650">
-            <a:lnSpc>
-              <a:spcPct val="90000"/>
-            </a:lnSpc>
-            <a:spcBef>
-              <a:spcPct val="0"/>
-            </a:spcBef>
-            <a:spcAft>
-              <a:spcPct val="15000"/>
-            </a:spcAft>
-            <a:buChar char="••"/>
-          </a:pPr>
-          <a:r>
-            <a:rPr lang="zh-CN" altLang="en-US" sz="1700" kern="1200" dirty="0" smtClean="0"/>
-            <a:t>消息队列</a:t>
-          </a:r>
-          <a:endParaRPr lang="zh-CN" altLang="en-US" sz="1700" kern="1200" dirty="0"/>
-        </a:p>
-        <a:p>
-          <a:pPr marL="171450" lvl="1" indent="-171450" algn="l" defTabSz="755650">
-            <a:lnSpc>
-              <a:spcPct val="90000"/>
-            </a:lnSpc>
-            <a:spcBef>
-              <a:spcPct val="0"/>
-            </a:spcBef>
-            <a:spcAft>
-              <a:spcPct val="15000"/>
-            </a:spcAft>
-            <a:buChar char="••"/>
-          </a:pPr>
-          <a:r>
-            <a:rPr lang="zh-CN" altLang="en-US" sz="1700" kern="1200" dirty="0" smtClean="0"/>
-            <a:t>设计模式</a:t>
-          </a:r>
-          <a:endParaRPr lang="zh-CN" altLang="en-US" sz="1700" kern="1200" dirty="0"/>
-        </a:p>
-        <a:p>
-          <a:pPr marL="171450" lvl="1" indent="-171450" algn="l" defTabSz="755650">
-            <a:lnSpc>
-              <a:spcPct val="90000"/>
-            </a:lnSpc>
-            <a:spcBef>
-              <a:spcPct val="0"/>
-            </a:spcBef>
-            <a:spcAft>
-              <a:spcPct val="15000"/>
-            </a:spcAft>
-            <a:buChar char="••"/>
-          </a:pPr>
-          <a:r>
-            <a:rPr lang="en-US" altLang="zh-CN" sz="1700" kern="1200" dirty="0" err="1" smtClean="0"/>
-            <a:t>CloudStack</a:t>
-          </a:r>
-          <a:endParaRPr lang="zh-CN" altLang="en-US" sz="1700" kern="1200" dirty="0"/>
-        </a:p>
-        <a:p>
-          <a:pPr marL="171450" lvl="1" indent="-171450" algn="l" defTabSz="755650">
-            <a:lnSpc>
-              <a:spcPct val="90000"/>
-            </a:lnSpc>
-            <a:spcBef>
-              <a:spcPct val="0"/>
-            </a:spcBef>
-            <a:spcAft>
-              <a:spcPct val="15000"/>
-            </a:spcAft>
-            <a:buChar char="••"/>
-          </a:pPr>
-          <a:r>
-            <a:rPr lang="en-US" altLang="zh-CN" sz="1700" kern="1200" dirty="0" err="1" smtClean="0"/>
-            <a:t>Git</a:t>
-          </a:r>
-          <a:endParaRPr lang="zh-CN" altLang="en-US" sz="1700" kern="1200" dirty="0"/>
-        </a:p>
-        <a:p>
-          <a:pPr marL="171450" lvl="1" indent="-171450" algn="l" defTabSz="755650">
-            <a:lnSpc>
-              <a:spcPct val="90000"/>
-            </a:lnSpc>
-            <a:spcBef>
-              <a:spcPct val="0"/>
-            </a:spcBef>
-            <a:spcAft>
-              <a:spcPct val="15000"/>
-            </a:spcAft>
-            <a:buChar char="••"/>
-          </a:pPr>
-          <a:r>
-            <a:rPr lang="en-US" altLang="zh-CN" sz="1700" kern="1200" dirty="0" smtClean="0"/>
-            <a:t>CI</a:t>
-          </a:r>
-          <a:endParaRPr lang="zh-CN" altLang="en-US" sz="1700" kern="1200" dirty="0"/>
-        </a:p>
-        <a:p>
-          <a:pPr marL="171450" lvl="1" indent="-171450" algn="l" defTabSz="755650">
-            <a:lnSpc>
-              <a:spcPct val="90000"/>
-            </a:lnSpc>
-            <a:spcBef>
-              <a:spcPct val="0"/>
-            </a:spcBef>
-            <a:spcAft>
-              <a:spcPct val="15000"/>
-            </a:spcAft>
-            <a:buChar char="••"/>
-          </a:pPr>
-          <a:endParaRPr lang="zh-CN" altLang="en-US" sz="1700" kern="1200" dirty="0"/>
-        </a:p>
-      </dsp:txBody>
-      <dsp:txXfrm rot="5400000">
-        <a:off x="5616662" y="905192"/>
-        <a:ext cx="2611933" cy="2715577"/>
-      </dsp:txXfrm>
-    </dsp:sp>
   </dsp:spTree>
 </dsp:drawing>
 </file>
@@ -3952,7 +3302,7 @@
           <a:p>
             <a:fld id="{20691C44-5AA0-4D87-9EF9-F757AE918975}" type="datetimeFigureOut">
               <a:rPr lang="zh-CN" altLang="en-US" smtClean="0"/>
-              <a:t>2013/11/19</a:t>
+              <a:t>2013/11/20</a:t>
             </a:fld>
             <a:endParaRPr lang="zh-CN" altLang="en-US"/>
           </a:p>
@@ -4264,6 +3614,2610 @@
           <a:bodyPr/>
           <a:lstStyle/>
           <a:p>
+            <a:endParaRPr lang="zh-CN" altLang="en-US"/>
+          </a:p>
+        </p:txBody>
+      </p:sp>
+      <p:sp>
+        <p:nvSpPr>
+          <p:cNvPr id="4" name="灯片编号占位符 3"/>
+          <p:cNvSpPr>
+            <a:spLocks noGrp="1"/>
+          </p:cNvSpPr>
+          <p:nvPr>
+            <p:ph type="sldNum" sz="quarter" idx="10"/>
+          </p:nvPr>
+        </p:nvSpPr>
+        <p:spPr/>
+        <p:txBody>
+          <a:bodyPr/>
+          <a:lstStyle/>
+          <a:p>
+            <a:fld id="{26F4831F-6F0E-43EF-BED8-BEEBB84EC01E}" type="slidenum">
+              <a:rPr lang="zh-CN" altLang="en-US" smtClean="0"/>
+              <a:t>1</a:t>
+            </a:fld>
+            <a:endParaRPr lang="zh-CN" altLang="en-US"/>
+          </a:p>
+        </p:txBody>
+      </p:sp>
+    </p:spTree>
+    <p:extLst>
+      <p:ext uri="{BB962C8B-B14F-4D97-AF65-F5344CB8AC3E}">
+        <p14:creationId xmlns:p14="http://schemas.microsoft.com/office/powerpoint/2010/main" val="1499001777"/>
+      </p:ext>
+    </p:extLst>
+  </p:cSld>
+  <p:clrMapOvr>
+    <a:masterClrMapping/>
+  </p:clrMapOvr>
+</p:notes>
+</file>
+
+<file path=ppt/notesSlides/notesSlide10.xml><?xml version="1.0" encoding="utf-8"?>
+<p:notes xmlns:a="http://schemas.openxmlformats.org/drawingml/2006/main" xmlns:r="http://schemas.openxmlformats.org/officeDocument/2006/relationships" xmlns:p="http://schemas.openxmlformats.org/presentationml/2006/main">
+  <p:cSld>
+    <p:spTree>
+      <p:nvGrpSpPr>
+        <p:cNvPr id="1" name=""/>
+        <p:cNvGrpSpPr/>
+        <p:nvPr/>
+      </p:nvGrpSpPr>
+      <p:grpSpPr>
+        <a:xfrm>
+          <a:off x="0" y="0"/>
+          <a:ext cx="0" cy="0"/>
+          <a:chOff x="0" y="0"/>
+          <a:chExt cx="0" cy="0"/>
+        </a:xfrm>
+      </p:grpSpPr>
+      <p:sp>
+        <p:nvSpPr>
+          <p:cNvPr id="2" name="幻灯片图像占位符 1"/>
+          <p:cNvSpPr>
+            <a:spLocks noGrp="1" noRot="1" noChangeAspect="1"/>
+          </p:cNvSpPr>
+          <p:nvPr>
+            <p:ph type="sldImg"/>
+          </p:nvPr>
+        </p:nvSpPr>
+        <p:spPr/>
+      </p:sp>
+      <p:sp>
+        <p:nvSpPr>
+          <p:cNvPr id="3" name="备注占位符 2"/>
+          <p:cNvSpPr>
+            <a:spLocks noGrp="1"/>
+          </p:cNvSpPr>
+          <p:nvPr>
+            <p:ph type="body" idx="1"/>
+          </p:nvPr>
+        </p:nvSpPr>
+        <p:spPr/>
+        <p:txBody>
+          <a:bodyPr/>
+          <a:lstStyle/>
+          <a:p>
+            <a:endParaRPr lang="zh-CN" altLang="en-US"/>
+          </a:p>
+        </p:txBody>
+      </p:sp>
+      <p:sp>
+        <p:nvSpPr>
+          <p:cNvPr id="4" name="灯片编号占位符 3"/>
+          <p:cNvSpPr>
+            <a:spLocks noGrp="1"/>
+          </p:cNvSpPr>
+          <p:nvPr>
+            <p:ph type="sldNum" sz="quarter" idx="10"/>
+          </p:nvPr>
+        </p:nvSpPr>
+        <p:spPr/>
+        <p:txBody>
+          <a:bodyPr/>
+          <a:lstStyle/>
+          <a:p>
+            <a:fld id="{26F4831F-6F0E-43EF-BED8-BEEBB84EC01E}" type="slidenum">
+              <a:rPr lang="zh-CN" altLang="en-US" smtClean="0"/>
+              <a:t>10</a:t>
+            </a:fld>
+            <a:endParaRPr lang="zh-CN" altLang="en-US"/>
+          </a:p>
+        </p:txBody>
+      </p:sp>
+    </p:spTree>
+    <p:extLst>
+      <p:ext uri="{BB962C8B-B14F-4D97-AF65-F5344CB8AC3E}">
+        <p14:creationId xmlns:p14="http://schemas.microsoft.com/office/powerpoint/2010/main" val="284899293"/>
+      </p:ext>
+    </p:extLst>
+  </p:cSld>
+  <p:clrMapOvr>
+    <a:masterClrMapping/>
+  </p:clrMapOvr>
+</p:notes>
+</file>
+
+<file path=ppt/notesSlides/notesSlide11.xml><?xml version="1.0" encoding="utf-8"?>
+<p:notes xmlns:a="http://schemas.openxmlformats.org/drawingml/2006/main" xmlns:r="http://schemas.openxmlformats.org/officeDocument/2006/relationships" xmlns:p="http://schemas.openxmlformats.org/presentationml/2006/main">
+  <p:cSld>
+    <p:spTree>
+      <p:nvGrpSpPr>
+        <p:cNvPr id="1" name=""/>
+        <p:cNvGrpSpPr/>
+        <p:nvPr/>
+      </p:nvGrpSpPr>
+      <p:grpSpPr>
+        <a:xfrm>
+          <a:off x="0" y="0"/>
+          <a:ext cx="0" cy="0"/>
+          <a:chOff x="0" y="0"/>
+          <a:chExt cx="0" cy="0"/>
+        </a:xfrm>
+      </p:grpSpPr>
+      <p:sp>
+        <p:nvSpPr>
+          <p:cNvPr id="2" name="幻灯片图像占位符 1"/>
+          <p:cNvSpPr>
+            <a:spLocks noGrp="1" noRot="1" noChangeAspect="1"/>
+          </p:cNvSpPr>
+          <p:nvPr>
+            <p:ph type="sldImg"/>
+          </p:nvPr>
+        </p:nvSpPr>
+        <p:spPr/>
+      </p:sp>
+      <p:sp>
+        <p:nvSpPr>
+          <p:cNvPr id="3" name="备注占位符 2"/>
+          <p:cNvSpPr>
+            <a:spLocks noGrp="1"/>
+          </p:cNvSpPr>
+          <p:nvPr>
+            <p:ph type="body" idx="1"/>
+          </p:nvPr>
+        </p:nvSpPr>
+        <p:spPr/>
+        <p:txBody>
+          <a:bodyPr/>
+          <a:lstStyle/>
+          <a:p>
+            <a:endParaRPr lang="zh-CN" altLang="en-US"/>
+          </a:p>
+        </p:txBody>
+      </p:sp>
+      <p:sp>
+        <p:nvSpPr>
+          <p:cNvPr id="4" name="灯片编号占位符 3"/>
+          <p:cNvSpPr>
+            <a:spLocks noGrp="1"/>
+          </p:cNvSpPr>
+          <p:nvPr>
+            <p:ph type="sldNum" sz="quarter" idx="10"/>
+          </p:nvPr>
+        </p:nvSpPr>
+        <p:spPr/>
+        <p:txBody>
+          <a:bodyPr/>
+          <a:lstStyle/>
+          <a:p>
+            <a:fld id="{26F4831F-6F0E-43EF-BED8-BEEBB84EC01E}" type="slidenum">
+              <a:rPr lang="zh-CN" altLang="en-US" smtClean="0"/>
+              <a:t>11</a:t>
+            </a:fld>
+            <a:endParaRPr lang="zh-CN" altLang="en-US"/>
+          </a:p>
+        </p:txBody>
+      </p:sp>
+    </p:spTree>
+    <p:extLst>
+      <p:ext uri="{BB962C8B-B14F-4D97-AF65-F5344CB8AC3E}">
+        <p14:creationId xmlns:p14="http://schemas.microsoft.com/office/powerpoint/2010/main" val="3686778937"/>
+      </p:ext>
+    </p:extLst>
+  </p:cSld>
+  <p:clrMapOvr>
+    <a:masterClrMapping/>
+  </p:clrMapOvr>
+</p:notes>
+</file>
+
+<file path=ppt/notesSlides/notesSlide12.xml><?xml version="1.0" encoding="utf-8"?>
+<p:notes xmlns:a="http://schemas.openxmlformats.org/drawingml/2006/main" xmlns:r="http://schemas.openxmlformats.org/officeDocument/2006/relationships" xmlns:p="http://schemas.openxmlformats.org/presentationml/2006/main">
+  <p:cSld>
+    <p:spTree>
+      <p:nvGrpSpPr>
+        <p:cNvPr id="1" name=""/>
+        <p:cNvGrpSpPr/>
+        <p:nvPr/>
+      </p:nvGrpSpPr>
+      <p:grpSpPr>
+        <a:xfrm>
+          <a:off x="0" y="0"/>
+          <a:ext cx="0" cy="0"/>
+          <a:chOff x="0" y="0"/>
+          <a:chExt cx="0" cy="0"/>
+        </a:xfrm>
+      </p:grpSpPr>
+      <p:sp>
+        <p:nvSpPr>
+          <p:cNvPr id="2" name="幻灯片图像占位符 1"/>
+          <p:cNvSpPr>
+            <a:spLocks noGrp="1" noRot="1" noChangeAspect="1"/>
+          </p:cNvSpPr>
+          <p:nvPr>
+            <p:ph type="sldImg"/>
+          </p:nvPr>
+        </p:nvSpPr>
+        <p:spPr/>
+      </p:sp>
+      <p:sp>
+        <p:nvSpPr>
+          <p:cNvPr id="3" name="备注占位符 2"/>
+          <p:cNvSpPr>
+            <a:spLocks noGrp="1"/>
+          </p:cNvSpPr>
+          <p:nvPr>
+            <p:ph type="body" idx="1"/>
+          </p:nvPr>
+        </p:nvSpPr>
+        <p:spPr/>
+        <p:txBody>
+          <a:bodyPr/>
+          <a:lstStyle/>
+          <a:p>
+            <a:endParaRPr lang="zh-CN" altLang="en-US"/>
+          </a:p>
+        </p:txBody>
+      </p:sp>
+      <p:sp>
+        <p:nvSpPr>
+          <p:cNvPr id="4" name="灯片编号占位符 3"/>
+          <p:cNvSpPr>
+            <a:spLocks noGrp="1"/>
+          </p:cNvSpPr>
+          <p:nvPr>
+            <p:ph type="sldNum" sz="quarter" idx="10"/>
+          </p:nvPr>
+        </p:nvSpPr>
+        <p:spPr/>
+        <p:txBody>
+          <a:bodyPr/>
+          <a:lstStyle/>
+          <a:p>
+            <a:fld id="{26F4831F-6F0E-43EF-BED8-BEEBB84EC01E}" type="slidenum">
+              <a:rPr lang="zh-CN" altLang="en-US" smtClean="0"/>
+              <a:t>12</a:t>
+            </a:fld>
+            <a:endParaRPr lang="zh-CN" altLang="en-US"/>
+          </a:p>
+        </p:txBody>
+      </p:sp>
+    </p:spTree>
+    <p:extLst>
+      <p:ext uri="{BB962C8B-B14F-4D97-AF65-F5344CB8AC3E}">
+        <p14:creationId xmlns:p14="http://schemas.microsoft.com/office/powerpoint/2010/main" val="3928992781"/>
+      </p:ext>
+    </p:extLst>
+  </p:cSld>
+  <p:clrMapOvr>
+    <a:masterClrMapping/>
+  </p:clrMapOvr>
+</p:notes>
+</file>
+
+<file path=ppt/notesSlides/notesSlide13.xml><?xml version="1.0" encoding="utf-8"?>
+<p:notes xmlns:a="http://schemas.openxmlformats.org/drawingml/2006/main" xmlns:r="http://schemas.openxmlformats.org/officeDocument/2006/relationships" xmlns:p="http://schemas.openxmlformats.org/presentationml/2006/main">
+  <p:cSld>
+    <p:spTree>
+      <p:nvGrpSpPr>
+        <p:cNvPr id="1" name=""/>
+        <p:cNvGrpSpPr/>
+        <p:nvPr/>
+      </p:nvGrpSpPr>
+      <p:grpSpPr>
+        <a:xfrm>
+          <a:off x="0" y="0"/>
+          <a:ext cx="0" cy="0"/>
+          <a:chOff x="0" y="0"/>
+          <a:chExt cx="0" cy="0"/>
+        </a:xfrm>
+      </p:grpSpPr>
+      <p:sp>
+        <p:nvSpPr>
+          <p:cNvPr id="2" name="幻灯片图像占位符 1"/>
+          <p:cNvSpPr>
+            <a:spLocks noGrp="1" noRot="1" noChangeAspect="1"/>
+          </p:cNvSpPr>
+          <p:nvPr>
+            <p:ph type="sldImg"/>
+          </p:nvPr>
+        </p:nvSpPr>
+        <p:spPr/>
+      </p:sp>
+      <p:sp>
+        <p:nvSpPr>
+          <p:cNvPr id="3" name="备注占位符 2"/>
+          <p:cNvSpPr>
+            <a:spLocks noGrp="1"/>
+          </p:cNvSpPr>
+          <p:nvPr>
+            <p:ph type="body" idx="1"/>
+          </p:nvPr>
+        </p:nvSpPr>
+        <p:spPr/>
+        <p:txBody>
+          <a:bodyPr/>
+          <a:lstStyle/>
+          <a:p>
+            <a:endParaRPr lang="zh-CN" altLang="en-US"/>
+          </a:p>
+        </p:txBody>
+      </p:sp>
+      <p:sp>
+        <p:nvSpPr>
+          <p:cNvPr id="4" name="灯片编号占位符 3"/>
+          <p:cNvSpPr>
+            <a:spLocks noGrp="1"/>
+          </p:cNvSpPr>
+          <p:nvPr>
+            <p:ph type="sldNum" sz="quarter" idx="10"/>
+          </p:nvPr>
+        </p:nvSpPr>
+        <p:spPr/>
+        <p:txBody>
+          <a:bodyPr/>
+          <a:lstStyle/>
+          <a:p>
+            <a:fld id="{26F4831F-6F0E-43EF-BED8-BEEBB84EC01E}" type="slidenum">
+              <a:rPr lang="zh-CN" altLang="en-US" smtClean="0"/>
+              <a:t>13</a:t>
+            </a:fld>
+            <a:endParaRPr lang="zh-CN" altLang="en-US"/>
+          </a:p>
+        </p:txBody>
+      </p:sp>
+    </p:spTree>
+    <p:extLst>
+      <p:ext uri="{BB962C8B-B14F-4D97-AF65-F5344CB8AC3E}">
+        <p14:creationId xmlns:p14="http://schemas.microsoft.com/office/powerpoint/2010/main" val="227610556"/>
+      </p:ext>
+    </p:extLst>
+  </p:cSld>
+  <p:clrMapOvr>
+    <a:masterClrMapping/>
+  </p:clrMapOvr>
+</p:notes>
+</file>
+
+<file path=ppt/notesSlides/notesSlide14.xml><?xml version="1.0" encoding="utf-8"?>
+<p:notes xmlns:a="http://schemas.openxmlformats.org/drawingml/2006/main" xmlns:r="http://schemas.openxmlformats.org/officeDocument/2006/relationships" xmlns:p="http://schemas.openxmlformats.org/presentationml/2006/main">
+  <p:cSld>
+    <p:spTree>
+      <p:nvGrpSpPr>
+        <p:cNvPr id="1" name=""/>
+        <p:cNvGrpSpPr/>
+        <p:nvPr/>
+      </p:nvGrpSpPr>
+      <p:grpSpPr>
+        <a:xfrm>
+          <a:off x="0" y="0"/>
+          <a:ext cx="0" cy="0"/>
+          <a:chOff x="0" y="0"/>
+          <a:chExt cx="0" cy="0"/>
+        </a:xfrm>
+      </p:grpSpPr>
+      <p:sp>
+        <p:nvSpPr>
+          <p:cNvPr id="2" name="幻灯片图像占位符 1"/>
+          <p:cNvSpPr>
+            <a:spLocks noGrp="1" noRot="1" noChangeAspect="1"/>
+          </p:cNvSpPr>
+          <p:nvPr>
+            <p:ph type="sldImg"/>
+          </p:nvPr>
+        </p:nvSpPr>
+        <p:spPr/>
+      </p:sp>
+      <p:sp>
+        <p:nvSpPr>
+          <p:cNvPr id="3" name="备注占位符 2"/>
+          <p:cNvSpPr>
+            <a:spLocks noGrp="1"/>
+          </p:cNvSpPr>
+          <p:nvPr>
+            <p:ph type="body" idx="1"/>
+          </p:nvPr>
+        </p:nvSpPr>
+        <p:spPr/>
+        <p:txBody>
+          <a:bodyPr/>
+          <a:lstStyle/>
+          <a:p>
+            <a:endParaRPr lang="zh-CN" altLang="en-US"/>
+          </a:p>
+        </p:txBody>
+      </p:sp>
+      <p:sp>
+        <p:nvSpPr>
+          <p:cNvPr id="4" name="灯片编号占位符 3"/>
+          <p:cNvSpPr>
+            <a:spLocks noGrp="1"/>
+          </p:cNvSpPr>
+          <p:nvPr>
+            <p:ph type="sldNum" sz="quarter" idx="10"/>
+          </p:nvPr>
+        </p:nvSpPr>
+        <p:spPr/>
+        <p:txBody>
+          <a:bodyPr/>
+          <a:lstStyle/>
+          <a:p>
+            <a:fld id="{26F4831F-6F0E-43EF-BED8-BEEBB84EC01E}" type="slidenum">
+              <a:rPr lang="zh-CN" altLang="en-US" smtClean="0"/>
+              <a:t>14</a:t>
+            </a:fld>
+            <a:endParaRPr lang="zh-CN" altLang="en-US"/>
+          </a:p>
+        </p:txBody>
+      </p:sp>
+    </p:spTree>
+    <p:extLst>
+      <p:ext uri="{BB962C8B-B14F-4D97-AF65-F5344CB8AC3E}">
+        <p14:creationId xmlns:p14="http://schemas.microsoft.com/office/powerpoint/2010/main" val="1147284011"/>
+      </p:ext>
+    </p:extLst>
+  </p:cSld>
+  <p:clrMapOvr>
+    <a:masterClrMapping/>
+  </p:clrMapOvr>
+</p:notes>
+</file>
+
+<file path=ppt/notesSlides/notesSlide15.xml><?xml version="1.0" encoding="utf-8"?>
+<p:notes xmlns:a="http://schemas.openxmlformats.org/drawingml/2006/main" xmlns:r="http://schemas.openxmlformats.org/officeDocument/2006/relationships" xmlns:p="http://schemas.openxmlformats.org/presentationml/2006/main">
+  <p:cSld>
+    <p:spTree>
+      <p:nvGrpSpPr>
+        <p:cNvPr id="1" name=""/>
+        <p:cNvGrpSpPr/>
+        <p:nvPr/>
+      </p:nvGrpSpPr>
+      <p:grpSpPr>
+        <a:xfrm>
+          <a:off x="0" y="0"/>
+          <a:ext cx="0" cy="0"/>
+          <a:chOff x="0" y="0"/>
+          <a:chExt cx="0" cy="0"/>
+        </a:xfrm>
+      </p:grpSpPr>
+      <p:sp>
+        <p:nvSpPr>
+          <p:cNvPr id="2" name="幻灯片图像占位符 1"/>
+          <p:cNvSpPr>
+            <a:spLocks noGrp="1" noRot="1" noChangeAspect="1"/>
+          </p:cNvSpPr>
+          <p:nvPr>
+            <p:ph type="sldImg"/>
+          </p:nvPr>
+        </p:nvSpPr>
+        <p:spPr/>
+      </p:sp>
+      <p:sp>
+        <p:nvSpPr>
+          <p:cNvPr id="3" name="备注占位符 2"/>
+          <p:cNvSpPr>
+            <a:spLocks noGrp="1"/>
+          </p:cNvSpPr>
+          <p:nvPr>
+            <p:ph type="body" idx="1"/>
+          </p:nvPr>
+        </p:nvSpPr>
+        <p:spPr/>
+        <p:txBody>
+          <a:bodyPr/>
+          <a:lstStyle/>
+          <a:p>
+            <a:endParaRPr lang="zh-CN" altLang="en-US"/>
+          </a:p>
+        </p:txBody>
+      </p:sp>
+      <p:sp>
+        <p:nvSpPr>
+          <p:cNvPr id="4" name="灯片编号占位符 3"/>
+          <p:cNvSpPr>
+            <a:spLocks noGrp="1"/>
+          </p:cNvSpPr>
+          <p:nvPr>
+            <p:ph type="sldNum" sz="quarter" idx="10"/>
+          </p:nvPr>
+        </p:nvSpPr>
+        <p:spPr/>
+        <p:txBody>
+          <a:bodyPr/>
+          <a:lstStyle/>
+          <a:p>
+            <a:fld id="{26F4831F-6F0E-43EF-BED8-BEEBB84EC01E}" type="slidenum">
+              <a:rPr lang="zh-CN" altLang="en-US" smtClean="0"/>
+              <a:t>15</a:t>
+            </a:fld>
+            <a:endParaRPr lang="zh-CN" altLang="en-US"/>
+          </a:p>
+        </p:txBody>
+      </p:sp>
+    </p:spTree>
+    <p:extLst>
+      <p:ext uri="{BB962C8B-B14F-4D97-AF65-F5344CB8AC3E}">
+        <p14:creationId xmlns:p14="http://schemas.microsoft.com/office/powerpoint/2010/main" val="3420166040"/>
+      </p:ext>
+    </p:extLst>
+  </p:cSld>
+  <p:clrMapOvr>
+    <a:masterClrMapping/>
+  </p:clrMapOvr>
+</p:notes>
+</file>
+
+<file path=ppt/notesSlides/notesSlide16.xml><?xml version="1.0" encoding="utf-8"?>
+<p:notes xmlns:a="http://schemas.openxmlformats.org/drawingml/2006/main" xmlns:r="http://schemas.openxmlformats.org/officeDocument/2006/relationships" xmlns:p="http://schemas.openxmlformats.org/presentationml/2006/main">
+  <p:cSld>
+    <p:spTree>
+      <p:nvGrpSpPr>
+        <p:cNvPr id="1" name=""/>
+        <p:cNvGrpSpPr/>
+        <p:nvPr/>
+      </p:nvGrpSpPr>
+      <p:grpSpPr>
+        <a:xfrm>
+          <a:off x="0" y="0"/>
+          <a:ext cx="0" cy="0"/>
+          <a:chOff x="0" y="0"/>
+          <a:chExt cx="0" cy="0"/>
+        </a:xfrm>
+      </p:grpSpPr>
+      <p:sp>
+        <p:nvSpPr>
+          <p:cNvPr id="2" name="幻灯片图像占位符 1"/>
+          <p:cNvSpPr>
+            <a:spLocks noGrp="1" noRot="1" noChangeAspect="1"/>
+          </p:cNvSpPr>
+          <p:nvPr>
+            <p:ph type="sldImg"/>
+          </p:nvPr>
+        </p:nvSpPr>
+        <p:spPr/>
+      </p:sp>
+      <p:sp>
+        <p:nvSpPr>
+          <p:cNvPr id="3" name="备注占位符 2"/>
+          <p:cNvSpPr>
+            <a:spLocks noGrp="1"/>
+          </p:cNvSpPr>
+          <p:nvPr>
+            <p:ph type="body" idx="1"/>
+          </p:nvPr>
+        </p:nvSpPr>
+        <p:spPr/>
+        <p:txBody>
+          <a:bodyPr/>
+          <a:lstStyle/>
+          <a:p>
+            <a:endParaRPr lang="zh-CN" altLang="en-US"/>
+          </a:p>
+        </p:txBody>
+      </p:sp>
+      <p:sp>
+        <p:nvSpPr>
+          <p:cNvPr id="4" name="灯片编号占位符 3"/>
+          <p:cNvSpPr>
+            <a:spLocks noGrp="1"/>
+          </p:cNvSpPr>
+          <p:nvPr>
+            <p:ph type="sldNum" sz="quarter" idx="10"/>
+          </p:nvPr>
+        </p:nvSpPr>
+        <p:spPr/>
+        <p:txBody>
+          <a:bodyPr/>
+          <a:lstStyle/>
+          <a:p>
+            <a:fld id="{26F4831F-6F0E-43EF-BED8-BEEBB84EC01E}" type="slidenum">
+              <a:rPr lang="zh-CN" altLang="en-US" smtClean="0"/>
+              <a:t>16</a:t>
+            </a:fld>
+            <a:endParaRPr lang="zh-CN" altLang="en-US"/>
+          </a:p>
+        </p:txBody>
+      </p:sp>
+    </p:spTree>
+    <p:extLst>
+      <p:ext uri="{BB962C8B-B14F-4D97-AF65-F5344CB8AC3E}">
+        <p14:creationId xmlns:p14="http://schemas.microsoft.com/office/powerpoint/2010/main" val="3791614527"/>
+      </p:ext>
+    </p:extLst>
+  </p:cSld>
+  <p:clrMapOvr>
+    <a:masterClrMapping/>
+  </p:clrMapOvr>
+</p:notes>
+</file>
+
+<file path=ppt/notesSlides/notesSlide17.xml><?xml version="1.0" encoding="utf-8"?>
+<p:notes xmlns:a="http://schemas.openxmlformats.org/drawingml/2006/main" xmlns:r="http://schemas.openxmlformats.org/officeDocument/2006/relationships" xmlns:p="http://schemas.openxmlformats.org/presentationml/2006/main">
+  <p:cSld>
+    <p:spTree>
+      <p:nvGrpSpPr>
+        <p:cNvPr id="1" name=""/>
+        <p:cNvGrpSpPr/>
+        <p:nvPr/>
+      </p:nvGrpSpPr>
+      <p:grpSpPr>
+        <a:xfrm>
+          <a:off x="0" y="0"/>
+          <a:ext cx="0" cy="0"/>
+          <a:chOff x="0" y="0"/>
+          <a:chExt cx="0" cy="0"/>
+        </a:xfrm>
+      </p:grpSpPr>
+      <p:sp>
+        <p:nvSpPr>
+          <p:cNvPr id="2" name="幻灯片图像占位符 1"/>
+          <p:cNvSpPr>
+            <a:spLocks noGrp="1" noRot="1" noChangeAspect="1"/>
+          </p:cNvSpPr>
+          <p:nvPr>
+            <p:ph type="sldImg"/>
+          </p:nvPr>
+        </p:nvSpPr>
+        <p:spPr/>
+      </p:sp>
+      <p:sp>
+        <p:nvSpPr>
+          <p:cNvPr id="3" name="备注占位符 2"/>
+          <p:cNvSpPr>
+            <a:spLocks noGrp="1"/>
+          </p:cNvSpPr>
+          <p:nvPr>
+            <p:ph type="body" idx="1"/>
+          </p:nvPr>
+        </p:nvSpPr>
+        <p:spPr/>
+        <p:txBody>
+          <a:bodyPr/>
+          <a:lstStyle/>
+          <a:p>
+            <a:endParaRPr lang="zh-CN" altLang="en-US"/>
+          </a:p>
+        </p:txBody>
+      </p:sp>
+      <p:sp>
+        <p:nvSpPr>
+          <p:cNvPr id="4" name="灯片编号占位符 3"/>
+          <p:cNvSpPr>
+            <a:spLocks noGrp="1"/>
+          </p:cNvSpPr>
+          <p:nvPr>
+            <p:ph type="sldNum" sz="quarter" idx="10"/>
+          </p:nvPr>
+        </p:nvSpPr>
+        <p:spPr/>
+        <p:txBody>
+          <a:bodyPr/>
+          <a:lstStyle/>
+          <a:p>
+            <a:fld id="{26F4831F-6F0E-43EF-BED8-BEEBB84EC01E}" type="slidenum">
+              <a:rPr lang="zh-CN" altLang="en-US" smtClean="0"/>
+              <a:t>17</a:t>
+            </a:fld>
+            <a:endParaRPr lang="zh-CN" altLang="en-US"/>
+          </a:p>
+        </p:txBody>
+      </p:sp>
+    </p:spTree>
+    <p:extLst>
+      <p:ext uri="{BB962C8B-B14F-4D97-AF65-F5344CB8AC3E}">
+        <p14:creationId xmlns:p14="http://schemas.microsoft.com/office/powerpoint/2010/main" val="1720871181"/>
+      </p:ext>
+    </p:extLst>
+  </p:cSld>
+  <p:clrMapOvr>
+    <a:masterClrMapping/>
+  </p:clrMapOvr>
+</p:notes>
+</file>
+
+<file path=ppt/notesSlides/notesSlide18.xml><?xml version="1.0" encoding="utf-8"?>
+<p:notes xmlns:a="http://schemas.openxmlformats.org/drawingml/2006/main" xmlns:r="http://schemas.openxmlformats.org/officeDocument/2006/relationships" xmlns:p="http://schemas.openxmlformats.org/presentationml/2006/main">
+  <p:cSld>
+    <p:spTree>
+      <p:nvGrpSpPr>
+        <p:cNvPr id="1" name=""/>
+        <p:cNvGrpSpPr/>
+        <p:nvPr/>
+      </p:nvGrpSpPr>
+      <p:grpSpPr>
+        <a:xfrm>
+          <a:off x="0" y="0"/>
+          <a:ext cx="0" cy="0"/>
+          <a:chOff x="0" y="0"/>
+          <a:chExt cx="0" cy="0"/>
+        </a:xfrm>
+      </p:grpSpPr>
+      <p:sp>
+        <p:nvSpPr>
+          <p:cNvPr id="2" name="幻灯片图像占位符 1"/>
+          <p:cNvSpPr>
+            <a:spLocks noGrp="1" noRot="1" noChangeAspect="1"/>
+          </p:cNvSpPr>
+          <p:nvPr>
+            <p:ph type="sldImg"/>
+          </p:nvPr>
+        </p:nvSpPr>
+        <p:spPr/>
+      </p:sp>
+      <p:sp>
+        <p:nvSpPr>
+          <p:cNvPr id="3" name="备注占位符 2"/>
+          <p:cNvSpPr>
+            <a:spLocks noGrp="1"/>
+          </p:cNvSpPr>
+          <p:nvPr>
+            <p:ph type="body" idx="1"/>
+          </p:nvPr>
+        </p:nvSpPr>
+        <p:spPr/>
+        <p:txBody>
+          <a:bodyPr/>
+          <a:lstStyle/>
+          <a:p>
+            <a:endParaRPr lang="zh-CN" altLang="en-US"/>
+          </a:p>
+        </p:txBody>
+      </p:sp>
+      <p:sp>
+        <p:nvSpPr>
+          <p:cNvPr id="4" name="灯片编号占位符 3"/>
+          <p:cNvSpPr>
+            <a:spLocks noGrp="1"/>
+          </p:cNvSpPr>
+          <p:nvPr>
+            <p:ph type="sldNum" sz="quarter" idx="10"/>
+          </p:nvPr>
+        </p:nvSpPr>
+        <p:spPr/>
+        <p:txBody>
+          <a:bodyPr/>
+          <a:lstStyle/>
+          <a:p>
+            <a:fld id="{26F4831F-6F0E-43EF-BED8-BEEBB84EC01E}" type="slidenum">
+              <a:rPr lang="zh-CN" altLang="en-US" smtClean="0"/>
+              <a:t>18</a:t>
+            </a:fld>
+            <a:endParaRPr lang="zh-CN" altLang="en-US"/>
+          </a:p>
+        </p:txBody>
+      </p:sp>
+    </p:spTree>
+    <p:extLst>
+      <p:ext uri="{BB962C8B-B14F-4D97-AF65-F5344CB8AC3E}">
+        <p14:creationId xmlns:p14="http://schemas.microsoft.com/office/powerpoint/2010/main" val="1059962664"/>
+      </p:ext>
+    </p:extLst>
+  </p:cSld>
+  <p:clrMapOvr>
+    <a:masterClrMapping/>
+  </p:clrMapOvr>
+</p:notes>
+</file>
+
+<file path=ppt/notesSlides/notesSlide19.xml><?xml version="1.0" encoding="utf-8"?>
+<p:notes xmlns:a="http://schemas.openxmlformats.org/drawingml/2006/main" xmlns:r="http://schemas.openxmlformats.org/officeDocument/2006/relationships" xmlns:p="http://schemas.openxmlformats.org/presentationml/2006/main">
+  <p:cSld>
+    <p:spTree>
+      <p:nvGrpSpPr>
+        <p:cNvPr id="1" name=""/>
+        <p:cNvGrpSpPr/>
+        <p:nvPr/>
+      </p:nvGrpSpPr>
+      <p:grpSpPr>
+        <a:xfrm>
+          <a:off x="0" y="0"/>
+          <a:ext cx="0" cy="0"/>
+          <a:chOff x="0" y="0"/>
+          <a:chExt cx="0" cy="0"/>
+        </a:xfrm>
+      </p:grpSpPr>
+      <p:sp>
+        <p:nvSpPr>
+          <p:cNvPr id="2" name="幻灯片图像占位符 1"/>
+          <p:cNvSpPr>
+            <a:spLocks noGrp="1" noRot="1" noChangeAspect="1"/>
+          </p:cNvSpPr>
+          <p:nvPr>
+            <p:ph type="sldImg"/>
+          </p:nvPr>
+        </p:nvSpPr>
+        <p:spPr/>
+      </p:sp>
+      <p:sp>
+        <p:nvSpPr>
+          <p:cNvPr id="3" name="备注占位符 2"/>
+          <p:cNvSpPr>
+            <a:spLocks noGrp="1"/>
+          </p:cNvSpPr>
+          <p:nvPr>
+            <p:ph type="body" idx="1"/>
+          </p:nvPr>
+        </p:nvSpPr>
+        <p:spPr/>
+        <p:txBody>
+          <a:bodyPr/>
+          <a:lstStyle/>
+          <a:p>
+            <a:endParaRPr lang="zh-CN" altLang="en-US"/>
+          </a:p>
+        </p:txBody>
+      </p:sp>
+      <p:sp>
+        <p:nvSpPr>
+          <p:cNvPr id="4" name="灯片编号占位符 3"/>
+          <p:cNvSpPr>
+            <a:spLocks noGrp="1"/>
+          </p:cNvSpPr>
+          <p:nvPr>
+            <p:ph type="sldNum" sz="quarter" idx="10"/>
+          </p:nvPr>
+        </p:nvSpPr>
+        <p:spPr/>
+        <p:txBody>
+          <a:bodyPr/>
+          <a:lstStyle/>
+          <a:p>
+            <a:fld id="{26F4831F-6F0E-43EF-BED8-BEEBB84EC01E}" type="slidenum">
+              <a:rPr lang="zh-CN" altLang="en-US" smtClean="0"/>
+              <a:t>19</a:t>
+            </a:fld>
+            <a:endParaRPr lang="zh-CN" altLang="en-US"/>
+          </a:p>
+        </p:txBody>
+      </p:sp>
+    </p:spTree>
+    <p:extLst>
+      <p:ext uri="{BB962C8B-B14F-4D97-AF65-F5344CB8AC3E}">
+        <p14:creationId xmlns:p14="http://schemas.microsoft.com/office/powerpoint/2010/main" val="445478457"/>
+      </p:ext>
+    </p:extLst>
+  </p:cSld>
+  <p:clrMapOvr>
+    <a:masterClrMapping/>
+  </p:clrMapOvr>
+</p:notes>
+</file>
+
+<file path=ppt/notesSlides/notesSlide2.xml><?xml version="1.0" encoding="utf-8"?>
+<p:notes xmlns:a="http://schemas.openxmlformats.org/drawingml/2006/main" xmlns:r="http://schemas.openxmlformats.org/officeDocument/2006/relationships" xmlns:p="http://schemas.openxmlformats.org/presentationml/2006/main">
+  <p:cSld>
+    <p:spTree>
+      <p:nvGrpSpPr>
+        <p:cNvPr id="1" name=""/>
+        <p:cNvGrpSpPr/>
+        <p:nvPr/>
+      </p:nvGrpSpPr>
+      <p:grpSpPr>
+        <a:xfrm>
+          <a:off x="0" y="0"/>
+          <a:ext cx="0" cy="0"/>
+          <a:chOff x="0" y="0"/>
+          <a:chExt cx="0" cy="0"/>
+        </a:xfrm>
+      </p:grpSpPr>
+      <p:sp>
+        <p:nvSpPr>
+          <p:cNvPr id="2" name="幻灯片图像占位符 1"/>
+          <p:cNvSpPr>
+            <a:spLocks noGrp="1" noRot="1" noChangeAspect="1"/>
+          </p:cNvSpPr>
+          <p:nvPr>
+            <p:ph type="sldImg"/>
+          </p:nvPr>
+        </p:nvSpPr>
+        <p:spPr/>
+      </p:sp>
+      <p:sp>
+        <p:nvSpPr>
+          <p:cNvPr id="3" name="备注占位符 2"/>
+          <p:cNvSpPr>
+            <a:spLocks noGrp="1"/>
+          </p:cNvSpPr>
+          <p:nvPr>
+            <p:ph type="body" idx="1"/>
+          </p:nvPr>
+        </p:nvSpPr>
+        <p:spPr/>
+        <p:txBody>
+          <a:bodyPr/>
+          <a:lstStyle/>
+          <a:p>
+            <a:endParaRPr lang="zh-CN" altLang="en-US"/>
+          </a:p>
+        </p:txBody>
+      </p:sp>
+      <p:sp>
+        <p:nvSpPr>
+          <p:cNvPr id="4" name="灯片编号占位符 3"/>
+          <p:cNvSpPr>
+            <a:spLocks noGrp="1"/>
+          </p:cNvSpPr>
+          <p:nvPr>
+            <p:ph type="sldNum" sz="quarter" idx="10"/>
+          </p:nvPr>
+        </p:nvSpPr>
+        <p:spPr/>
+        <p:txBody>
+          <a:bodyPr/>
+          <a:lstStyle/>
+          <a:p>
+            <a:fld id="{26F4831F-6F0E-43EF-BED8-BEEBB84EC01E}" type="slidenum">
+              <a:rPr lang="zh-CN" altLang="en-US" smtClean="0"/>
+              <a:t>2</a:t>
+            </a:fld>
+            <a:endParaRPr lang="zh-CN" altLang="en-US"/>
+          </a:p>
+        </p:txBody>
+      </p:sp>
+    </p:spTree>
+    <p:extLst>
+      <p:ext uri="{BB962C8B-B14F-4D97-AF65-F5344CB8AC3E}">
+        <p14:creationId xmlns:p14="http://schemas.microsoft.com/office/powerpoint/2010/main" val="2577760875"/>
+      </p:ext>
+    </p:extLst>
+  </p:cSld>
+  <p:clrMapOvr>
+    <a:masterClrMapping/>
+  </p:clrMapOvr>
+</p:notes>
+</file>
+
+<file path=ppt/notesSlides/notesSlide20.xml><?xml version="1.0" encoding="utf-8"?>
+<p:notes xmlns:a="http://schemas.openxmlformats.org/drawingml/2006/main" xmlns:r="http://schemas.openxmlformats.org/officeDocument/2006/relationships" xmlns:p="http://schemas.openxmlformats.org/presentationml/2006/main">
+  <p:cSld>
+    <p:spTree>
+      <p:nvGrpSpPr>
+        <p:cNvPr id="1" name=""/>
+        <p:cNvGrpSpPr/>
+        <p:nvPr/>
+      </p:nvGrpSpPr>
+      <p:grpSpPr>
+        <a:xfrm>
+          <a:off x="0" y="0"/>
+          <a:ext cx="0" cy="0"/>
+          <a:chOff x="0" y="0"/>
+          <a:chExt cx="0" cy="0"/>
+        </a:xfrm>
+      </p:grpSpPr>
+      <p:sp>
+        <p:nvSpPr>
+          <p:cNvPr id="2" name="幻灯片图像占位符 1"/>
+          <p:cNvSpPr>
+            <a:spLocks noGrp="1" noRot="1" noChangeAspect="1"/>
+          </p:cNvSpPr>
+          <p:nvPr>
+            <p:ph type="sldImg"/>
+          </p:nvPr>
+        </p:nvSpPr>
+        <p:spPr/>
+      </p:sp>
+      <p:sp>
+        <p:nvSpPr>
+          <p:cNvPr id="3" name="备注占位符 2"/>
+          <p:cNvSpPr>
+            <a:spLocks noGrp="1"/>
+          </p:cNvSpPr>
+          <p:nvPr>
+            <p:ph type="body" idx="1"/>
+          </p:nvPr>
+        </p:nvSpPr>
+        <p:spPr/>
+        <p:txBody>
+          <a:bodyPr/>
+          <a:lstStyle/>
+          <a:p>
+            <a:endParaRPr lang="zh-CN" altLang="en-US"/>
+          </a:p>
+        </p:txBody>
+      </p:sp>
+      <p:sp>
+        <p:nvSpPr>
+          <p:cNvPr id="4" name="灯片编号占位符 3"/>
+          <p:cNvSpPr>
+            <a:spLocks noGrp="1"/>
+          </p:cNvSpPr>
+          <p:nvPr>
+            <p:ph type="sldNum" sz="quarter" idx="10"/>
+          </p:nvPr>
+        </p:nvSpPr>
+        <p:spPr/>
+        <p:txBody>
+          <a:bodyPr/>
+          <a:lstStyle/>
+          <a:p>
+            <a:fld id="{26F4831F-6F0E-43EF-BED8-BEEBB84EC01E}" type="slidenum">
+              <a:rPr lang="zh-CN" altLang="en-US" smtClean="0"/>
+              <a:t>20</a:t>
+            </a:fld>
+            <a:endParaRPr lang="zh-CN" altLang="en-US"/>
+          </a:p>
+        </p:txBody>
+      </p:sp>
+    </p:spTree>
+    <p:extLst>
+      <p:ext uri="{BB962C8B-B14F-4D97-AF65-F5344CB8AC3E}">
+        <p14:creationId xmlns:p14="http://schemas.microsoft.com/office/powerpoint/2010/main" val="2784462405"/>
+      </p:ext>
+    </p:extLst>
+  </p:cSld>
+  <p:clrMapOvr>
+    <a:masterClrMapping/>
+  </p:clrMapOvr>
+</p:notes>
+</file>
+
+<file path=ppt/notesSlides/notesSlide21.xml><?xml version="1.0" encoding="utf-8"?>
+<p:notes xmlns:a="http://schemas.openxmlformats.org/drawingml/2006/main" xmlns:r="http://schemas.openxmlformats.org/officeDocument/2006/relationships" xmlns:p="http://schemas.openxmlformats.org/presentationml/2006/main">
+  <p:cSld>
+    <p:spTree>
+      <p:nvGrpSpPr>
+        <p:cNvPr id="1" name=""/>
+        <p:cNvGrpSpPr/>
+        <p:nvPr/>
+      </p:nvGrpSpPr>
+      <p:grpSpPr>
+        <a:xfrm>
+          <a:off x="0" y="0"/>
+          <a:ext cx="0" cy="0"/>
+          <a:chOff x="0" y="0"/>
+          <a:chExt cx="0" cy="0"/>
+        </a:xfrm>
+      </p:grpSpPr>
+      <p:sp>
+        <p:nvSpPr>
+          <p:cNvPr id="2" name="幻灯片图像占位符 1"/>
+          <p:cNvSpPr>
+            <a:spLocks noGrp="1" noRot="1" noChangeAspect="1"/>
+          </p:cNvSpPr>
+          <p:nvPr>
+            <p:ph type="sldImg"/>
+          </p:nvPr>
+        </p:nvSpPr>
+        <p:spPr/>
+      </p:sp>
+      <p:sp>
+        <p:nvSpPr>
+          <p:cNvPr id="3" name="备注占位符 2"/>
+          <p:cNvSpPr>
+            <a:spLocks noGrp="1"/>
+          </p:cNvSpPr>
+          <p:nvPr>
+            <p:ph type="body" idx="1"/>
+          </p:nvPr>
+        </p:nvSpPr>
+        <p:spPr/>
+        <p:txBody>
+          <a:bodyPr/>
+          <a:lstStyle/>
+          <a:p>
+            <a:endParaRPr lang="zh-CN" altLang="en-US"/>
+          </a:p>
+        </p:txBody>
+      </p:sp>
+      <p:sp>
+        <p:nvSpPr>
+          <p:cNvPr id="4" name="灯片编号占位符 3"/>
+          <p:cNvSpPr>
+            <a:spLocks noGrp="1"/>
+          </p:cNvSpPr>
+          <p:nvPr>
+            <p:ph type="sldNum" sz="quarter" idx="10"/>
+          </p:nvPr>
+        </p:nvSpPr>
+        <p:spPr/>
+        <p:txBody>
+          <a:bodyPr/>
+          <a:lstStyle/>
+          <a:p>
+            <a:fld id="{26F4831F-6F0E-43EF-BED8-BEEBB84EC01E}" type="slidenum">
+              <a:rPr lang="zh-CN" altLang="en-US" smtClean="0"/>
+              <a:t>21</a:t>
+            </a:fld>
+            <a:endParaRPr lang="zh-CN" altLang="en-US"/>
+          </a:p>
+        </p:txBody>
+      </p:sp>
+    </p:spTree>
+    <p:extLst>
+      <p:ext uri="{BB962C8B-B14F-4D97-AF65-F5344CB8AC3E}">
+        <p14:creationId xmlns:p14="http://schemas.microsoft.com/office/powerpoint/2010/main" val="2835655545"/>
+      </p:ext>
+    </p:extLst>
+  </p:cSld>
+  <p:clrMapOvr>
+    <a:masterClrMapping/>
+  </p:clrMapOvr>
+</p:notes>
+</file>
+
+<file path=ppt/notesSlides/notesSlide22.xml><?xml version="1.0" encoding="utf-8"?>
+<p:notes xmlns:a="http://schemas.openxmlformats.org/drawingml/2006/main" xmlns:r="http://schemas.openxmlformats.org/officeDocument/2006/relationships" xmlns:p="http://schemas.openxmlformats.org/presentationml/2006/main">
+  <p:cSld>
+    <p:spTree>
+      <p:nvGrpSpPr>
+        <p:cNvPr id="1" name=""/>
+        <p:cNvGrpSpPr/>
+        <p:nvPr/>
+      </p:nvGrpSpPr>
+      <p:grpSpPr>
+        <a:xfrm>
+          <a:off x="0" y="0"/>
+          <a:ext cx="0" cy="0"/>
+          <a:chOff x="0" y="0"/>
+          <a:chExt cx="0" cy="0"/>
+        </a:xfrm>
+      </p:grpSpPr>
+      <p:sp>
+        <p:nvSpPr>
+          <p:cNvPr id="2" name="幻灯片图像占位符 1"/>
+          <p:cNvSpPr>
+            <a:spLocks noGrp="1" noRot="1" noChangeAspect="1"/>
+          </p:cNvSpPr>
+          <p:nvPr>
+            <p:ph type="sldImg"/>
+          </p:nvPr>
+        </p:nvSpPr>
+        <p:spPr/>
+      </p:sp>
+      <p:sp>
+        <p:nvSpPr>
+          <p:cNvPr id="3" name="备注占位符 2"/>
+          <p:cNvSpPr>
+            <a:spLocks noGrp="1"/>
+          </p:cNvSpPr>
+          <p:nvPr>
+            <p:ph type="body" idx="1"/>
+          </p:nvPr>
+        </p:nvSpPr>
+        <p:spPr/>
+        <p:txBody>
+          <a:bodyPr/>
+          <a:lstStyle/>
+          <a:p>
+            <a:endParaRPr lang="zh-CN" altLang="en-US"/>
+          </a:p>
+        </p:txBody>
+      </p:sp>
+      <p:sp>
+        <p:nvSpPr>
+          <p:cNvPr id="4" name="灯片编号占位符 3"/>
+          <p:cNvSpPr>
+            <a:spLocks noGrp="1"/>
+          </p:cNvSpPr>
+          <p:nvPr>
+            <p:ph type="sldNum" sz="quarter" idx="10"/>
+          </p:nvPr>
+        </p:nvSpPr>
+        <p:spPr/>
+        <p:txBody>
+          <a:bodyPr/>
+          <a:lstStyle/>
+          <a:p>
+            <a:fld id="{26F4831F-6F0E-43EF-BED8-BEEBB84EC01E}" type="slidenum">
+              <a:rPr lang="zh-CN" altLang="en-US" smtClean="0"/>
+              <a:t>22</a:t>
+            </a:fld>
+            <a:endParaRPr lang="zh-CN" altLang="en-US"/>
+          </a:p>
+        </p:txBody>
+      </p:sp>
+    </p:spTree>
+    <p:extLst>
+      <p:ext uri="{BB962C8B-B14F-4D97-AF65-F5344CB8AC3E}">
+        <p14:creationId xmlns:p14="http://schemas.microsoft.com/office/powerpoint/2010/main" val="1986808472"/>
+      </p:ext>
+    </p:extLst>
+  </p:cSld>
+  <p:clrMapOvr>
+    <a:masterClrMapping/>
+  </p:clrMapOvr>
+</p:notes>
+</file>
+
+<file path=ppt/notesSlides/notesSlide23.xml><?xml version="1.0" encoding="utf-8"?>
+<p:notes xmlns:a="http://schemas.openxmlformats.org/drawingml/2006/main" xmlns:r="http://schemas.openxmlformats.org/officeDocument/2006/relationships" xmlns:p="http://schemas.openxmlformats.org/presentationml/2006/main">
+  <p:cSld>
+    <p:spTree>
+      <p:nvGrpSpPr>
+        <p:cNvPr id="1" name=""/>
+        <p:cNvGrpSpPr/>
+        <p:nvPr/>
+      </p:nvGrpSpPr>
+      <p:grpSpPr>
+        <a:xfrm>
+          <a:off x="0" y="0"/>
+          <a:ext cx="0" cy="0"/>
+          <a:chOff x="0" y="0"/>
+          <a:chExt cx="0" cy="0"/>
+        </a:xfrm>
+      </p:grpSpPr>
+      <p:sp>
+        <p:nvSpPr>
+          <p:cNvPr id="2" name="幻灯片图像占位符 1"/>
+          <p:cNvSpPr>
+            <a:spLocks noGrp="1" noRot="1" noChangeAspect="1"/>
+          </p:cNvSpPr>
+          <p:nvPr>
+            <p:ph type="sldImg"/>
+          </p:nvPr>
+        </p:nvSpPr>
+        <p:spPr/>
+      </p:sp>
+      <p:sp>
+        <p:nvSpPr>
+          <p:cNvPr id="3" name="备注占位符 2"/>
+          <p:cNvSpPr>
+            <a:spLocks noGrp="1"/>
+          </p:cNvSpPr>
+          <p:nvPr>
+            <p:ph type="body" idx="1"/>
+          </p:nvPr>
+        </p:nvSpPr>
+        <p:spPr/>
+        <p:txBody>
+          <a:bodyPr/>
+          <a:lstStyle/>
+          <a:p>
+            <a:endParaRPr lang="zh-CN" altLang="en-US"/>
+          </a:p>
+        </p:txBody>
+      </p:sp>
+      <p:sp>
+        <p:nvSpPr>
+          <p:cNvPr id="4" name="灯片编号占位符 3"/>
+          <p:cNvSpPr>
+            <a:spLocks noGrp="1"/>
+          </p:cNvSpPr>
+          <p:nvPr>
+            <p:ph type="sldNum" sz="quarter" idx="10"/>
+          </p:nvPr>
+        </p:nvSpPr>
+        <p:spPr/>
+        <p:txBody>
+          <a:bodyPr/>
+          <a:lstStyle/>
+          <a:p>
+            <a:fld id="{26F4831F-6F0E-43EF-BED8-BEEBB84EC01E}" type="slidenum">
+              <a:rPr lang="zh-CN" altLang="en-US" smtClean="0"/>
+              <a:t>23</a:t>
+            </a:fld>
+            <a:endParaRPr lang="zh-CN" altLang="en-US"/>
+          </a:p>
+        </p:txBody>
+      </p:sp>
+    </p:spTree>
+    <p:extLst>
+      <p:ext uri="{BB962C8B-B14F-4D97-AF65-F5344CB8AC3E}">
+        <p14:creationId xmlns:p14="http://schemas.microsoft.com/office/powerpoint/2010/main" val="1082322648"/>
+      </p:ext>
+    </p:extLst>
+  </p:cSld>
+  <p:clrMapOvr>
+    <a:masterClrMapping/>
+  </p:clrMapOvr>
+</p:notes>
+</file>
+
+<file path=ppt/notesSlides/notesSlide24.xml><?xml version="1.0" encoding="utf-8"?>
+<p:notes xmlns:a="http://schemas.openxmlformats.org/drawingml/2006/main" xmlns:r="http://schemas.openxmlformats.org/officeDocument/2006/relationships" xmlns:p="http://schemas.openxmlformats.org/presentationml/2006/main">
+  <p:cSld>
+    <p:spTree>
+      <p:nvGrpSpPr>
+        <p:cNvPr id="1" name=""/>
+        <p:cNvGrpSpPr/>
+        <p:nvPr/>
+      </p:nvGrpSpPr>
+      <p:grpSpPr>
+        <a:xfrm>
+          <a:off x="0" y="0"/>
+          <a:ext cx="0" cy="0"/>
+          <a:chOff x="0" y="0"/>
+          <a:chExt cx="0" cy="0"/>
+        </a:xfrm>
+      </p:grpSpPr>
+      <p:sp>
+        <p:nvSpPr>
+          <p:cNvPr id="2" name="幻灯片图像占位符 1"/>
+          <p:cNvSpPr>
+            <a:spLocks noGrp="1" noRot="1" noChangeAspect="1"/>
+          </p:cNvSpPr>
+          <p:nvPr>
+            <p:ph type="sldImg"/>
+          </p:nvPr>
+        </p:nvSpPr>
+        <p:spPr/>
+      </p:sp>
+      <p:sp>
+        <p:nvSpPr>
+          <p:cNvPr id="3" name="备注占位符 2"/>
+          <p:cNvSpPr>
+            <a:spLocks noGrp="1"/>
+          </p:cNvSpPr>
+          <p:nvPr>
+            <p:ph type="body" idx="1"/>
+          </p:nvPr>
+        </p:nvSpPr>
+        <p:spPr/>
+        <p:txBody>
+          <a:bodyPr/>
+          <a:lstStyle/>
+          <a:p>
+            <a:endParaRPr lang="zh-CN" altLang="en-US"/>
+          </a:p>
+        </p:txBody>
+      </p:sp>
+      <p:sp>
+        <p:nvSpPr>
+          <p:cNvPr id="4" name="灯片编号占位符 3"/>
+          <p:cNvSpPr>
+            <a:spLocks noGrp="1"/>
+          </p:cNvSpPr>
+          <p:nvPr>
+            <p:ph type="sldNum" sz="quarter" idx="10"/>
+          </p:nvPr>
+        </p:nvSpPr>
+        <p:spPr/>
+        <p:txBody>
+          <a:bodyPr/>
+          <a:lstStyle/>
+          <a:p>
+            <a:fld id="{26F4831F-6F0E-43EF-BED8-BEEBB84EC01E}" type="slidenum">
+              <a:rPr lang="zh-CN" altLang="en-US" smtClean="0"/>
+              <a:t>24</a:t>
+            </a:fld>
+            <a:endParaRPr lang="zh-CN" altLang="en-US"/>
+          </a:p>
+        </p:txBody>
+      </p:sp>
+    </p:spTree>
+    <p:extLst>
+      <p:ext uri="{BB962C8B-B14F-4D97-AF65-F5344CB8AC3E}">
+        <p14:creationId xmlns:p14="http://schemas.microsoft.com/office/powerpoint/2010/main" val="295174620"/>
+      </p:ext>
+    </p:extLst>
+  </p:cSld>
+  <p:clrMapOvr>
+    <a:masterClrMapping/>
+  </p:clrMapOvr>
+</p:notes>
+</file>
+
+<file path=ppt/notesSlides/notesSlide25.xml><?xml version="1.0" encoding="utf-8"?>
+<p:notes xmlns:a="http://schemas.openxmlformats.org/drawingml/2006/main" xmlns:r="http://schemas.openxmlformats.org/officeDocument/2006/relationships" xmlns:p="http://schemas.openxmlformats.org/presentationml/2006/main">
+  <p:cSld>
+    <p:spTree>
+      <p:nvGrpSpPr>
+        <p:cNvPr id="1" name=""/>
+        <p:cNvGrpSpPr/>
+        <p:nvPr/>
+      </p:nvGrpSpPr>
+      <p:grpSpPr>
+        <a:xfrm>
+          <a:off x="0" y="0"/>
+          <a:ext cx="0" cy="0"/>
+          <a:chOff x="0" y="0"/>
+          <a:chExt cx="0" cy="0"/>
+        </a:xfrm>
+      </p:grpSpPr>
+      <p:sp>
+        <p:nvSpPr>
+          <p:cNvPr id="2" name="幻灯片图像占位符 1"/>
+          <p:cNvSpPr>
+            <a:spLocks noGrp="1" noRot="1" noChangeAspect="1"/>
+          </p:cNvSpPr>
+          <p:nvPr>
+            <p:ph type="sldImg"/>
+          </p:nvPr>
+        </p:nvSpPr>
+        <p:spPr/>
+      </p:sp>
+      <p:sp>
+        <p:nvSpPr>
+          <p:cNvPr id="3" name="备注占位符 2"/>
+          <p:cNvSpPr>
+            <a:spLocks noGrp="1"/>
+          </p:cNvSpPr>
+          <p:nvPr>
+            <p:ph type="body" idx="1"/>
+          </p:nvPr>
+        </p:nvSpPr>
+        <p:spPr/>
+        <p:txBody>
+          <a:bodyPr/>
+          <a:lstStyle/>
+          <a:p>
+            <a:endParaRPr lang="zh-CN" altLang="en-US"/>
+          </a:p>
+        </p:txBody>
+      </p:sp>
+      <p:sp>
+        <p:nvSpPr>
+          <p:cNvPr id="4" name="灯片编号占位符 3"/>
+          <p:cNvSpPr>
+            <a:spLocks noGrp="1"/>
+          </p:cNvSpPr>
+          <p:nvPr>
+            <p:ph type="sldNum" sz="quarter" idx="10"/>
+          </p:nvPr>
+        </p:nvSpPr>
+        <p:spPr/>
+        <p:txBody>
+          <a:bodyPr/>
+          <a:lstStyle/>
+          <a:p>
+            <a:fld id="{26F4831F-6F0E-43EF-BED8-BEEBB84EC01E}" type="slidenum">
+              <a:rPr lang="zh-CN" altLang="en-US" smtClean="0"/>
+              <a:t>25</a:t>
+            </a:fld>
+            <a:endParaRPr lang="zh-CN" altLang="en-US"/>
+          </a:p>
+        </p:txBody>
+      </p:sp>
+    </p:spTree>
+    <p:extLst>
+      <p:ext uri="{BB962C8B-B14F-4D97-AF65-F5344CB8AC3E}">
+        <p14:creationId xmlns:p14="http://schemas.microsoft.com/office/powerpoint/2010/main" val="3903612671"/>
+      </p:ext>
+    </p:extLst>
+  </p:cSld>
+  <p:clrMapOvr>
+    <a:masterClrMapping/>
+  </p:clrMapOvr>
+</p:notes>
+</file>
+
+<file path=ppt/notesSlides/notesSlide26.xml><?xml version="1.0" encoding="utf-8"?>
+<p:notes xmlns:a="http://schemas.openxmlformats.org/drawingml/2006/main" xmlns:r="http://schemas.openxmlformats.org/officeDocument/2006/relationships" xmlns:p="http://schemas.openxmlformats.org/presentationml/2006/main">
+  <p:cSld>
+    <p:spTree>
+      <p:nvGrpSpPr>
+        <p:cNvPr id="1" name=""/>
+        <p:cNvGrpSpPr/>
+        <p:nvPr/>
+      </p:nvGrpSpPr>
+      <p:grpSpPr>
+        <a:xfrm>
+          <a:off x="0" y="0"/>
+          <a:ext cx="0" cy="0"/>
+          <a:chOff x="0" y="0"/>
+          <a:chExt cx="0" cy="0"/>
+        </a:xfrm>
+      </p:grpSpPr>
+      <p:sp>
+        <p:nvSpPr>
+          <p:cNvPr id="2" name="幻灯片图像占位符 1"/>
+          <p:cNvSpPr>
+            <a:spLocks noGrp="1" noRot="1" noChangeAspect="1"/>
+          </p:cNvSpPr>
+          <p:nvPr>
+            <p:ph type="sldImg"/>
+          </p:nvPr>
+        </p:nvSpPr>
+        <p:spPr/>
+      </p:sp>
+      <p:sp>
+        <p:nvSpPr>
+          <p:cNvPr id="3" name="备注占位符 2"/>
+          <p:cNvSpPr>
+            <a:spLocks noGrp="1"/>
+          </p:cNvSpPr>
+          <p:nvPr>
+            <p:ph type="body" idx="1"/>
+          </p:nvPr>
+        </p:nvSpPr>
+        <p:spPr/>
+        <p:txBody>
+          <a:bodyPr/>
+          <a:lstStyle/>
+          <a:p>
+            <a:endParaRPr lang="zh-CN" altLang="en-US"/>
+          </a:p>
+        </p:txBody>
+      </p:sp>
+      <p:sp>
+        <p:nvSpPr>
+          <p:cNvPr id="4" name="灯片编号占位符 3"/>
+          <p:cNvSpPr>
+            <a:spLocks noGrp="1"/>
+          </p:cNvSpPr>
+          <p:nvPr>
+            <p:ph type="sldNum" sz="quarter" idx="10"/>
+          </p:nvPr>
+        </p:nvSpPr>
+        <p:spPr/>
+        <p:txBody>
+          <a:bodyPr/>
+          <a:lstStyle/>
+          <a:p>
+            <a:fld id="{26F4831F-6F0E-43EF-BED8-BEEBB84EC01E}" type="slidenum">
+              <a:rPr lang="zh-CN" altLang="en-US" smtClean="0"/>
+              <a:t>26</a:t>
+            </a:fld>
+            <a:endParaRPr lang="zh-CN" altLang="en-US"/>
+          </a:p>
+        </p:txBody>
+      </p:sp>
+    </p:spTree>
+    <p:extLst>
+      <p:ext uri="{BB962C8B-B14F-4D97-AF65-F5344CB8AC3E}">
+        <p14:creationId xmlns:p14="http://schemas.microsoft.com/office/powerpoint/2010/main" val="2583067087"/>
+      </p:ext>
+    </p:extLst>
+  </p:cSld>
+  <p:clrMapOvr>
+    <a:masterClrMapping/>
+  </p:clrMapOvr>
+</p:notes>
+</file>
+
+<file path=ppt/notesSlides/notesSlide27.xml><?xml version="1.0" encoding="utf-8"?>
+<p:notes xmlns:a="http://schemas.openxmlformats.org/drawingml/2006/main" xmlns:r="http://schemas.openxmlformats.org/officeDocument/2006/relationships" xmlns:p="http://schemas.openxmlformats.org/presentationml/2006/main">
+  <p:cSld>
+    <p:spTree>
+      <p:nvGrpSpPr>
+        <p:cNvPr id="1" name=""/>
+        <p:cNvGrpSpPr/>
+        <p:nvPr/>
+      </p:nvGrpSpPr>
+      <p:grpSpPr>
+        <a:xfrm>
+          <a:off x="0" y="0"/>
+          <a:ext cx="0" cy="0"/>
+          <a:chOff x="0" y="0"/>
+          <a:chExt cx="0" cy="0"/>
+        </a:xfrm>
+      </p:grpSpPr>
+      <p:sp>
+        <p:nvSpPr>
+          <p:cNvPr id="2" name="幻灯片图像占位符 1"/>
+          <p:cNvSpPr>
+            <a:spLocks noGrp="1" noRot="1" noChangeAspect="1"/>
+          </p:cNvSpPr>
+          <p:nvPr>
+            <p:ph type="sldImg"/>
+          </p:nvPr>
+        </p:nvSpPr>
+        <p:spPr/>
+      </p:sp>
+      <p:sp>
+        <p:nvSpPr>
+          <p:cNvPr id="3" name="备注占位符 2"/>
+          <p:cNvSpPr>
+            <a:spLocks noGrp="1"/>
+          </p:cNvSpPr>
+          <p:nvPr>
+            <p:ph type="body" idx="1"/>
+          </p:nvPr>
+        </p:nvSpPr>
+        <p:spPr/>
+        <p:txBody>
+          <a:bodyPr/>
+          <a:lstStyle/>
+          <a:p>
+            <a:endParaRPr lang="zh-CN" altLang="en-US"/>
+          </a:p>
+        </p:txBody>
+      </p:sp>
+      <p:sp>
+        <p:nvSpPr>
+          <p:cNvPr id="4" name="灯片编号占位符 3"/>
+          <p:cNvSpPr>
+            <a:spLocks noGrp="1"/>
+          </p:cNvSpPr>
+          <p:nvPr>
+            <p:ph type="sldNum" sz="quarter" idx="10"/>
+          </p:nvPr>
+        </p:nvSpPr>
+        <p:spPr/>
+        <p:txBody>
+          <a:bodyPr/>
+          <a:lstStyle/>
+          <a:p>
+            <a:fld id="{26F4831F-6F0E-43EF-BED8-BEEBB84EC01E}" type="slidenum">
+              <a:rPr lang="zh-CN" altLang="en-US" smtClean="0"/>
+              <a:t>27</a:t>
+            </a:fld>
+            <a:endParaRPr lang="zh-CN" altLang="en-US"/>
+          </a:p>
+        </p:txBody>
+      </p:sp>
+    </p:spTree>
+    <p:extLst>
+      <p:ext uri="{BB962C8B-B14F-4D97-AF65-F5344CB8AC3E}">
+        <p14:creationId xmlns:p14="http://schemas.microsoft.com/office/powerpoint/2010/main" val="3084103180"/>
+      </p:ext>
+    </p:extLst>
+  </p:cSld>
+  <p:clrMapOvr>
+    <a:masterClrMapping/>
+  </p:clrMapOvr>
+</p:notes>
+</file>
+
+<file path=ppt/notesSlides/notesSlide28.xml><?xml version="1.0" encoding="utf-8"?>
+<p:notes xmlns:a="http://schemas.openxmlformats.org/drawingml/2006/main" xmlns:r="http://schemas.openxmlformats.org/officeDocument/2006/relationships" xmlns:p="http://schemas.openxmlformats.org/presentationml/2006/main">
+  <p:cSld>
+    <p:spTree>
+      <p:nvGrpSpPr>
+        <p:cNvPr id="1" name=""/>
+        <p:cNvGrpSpPr/>
+        <p:nvPr/>
+      </p:nvGrpSpPr>
+      <p:grpSpPr>
+        <a:xfrm>
+          <a:off x="0" y="0"/>
+          <a:ext cx="0" cy="0"/>
+          <a:chOff x="0" y="0"/>
+          <a:chExt cx="0" cy="0"/>
+        </a:xfrm>
+      </p:grpSpPr>
+      <p:sp>
+        <p:nvSpPr>
+          <p:cNvPr id="2" name="幻灯片图像占位符 1"/>
+          <p:cNvSpPr>
+            <a:spLocks noGrp="1" noRot="1" noChangeAspect="1"/>
+          </p:cNvSpPr>
+          <p:nvPr>
+            <p:ph type="sldImg"/>
+          </p:nvPr>
+        </p:nvSpPr>
+        <p:spPr/>
+      </p:sp>
+      <p:sp>
+        <p:nvSpPr>
+          <p:cNvPr id="3" name="备注占位符 2"/>
+          <p:cNvSpPr>
+            <a:spLocks noGrp="1"/>
+          </p:cNvSpPr>
+          <p:nvPr>
+            <p:ph type="body" idx="1"/>
+          </p:nvPr>
+        </p:nvSpPr>
+        <p:spPr/>
+        <p:txBody>
+          <a:bodyPr/>
+          <a:lstStyle/>
+          <a:p>
+            <a:endParaRPr lang="zh-CN" altLang="en-US"/>
+          </a:p>
+        </p:txBody>
+      </p:sp>
+      <p:sp>
+        <p:nvSpPr>
+          <p:cNvPr id="4" name="灯片编号占位符 3"/>
+          <p:cNvSpPr>
+            <a:spLocks noGrp="1"/>
+          </p:cNvSpPr>
+          <p:nvPr>
+            <p:ph type="sldNum" sz="quarter" idx="10"/>
+          </p:nvPr>
+        </p:nvSpPr>
+        <p:spPr/>
+        <p:txBody>
+          <a:bodyPr/>
+          <a:lstStyle/>
+          <a:p>
+            <a:fld id="{26F4831F-6F0E-43EF-BED8-BEEBB84EC01E}" type="slidenum">
+              <a:rPr lang="zh-CN" altLang="en-US" smtClean="0"/>
+              <a:t>28</a:t>
+            </a:fld>
+            <a:endParaRPr lang="zh-CN" altLang="en-US"/>
+          </a:p>
+        </p:txBody>
+      </p:sp>
+    </p:spTree>
+    <p:extLst>
+      <p:ext uri="{BB962C8B-B14F-4D97-AF65-F5344CB8AC3E}">
+        <p14:creationId xmlns:p14="http://schemas.microsoft.com/office/powerpoint/2010/main" val="1292339084"/>
+      </p:ext>
+    </p:extLst>
+  </p:cSld>
+  <p:clrMapOvr>
+    <a:masterClrMapping/>
+  </p:clrMapOvr>
+</p:notes>
+</file>
+
+<file path=ppt/notesSlides/notesSlide29.xml><?xml version="1.0" encoding="utf-8"?>
+<p:notes xmlns:a="http://schemas.openxmlformats.org/drawingml/2006/main" xmlns:r="http://schemas.openxmlformats.org/officeDocument/2006/relationships" xmlns:p="http://schemas.openxmlformats.org/presentationml/2006/main">
+  <p:cSld>
+    <p:spTree>
+      <p:nvGrpSpPr>
+        <p:cNvPr id="1" name=""/>
+        <p:cNvGrpSpPr/>
+        <p:nvPr/>
+      </p:nvGrpSpPr>
+      <p:grpSpPr>
+        <a:xfrm>
+          <a:off x="0" y="0"/>
+          <a:ext cx="0" cy="0"/>
+          <a:chOff x="0" y="0"/>
+          <a:chExt cx="0" cy="0"/>
+        </a:xfrm>
+      </p:grpSpPr>
+      <p:sp>
+        <p:nvSpPr>
+          <p:cNvPr id="2" name="幻灯片图像占位符 1"/>
+          <p:cNvSpPr>
+            <a:spLocks noGrp="1" noRot="1" noChangeAspect="1"/>
+          </p:cNvSpPr>
+          <p:nvPr>
+            <p:ph type="sldImg"/>
+          </p:nvPr>
+        </p:nvSpPr>
+        <p:spPr/>
+      </p:sp>
+      <p:sp>
+        <p:nvSpPr>
+          <p:cNvPr id="3" name="备注占位符 2"/>
+          <p:cNvSpPr>
+            <a:spLocks noGrp="1"/>
+          </p:cNvSpPr>
+          <p:nvPr>
+            <p:ph type="body" idx="1"/>
+          </p:nvPr>
+        </p:nvSpPr>
+        <p:spPr/>
+        <p:txBody>
+          <a:bodyPr/>
+          <a:lstStyle/>
+          <a:p>
+            <a:endParaRPr lang="zh-CN" altLang="en-US"/>
+          </a:p>
+        </p:txBody>
+      </p:sp>
+      <p:sp>
+        <p:nvSpPr>
+          <p:cNvPr id="4" name="灯片编号占位符 3"/>
+          <p:cNvSpPr>
+            <a:spLocks noGrp="1"/>
+          </p:cNvSpPr>
+          <p:nvPr>
+            <p:ph type="sldNum" sz="quarter" idx="10"/>
+          </p:nvPr>
+        </p:nvSpPr>
+        <p:spPr/>
+        <p:txBody>
+          <a:bodyPr/>
+          <a:lstStyle/>
+          <a:p>
+            <a:fld id="{26F4831F-6F0E-43EF-BED8-BEEBB84EC01E}" type="slidenum">
+              <a:rPr lang="zh-CN" altLang="en-US" smtClean="0"/>
+              <a:t>29</a:t>
+            </a:fld>
+            <a:endParaRPr lang="zh-CN" altLang="en-US"/>
+          </a:p>
+        </p:txBody>
+      </p:sp>
+    </p:spTree>
+    <p:extLst>
+      <p:ext uri="{BB962C8B-B14F-4D97-AF65-F5344CB8AC3E}">
+        <p14:creationId xmlns:p14="http://schemas.microsoft.com/office/powerpoint/2010/main" val="3289334157"/>
+      </p:ext>
+    </p:extLst>
+  </p:cSld>
+  <p:clrMapOvr>
+    <a:masterClrMapping/>
+  </p:clrMapOvr>
+</p:notes>
+</file>
+
+<file path=ppt/notesSlides/notesSlide3.xml><?xml version="1.0" encoding="utf-8"?>
+<p:notes xmlns:a="http://schemas.openxmlformats.org/drawingml/2006/main" xmlns:r="http://schemas.openxmlformats.org/officeDocument/2006/relationships" xmlns:p="http://schemas.openxmlformats.org/presentationml/2006/main">
+  <p:cSld>
+    <p:spTree>
+      <p:nvGrpSpPr>
+        <p:cNvPr id="1" name=""/>
+        <p:cNvGrpSpPr/>
+        <p:nvPr/>
+      </p:nvGrpSpPr>
+      <p:grpSpPr>
+        <a:xfrm>
+          <a:off x="0" y="0"/>
+          <a:ext cx="0" cy="0"/>
+          <a:chOff x="0" y="0"/>
+          <a:chExt cx="0" cy="0"/>
+        </a:xfrm>
+      </p:grpSpPr>
+      <p:sp>
+        <p:nvSpPr>
+          <p:cNvPr id="2" name="幻灯片图像占位符 1"/>
+          <p:cNvSpPr>
+            <a:spLocks noGrp="1" noRot="1" noChangeAspect="1"/>
+          </p:cNvSpPr>
+          <p:nvPr>
+            <p:ph type="sldImg"/>
+          </p:nvPr>
+        </p:nvSpPr>
+        <p:spPr/>
+      </p:sp>
+      <p:sp>
+        <p:nvSpPr>
+          <p:cNvPr id="3" name="备注占位符 2"/>
+          <p:cNvSpPr>
+            <a:spLocks noGrp="1"/>
+          </p:cNvSpPr>
+          <p:nvPr>
+            <p:ph type="body" idx="1"/>
+          </p:nvPr>
+        </p:nvSpPr>
+        <p:spPr/>
+        <p:txBody>
+          <a:bodyPr/>
+          <a:lstStyle/>
+          <a:p>
+            <a:endParaRPr lang="zh-CN" altLang="en-US"/>
+          </a:p>
+        </p:txBody>
+      </p:sp>
+      <p:sp>
+        <p:nvSpPr>
+          <p:cNvPr id="4" name="灯片编号占位符 3"/>
+          <p:cNvSpPr>
+            <a:spLocks noGrp="1"/>
+          </p:cNvSpPr>
+          <p:nvPr>
+            <p:ph type="sldNum" sz="quarter" idx="10"/>
+          </p:nvPr>
+        </p:nvSpPr>
+        <p:spPr/>
+        <p:txBody>
+          <a:bodyPr/>
+          <a:lstStyle/>
+          <a:p>
+            <a:fld id="{26F4831F-6F0E-43EF-BED8-BEEBB84EC01E}" type="slidenum">
+              <a:rPr lang="zh-CN" altLang="en-US" smtClean="0"/>
+              <a:t>3</a:t>
+            </a:fld>
+            <a:endParaRPr lang="zh-CN" altLang="en-US"/>
+          </a:p>
+        </p:txBody>
+      </p:sp>
+    </p:spTree>
+    <p:extLst>
+      <p:ext uri="{BB962C8B-B14F-4D97-AF65-F5344CB8AC3E}">
+        <p14:creationId xmlns:p14="http://schemas.microsoft.com/office/powerpoint/2010/main" val="1797137535"/>
+      </p:ext>
+    </p:extLst>
+  </p:cSld>
+  <p:clrMapOvr>
+    <a:masterClrMapping/>
+  </p:clrMapOvr>
+</p:notes>
+</file>
+
+<file path=ppt/notesSlides/notesSlide30.xml><?xml version="1.0" encoding="utf-8"?>
+<p:notes xmlns:a="http://schemas.openxmlformats.org/drawingml/2006/main" xmlns:r="http://schemas.openxmlformats.org/officeDocument/2006/relationships" xmlns:p="http://schemas.openxmlformats.org/presentationml/2006/main">
+  <p:cSld>
+    <p:spTree>
+      <p:nvGrpSpPr>
+        <p:cNvPr id="1" name=""/>
+        <p:cNvGrpSpPr/>
+        <p:nvPr/>
+      </p:nvGrpSpPr>
+      <p:grpSpPr>
+        <a:xfrm>
+          <a:off x="0" y="0"/>
+          <a:ext cx="0" cy="0"/>
+          <a:chOff x="0" y="0"/>
+          <a:chExt cx="0" cy="0"/>
+        </a:xfrm>
+      </p:grpSpPr>
+      <p:sp>
+        <p:nvSpPr>
+          <p:cNvPr id="2" name="幻灯片图像占位符 1"/>
+          <p:cNvSpPr>
+            <a:spLocks noGrp="1" noRot="1" noChangeAspect="1"/>
+          </p:cNvSpPr>
+          <p:nvPr>
+            <p:ph type="sldImg"/>
+          </p:nvPr>
+        </p:nvSpPr>
+        <p:spPr/>
+      </p:sp>
+      <p:sp>
+        <p:nvSpPr>
+          <p:cNvPr id="3" name="备注占位符 2"/>
+          <p:cNvSpPr>
+            <a:spLocks noGrp="1"/>
+          </p:cNvSpPr>
+          <p:nvPr>
+            <p:ph type="body" idx="1"/>
+          </p:nvPr>
+        </p:nvSpPr>
+        <p:spPr/>
+        <p:txBody>
+          <a:bodyPr/>
+          <a:lstStyle/>
+          <a:p>
+            <a:endParaRPr lang="zh-CN" altLang="en-US"/>
+          </a:p>
+        </p:txBody>
+      </p:sp>
+      <p:sp>
+        <p:nvSpPr>
+          <p:cNvPr id="4" name="灯片编号占位符 3"/>
+          <p:cNvSpPr>
+            <a:spLocks noGrp="1"/>
+          </p:cNvSpPr>
+          <p:nvPr>
+            <p:ph type="sldNum" sz="quarter" idx="10"/>
+          </p:nvPr>
+        </p:nvSpPr>
+        <p:spPr/>
+        <p:txBody>
+          <a:bodyPr/>
+          <a:lstStyle/>
+          <a:p>
+            <a:fld id="{26F4831F-6F0E-43EF-BED8-BEEBB84EC01E}" type="slidenum">
+              <a:rPr lang="zh-CN" altLang="en-US" smtClean="0"/>
+              <a:t>30</a:t>
+            </a:fld>
+            <a:endParaRPr lang="zh-CN" altLang="en-US"/>
+          </a:p>
+        </p:txBody>
+      </p:sp>
+    </p:spTree>
+    <p:extLst>
+      <p:ext uri="{BB962C8B-B14F-4D97-AF65-F5344CB8AC3E}">
+        <p14:creationId xmlns:p14="http://schemas.microsoft.com/office/powerpoint/2010/main" val="3814202391"/>
+      </p:ext>
+    </p:extLst>
+  </p:cSld>
+  <p:clrMapOvr>
+    <a:masterClrMapping/>
+  </p:clrMapOvr>
+</p:notes>
+</file>
+
+<file path=ppt/notesSlides/notesSlide31.xml><?xml version="1.0" encoding="utf-8"?>
+<p:notes xmlns:a="http://schemas.openxmlformats.org/drawingml/2006/main" xmlns:r="http://schemas.openxmlformats.org/officeDocument/2006/relationships" xmlns:p="http://schemas.openxmlformats.org/presentationml/2006/main">
+  <p:cSld>
+    <p:spTree>
+      <p:nvGrpSpPr>
+        <p:cNvPr id="1" name=""/>
+        <p:cNvGrpSpPr/>
+        <p:nvPr/>
+      </p:nvGrpSpPr>
+      <p:grpSpPr>
+        <a:xfrm>
+          <a:off x="0" y="0"/>
+          <a:ext cx="0" cy="0"/>
+          <a:chOff x="0" y="0"/>
+          <a:chExt cx="0" cy="0"/>
+        </a:xfrm>
+      </p:grpSpPr>
+      <p:sp>
+        <p:nvSpPr>
+          <p:cNvPr id="2" name="幻灯片图像占位符 1"/>
+          <p:cNvSpPr>
+            <a:spLocks noGrp="1" noRot="1" noChangeAspect="1"/>
+          </p:cNvSpPr>
+          <p:nvPr>
+            <p:ph type="sldImg"/>
+          </p:nvPr>
+        </p:nvSpPr>
+        <p:spPr/>
+      </p:sp>
+      <p:sp>
+        <p:nvSpPr>
+          <p:cNvPr id="3" name="备注占位符 2"/>
+          <p:cNvSpPr>
+            <a:spLocks noGrp="1"/>
+          </p:cNvSpPr>
+          <p:nvPr>
+            <p:ph type="body" idx="1"/>
+          </p:nvPr>
+        </p:nvSpPr>
+        <p:spPr/>
+        <p:txBody>
+          <a:bodyPr/>
+          <a:lstStyle/>
+          <a:p>
+            <a:endParaRPr lang="zh-CN" altLang="en-US"/>
+          </a:p>
+        </p:txBody>
+      </p:sp>
+      <p:sp>
+        <p:nvSpPr>
+          <p:cNvPr id="4" name="灯片编号占位符 3"/>
+          <p:cNvSpPr>
+            <a:spLocks noGrp="1"/>
+          </p:cNvSpPr>
+          <p:nvPr>
+            <p:ph type="sldNum" sz="quarter" idx="10"/>
+          </p:nvPr>
+        </p:nvSpPr>
+        <p:spPr/>
+        <p:txBody>
+          <a:bodyPr/>
+          <a:lstStyle/>
+          <a:p>
+            <a:fld id="{26F4831F-6F0E-43EF-BED8-BEEBB84EC01E}" type="slidenum">
+              <a:rPr lang="zh-CN" altLang="en-US" smtClean="0"/>
+              <a:t>31</a:t>
+            </a:fld>
+            <a:endParaRPr lang="zh-CN" altLang="en-US"/>
+          </a:p>
+        </p:txBody>
+      </p:sp>
+    </p:spTree>
+    <p:extLst>
+      <p:ext uri="{BB962C8B-B14F-4D97-AF65-F5344CB8AC3E}">
+        <p14:creationId xmlns:p14="http://schemas.microsoft.com/office/powerpoint/2010/main" val="2794471684"/>
+      </p:ext>
+    </p:extLst>
+  </p:cSld>
+  <p:clrMapOvr>
+    <a:masterClrMapping/>
+  </p:clrMapOvr>
+</p:notes>
+</file>
+
+<file path=ppt/notesSlides/notesSlide32.xml><?xml version="1.0" encoding="utf-8"?>
+<p:notes xmlns:a="http://schemas.openxmlformats.org/drawingml/2006/main" xmlns:r="http://schemas.openxmlformats.org/officeDocument/2006/relationships" xmlns:p="http://schemas.openxmlformats.org/presentationml/2006/main">
+  <p:cSld>
+    <p:spTree>
+      <p:nvGrpSpPr>
+        <p:cNvPr id="1" name=""/>
+        <p:cNvGrpSpPr/>
+        <p:nvPr/>
+      </p:nvGrpSpPr>
+      <p:grpSpPr>
+        <a:xfrm>
+          <a:off x="0" y="0"/>
+          <a:ext cx="0" cy="0"/>
+          <a:chOff x="0" y="0"/>
+          <a:chExt cx="0" cy="0"/>
+        </a:xfrm>
+      </p:grpSpPr>
+      <p:sp>
+        <p:nvSpPr>
+          <p:cNvPr id="2" name="幻灯片图像占位符 1"/>
+          <p:cNvSpPr>
+            <a:spLocks noGrp="1" noRot="1" noChangeAspect="1"/>
+          </p:cNvSpPr>
+          <p:nvPr>
+            <p:ph type="sldImg"/>
+          </p:nvPr>
+        </p:nvSpPr>
+        <p:spPr/>
+      </p:sp>
+      <p:sp>
+        <p:nvSpPr>
+          <p:cNvPr id="3" name="备注占位符 2"/>
+          <p:cNvSpPr>
+            <a:spLocks noGrp="1"/>
+          </p:cNvSpPr>
+          <p:nvPr>
+            <p:ph type="body" idx="1"/>
+          </p:nvPr>
+        </p:nvSpPr>
+        <p:spPr/>
+        <p:txBody>
+          <a:bodyPr/>
+          <a:lstStyle/>
+          <a:p>
+            <a:endParaRPr lang="zh-CN" altLang="en-US"/>
+          </a:p>
+        </p:txBody>
+      </p:sp>
+      <p:sp>
+        <p:nvSpPr>
+          <p:cNvPr id="4" name="灯片编号占位符 3"/>
+          <p:cNvSpPr>
+            <a:spLocks noGrp="1"/>
+          </p:cNvSpPr>
+          <p:nvPr>
+            <p:ph type="sldNum" sz="quarter" idx="10"/>
+          </p:nvPr>
+        </p:nvSpPr>
+        <p:spPr/>
+        <p:txBody>
+          <a:bodyPr/>
+          <a:lstStyle/>
+          <a:p>
+            <a:fld id="{26F4831F-6F0E-43EF-BED8-BEEBB84EC01E}" type="slidenum">
+              <a:rPr lang="zh-CN" altLang="en-US" smtClean="0"/>
+              <a:t>32</a:t>
+            </a:fld>
+            <a:endParaRPr lang="zh-CN" altLang="en-US"/>
+          </a:p>
+        </p:txBody>
+      </p:sp>
+    </p:spTree>
+    <p:extLst>
+      <p:ext uri="{BB962C8B-B14F-4D97-AF65-F5344CB8AC3E}">
+        <p14:creationId xmlns:p14="http://schemas.microsoft.com/office/powerpoint/2010/main" val="2880391790"/>
+      </p:ext>
+    </p:extLst>
+  </p:cSld>
+  <p:clrMapOvr>
+    <a:masterClrMapping/>
+  </p:clrMapOvr>
+</p:notes>
+</file>
+
+<file path=ppt/notesSlides/notesSlide33.xml><?xml version="1.0" encoding="utf-8"?>
+<p:notes xmlns:a="http://schemas.openxmlformats.org/drawingml/2006/main" xmlns:r="http://schemas.openxmlformats.org/officeDocument/2006/relationships" xmlns:p="http://schemas.openxmlformats.org/presentationml/2006/main">
+  <p:cSld>
+    <p:spTree>
+      <p:nvGrpSpPr>
+        <p:cNvPr id="1" name=""/>
+        <p:cNvGrpSpPr/>
+        <p:nvPr/>
+      </p:nvGrpSpPr>
+      <p:grpSpPr>
+        <a:xfrm>
+          <a:off x="0" y="0"/>
+          <a:ext cx="0" cy="0"/>
+          <a:chOff x="0" y="0"/>
+          <a:chExt cx="0" cy="0"/>
+        </a:xfrm>
+      </p:grpSpPr>
+      <p:sp>
+        <p:nvSpPr>
+          <p:cNvPr id="2" name="幻灯片图像占位符 1"/>
+          <p:cNvSpPr>
+            <a:spLocks noGrp="1" noRot="1" noChangeAspect="1"/>
+          </p:cNvSpPr>
+          <p:nvPr>
+            <p:ph type="sldImg"/>
+          </p:nvPr>
+        </p:nvSpPr>
+        <p:spPr/>
+      </p:sp>
+      <p:sp>
+        <p:nvSpPr>
+          <p:cNvPr id="3" name="备注占位符 2"/>
+          <p:cNvSpPr>
+            <a:spLocks noGrp="1"/>
+          </p:cNvSpPr>
+          <p:nvPr>
+            <p:ph type="body" idx="1"/>
+          </p:nvPr>
+        </p:nvSpPr>
+        <p:spPr/>
+        <p:txBody>
+          <a:bodyPr/>
+          <a:lstStyle/>
+          <a:p>
+            <a:endParaRPr lang="zh-CN" altLang="en-US"/>
+          </a:p>
+        </p:txBody>
+      </p:sp>
+      <p:sp>
+        <p:nvSpPr>
+          <p:cNvPr id="4" name="灯片编号占位符 3"/>
+          <p:cNvSpPr>
+            <a:spLocks noGrp="1"/>
+          </p:cNvSpPr>
+          <p:nvPr>
+            <p:ph type="sldNum" sz="quarter" idx="10"/>
+          </p:nvPr>
+        </p:nvSpPr>
+        <p:spPr/>
+        <p:txBody>
+          <a:bodyPr/>
+          <a:lstStyle/>
+          <a:p>
+            <a:fld id="{26F4831F-6F0E-43EF-BED8-BEEBB84EC01E}" type="slidenum">
+              <a:rPr lang="zh-CN" altLang="en-US" smtClean="0"/>
+              <a:t>33</a:t>
+            </a:fld>
+            <a:endParaRPr lang="zh-CN" altLang="en-US"/>
+          </a:p>
+        </p:txBody>
+      </p:sp>
+    </p:spTree>
+    <p:extLst>
+      <p:ext uri="{BB962C8B-B14F-4D97-AF65-F5344CB8AC3E}">
+        <p14:creationId xmlns:p14="http://schemas.microsoft.com/office/powerpoint/2010/main" val="3312970360"/>
+      </p:ext>
+    </p:extLst>
+  </p:cSld>
+  <p:clrMapOvr>
+    <a:masterClrMapping/>
+  </p:clrMapOvr>
+</p:notes>
+</file>
+
+<file path=ppt/notesSlides/notesSlide34.xml><?xml version="1.0" encoding="utf-8"?>
+<p:notes xmlns:a="http://schemas.openxmlformats.org/drawingml/2006/main" xmlns:r="http://schemas.openxmlformats.org/officeDocument/2006/relationships" xmlns:p="http://schemas.openxmlformats.org/presentationml/2006/main">
+  <p:cSld>
+    <p:spTree>
+      <p:nvGrpSpPr>
+        <p:cNvPr id="1" name=""/>
+        <p:cNvGrpSpPr/>
+        <p:nvPr/>
+      </p:nvGrpSpPr>
+      <p:grpSpPr>
+        <a:xfrm>
+          <a:off x="0" y="0"/>
+          <a:ext cx="0" cy="0"/>
+          <a:chOff x="0" y="0"/>
+          <a:chExt cx="0" cy="0"/>
+        </a:xfrm>
+      </p:grpSpPr>
+      <p:sp>
+        <p:nvSpPr>
+          <p:cNvPr id="2" name="幻灯片图像占位符 1"/>
+          <p:cNvSpPr>
+            <a:spLocks noGrp="1" noRot="1" noChangeAspect="1"/>
+          </p:cNvSpPr>
+          <p:nvPr>
+            <p:ph type="sldImg"/>
+          </p:nvPr>
+        </p:nvSpPr>
+        <p:spPr/>
+      </p:sp>
+      <p:sp>
+        <p:nvSpPr>
+          <p:cNvPr id="3" name="备注占位符 2"/>
+          <p:cNvSpPr>
+            <a:spLocks noGrp="1"/>
+          </p:cNvSpPr>
+          <p:nvPr>
+            <p:ph type="body" idx="1"/>
+          </p:nvPr>
+        </p:nvSpPr>
+        <p:spPr/>
+        <p:txBody>
+          <a:bodyPr/>
+          <a:lstStyle/>
+          <a:p>
+            <a:endParaRPr lang="zh-CN" altLang="en-US"/>
+          </a:p>
+        </p:txBody>
+      </p:sp>
+      <p:sp>
+        <p:nvSpPr>
+          <p:cNvPr id="4" name="灯片编号占位符 3"/>
+          <p:cNvSpPr>
+            <a:spLocks noGrp="1"/>
+          </p:cNvSpPr>
+          <p:nvPr>
+            <p:ph type="sldNum" sz="quarter" idx="10"/>
+          </p:nvPr>
+        </p:nvSpPr>
+        <p:spPr/>
+        <p:txBody>
+          <a:bodyPr/>
+          <a:lstStyle/>
+          <a:p>
+            <a:fld id="{26F4831F-6F0E-43EF-BED8-BEEBB84EC01E}" type="slidenum">
+              <a:rPr lang="zh-CN" altLang="en-US" smtClean="0"/>
+              <a:t>34</a:t>
+            </a:fld>
+            <a:endParaRPr lang="zh-CN" altLang="en-US"/>
+          </a:p>
+        </p:txBody>
+      </p:sp>
+    </p:spTree>
+    <p:extLst>
+      <p:ext uri="{BB962C8B-B14F-4D97-AF65-F5344CB8AC3E}">
+        <p14:creationId xmlns:p14="http://schemas.microsoft.com/office/powerpoint/2010/main" val="3084040429"/>
+      </p:ext>
+    </p:extLst>
+  </p:cSld>
+  <p:clrMapOvr>
+    <a:masterClrMapping/>
+  </p:clrMapOvr>
+</p:notes>
+</file>
+
+<file path=ppt/notesSlides/notesSlide4.xml><?xml version="1.0" encoding="utf-8"?>
+<p:notes xmlns:a="http://schemas.openxmlformats.org/drawingml/2006/main" xmlns:r="http://schemas.openxmlformats.org/officeDocument/2006/relationships" xmlns:p="http://schemas.openxmlformats.org/presentationml/2006/main">
+  <p:cSld>
+    <p:spTree>
+      <p:nvGrpSpPr>
+        <p:cNvPr id="1" name=""/>
+        <p:cNvGrpSpPr/>
+        <p:nvPr/>
+      </p:nvGrpSpPr>
+      <p:grpSpPr>
+        <a:xfrm>
+          <a:off x="0" y="0"/>
+          <a:ext cx="0" cy="0"/>
+          <a:chOff x="0" y="0"/>
+          <a:chExt cx="0" cy="0"/>
+        </a:xfrm>
+      </p:grpSpPr>
+      <p:sp>
+        <p:nvSpPr>
+          <p:cNvPr id="2" name="幻灯片图像占位符 1"/>
+          <p:cNvSpPr>
+            <a:spLocks noGrp="1" noRot="1" noChangeAspect="1"/>
+          </p:cNvSpPr>
+          <p:nvPr>
+            <p:ph type="sldImg"/>
+          </p:nvPr>
+        </p:nvSpPr>
+        <p:spPr/>
+      </p:sp>
+      <p:sp>
+        <p:nvSpPr>
+          <p:cNvPr id="3" name="备注占位符 2"/>
+          <p:cNvSpPr>
+            <a:spLocks noGrp="1"/>
+          </p:cNvSpPr>
+          <p:nvPr>
+            <p:ph type="body" idx="1"/>
+          </p:nvPr>
+        </p:nvSpPr>
+        <p:spPr/>
+        <p:txBody>
+          <a:bodyPr/>
+          <a:lstStyle/>
+          <a:p>
+            <a:endParaRPr lang="zh-CN" altLang="en-US"/>
+          </a:p>
+        </p:txBody>
+      </p:sp>
+      <p:sp>
+        <p:nvSpPr>
+          <p:cNvPr id="4" name="灯片编号占位符 3"/>
+          <p:cNvSpPr>
+            <a:spLocks noGrp="1"/>
+          </p:cNvSpPr>
+          <p:nvPr>
+            <p:ph type="sldNum" sz="quarter" idx="10"/>
+          </p:nvPr>
+        </p:nvSpPr>
+        <p:spPr/>
+        <p:txBody>
+          <a:bodyPr/>
+          <a:lstStyle/>
+          <a:p>
+            <a:fld id="{26F4831F-6F0E-43EF-BED8-BEEBB84EC01E}" type="slidenum">
+              <a:rPr lang="zh-CN" altLang="en-US" smtClean="0"/>
+              <a:t>4</a:t>
+            </a:fld>
+            <a:endParaRPr lang="zh-CN" altLang="en-US"/>
+          </a:p>
+        </p:txBody>
+      </p:sp>
+    </p:spTree>
+    <p:extLst>
+      <p:ext uri="{BB962C8B-B14F-4D97-AF65-F5344CB8AC3E}">
+        <p14:creationId xmlns:p14="http://schemas.microsoft.com/office/powerpoint/2010/main" val="1792054521"/>
+      </p:ext>
+    </p:extLst>
+  </p:cSld>
+  <p:clrMapOvr>
+    <a:masterClrMapping/>
+  </p:clrMapOvr>
+</p:notes>
+</file>
+
+<file path=ppt/notesSlides/notesSlide5.xml><?xml version="1.0" encoding="utf-8"?>
+<p:notes xmlns:a="http://schemas.openxmlformats.org/drawingml/2006/main" xmlns:r="http://schemas.openxmlformats.org/officeDocument/2006/relationships" xmlns:p="http://schemas.openxmlformats.org/presentationml/2006/main">
+  <p:cSld>
+    <p:spTree>
+      <p:nvGrpSpPr>
+        <p:cNvPr id="1" name=""/>
+        <p:cNvGrpSpPr/>
+        <p:nvPr/>
+      </p:nvGrpSpPr>
+      <p:grpSpPr>
+        <a:xfrm>
+          <a:off x="0" y="0"/>
+          <a:ext cx="0" cy="0"/>
+          <a:chOff x="0" y="0"/>
+          <a:chExt cx="0" cy="0"/>
+        </a:xfrm>
+      </p:grpSpPr>
+      <p:sp>
+        <p:nvSpPr>
+          <p:cNvPr id="2" name="幻灯片图像占位符 1"/>
+          <p:cNvSpPr>
+            <a:spLocks noGrp="1" noRot="1" noChangeAspect="1"/>
+          </p:cNvSpPr>
+          <p:nvPr>
+            <p:ph type="sldImg"/>
+          </p:nvPr>
+        </p:nvSpPr>
+        <p:spPr/>
+      </p:sp>
+      <p:sp>
+        <p:nvSpPr>
+          <p:cNvPr id="3" name="备注占位符 2"/>
+          <p:cNvSpPr>
+            <a:spLocks noGrp="1"/>
+          </p:cNvSpPr>
+          <p:nvPr>
+            <p:ph type="body" idx="1"/>
+          </p:nvPr>
+        </p:nvSpPr>
+        <p:spPr/>
+        <p:txBody>
+          <a:bodyPr/>
+          <a:lstStyle/>
+          <a:p>
+            <a:endParaRPr lang="zh-CN" altLang="en-US"/>
+          </a:p>
+        </p:txBody>
+      </p:sp>
+      <p:sp>
+        <p:nvSpPr>
+          <p:cNvPr id="4" name="灯片编号占位符 3"/>
+          <p:cNvSpPr>
+            <a:spLocks noGrp="1"/>
+          </p:cNvSpPr>
+          <p:nvPr>
+            <p:ph type="sldNum" sz="quarter" idx="10"/>
+          </p:nvPr>
+        </p:nvSpPr>
+        <p:spPr/>
+        <p:txBody>
+          <a:bodyPr/>
+          <a:lstStyle/>
+          <a:p>
+            <a:fld id="{26F4831F-6F0E-43EF-BED8-BEEBB84EC01E}" type="slidenum">
+              <a:rPr lang="zh-CN" altLang="en-US" smtClean="0"/>
+              <a:t>5</a:t>
+            </a:fld>
+            <a:endParaRPr lang="zh-CN" altLang="en-US"/>
+          </a:p>
+        </p:txBody>
+      </p:sp>
+    </p:spTree>
+    <p:extLst>
+      <p:ext uri="{BB962C8B-B14F-4D97-AF65-F5344CB8AC3E}">
+        <p14:creationId xmlns:p14="http://schemas.microsoft.com/office/powerpoint/2010/main" val="4018477300"/>
+      </p:ext>
+    </p:extLst>
+  </p:cSld>
+  <p:clrMapOvr>
+    <a:masterClrMapping/>
+  </p:clrMapOvr>
+</p:notes>
+</file>
+
+<file path=ppt/notesSlides/notesSlide6.xml><?xml version="1.0" encoding="utf-8"?>
+<p:notes xmlns:a="http://schemas.openxmlformats.org/drawingml/2006/main" xmlns:r="http://schemas.openxmlformats.org/officeDocument/2006/relationships" xmlns:p="http://schemas.openxmlformats.org/presentationml/2006/main">
+  <p:cSld>
+    <p:spTree>
+      <p:nvGrpSpPr>
+        <p:cNvPr id="1" name=""/>
+        <p:cNvGrpSpPr/>
+        <p:nvPr/>
+      </p:nvGrpSpPr>
+      <p:grpSpPr>
+        <a:xfrm>
+          <a:off x="0" y="0"/>
+          <a:ext cx="0" cy="0"/>
+          <a:chOff x="0" y="0"/>
+          <a:chExt cx="0" cy="0"/>
+        </a:xfrm>
+      </p:grpSpPr>
+      <p:sp>
+        <p:nvSpPr>
+          <p:cNvPr id="2" name="幻灯片图像占位符 1"/>
+          <p:cNvSpPr>
+            <a:spLocks noGrp="1" noRot="1" noChangeAspect="1"/>
+          </p:cNvSpPr>
+          <p:nvPr>
+            <p:ph type="sldImg"/>
+          </p:nvPr>
+        </p:nvSpPr>
+        <p:spPr/>
+      </p:sp>
+      <p:sp>
+        <p:nvSpPr>
+          <p:cNvPr id="3" name="备注占位符 2"/>
+          <p:cNvSpPr>
+            <a:spLocks noGrp="1"/>
+          </p:cNvSpPr>
+          <p:nvPr>
+            <p:ph type="body" idx="1"/>
+          </p:nvPr>
+        </p:nvSpPr>
+        <p:spPr/>
+        <p:txBody>
+          <a:bodyPr/>
+          <a:lstStyle/>
+          <a:p>
+            <a:endParaRPr lang="zh-CN" altLang="en-US"/>
+          </a:p>
+        </p:txBody>
+      </p:sp>
+      <p:sp>
+        <p:nvSpPr>
+          <p:cNvPr id="4" name="灯片编号占位符 3"/>
+          <p:cNvSpPr>
+            <a:spLocks noGrp="1"/>
+          </p:cNvSpPr>
+          <p:nvPr>
+            <p:ph type="sldNum" sz="quarter" idx="10"/>
+          </p:nvPr>
+        </p:nvSpPr>
+        <p:spPr/>
+        <p:txBody>
+          <a:bodyPr/>
+          <a:lstStyle/>
+          <a:p>
+            <a:fld id="{26F4831F-6F0E-43EF-BED8-BEEBB84EC01E}" type="slidenum">
+              <a:rPr lang="zh-CN" altLang="en-US" smtClean="0"/>
+              <a:t>6</a:t>
+            </a:fld>
+            <a:endParaRPr lang="zh-CN" altLang="en-US"/>
+          </a:p>
+        </p:txBody>
+      </p:sp>
+    </p:spTree>
+    <p:extLst>
+      <p:ext uri="{BB962C8B-B14F-4D97-AF65-F5344CB8AC3E}">
+        <p14:creationId xmlns:p14="http://schemas.microsoft.com/office/powerpoint/2010/main" val="1982539683"/>
+      </p:ext>
+    </p:extLst>
+  </p:cSld>
+  <p:clrMapOvr>
+    <a:masterClrMapping/>
+  </p:clrMapOvr>
+</p:notes>
+</file>
+
+<file path=ppt/notesSlides/notesSlide7.xml><?xml version="1.0" encoding="utf-8"?>
+<p:notes xmlns:a="http://schemas.openxmlformats.org/drawingml/2006/main" xmlns:r="http://schemas.openxmlformats.org/officeDocument/2006/relationships" xmlns:p="http://schemas.openxmlformats.org/presentationml/2006/main">
+  <p:cSld>
+    <p:spTree>
+      <p:nvGrpSpPr>
+        <p:cNvPr id="1" name=""/>
+        <p:cNvGrpSpPr/>
+        <p:nvPr/>
+      </p:nvGrpSpPr>
+      <p:grpSpPr>
+        <a:xfrm>
+          <a:off x="0" y="0"/>
+          <a:ext cx="0" cy="0"/>
+          <a:chOff x="0" y="0"/>
+          <a:chExt cx="0" cy="0"/>
+        </a:xfrm>
+      </p:grpSpPr>
+      <p:sp>
+        <p:nvSpPr>
+          <p:cNvPr id="2" name="幻灯片图像占位符 1"/>
+          <p:cNvSpPr>
+            <a:spLocks noGrp="1" noRot="1" noChangeAspect="1"/>
+          </p:cNvSpPr>
+          <p:nvPr>
+            <p:ph type="sldImg"/>
+          </p:nvPr>
+        </p:nvSpPr>
+        <p:spPr/>
+      </p:sp>
+      <p:sp>
+        <p:nvSpPr>
+          <p:cNvPr id="3" name="备注占位符 2"/>
+          <p:cNvSpPr>
+            <a:spLocks noGrp="1"/>
+          </p:cNvSpPr>
+          <p:nvPr>
+            <p:ph type="body" idx="1"/>
+          </p:nvPr>
+        </p:nvSpPr>
+        <p:spPr/>
+        <p:txBody>
+          <a:bodyPr/>
+          <a:lstStyle/>
+          <a:p>
             <a:endParaRPr lang="zh-CN" altLang="en-US" dirty="0"/>
           </a:p>
         </p:txBody>
@@ -4295,6 +6249,174 @@
     <p:extLst>
       <p:ext uri="{BB962C8B-B14F-4D97-AF65-F5344CB8AC3E}">
         <p14:creationId xmlns:p14="http://schemas.microsoft.com/office/powerpoint/2010/main" val="132839555"/>
+      </p:ext>
+    </p:extLst>
+  </p:cSld>
+  <p:clrMapOvr>
+    <a:masterClrMapping/>
+  </p:clrMapOvr>
+</p:notes>
+</file>
+
+<file path=ppt/notesSlides/notesSlide8.xml><?xml version="1.0" encoding="utf-8"?>
+<p:notes xmlns:a="http://schemas.openxmlformats.org/drawingml/2006/main" xmlns:r="http://schemas.openxmlformats.org/officeDocument/2006/relationships" xmlns:p="http://schemas.openxmlformats.org/presentationml/2006/main">
+  <p:cSld>
+    <p:spTree>
+      <p:nvGrpSpPr>
+        <p:cNvPr id="1" name=""/>
+        <p:cNvGrpSpPr/>
+        <p:nvPr/>
+      </p:nvGrpSpPr>
+      <p:grpSpPr>
+        <a:xfrm>
+          <a:off x="0" y="0"/>
+          <a:ext cx="0" cy="0"/>
+          <a:chOff x="0" y="0"/>
+          <a:chExt cx="0" cy="0"/>
+        </a:xfrm>
+      </p:grpSpPr>
+      <p:sp>
+        <p:nvSpPr>
+          <p:cNvPr id="2" name="幻灯片图像占位符 1"/>
+          <p:cNvSpPr>
+            <a:spLocks noGrp="1" noRot="1" noChangeAspect="1"/>
+          </p:cNvSpPr>
+          <p:nvPr>
+            <p:ph type="sldImg"/>
+          </p:nvPr>
+        </p:nvSpPr>
+        <p:spPr/>
+      </p:sp>
+      <p:sp>
+        <p:nvSpPr>
+          <p:cNvPr id="3" name="备注占位符 2"/>
+          <p:cNvSpPr>
+            <a:spLocks noGrp="1"/>
+          </p:cNvSpPr>
+          <p:nvPr>
+            <p:ph type="body" idx="1"/>
+          </p:nvPr>
+        </p:nvSpPr>
+        <p:spPr/>
+        <p:txBody>
+          <a:bodyPr/>
+          <a:lstStyle/>
+          <a:p>
+            <a:endParaRPr lang="zh-CN" altLang="en-US"/>
+          </a:p>
+        </p:txBody>
+      </p:sp>
+      <p:sp>
+        <p:nvSpPr>
+          <p:cNvPr id="4" name="灯片编号占位符 3"/>
+          <p:cNvSpPr>
+            <a:spLocks noGrp="1"/>
+          </p:cNvSpPr>
+          <p:nvPr>
+            <p:ph type="sldNum" sz="quarter" idx="10"/>
+          </p:nvPr>
+        </p:nvSpPr>
+        <p:spPr/>
+        <p:txBody>
+          <a:bodyPr/>
+          <a:lstStyle/>
+          <a:p>
+            <a:fld id="{26F4831F-6F0E-43EF-BED8-BEEBB84EC01E}" type="slidenum">
+              <a:rPr lang="zh-CN" altLang="en-US" smtClean="0"/>
+              <a:t>8</a:t>
+            </a:fld>
+            <a:endParaRPr lang="zh-CN" altLang="en-US"/>
+          </a:p>
+        </p:txBody>
+      </p:sp>
+    </p:spTree>
+    <p:extLst>
+      <p:ext uri="{BB962C8B-B14F-4D97-AF65-F5344CB8AC3E}">
+        <p14:creationId xmlns:p14="http://schemas.microsoft.com/office/powerpoint/2010/main" val="352858012"/>
+      </p:ext>
+    </p:extLst>
+  </p:cSld>
+  <p:clrMapOvr>
+    <a:masterClrMapping/>
+  </p:clrMapOvr>
+</p:notes>
+</file>
+
+<file path=ppt/notesSlides/notesSlide9.xml><?xml version="1.0" encoding="utf-8"?>
+<p:notes xmlns:a="http://schemas.openxmlformats.org/drawingml/2006/main" xmlns:r="http://schemas.openxmlformats.org/officeDocument/2006/relationships" xmlns:p="http://schemas.openxmlformats.org/presentationml/2006/main">
+  <p:cSld>
+    <p:spTree>
+      <p:nvGrpSpPr>
+        <p:cNvPr id="1" name=""/>
+        <p:cNvGrpSpPr/>
+        <p:nvPr/>
+      </p:nvGrpSpPr>
+      <p:grpSpPr>
+        <a:xfrm>
+          <a:off x="0" y="0"/>
+          <a:ext cx="0" cy="0"/>
+          <a:chOff x="0" y="0"/>
+          <a:chExt cx="0" cy="0"/>
+        </a:xfrm>
+      </p:grpSpPr>
+      <p:sp>
+        <p:nvSpPr>
+          <p:cNvPr id="2" name="幻灯片图像占位符 1"/>
+          <p:cNvSpPr>
+            <a:spLocks noGrp="1" noRot="1" noChangeAspect="1"/>
+          </p:cNvSpPr>
+          <p:nvPr>
+            <p:ph type="sldImg"/>
+          </p:nvPr>
+        </p:nvSpPr>
+        <p:spPr/>
+      </p:sp>
+      <p:sp>
+        <p:nvSpPr>
+          <p:cNvPr id="3" name="备注占位符 2"/>
+          <p:cNvSpPr>
+            <a:spLocks noGrp="1"/>
+          </p:cNvSpPr>
+          <p:nvPr>
+            <p:ph type="body" idx="1"/>
+          </p:nvPr>
+        </p:nvSpPr>
+        <p:spPr/>
+        <p:txBody>
+          <a:bodyPr/>
+          <a:lstStyle/>
+          <a:p>
+            <a:endParaRPr lang="zh-CN" altLang="en-US"/>
+          </a:p>
+        </p:txBody>
+      </p:sp>
+      <p:sp>
+        <p:nvSpPr>
+          <p:cNvPr id="4" name="灯片编号占位符 3"/>
+          <p:cNvSpPr>
+            <a:spLocks noGrp="1"/>
+          </p:cNvSpPr>
+          <p:nvPr>
+            <p:ph type="sldNum" sz="quarter" idx="10"/>
+          </p:nvPr>
+        </p:nvSpPr>
+        <p:spPr/>
+        <p:txBody>
+          <a:bodyPr/>
+          <a:lstStyle/>
+          <a:p>
+            <a:fld id="{26F4831F-6F0E-43EF-BED8-BEEBB84EC01E}" type="slidenum">
+              <a:rPr lang="zh-CN" altLang="en-US" smtClean="0"/>
+              <a:t>9</a:t>
+            </a:fld>
+            <a:endParaRPr lang="zh-CN" altLang="en-US"/>
+          </a:p>
+        </p:txBody>
+      </p:sp>
+    </p:spTree>
+    <p:extLst>
+      <p:ext uri="{BB962C8B-B14F-4D97-AF65-F5344CB8AC3E}">
+        <p14:creationId xmlns:p14="http://schemas.microsoft.com/office/powerpoint/2010/main" val="1315084960"/>
       </p:ext>
     </p:extLst>
   </p:cSld>
@@ -4485,7 +6607,7 @@
           <a:p>
             <a:fld id="{F06CDC8D-25DE-4581-BD3E-1D12832A0D0D}" type="datetimeFigureOut">
               <a:rPr lang="zh-CN" altLang="en-US" smtClean="0"/>
-              <a:t>2013/11/19</a:t>
+              <a:t>2013/11/20</a:t>
             </a:fld>
             <a:endParaRPr lang="zh-CN" altLang="en-US"/>
           </a:p>
@@ -4655,7 +6777,7 @@
           <a:p>
             <a:fld id="{F06CDC8D-25DE-4581-BD3E-1D12832A0D0D}" type="datetimeFigureOut">
               <a:rPr lang="zh-CN" altLang="en-US" smtClean="0"/>
-              <a:t>2013/11/19</a:t>
+              <a:t>2013/11/20</a:t>
             </a:fld>
             <a:endParaRPr lang="zh-CN" altLang="en-US"/>
           </a:p>
@@ -4835,7 +6957,7 @@
           <a:p>
             <a:fld id="{F06CDC8D-25DE-4581-BD3E-1D12832A0D0D}" type="datetimeFigureOut">
               <a:rPr lang="zh-CN" altLang="en-US" smtClean="0"/>
-              <a:t>2013/11/19</a:t>
+              <a:t>2013/11/20</a:t>
             </a:fld>
             <a:endParaRPr lang="zh-CN" altLang="en-US"/>
           </a:p>
@@ -5005,7 +7127,7 @@
           <a:p>
             <a:fld id="{F06CDC8D-25DE-4581-BD3E-1D12832A0D0D}" type="datetimeFigureOut">
               <a:rPr lang="zh-CN" altLang="en-US" smtClean="0"/>
-              <a:t>2013/11/19</a:t>
+              <a:t>2013/11/20</a:t>
             </a:fld>
             <a:endParaRPr lang="zh-CN" altLang="en-US"/>
           </a:p>
@@ -5251,7 +7373,7 @@
           <a:p>
             <a:fld id="{F06CDC8D-25DE-4581-BD3E-1D12832A0D0D}" type="datetimeFigureOut">
               <a:rPr lang="zh-CN" altLang="en-US" smtClean="0"/>
-              <a:t>2013/11/19</a:t>
+              <a:t>2013/11/20</a:t>
             </a:fld>
             <a:endParaRPr lang="zh-CN" altLang="en-US"/>
           </a:p>
@@ -5539,7 +7661,7 @@
           <a:p>
             <a:fld id="{F06CDC8D-25DE-4581-BD3E-1D12832A0D0D}" type="datetimeFigureOut">
               <a:rPr lang="zh-CN" altLang="en-US" smtClean="0"/>
-              <a:t>2013/11/19</a:t>
+              <a:t>2013/11/20</a:t>
             </a:fld>
             <a:endParaRPr lang="zh-CN" altLang="en-US"/>
           </a:p>
@@ -5961,7 +8083,7 @@
           <a:p>
             <a:fld id="{F06CDC8D-25DE-4581-BD3E-1D12832A0D0D}" type="datetimeFigureOut">
               <a:rPr lang="zh-CN" altLang="en-US" smtClean="0"/>
-              <a:t>2013/11/19</a:t>
+              <a:t>2013/11/20</a:t>
             </a:fld>
             <a:endParaRPr lang="zh-CN" altLang="en-US"/>
           </a:p>
@@ -6079,7 +8201,7 @@
           <a:p>
             <a:fld id="{F06CDC8D-25DE-4581-BD3E-1D12832A0D0D}" type="datetimeFigureOut">
               <a:rPr lang="zh-CN" altLang="en-US" smtClean="0"/>
-              <a:t>2013/11/19</a:t>
+              <a:t>2013/11/20</a:t>
             </a:fld>
             <a:endParaRPr lang="zh-CN" altLang="en-US"/>
           </a:p>
@@ -6174,7 +8296,7 @@
           <a:p>
             <a:fld id="{F06CDC8D-25DE-4581-BD3E-1D12832A0D0D}" type="datetimeFigureOut">
               <a:rPr lang="zh-CN" altLang="en-US" smtClean="0"/>
-              <a:t>2013/11/19</a:t>
+              <a:t>2013/11/20</a:t>
             </a:fld>
             <a:endParaRPr lang="zh-CN" altLang="en-US"/>
           </a:p>
@@ -6451,7 +8573,7 @@
           <a:p>
             <a:fld id="{F06CDC8D-25DE-4581-BD3E-1D12832A0D0D}" type="datetimeFigureOut">
               <a:rPr lang="zh-CN" altLang="en-US" smtClean="0"/>
-              <a:t>2013/11/19</a:t>
+              <a:t>2013/11/20</a:t>
             </a:fld>
             <a:endParaRPr lang="zh-CN" altLang="en-US"/>
           </a:p>
@@ -6704,7 +8826,7 @@
           <a:p>
             <a:fld id="{F06CDC8D-25DE-4581-BD3E-1D12832A0D0D}" type="datetimeFigureOut">
               <a:rPr lang="zh-CN" altLang="en-US" smtClean="0"/>
-              <a:t>2013/11/19</a:t>
+              <a:t>2013/11/20</a:t>
             </a:fld>
             <a:endParaRPr lang="zh-CN" altLang="en-US"/>
           </a:p>
@@ -6917,7 +9039,7 @@
           <a:p>
             <a:fld id="{F06CDC8D-25DE-4581-BD3E-1D12832A0D0D}" type="datetimeFigureOut">
               <a:rPr lang="zh-CN" altLang="en-US" smtClean="0"/>
-              <a:t>2013/11/19</a:t>
+              <a:t>2013/11/20</a:t>
             </a:fld>
             <a:endParaRPr lang="zh-CN" altLang="en-US"/>
           </a:p>
@@ -7469,7 +9591,7 @@
           <p:nvPr/>
         </p:nvPicPr>
         <p:blipFill>
-          <a:blip r:embed="rId2"/>
+          <a:blip r:embed="rId3"/>
           <a:stretch>
             <a:fillRect/>
           </a:stretch>
@@ -7845,7 +9967,7 @@
           </p:nvPr>
         </p:nvPicPr>
         <p:blipFill>
-          <a:blip r:embed="rId2"/>
+          <a:blip r:embed="rId3"/>
           <a:stretch>
             <a:fillRect/>
           </a:stretch>
@@ -8529,7 +10651,7 @@
           <p:nvPr/>
         </p:nvPicPr>
         <p:blipFill>
-          <a:blip r:embed="rId2"/>
+          <a:blip r:embed="rId3"/>
           <a:stretch>
             <a:fillRect/>
           </a:stretch>
@@ -9052,7 +11174,7 @@
           <p:nvPr/>
         </p:nvPicPr>
         <p:blipFill>
-          <a:blip r:embed="rId2"/>
+          <a:blip r:embed="rId3"/>
           <a:stretch>
             <a:fillRect/>
           </a:stretch>
@@ -9530,7 +11652,7 @@
           <p:nvPr/>
         </p:nvPicPr>
         <p:blipFill>
-          <a:blip r:embed="rId2"/>
+          <a:blip r:embed="rId3"/>
           <a:stretch>
             <a:fillRect/>
           </a:stretch>
@@ -9934,7 +12056,7 @@
           <p:nvPr/>
         </p:nvPicPr>
         <p:blipFill>
-          <a:blip r:embed="rId2"/>
+          <a:blip r:embed="rId3"/>
           <a:stretch>
             <a:fillRect/>
           </a:stretch>
@@ -10140,7 +12262,7 @@
           <p:nvPr/>
         </p:nvPicPr>
         <p:blipFill>
-          <a:blip r:embed="rId2">
+          <a:blip r:embed="rId3">
             <a:extLst>
               <a:ext uri="{28A0092B-C50C-407E-A947-70E740481C1C}">
                 <a14:useLocalDpi xmlns:a14="http://schemas.microsoft.com/office/drawing/2010/main" val="0"/>
@@ -10910,11 +13032,11 @@
           <a:p>
             <a:r>
               <a:rPr lang="zh-CN" altLang="en-US" dirty="0" smtClean="0"/>
-              <a:t>动手实验</a:t>
-            </a:r>
-            <a:r>
-              <a:rPr lang="en-US" altLang="zh-CN" dirty="0" smtClean="0"/>
-              <a:t>1</a:t>
+              <a:t>动手</a:t>
+            </a:r>
+            <a:r>
+              <a:rPr lang="zh-CN" altLang="en-US" dirty="0" smtClean="0"/>
+              <a:t>实验</a:t>
             </a:r>
             <a:endParaRPr lang="zh-CN" altLang="en-US" dirty="0"/>
           </a:p>
@@ -11204,16 +13326,15 @@
           </p:cNvPicPr>
           <p:nvPr/>
         </p:nvPicPr>
-        <p:blipFill>
-          <a:blip r:embed="rId2"/>
-          <a:stretch>
-            <a:fillRect/>
-          </a:stretch>
+        <p:blipFill rotWithShape="1">
+          <a:blip r:embed="rId3"/>
+          <a:srcRect t="5939"/>
+          <a:stretch/>
         </p:blipFill>
         <p:spPr>
           <a:xfrm>
-            <a:off x="323528" y="1395933"/>
-            <a:ext cx="2520280" cy="5133475"/>
+            <a:off x="323528" y="1700808"/>
+            <a:ext cx="2520280" cy="4828600"/>
           </a:xfrm>
           <a:prstGeom prst="rect">
             <a:avLst/>
@@ -11779,37 +13900,37 @@
             </a:r>
             <a:r>
               <a:rPr lang="en-US" altLang="zh-CN" sz="2800" dirty="0">
-                <a:hlinkClick r:id="rId2"/>
+                <a:hlinkClick r:id="rId3"/>
               </a:rPr>
               <a:t>http</a:t>
             </a:r>
             <a:r>
               <a:rPr lang="en-US" altLang="zh-CN" sz="2800" dirty="0" smtClean="0">
-                <a:hlinkClick r:id="rId2"/>
+                <a:hlinkClick r:id="rId3"/>
               </a:rPr>
               <a:t>://.../</a:t>
             </a:r>
             <a:r>
               <a:rPr lang="en-US" altLang="zh-CN" sz="2800" dirty="0" err="1">
-                <a:hlinkClick r:id="rId2"/>
+                <a:hlinkClick r:id="rId3"/>
               </a:rPr>
               <a:t>solr</a:t>
             </a:r>
             <a:r>
               <a:rPr lang="en-US" altLang="zh-CN" sz="2800" dirty="0">
-                <a:hlinkClick r:id="rId2"/>
+                <a:hlinkClick r:id="rId3"/>
               </a:rPr>
               <a:t>/collection1/</a:t>
             </a:r>
             <a:r>
               <a:rPr lang="en-US" altLang="zh-CN" sz="2800" dirty="0" err="1">
-                <a:hlinkClick r:id="rId2"/>
+                <a:hlinkClick r:id="rId3"/>
               </a:rPr>
               <a:t>select?q</a:t>
             </a:r>
             <a:r>
               <a:rPr lang="en-US" altLang="zh-CN" sz="2800" dirty="0" smtClean="0">
-                <a:hlinkClick r:id="rId2"/>
+                <a:hlinkClick r:id="rId3"/>
               </a:rPr>
               <a:t>=&lt;search</a:t>
             </a:r>
@@ -11957,7 +14078,7 @@
           <p:nvPr/>
         </p:nvPicPr>
         <p:blipFill>
-          <a:blip r:embed="rId3"/>
+          <a:blip r:embed="rId4"/>
           <a:stretch>
             <a:fillRect/>
           </a:stretch>
@@ -13439,8 +15560,8 @@
               <a:t>添加 </a:t>
             </a:r>
             <a:r>
-              <a:rPr lang="en-US" altLang="zh-CN" dirty="0"/>
-              <a:t>solr-dataimporthandler-4.4.0.jar</a:t>
+              <a:rPr lang="en-US" altLang="zh-CN" dirty="0" smtClean="0"/>
+              <a:t>solr-dataimporthandler-4.5.1.jar</a:t>
             </a:r>
             <a:r>
               <a:rPr lang="zh-CN" altLang="en-US" dirty="0"/>
@@ -15424,7 +17545,7 @@
           </p:nvPr>
         </p:nvPicPr>
         <p:blipFill>
-          <a:blip r:embed="rId2">
+          <a:blip r:embed="rId3">
             <a:extLst>
               <a:ext uri="{28A0092B-C50C-407E-A947-70E740481C1C}">
                 <a14:useLocalDpi xmlns:a14="http://schemas.microsoft.com/office/drawing/2010/main" val="0"/>
@@ -16313,7 +18434,7 @@
         </p:xfrm>
         <a:graphic>
           <a:graphicData uri="http://schemas.openxmlformats.org/drawingml/2006/diagram">
-            <dgm:relIds xmlns:dgm="http://schemas.openxmlformats.org/drawingml/2006/diagram" xmlns:r="http://schemas.openxmlformats.org/officeDocument/2006/relationships" r:dm="rId2" r:lo="rId3" r:qs="rId4" r:cs="rId5"/>
+            <dgm:relIds xmlns:dgm="http://schemas.openxmlformats.org/drawingml/2006/diagram" xmlns:r="http://schemas.openxmlformats.org/officeDocument/2006/relationships" r:dm="rId3" r:lo="rId4" r:qs="rId5" r:cs="rId6"/>
           </a:graphicData>
         </a:graphic>
       </p:graphicFrame>
@@ -17947,7 +20068,7 @@
           <a:p>
             <a:r>
               <a:rPr lang="zh-CN" altLang="en-US" sz="2000" dirty="0">
-                <a:hlinkClick r:id="rId2"/>
+                <a:hlinkClick r:id="rId3"/>
               </a:rPr>
               <a:t>http://www.cnblogs.com/forfuture1978/archive/2009/12/14/1623597.html</a:t>
             </a:r>
@@ -18974,7 +21095,7 @@
           <p:nvPr/>
         </p:nvPicPr>
         <p:blipFill>
-          <a:blip r:embed="rId2">
+          <a:blip r:embed="rId3">
             <a:extLst>
               <a:ext uri="{28A0092B-C50C-407E-A947-70E740481C1C}">
                 <a14:useLocalDpi xmlns:a14="http://schemas.microsoft.com/office/drawing/2010/main" val="0"/>
@@ -19004,7 +21125,7 @@
           <p:nvPr/>
         </p:nvPicPr>
         <p:blipFill>
-          <a:blip r:embed="rId3">
+          <a:blip r:embed="rId4">
             <a:extLst>
               <a:ext uri="{28A0092B-C50C-407E-A947-70E740481C1C}">
                 <a14:useLocalDpi xmlns:a14="http://schemas.microsoft.com/office/drawing/2010/main" val="0"/>

--- a/Full-Text_Search/PPT/全文检索入门与实践.pptx
+++ b/Full-Text_Search/PPT/全文检索入门与实践.pptx
@@ -1937,55 +1937,55 @@
     </dgm:pt>
   </dgm:ptLst>
   <dgm:cxnLst>
+    <dgm:cxn modelId="{F296287D-92F1-4795-85A4-09EC5D99BCFD}" type="presOf" srcId="{AD852797-663B-40D8-BACB-2FD2F2A02723}" destId="{378A92BF-730C-4B89-A22F-11233B28DBA0}" srcOrd="0" destOrd="8" presId="urn:microsoft.com/office/officeart/2005/8/layout/hList6"/>
+    <dgm:cxn modelId="{E1CA47BF-CB7C-47DE-9455-DB8F1DF22ECE}" type="presOf" srcId="{42B7CB72-D4F2-4059-BE65-F22AE24E1C41}" destId="{D33D3E6E-2DAB-49D5-A22D-8A7AE2AF2386}" srcOrd="0" destOrd="0" presId="urn:microsoft.com/office/officeart/2005/8/layout/hList6"/>
+    <dgm:cxn modelId="{CC080D9A-5CC6-4DC5-8EC6-6ECC8DD3A9F0}" type="presOf" srcId="{BC996979-D47B-4F3F-ADD4-6983D3C51CEF}" destId="{DB81FC91-547D-4887-B40A-6CFA1C435ABC}" srcOrd="0" destOrd="4" presId="urn:microsoft.com/office/officeart/2005/8/layout/hList6"/>
+    <dgm:cxn modelId="{8A5070DB-635E-4649-9C72-A4890A6D391B}" srcId="{A417BD96-AAB1-435B-9E8C-E86E27030477}" destId="{4F772856-7ED5-4ED6-80BA-A14947D71C52}" srcOrd="2" destOrd="0" parTransId="{7C989469-504B-462A-B48A-0F628C075F01}" sibTransId="{65F4C01E-C1D4-42AD-AB9A-8EE6025F5C27}"/>
+    <dgm:cxn modelId="{8717CD77-A072-423F-A3A0-2E6C6F009F4E}" srcId="{A417BD96-AAB1-435B-9E8C-E86E27030477}" destId="{A971C5B9-0EA0-43A5-9F8F-CF713F586D01}" srcOrd="1" destOrd="0" parTransId="{FE8D45B2-B41F-47BF-9C94-C82A27D89F97}" sibTransId="{4AA94A0D-AF81-4257-A904-CA006C26DA39}"/>
+    <dgm:cxn modelId="{FB014557-F1E8-4144-BC6A-B5298627AD04}" type="presOf" srcId="{2482526B-B676-42F3-94C1-07B3B09077B3}" destId="{D33D3E6E-2DAB-49D5-A22D-8A7AE2AF2386}" srcOrd="0" destOrd="4" presId="urn:microsoft.com/office/officeart/2005/8/layout/hList6"/>
+    <dgm:cxn modelId="{01DC669F-9754-4284-A77E-E31ABE9265DD}" srcId="{1E68D6D6-8D7B-46AD-90C4-65A938BB5C8A}" destId="{9DF16E84-4124-48A7-93D9-FCAF0F0335F8}" srcOrd="4" destOrd="0" parTransId="{AB0FE13C-5806-4A98-9AFB-E4A90BD2CA72}" sibTransId="{0603E359-51C3-4730-8424-3AD39D78054A}"/>
+    <dgm:cxn modelId="{F43A83D6-CA93-4988-AE7B-917B6D3DD2BC}" srcId="{42B7CB72-D4F2-4059-BE65-F22AE24E1C41}" destId="{82C92D4A-BC39-4CAD-ADD6-23208CF33303}" srcOrd="1" destOrd="0" parTransId="{EC14CCEC-80A8-487E-9753-515E05263F74}" sibTransId="{A1EE2F41-0E1C-45F8-A54E-82A189CF63A5}"/>
+    <dgm:cxn modelId="{E3CE7052-491F-4B6B-83BA-83D68FD7E6B1}" srcId="{A417BD96-AAB1-435B-9E8C-E86E27030477}" destId="{3CE69326-247D-433E-ADCB-7B2926E38D85}" srcOrd="3" destOrd="0" parTransId="{C87109F6-8182-47D9-B14A-F565A330ABC3}" sibTransId="{20A5CA2E-225A-48C7-9B47-A4040396D9CC}"/>
+    <dgm:cxn modelId="{74D6647F-49FD-4D47-A30E-CE7B3F456D97}" srcId="{1E68D6D6-8D7B-46AD-90C4-65A938BB5C8A}" destId="{75A91B37-FAC7-4295-8E9D-65784DC854CB}" srcOrd="0" destOrd="0" parTransId="{8D4DA750-B67B-418D-95CD-0209E3C4CE30}" sibTransId="{16AF249A-B97A-45B4-B754-9BB7847B6ED5}"/>
+    <dgm:cxn modelId="{B51E76B6-59EA-4182-95EC-8EBAF018CFF5}" type="presOf" srcId="{7ED83C5F-20B4-45CB-9739-7440B3DC0A86}" destId="{AC2181AB-8547-43ED-BD14-63E88DCAB410}" srcOrd="0" destOrd="0" presId="urn:microsoft.com/office/officeart/2005/8/layout/hList6"/>
+    <dgm:cxn modelId="{EE8090DE-CAAA-4929-84A2-9DF56BD841F3}" srcId="{A417BD96-AAB1-435B-9E8C-E86E27030477}" destId="{321D9FFA-0154-47B8-BCE8-03EEBE5CF706}" srcOrd="4" destOrd="0" parTransId="{DC761916-D7C6-45A2-8B41-57F39D6AD941}" sibTransId="{7C5C8C2F-C177-45A0-B67D-308C826FE33E}"/>
+    <dgm:cxn modelId="{405CB256-0FEC-464B-95B7-054A7FCBA1F8}" type="presOf" srcId="{A971C5B9-0EA0-43A5-9F8F-CF713F586D01}" destId="{378A92BF-730C-4B89-A22F-11233B28DBA0}" srcOrd="0" destOrd="2" presId="urn:microsoft.com/office/officeart/2005/8/layout/hList6"/>
+    <dgm:cxn modelId="{8024D740-B65F-4F30-B792-A7EAB02603C6}" srcId="{1E68D6D6-8D7B-46AD-90C4-65A938BB5C8A}" destId="{BC996979-D47B-4F3F-ADD4-6983D3C51CEF}" srcOrd="3" destOrd="0" parTransId="{3D22AD75-3233-4BC4-A212-1CAC04849314}" sibTransId="{F385BF18-706E-4246-ACA2-863F1DEA88D7}"/>
+    <dgm:cxn modelId="{DF9DF8E3-AC9F-4E35-8D19-15F0604BABBD}" srcId="{42B7CB72-D4F2-4059-BE65-F22AE24E1C41}" destId="{3CBE9BB1-785B-489B-BDF3-0B85D2BBD29E}" srcOrd="4" destOrd="0" parTransId="{F586E160-A062-4B91-90A5-4ED833C4132F}" sibTransId="{B79A4D3D-C019-4290-9D64-F59A253540AB}"/>
+    <dgm:cxn modelId="{6CE33CD9-58BE-48D9-948B-250A03D47D15}" type="presOf" srcId="{85E5C8DC-2232-4CD0-A348-4E92EEA68D98}" destId="{D33D3E6E-2DAB-49D5-A22D-8A7AE2AF2386}" srcOrd="0" destOrd="3" presId="urn:microsoft.com/office/officeart/2005/8/layout/hList6"/>
     <dgm:cxn modelId="{05D4FEF0-4C72-435A-8ED8-528EFEC03780}" srcId="{7ED83C5F-20B4-45CB-9739-7440B3DC0A86}" destId="{1E68D6D6-8D7B-46AD-90C4-65A938BB5C8A}" srcOrd="0" destOrd="0" parTransId="{683277BE-FA34-480C-80EE-5362E1AF25DC}" sibTransId="{16E173C1-0A6D-4EC8-86C4-B4FFA2FCB811}"/>
-    <dgm:cxn modelId="{1EF248AA-DC77-499E-9EAF-EB8D2D2856C7}" srcId="{42B7CB72-D4F2-4059-BE65-F22AE24E1C41}" destId="{51E82ECE-F621-411A-81EB-C98BAA570799}" srcOrd="0" destOrd="0" parTransId="{E4764083-F814-4D3E-8A68-C2EC0709EF3E}" sibTransId="{99392818-C4DA-473D-8A33-6052651E0EDB}"/>
-    <dgm:cxn modelId="{74D6647F-49FD-4D47-A30E-CE7B3F456D97}" srcId="{1E68D6D6-8D7B-46AD-90C4-65A938BB5C8A}" destId="{75A91B37-FAC7-4295-8E9D-65784DC854CB}" srcOrd="0" destOrd="0" parTransId="{8D4DA750-B67B-418D-95CD-0209E3C4CE30}" sibTransId="{16AF249A-B97A-45B4-B754-9BB7847B6ED5}"/>
-    <dgm:cxn modelId="{F43A83D6-CA93-4988-AE7B-917B6D3DD2BC}" srcId="{42B7CB72-D4F2-4059-BE65-F22AE24E1C41}" destId="{82C92D4A-BC39-4CAD-ADD6-23208CF33303}" srcOrd="1" destOrd="0" parTransId="{EC14CCEC-80A8-487E-9753-515E05263F74}" sibTransId="{A1EE2F41-0E1C-45F8-A54E-82A189CF63A5}"/>
+    <dgm:cxn modelId="{597A73C3-B91E-4F56-9064-9057384691F3}" type="presOf" srcId="{75A91B37-FAC7-4295-8E9D-65784DC854CB}" destId="{DB81FC91-547D-4887-B40A-6CFA1C435ABC}" srcOrd="0" destOrd="1" presId="urn:microsoft.com/office/officeart/2005/8/layout/hList6"/>
     <dgm:cxn modelId="{4DA4242E-60D4-465E-ABF2-4F32CB937986}" type="presOf" srcId="{528753BF-2EE3-42CB-A681-2D8933FDD593}" destId="{D33D3E6E-2DAB-49D5-A22D-8A7AE2AF2386}" srcOrd="0" destOrd="7" presId="urn:microsoft.com/office/officeart/2005/8/layout/hList6"/>
+    <dgm:cxn modelId="{5E5A2A5A-D499-4471-A016-5A076E449770}" type="presOf" srcId="{321D9FFA-0154-47B8-BCE8-03EEBE5CF706}" destId="{378A92BF-730C-4B89-A22F-11233B28DBA0}" srcOrd="0" destOrd="5" presId="urn:microsoft.com/office/officeart/2005/8/layout/hList6"/>
+    <dgm:cxn modelId="{B6BF4652-22EF-438E-87B4-11DC456B5C6B}" type="presOf" srcId="{32158258-C56C-4A2A-BFCF-E78B37AEF4DD}" destId="{378A92BF-730C-4B89-A22F-11233B28DBA0}" srcOrd="0" destOrd="6" presId="urn:microsoft.com/office/officeart/2005/8/layout/hList6"/>
     <dgm:cxn modelId="{6E34588B-5785-47CE-96B9-77D3F6C1C3EC}" type="presOf" srcId="{3CE69326-247D-433E-ADCB-7B2926E38D85}" destId="{378A92BF-730C-4B89-A22F-11233B28DBA0}" srcOrd="0" destOrd="4" presId="urn:microsoft.com/office/officeart/2005/8/layout/hList6"/>
-    <dgm:cxn modelId="{C19DD70A-50E5-41CD-B0CD-1D1CC7432AF9}" type="presOf" srcId="{82C92D4A-BC39-4CAD-ADD6-23208CF33303}" destId="{D33D3E6E-2DAB-49D5-A22D-8A7AE2AF2386}" srcOrd="0" destOrd="2" presId="urn:microsoft.com/office/officeart/2005/8/layout/hList6"/>
-    <dgm:cxn modelId="{82C9C916-C632-48CA-BC34-61A3F6316258}" type="presOf" srcId="{9DF16E84-4124-48A7-93D9-FCAF0F0335F8}" destId="{DB81FC91-547D-4887-B40A-6CFA1C435ABC}" srcOrd="0" destOrd="5" presId="urn:microsoft.com/office/officeart/2005/8/layout/hList6"/>
-    <dgm:cxn modelId="{E3CE7052-491F-4B6B-83BA-83D68FD7E6B1}" srcId="{A417BD96-AAB1-435B-9E8C-E86E27030477}" destId="{3CE69326-247D-433E-ADCB-7B2926E38D85}" srcOrd="3" destOrd="0" parTransId="{C87109F6-8182-47D9-B14A-F565A330ABC3}" sibTransId="{20A5CA2E-225A-48C7-9B47-A4040396D9CC}"/>
+    <dgm:cxn modelId="{F141DC20-D2E4-441B-B61A-AD70574A231E}" type="presOf" srcId="{4F772856-7ED5-4ED6-80BA-A14947D71C52}" destId="{378A92BF-730C-4B89-A22F-11233B28DBA0}" srcOrd="0" destOrd="3" presId="urn:microsoft.com/office/officeart/2005/8/layout/hList6"/>
+    <dgm:cxn modelId="{41CF89B3-DC3D-4DB0-BD96-5FD1ED79DA8A}" srcId="{A417BD96-AAB1-435B-9E8C-E86E27030477}" destId="{AD852797-663B-40D8-BACB-2FD2F2A02723}" srcOrd="7" destOrd="0" parTransId="{046F79DA-5796-4605-82D1-9BBC8CB2FBB7}" sibTransId="{5755668E-5D2B-4A4A-9173-C57815E18FD0}"/>
     <dgm:cxn modelId="{A371FE2B-5684-4CC3-BCC2-938042AEF0A0}" srcId="{A417BD96-AAB1-435B-9E8C-E86E27030477}" destId="{32158258-C56C-4A2A-BFCF-E78B37AEF4DD}" srcOrd="5" destOrd="0" parTransId="{CFA2D5BB-5C85-49D2-9F20-650329DF30E4}" sibTransId="{8F4BA558-0549-41D0-8C32-FF1949FEE7EC}"/>
-    <dgm:cxn modelId="{0FC61371-B199-4A09-821C-C9C32537F592}" srcId="{A417BD96-AAB1-435B-9E8C-E86E27030477}" destId="{E93F7914-11FE-4465-9592-60E0999A9B8F}" srcOrd="6" destOrd="0" parTransId="{7C020B38-F1F9-4621-B34F-DF5A1B482941}" sibTransId="{F8CCF9D2-4835-426F-B1A9-B6EBADF6481D}"/>
-    <dgm:cxn modelId="{EE8090DE-CAAA-4929-84A2-9DF56BD841F3}" srcId="{A417BD96-AAB1-435B-9E8C-E86E27030477}" destId="{321D9FFA-0154-47B8-BCE8-03EEBE5CF706}" srcOrd="4" destOrd="0" parTransId="{DC761916-D7C6-45A2-8B41-57F39D6AD941}" sibTransId="{7C5C8C2F-C177-45A0-B67D-308C826FE33E}"/>
-    <dgm:cxn modelId="{7DA6B1B0-FDF7-46AA-889F-AD48F1091692}" srcId="{42B7CB72-D4F2-4059-BE65-F22AE24E1C41}" destId="{2482526B-B676-42F3-94C1-07B3B09077B3}" srcOrd="3" destOrd="0" parTransId="{AD9BB8D5-2C50-4B9F-8CA5-3A5D31307D8A}" sibTransId="{1A637CB1-9D4D-439C-BF5C-DA087B3A3C3D}"/>
-    <dgm:cxn modelId="{6DC344F6-1876-41D9-8E66-93734F10D750}" srcId="{42B7CB72-D4F2-4059-BE65-F22AE24E1C41}" destId="{528753BF-2EE3-42CB-A681-2D8933FDD593}" srcOrd="6" destOrd="0" parTransId="{C16C170E-6B88-475B-8AF5-EE85DA3DCCDE}" sibTransId="{F396871F-AED1-4AB3-8AAC-6BAB3FFB57C9}"/>
-    <dgm:cxn modelId="{8024D740-B65F-4F30-B792-A7EAB02603C6}" srcId="{1E68D6D6-8D7B-46AD-90C4-65A938BB5C8A}" destId="{BC996979-D47B-4F3F-ADD4-6983D3C51CEF}" srcOrd="3" destOrd="0" parTransId="{3D22AD75-3233-4BC4-A212-1CAC04849314}" sibTransId="{F385BF18-706E-4246-ACA2-863F1DEA88D7}"/>
-    <dgm:cxn modelId="{6CE33CD9-58BE-48D9-948B-250A03D47D15}" type="presOf" srcId="{85E5C8DC-2232-4CD0-A348-4E92EEA68D98}" destId="{D33D3E6E-2DAB-49D5-A22D-8A7AE2AF2386}" srcOrd="0" destOrd="3" presId="urn:microsoft.com/office/officeart/2005/8/layout/hList6"/>
-    <dgm:cxn modelId="{037399CE-3737-4166-81E5-2382E0876798}" type="presOf" srcId="{279E0C1F-CFA7-403D-94C8-0CF0930A2A77}" destId="{D33D3E6E-2DAB-49D5-A22D-8A7AE2AF2386}" srcOrd="0" destOrd="6" presId="urn:microsoft.com/office/officeart/2005/8/layout/hList6"/>
-    <dgm:cxn modelId="{3F716999-D407-4B6C-9DFE-35F11896B45B}" srcId="{7ED83C5F-20B4-45CB-9739-7440B3DC0A86}" destId="{A417BD96-AAB1-435B-9E8C-E86E27030477}" srcOrd="2" destOrd="0" parTransId="{8D5380D5-6C8A-42B2-9F8F-A0D20EE22D7C}" sibTransId="{18CA8202-3404-4E09-BA90-8FB9C121C8B1}"/>
-    <dgm:cxn modelId="{B6BF4652-22EF-438E-87B4-11DC456B5C6B}" type="presOf" srcId="{32158258-C56C-4A2A-BFCF-E78B37AEF4DD}" destId="{378A92BF-730C-4B89-A22F-11233B28DBA0}" srcOrd="0" destOrd="6" presId="urn:microsoft.com/office/officeart/2005/8/layout/hList6"/>
-    <dgm:cxn modelId="{EE9272EE-552E-4BAD-8EF7-8B1882AC9515}" type="presOf" srcId="{E93F7914-11FE-4465-9592-60E0999A9B8F}" destId="{378A92BF-730C-4B89-A22F-11233B28DBA0}" srcOrd="0" destOrd="7" presId="urn:microsoft.com/office/officeart/2005/8/layout/hList6"/>
-    <dgm:cxn modelId="{DF9DF8E3-AC9F-4E35-8D19-15F0604BABBD}" srcId="{42B7CB72-D4F2-4059-BE65-F22AE24E1C41}" destId="{3CBE9BB1-785B-489B-BDF3-0B85D2BBD29E}" srcOrd="4" destOrd="0" parTransId="{F586E160-A062-4B91-90A5-4ED833C4132F}" sibTransId="{B79A4D3D-C019-4290-9D64-F59A253540AB}"/>
-    <dgm:cxn modelId="{7633124D-A744-4D96-A024-9550905C73BD}" type="presOf" srcId="{F62EA030-EF4C-4264-9187-29425B72A67D}" destId="{DB81FC91-547D-4887-B40A-6CFA1C435ABC}" srcOrd="0" destOrd="6" presId="urn:microsoft.com/office/officeart/2005/8/layout/hList6"/>
+    <dgm:cxn modelId="{BFE69754-216A-43CB-93FB-3805F495DD50}" srcId="{1E68D6D6-8D7B-46AD-90C4-65A938BB5C8A}" destId="{44BA54C5-1613-421E-8211-67FA2A4E5F4F}" srcOrd="1" destOrd="0" parTransId="{0F4BC458-C794-4572-9F8E-5BCC16F9D739}" sibTransId="{EED60C31-43B3-46C9-A30E-B960E01F85EA}"/>
+    <dgm:cxn modelId="{3CE5F3B4-E08A-46D1-A0A0-712031519D9B}" srcId="{1E68D6D6-8D7B-46AD-90C4-65A938BB5C8A}" destId="{F62EA030-EF4C-4264-9187-29425B72A67D}" srcOrd="5" destOrd="0" parTransId="{DBC45882-7848-4886-B33D-6C1C075D0A1E}" sibTransId="{F2651D65-28EB-493C-84FF-F3198427E500}"/>
+    <dgm:cxn modelId="{B620D70C-BCB0-4DA3-8DDC-0738DCC56BE4}" srcId="{42B7CB72-D4F2-4059-BE65-F22AE24E1C41}" destId="{279E0C1F-CFA7-403D-94C8-0CF0930A2A77}" srcOrd="5" destOrd="0" parTransId="{B64B0D23-CC46-4147-B617-F785F58EC3B6}" sibTransId="{5E4E1F76-5B6F-43EF-B3E8-C3171F785280}"/>
     <dgm:cxn modelId="{DC6FF33C-6C59-42DD-94D2-BD0875BE5CF5}" srcId="{A417BD96-AAB1-435B-9E8C-E86E27030477}" destId="{5449584D-91EF-47DA-9175-8794495DF361}" srcOrd="0" destOrd="0" parTransId="{1A77076D-D984-42A5-96B6-6186C9EA1DBB}" sibTransId="{AD328561-6D01-4F2B-915A-0296052D2738}"/>
     <dgm:cxn modelId="{4409EEA9-177A-412F-BDA8-90DACB17DEA7}" type="presOf" srcId="{A417BD96-AAB1-435B-9E8C-E86E27030477}" destId="{378A92BF-730C-4B89-A22F-11233B28DBA0}" srcOrd="0" destOrd="0" presId="urn:microsoft.com/office/officeart/2005/8/layout/hList6"/>
-    <dgm:cxn modelId="{CC080D9A-5CC6-4DC5-8EC6-6ECC8DD3A9F0}" type="presOf" srcId="{BC996979-D47B-4F3F-ADD4-6983D3C51CEF}" destId="{DB81FC91-547D-4887-B40A-6CFA1C435ABC}" srcOrd="0" destOrd="4" presId="urn:microsoft.com/office/officeart/2005/8/layout/hList6"/>
-    <dgm:cxn modelId="{3CE5F3B4-E08A-46D1-A0A0-712031519D9B}" srcId="{1E68D6D6-8D7B-46AD-90C4-65A938BB5C8A}" destId="{F62EA030-EF4C-4264-9187-29425B72A67D}" srcOrd="5" destOrd="0" parTransId="{DBC45882-7848-4886-B33D-6C1C075D0A1E}" sibTransId="{F2651D65-28EB-493C-84FF-F3198427E500}"/>
-    <dgm:cxn modelId="{BFE69754-216A-43CB-93FB-3805F495DD50}" srcId="{1E68D6D6-8D7B-46AD-90C4-65A938BB5C8A}" destId="{44BA54C5-1613-421E-8211-67FA2A4E5F4F}" srcOrd="1" destOrd="0" parTransId="{0F4BC458-C794-4572-9F8E-5BCC16F9D739}" sibTransId="{EED60C31-43B3-46C9-A30E-B960E01F85EA}"/>
+    <dgm:cxn modelId="{08A3493B-10C5-4BDE-8E4B-90F7ADE6A705}" type="presOf" srcId="{5449584D-91EF-47DA-9175-8794495DF361}" destId="{378A92BF-730C-4B89-A22F-11233B28DBA0}" srcOrd="0" destOrd="1" presId="urn:microsoft.com/office/officeart/2005/8/layout/hList6"/>
+    <dgm:cxn modelId="{7633124D-A744-4D96-A024-9550905C73BD}" type="presOf" srcId="{F62EA030-EF4C-4264-9187-29425B72A67D}" destId="{DB81FC91-547D-4887-B40A-6CFA1C435ABC}" srcOrd="0" destOrd="6" presId="urn:microsoft.com/office/officeart/2005/8/layout/hList6"/>
     <dgm:cxn modelId="{77FB7E20-8FDD-44AD-95DE-F2013A6E2977}" srcId="{7ED83C5F-20B4-45CB-9739-7440B3DC0A86}" destId="{42B7CB72-D4F2-4059-BE65-F22AE24E1C41}" srcOrd="1" destOrd="0" parTransId="{E2D66B80-12E6-44DD-9796-288B4458BABF}" sibTransId="{F1F61C7C-3030-4AFA-83B1-8A242AD47A8A}"/>
-    <dgm:cxn modelId="{41CF89B3-DC3D-4DB0-BD96-5FD1ED79DA8A}" srcId="{A417BD96-AAB1-435B-9E8C-E86E27030477}" destId="{AD852797-663B-40D8-BACB-2FD2F2A02723}" srcOrd="7" destOrd="0" parTransId="{046F79DA-5796-4605-82D1-9BBC8CB2FBB7}" sibTransId="{5755668E-5D2B-4A4A-9173-C57815E18FD0}"/>
-    <dgm:cxn modelId="{F141DC20-D2E4-441B-B61A-AD70574A231E}" type="presOf" srcId="{4F772856-7ED5-4ED6-80BA-A14947D71C52}" destId="{378A92BF-730C-4B89-A22F-11233B28DBA0}" srcOrd="0" destOrd="3" presId="urn:microsoft.com/office/officeart/2005/8/layout/hList6"/>
+    <dgm:cxn modelId="{C19DD70A-50E5-41CD-B0CD-1D1CC7432AF9}" type="presOf" srcId="{82C92D4A-BC39-4CAD-ADD6-23208CF33303}" destId="{D33D3E6E-2DAB-49D5-A22D-8A7AE2AF2386}" srcOrd="0" destOrd="2" presId="urn:microsoft.com/office/officeart/2005/8/layout/hList6"/>
+    <dgm:cxn modelId="{6F23BF3C-89E6-4FDC-A321-AC1357A7F17E}" type="presOf" srcId="{44BA54C5-1613-421E-8211-67FA2A4E5F4F}" destId="{DB81FC91-547D-4887-B40A-6CFA1C435ABC}" srcOrd="0" destOrd="2" presId="urn:microsoft.com/office/officeart/2005/8/layout/hList6"/>
     <dgm:cxn modelId="{BDFF3871-145D-410A-8BF9-3C49242A79E3}" type="presOf" srcId="{0D84E0D9-7310-4F29-92E4-3B806AC71FEC}" destId="{DB81FC91-547D-4887-B40A-6CFA1C435ABC}" srcOrd="0" destOrd="3" presId="urn:microsoft.com/office/officeart/2005/8/layout/hList6"/>
-    <dgm:cxn modelId="{01DC669F-9754-4284-A77E-E31ABE9265DD}" srcId="{1E68D6D6-8D7B-46AD-90C4-65A938BB5C8A}" destId="{9DF16E84-4124-48A7-93D9-FCAF0F0335F8}" srcOrd="4" destOrd="0" parTransId="{AB0FE13C-5806-4A98-9AFB-E4A90BD2CA72}" sibTransId="{0603E359-51C3-4730-8424-3AD39D78054A}"/>
-    <dgm:cxn modelId="{E1CA47BF-CB7C-47DE-9455-DB8F1DF22ECE}" type="presOf" srcId="{42B7CB72-D4F2-4059-BE65-F22AE24E1C41}" destId="{D33D3E6E-2DAB-49D5-A22D-8A7AE2AF2386}" srcOrd="0" destOrd="0" presId="urn:microsoft.com/office/officeart/2005/8/layout/hList6"/>
-    <dgm:cxn modelId="{B51E76B6-59EA-4182-95EC-8EBAF018CFF5}" type="presOf" srcId="{7ED83C5F-20B4-45CB-9739-7440B3DC0A86}" destId="{AC2181AB-8547-43ED-BD14-63E88DCAB410}" srcOrd="0" destOrd="0" presId="urn:microsoft.com/office/officeart/2005/8/layout/hList6"/>
-    <dgm:cxn modelId="{08A3493B-10C5-4BDE-8E4B-90F7ADE6A705}" type="presOf" srcId="{5449584D-91EF-47DA-9175-8794495DF361}" destId="{378A92BF-730C-4B89-A22F-11233B28DBA0}" srcOrd="0" destOrd="1" presId="urn:microsoft.com/office/officeart/2005/8/layout/hList6"/>
+    <dgm:cxn modelId="{56BFE388-4632-4725-BCC1-82794AF680B3}" type="presOf" srcId="{3CBE9BB1-785B-489B-BDF3-0B85D2BBD29E}" destId="{D33D3E6E-2DAB-49D5-A22D-8A7AE2AF2386}" srcOrd="0" destOrd="5" presId="urn:microsoft.com/office/officeart/2005/8/layout/hList6"/>
     <dgm:cxn modelId="{10F6BF29-AF8D-4B77-BE08-0E3D98E2A668}" srcId="{1E68D6D6-8D7B-46AD-90C4-65A938BB5C8A}" destId="{0D84E0D9-7310-4F29-92E4-3B806AC71FEC}" srcOrd="2" destOrd="0" parTransId="{46AE85BB-72F8-4448-A684-84A15F821C5A}" sibTransId="{FB681033-0C72-493B-A622-8E20536F1F8F}"/>
-    <dgm:cxn modelId="{F296287D-92F1-4795-85A4-09EC5D99BCFD}" type="presOf" srcId="{AD852797-663B-40D8-BACB-2FD2F2A02723}" destId="{378A92BF-730C-4B89-A22F-11233B28DBA0}" srcOrd="0" destOrd="8" presId="urn:microsoft.com/office/officeart/2005/8/layout/hList6"/>
-    <dgm:cxn modelId="{FB014557-F1E8-4144-BC6A-B5298627AD04}" type="presOf" srcId="{2482526B-B676-42F3-94C1-07B3B09077B3}" destId="{D33D3E6E-2DAB-49D5-A22D-8A7AE2AF2386}" srcOrd="0" destOrd="4" presId="urn:microsoft.com/office/officeart/2005/8/layout/hList6"/>
-    <dgm:cxn modelId="{8A5070DB-635E-4649-9C72-A4890A6D391B}" srcId="{A417BD96-AAB1-435B-9E8C-E86E27030477}" destId="{4F772856-7ED5-4ED6-80BA-A14947D71C52}" srcOrd="2" destOrd="0" parTransId="{7C989469-504B-462A-B48A-0F628C075F01}" sibTransId="{65F4C01E-C1D4-42AD-AB9A-8EE6025F5C27}"/>
+    <dgm:cxn modelId="{0FC61371-B199-4A09-821C-C9C32537F592}" srcId="{A417BD96-AAB1-435B-9E8C-E86E27030477}" destId="{E93F7914-11FE-4465-9592-60E0999A9B8F}" srcOrd="6" destOrd="0" parTransId="{7C020B38-F1F9-4621-B34F-DF5A1B482941}" sibTransId="{F8CCF9D2-4835-426F-B1A9-B6EBADF6481D}"/>
+    <dgm:cxn modelId="{1EF248AA-DC77-499E-9EAF-EB8D2D2856C7}" srcId="{42B7CB72-D4F2-4059-BE65-F22AE24E1C41}" destId="{51E82ECE-F621-411A-81EB-C98BAA570799}" srcOrd="0" destOrd="0" parTransId="{E4764083-F814-4D3E-8A68-C2EC0709EF3E}" sibTransId="{99392818-C4DA-473D-8A33-6052651E0EDB}"/>
+    <dgm:cxn modelId="{82C9C916-C632-48CA-BC34-61A3F6316258}" type="presOf" srcId="{9DF16E84-4124-48A7-93D9-FCAF0F0335F8}" destId="{DB81FC91-547D-4887-B40A-6CFA1C435ABC}" srcOrd="0" destOrd="5" presId="urn:microsoft.com/office/officeart/2005/8/layout/hList6"/>
+    <dgm:cxn modelId="{A9E4B212-54EE-45AE-9ECF-12DFE9D8C900}" type="presOf" srcId="{1E68D6D6-8D7B-46AD-90C4-65A938BB5C8A}" destId="{DB81FC91-547D-4887-B40A-6CFA1C435ABC}" srcOrd="0" destOrd="0" presId="urn:microsoft.com/office/officeart/2005/8/layout/hList6"/>
+    <dgm:cxn modelId="{7DA6B1B0-FDF7-46AA-889F-AD48F1091692}" srcId="{42B7CB72-D4F2-4059-BE65-F22AE24E1C41}" destId="{2482526B-B676-42F3-94C1-07B3B09077B3}" srcOrd="3" destOrd="0" parTransId="{AD9BB8D5-2C50-4B9F-8CA5-3A5D31307D8A}" sibTransId="{1A637CB1-9D4D-439C-BF5C-DA087B3A3C3D}"/>
+    <dgm:cxn modelId="{6BD94F66-0C67-4170-A36B-49BF0A715490}" type="presOf" srcId="{51E82ECE-F621-411A-81EB-C98BAA570799}" destId="{D33D3E6E-2DAB-49D5-A22D-8A7AE2AF2386}" srcOrd="0" destOrd="1" presId="urn:microsoft.com/office/officeart/2005/8/layout/hList6"/>
+    <dgm:cxn modelId="{037399CE-3737-4166-81E5-2382E0876798}" type="presOf" srcId="{279E0C1F-CFA7-403D-94C8-0CF0930A2A77}" destId="{D33D3E6E-2DAB-49D5-A22D-8A7AE2AF2386}" srcOrd="0" destOrd="6" presId="urn:microsoft.com/office/officeart/2005/8/layout/hList6"/>
     <dgm:cxn modelId="{39AB66EC-220E-4F5B-B2C9-32CFFC4CD04F}" srcId="{42B7CB72-D4F2-4059-BE65-F22AE24E1C41}" destId="{85E5C8DC-2232-4CD0-A348-4E92EEA68D98}" srcOrd="2" destOrd="0" parTransId="{D2B23653-F2C9-4EB0-A04B-17D4C28C7B06}" sibTransId="{4A32B367-0832-42F4-A46A-29897D89D481}"/>
-    <dgm:cxn modelId="{B620D70C-BCB0-4DA3-8DDC-0738DCC56BE4}" srcId="{42B7CB72-D4F2-4059-BE65-F22AE24E1C41}" destId="{279E0C1F-CFA7-403D-94C8-0CF0930A2A77}" srcOrd="5" destOrd="0" parTransId="{B64B0D23-CC46-4147-B617-F785F58EC3B6}" sibTransId="{5E4E1F76-5B6F-43EF-B3E8-C3171F785280}"/>
-    <dgm:cxn modelId="{5E5A2A5A-D499-4471-A016-5A076E449770}" type="presOf" srcId="{321D9FFA-0154-47B8-BCE8-03EEBE5CF706}" destId="{378A92BF-730C-4B89-A22F-11233B28DBA0}" srcOrd="0" destOrd="5" presId="urn:microsoft.com/office/officeart/2005/8/layout/hList6"/>
-    <dgm:cxn modelId="{597A73C3-B91E-4F56-9064-9057384691F3}" type="presOf" srcId="{75A91B37-FAC7-4295-8E9D-65784DC854CB}" destId="{DB81FC91-547D-4887-B40A-6CFA1C435ABC}" srcOrd="0" destOrd="1" presId="urn:microsoft.com/office/officeart/2005/8/layout/hList6"/>
-    <dgm:cxn modelId="{56BFE388-4632-4725-BCC1-82794AF680B3}" type="presOf" srcId="{3CBE9BB1-785B-489B-BDF3-0B85D2BBD29E}" destId="{D33D3E6E-2DAB-49D5-A22D-8A7AE2AF2386}" srcOrd="0" destOrd="5" presId="urn:microsoft.com/office/officeart/2005/8/layout/hList6"/>
-    <dgm:cxn modelId="{6BD94F66-0C67-4170-A36B-49BF0A715490}" type="presOf" srcId="{51E82ECE-F621-411A-81EB-C98BAA570799}" destId="{D33D3E6E-2DAB-49D5-A22D-8A7AE2AF2386}" srcOrd="0" destOrd="1" presId="urn:microsoft.com/office/officeart/2005/8/layout/hList6"/>
-    <dgm:cxn modelId="{6F23BF3C-89E6-4FDC-A321-AC1357A7F17E}" type="presOf" srcId="{44BA54C5-1613-421E-8211-67FA2A4E5F4F}" destId="{DB81FC91-547D-4887-B40A-6CFA1C435ABC}" srcOrd="0" destOrd="2" presId="urn:microsoft.com/office/officeart/2005/8/layout/hList6"/>
-    <dgm:cxn modelId="{A9E4B212-54EE-45AE-9ECF-12DFE9D8C900}" type="presOf" srcId="{1E68D6D6-8D7B-46AD-90C4-65A938BB5C8A}" destId="{DB81FC91-547D-4887-B40A-6CFA1C435ABC}" srcOrd="0" destOrd="0" presId="urn:microsoft.com/office/officeart/2005/8/layout/hList6"/>
-    <dgm:cxn modelId="{405CB256-0FEC-464B-95B7-054A7FCBA1F8}" type="presOf" srcId="{A971C5B9-0EA0-43A5-9F8F-CF713F586D01}" destId="{378A92BF-730C-4B89-A22F-11233B28DBA0}" srcOrd="0" destOrd="2" presId="urn:microsoft.com/office/officeart/2005/8/layout/hList6"/>
-    <dgm:cxn modelId="{8717CD77-A072-423F-A3A0-2E6C6F009F4E}" srcId="{A417BD96-AAB1-435B-9E8C-E86E27030477}" destId="{A971C5B9-0EA0-43A5-9F8F-CF713F586D01}" srcOrd="1" destOrd="0" parTransId="{FE8D45B2-B41F-47BF-9C94-C82A27D89F97}" sibTransId="{4AA94A0D-AF81-4257-A904-CA006C26DA39}"/>
+    <dgm:cxn modelId="{6DC344F6-1876-41D9-8E66-93734F10D750}" srcId="{42B7CB72-D4F2-4059-BE65-F22AE24E1C41}" destId="{528753BF-2EE3-42CB-A681-2D8933FDD593}" srcOrd="6" destOrd="0" parTransId="{C16C170E-6B88-475B-8AF5-EE85DA3DCCDE}" sibTransId="{F396871F-AED1-4AB3-8AAC-6BAB3FFB57C9}"/>
+    <dgm:cxn modelId="{3F716999-D407-4B6C-9DFE-35F11896B45B}" srcId="{7ED83C5F-20B4-45CB-9739-7440B3DC0A86}" destId="{A417BD96-AAB1-435B-9E8C-E86E27030477}" srcOrd="2" destOrd="0" parTransId="{8D5380D5-6C8A-42B2-9F8F-A0D20EE22D7C}" sibTransId="{18CA8202-3404-4E09-BA90-8FB9C121C8B1}"/>
+    <dgm:cxn modelId="{EE9272EE-552E-4BAD-8EF7-8B1882AC9515}" type="presOf" srcId="{E93F7914-11FE-4465-9592-60E0999A9B8F}" destId="{378A92BF-730C-4B89-A22F-11233B28DBA0}" srcOrd="0" destOrd="7" presId="urn:microsoft.com/office/officeart/2005/8/layout/hList6"/>
     <dgm:cxn modelId="{9BC964C5-62A0-4C70-BB5A-79453D32C380}" type="presParOf" srcId="{AC2181AB-8547-43ED-BD14-63E88DCAB410}" destId="{DB81FC91-547D-4887-B40A-6CFA1C435ABC}" srcOrd="0" destOrd="0" presId="urn:microsoft.com/office/officeart/2005/8/layout/hList6"/>
     <dgm:cxn modelId="{E7C74461-63F4-4BFF-A400-15CDBF064778}" type="presParOf" srcId="{AC2181AB-8547-43ED-BD14-63E88DCAB410}" destId="{ABFEFE6B-76FA-46AA-BB18-B35D6C2CAF9C}" srcOrd="1" destOrd="0" presId="urn:microsoft.com/office/officeart/2005/8/layout/hList6"/>
     <dgm:cxn modelId="{E131C541-D024-4E5E-8D28-B741B37896A8}" type="presParOf" srcId="{AC2181AB-8547-43ED-BD14-63E88DCAB410}" destId="{D33D3E6E-2DAB-49D5-A22D-8A7AE2AF2386}" srcOrd="2" destOrd="0" presId="urn:microsoft.com/office/officeart/2005/8/layout/hList6"/>
@@ -3302,7 +3302,7 @@
           <a:p>
             <a:fld id="{20691C44-5AA0-4D87-9EF9-F757AE918975}" type="datetimeFigureOut">
               <a:rPr lang="zh-CN" altLang="en-US" smtClean="0"/>
-              <a:t>2013/11/20</a:t>
+              <a:t>2013/11/22</a:t>
             </a:fld>
             <a:endParaRPr lang="zh-CN" altLang="en-US"/>
           </a:p>
@@ -6218,6 +6218,10 @@
           <a:bodyPr/>
           <a:lstStyle/>
           <a:p>
+            <a:r>
+              <a:rPr lang="en-US" altLang="zh-CN" dirty="0" err="1" smtClean="0"/>
+              <a:t>pagerank</a:t>
+            </a:r>
             <a:endParaRPr lang="zh-CN" altLang="en-US" dirty="0"/>
           </a:p>
         </p:txBody>
@@ -6607,7 +6611,7 @@
           <a:p>
             <a:fld id="{F06CDC8D-25DE-4581-BD3E-1D12832A0D0D}" type="datetimeFigureOut">
               <a:rPr lang="zh-CN" altLang="en-US" smtClean="0"/>
-              <a:t>2013/11/20</a:t>
+              <a:t>2013/11/22</a:t>
             </a:fld>
             <a:endParaRPr lang="zh-CN" altLang="en-US"/>
           </a:p>
@@ -6777,7 +6781,7 @@
           <a:p>
             <a:fld id="{F06CDC8D-25DE-4581-BD3E-1D12832A0D0D}" type="datetimeFigureOut">
               <a:rPr lang="zh-CN" altLang="en-US" smtClean="0"/>
-              <a:t>2013/11/20</a:t>
+              <a:t>2013/11/22</a:t>
             </a:fld>
             <a:endParaRPr lang="zh-CN" altLang="en-US"/>
           </a:p>
@@ -6957,7 +6961,7 @@
           <a:p>
             <a:fld id="{F06CDC8D-25DE-4581-BD3E-1D12832A0D0D}" type="datetimeFigureOut">
               <a:rPr lang="zh-CN" altLang="en-US" smtClean="0"/>
-              <a:t>2013/11/20</a:t>
+              <a:t>2013/11/22</a:t>
             </a:fld>
             <a:endParaRPr lang="zh-CN" altLang="en-US"/>
           </a:p>
@@ -7127,7 +7131,7 @@
           <a:p>
             <a:fld id="{F06CDC8D-25DE-4581-BD3E-1D12832A0D0D}" type="datetimeFigureOut">
               <a:rPr lang="zh-CN" altLang="en-US" smtClean="0"/>
-              <a:t>2013/11/20</a:t>
+              <a:t>2013/11/22</a:t>
             </a:fld>
             <a:endParaRPr lang="zh-CN" altLang="en-US"/>
           </a:p>
@@ -7373,7 +7377,7 @@
           <a:p>
             <a:fld id="{F06CDC8D-25DE-4581-BD3E-1D12832A0D0D}" type="datetimeFigureOut">
               <a:rPr lang="zh-CN" altLang="en-US" smtClean="0"/>
-              <a:t>2013/11/20</a:t>
+              <a:t>2013/11/22</a:t>
             </a:fld>
             <a:endParaRPr lang="zh-CN" altLang="en-US"/>
           </a:p>
@@ -7661,7 +7665,7 @@
           <a:p>
             <a:fld id="{F06CDC8D-25DE-4581-BD3E-1D12832A0D0D}" type="datetimeFigureOut">
               <a:rPr lang="zh-CN" altLang="en-US" smtClean="0"/>
-              <a:t>2013/11/20</a:t>
+              <a:t>2013/11/22</a:t>
             </a:fld>
             <a:endParaRPr lang="zh-CN" altLang="en-US"/>
           </a:p>
@@ -8083,7 +8087,7 @@
           <a:p>
             <a:fld id="{F06CDC8D-25DE-4581-BD3E-1D12832A0D0D}" type="datetimeFigureOut">
               <a:rPr lang="zh-CN" altLang="en-US" smtClean="0"/>
-              <a:t>2013/11/20</a:t>
+              <a:t>2013/11/22</a:t>
             </a:fld>
             <a:endParaRPr lang="zh-CN" altLang="en-US"/>
           </a:p>
@@ -8201,7 +8205,7 @@
           <a:p>
             <a:fld id="{F06CDC8D-25DE-4581-BD3E-1D12832A0D0D}" type="datetimeFigureOut">
               <a:rPr lang="zh-CN" altLang="en-US" smtClean="0"/>
-              <a:t>2013/11/20</a:t>
+              <a:t>2013/11/22</a:t>
             </a:fld>
             <a:endParaRPr lang="zh-CN" altLang="en-US"/>
           </a:p>
@@ -8296,7 +8300,7 @@
           <a:p>
             <a:fld id="{F06CDC8D-25DE-4581-BD3E-1D12832A0D0D}" type="datetimeFigureOut">
               <a:rPr lang="zh-CN" altLang="en-US" smtClean="0"/>
-              <a:t>2013/11/20</a:t>
+              <a:t>2013/11/22</a:t>
             </a:fld>
             <a:endParaRPr lang="zh-CN" altLang="en-US"/>
           </a:p>
@@ -8573,7 +8577,7 @@
           <a:p>
             <a:fld id="{F06CDC8D-25DE-4581-BD3E-1D12832A0D0D}" type="datetimeFigureOut">
               <a:rPr lang="zh-CN" altLang="en-US" smtClean="0"/>
-              <a:t>2013/11/20</a:t>
+              <a:t>2013/11/22</a:t>
             </a:fld>
             <a:endParaRPr lang="zh-CN" altLang="en-US"/>
           </a:p>
@@ -8826,7 +8830,7 @@
           <a:p>
             <a:fld id="{F06CDC8D-25DE-4581-BD3E-1D12832A0D0D}" type="datetimeFigureOut">
               <a:rPr lang="zh-CN" altLang="en-US" smtClean="0"/>
-              <a:t>2013/11/20</a:t>
+              <a:t>2013/11/22</a:t>
             </a:fld>
             <a:endParaRPr lang="zh-CN" altLang="en-US"/>
           </a:p>
@@ -9039,7 +9043,7 @@
           <a:p>
             <a:fld id="{F06CDC8D-25DE-4581-BD3E-1D12832A0D0D}" type="datetimeFigureOut">
               <a:rPr lang="zh-CN" altLang="en-US" smtClean="0"/>
-              <a:t>2013/11/20</a:t>
+              <a:t>2013/11/22</a:t>
             </a:fld>
             <a:endParaRPr lang="zh-CN" altLang="en-US"/>
           </a:p>
@@ -13032,11 +13036,7 @@
           <a:p>
             <a:r>
               <a:rPr lang="zh-CN" altLang="en-US" dirty="0" smtClean="0"/>
-              <a:t>动手</a:t>
-            </a:r>
-            <a:r>
-              <a:rPr lang="zh-CN" altLang="en-US" dirty="0" smtClean="0"/>
-              <a:t>实验</a:t>
+              <a:t>动手实验</a:t>
             </a:r>
             <a:endParaRPr lang="zh-CN" altLang="en-US" dirty="0"/>
           </a:p>
